--- a/프론트엔드기초(PPT)/CSS3 2강_CSS 셀렉터.pptx
+++ b/프론트엔드기초(PPT)/CSS3 2강_CSS 셀렉터.pptx
@@ -4,6 +4,9 @@
   <p:sldMasterIdLst>
     <p:sldMasterId id="2147483648" r:id="rId1"/>
   </p:sldMasterIdLst>
+  <p:notesMasterIdLst>
+    <p:notesMasterId r:id="rId18"/>
+  </p:notesMasterIdLst>
   <p:sldIdLst>
     <p:sldId id="256" r:id="rId2"/>
     <p:sldId id="262" r:id="rId3"/>
@@ -122,6 +125,440 @@
 </p:presentation>
 </file>
 
+<file path=ppt/notesMasters/notesMaster1.xml><?xml version="1.0" encoding="utf-8"?>
+<p:notesMaster xmlns:a="http://schemas.openxmlformats.org/drawingml/2006/main" xmlns:r="http://schemas.openxmlformats.org/officeDocument/2006/relationships" xmlns:p="http://schemas.openxmlformats.org/presentationml/2006/main">
+  <p:cSld>
+    <p:bg>
+      <p:bgRef idx="1001">
+        <a:schemeClr val="bg1"/>
+      </p:bgRef>
+    </p:bg>
+    <p:spTree>
+      <p:nvGrpSpPr>
+        <p:cNvPr id="1" name=""/>
+        <p:cNvGrpSpPr/>
+        <p:nvPr/>
+      </p:nvGrpSpPr>
+      <p:grpSpPr>
+        <a:xfrm>
+          <a:off x="0" y="0"/>
+          <a:ext cx="0" cy="0"/>
+          <a:chOff x="0" y="0"/>
+          <a:chExt cx="0" cy="0"/>
+        </a:xfrm>
+      </p:grpSpPr>
+      <p:sp>
+        <p:nvSpPr>
+          <p:cNvPr id="2" name="머리글 개체 틀 1"/>
+          <p:cNvSpPr>
+            <a:spLocks noGrp="1"/>
+          </p:cNvSpPr>
+          <p:nvPr>
+            <p:ph type="hdr" sz="quarter"/>
+          </p:nvPr>
+        </p:nvSpPr>
+        <p:spPr>
+          <a:xfrm>
+            <a:off x="0" y="0"/>
+            <a:ext cx="2971800" cy="457200"/>
+          </a:xfrm>
+          <a:prstGeom prst="rect">
+            <a:avLst/>
+          </a:prstGeom>
+        </p:spPr>
+        <p:txBody>
+          <a:bodyPr vert="horz" lIns="91440" tIns="45720" rIns="91440" bIns="45720" rtlCol="0"/>
+          <a:lstStyle>
+            <a:lvl1pPr algn="l">
+              <a:defRPr sz="1200"/>
+            </a:lvl1pPr>
+          </a:lstStyle>
+          <a:p>
+            <a:endParaRPr lang="ko-KR" altLang="en-US"/>
+          </a:p>
+        </p:txBody>
+      </p:sp>
+      <p:sp>
+        <p:nvSpPr>
+          <p:cNvPr id="3" name="날짜 개체 틀 2"/>
+          <p:cNvSpPr>
+            <a:spLocks noGrp="1"/>
+          </p:cNvSpPr>
+          <p:nvPr>
+            <p:ph type="dt" idx="1"/>
+          </p:nvPr>
+        </p:nvSpPr>
+        <p:spPr>
+          <a:xfrm>
+            <a:off x="3884613" y="0"/>
+            <a:ext cx="2971800" cy="457200"/>
+          </a:xfrm>
+          <a:prstGeom prst="rect">
+            <a:avLst/>
+          </a:prstGeom>
+        </p:spPr>
+        <p:txBody>
+          <a:bodyPr vert="horz" lIns="91440" tIns="45720" rIns="91440" bIns="45720" rtlCol="0"/>
+          <a:lstStyle>
+            <a:lvl1pPr algn="r">
+              <a:defRPr sz="1200"/>
+            </a:lvl1pPr>
+          </a:lstStyle>
+          <a:p>
+            <a:fld id="{39C3FBC0-BEE7-47A2-A835-5C7C42AA42BA}" type="datetimeFigureOut">
+              <a:rPr lang="ko-KR" altLang="en-US" smtClean="0"/>
+              <a:t>2020-09-15</a:t>
+            </a:fld>
+            <a:endParaRPr lang="ko-KR" altLang="en-US"/>
+          </a:p>
+        </p:txBody>
+      </p:sp>
+      <p:sp>
+        <p:nvSpPr>
+          <p:cNvPr id="4" name="슬라이드 이미지 개체 틀 3"/>
+          <p:cNvSpPr>
+            <a:spLocks noGrp="1" noRot="1" noChangeAspect="1"/>
+          </p:cNvSpPr>
+          <p:nvPr>
+            <p:ph type="sldImg" idx="2"/>
+          </p:nvPr>
+        </p:nvSpPr>
+        <p:spPr>
+          <a:xfrm>
+            <a:off x="1143000" y="685800"/>
+            <a:ext cx="4572000" cy="3429000"/>
+          </a:xfrm>
+          <a:prstGeom prst="rect">
+            <a:avLst/>
+          </a:prstGeom>
+          <a:noFill/>
+          <a:ln w="12700">
+            <a:solidFill>
+              <a:prstClr val="black"/>
+            </a:solidFill>
+          </a:ln>
+        </p:spPr>
+        <p:txBody>
+          <a:bodyPr vert="horz" lIns="91440" tIns="45720" rIns="91440" bIns="45720" rtlCol="0" anchor="ctr"/>
+          <a:lstStyle/>
+          <a:p>
+            <a:endParaRPr lang="ko-KR" altLang="en-US"/>
+          </a:p>
+        </p:txBody>
+      </p:sp>
+      <p:sp>
+        <p:nvSpPr>
+          <p:cNvPr id="5" name="슬라이드 노트 개체 틀 4"/>
+          <p:cNvSpPr>
+            <a:spLocks noGrp="1"/>
+          </p:cNvSpPr>
+          <p:nvPr>
+            <p:ph type="body" sz="quarter" idx="3"/>
+          </p:nvPr>
+        </p:nvSpPr>
+        <p:spPr>
+          <a:xfrm>
+            <a:off x="685800" y="4343400"/>
+            <a:ext cx="5486400" cy="4114800"/>
+          </a:xfrm>
+          <a:prstGeom prst="rect">
+            <a:avLst/>
+          </a:prstGeom>
+        </p:spPr>
+        <p:txBody>
+          <a:bodyPr vert="horz" lIns="91440" tIns="45720" rIns="91440" bIns="45720" rtlCol="0"/>
+          <a:lstStyle/>
+          <a:p>
+            <a:pPr lvl="0"/>
+            <a:r>
+              <a:rPr lang="ko-KR" altLang="en-US" smtClean="0"/>
+              <a:t>마스터 텍스트 스타일을 편집합니다</a:t>
+            </a:r>
+          </a:p>
+          <a:p>
+            <a:pPr lvl="1"/>
+            <a:r>
+              <a:rPr lang="ko-KR" altLang="en-US" smtClean="0"/>
+              <a:t>둘째 수준</a:t>
+            </a:r>
+          </a:p>
+          <a:p>
+            <a:pPr lvl="2"/>
+            <a:r>
+              <a:rPr lang="ko-KR" altLang="en-US" smtClean="0"/>
+              <a:t>셋째 수준</a:t>
+            </a:r>
+          </a:p>
+          <a:p>
+            <a:pPr lvl="3"/>
+            <a:r>
+              <a:rPr lang="ko-KR" altLang="en-US" smtClean="0"/>
+              <a:t>넷째 수준</a:t>
+            </a:r>
+          </a:p>
+          <a:p>
+            <a:pPr lvl="4"/>
+            <a:r>
+              <a:rPr lang="ko-KR" altLang="en-US" smtClean="0"/>
+              <a:t>다섯째 수준</a:t>
+            </a:r>
+            <a:endParaRPr lang="ko-KR" altLang="en-US"/>
+          </a:p>
+        </p:txBody>
+      </p:sp>
+      <p:sp>
+        <p:nvSpPr>
+          <p:cNvPr id="6" name="바닥글 개체 틀 5"/>
+          <p:cNvSpPr>
+            <a:spLocks noGrp="1"/>
+          </p:cNvSpPr>
+          <p:nvPr>
+            <p:ph type="ftr" sz="quarter" idx="4"/>
+          </p:nvPr>
+        </p:nvSpPr>
+        <p:spPr>
+          <a:xfrm>
+            <a:off x="0" y="8685213"/>
+            <a:ext cx="2971800" cy="457200"/>
+          </a:xfrm>
+          <a:prstGeom prst="rect">
+            <a:avLst/>
+          </a:prstGeom>
+        </p:spPr>
+        <p:txBody>
+          <a:bodyPr vert="horz" lIns="91440" tIns="45720" rIns="91440" bIns="45720" rtlCol="0" anchor="b"/>
+          <a:lstStyle>
+            <a:lvl1pPr algn="l">
+              <a:defRPr sz="1200"/>
+            </a:lvl1pPr>
+          </a:lstStyle>
+          <a:p>
+            <a:endParaRPr lang="ko-KR" altLang="en-US"/>
+          </a:p>
+        </p:txBody>
+      </p:sp>
+      <p:sp>
+        <p:nvSpPr>
+          <p:cNvPr id="7" name="슬라이드 번호 개체 틀 6"/>
+          <p:cNvSpPr>
+            <a:spLocks noGrp="1"/>
+          </p:cNvSpPr>
+          <p:nvPr>
+            <p:ph type="sldNum" sz="quarter" idx="5"/>
+          </p:nvPr>
+        </p:nvSpPr>
+        <p:spPr>
+          <a:xfrm>
+            <a:off x="3884613" y="8685213"/>
+            <a:ext cx="2971800" cy="457200"/>
+          </a:xfrm>
+          <a:prstGeom prst="rect">
+            <a:avLst/>
+          </a:prstGeom>
+        </p:spPr>
+        <p:txBody>
+          <a:bodyPr vert="horz" lIns="91440" tIns="45720" rIns="91440" bIns="45720" rtlCol="0" anchor="b"/>
+          <a:lstStyle>
+            <a:lvl1pPr algn="r">
+              <a:defRPr sz="1200"/>
+            </a:lvl1pPr>
+          </a:lstStyle>
+          <a:p>
+            <a:fld id="{08595534-069C-4B43-A3B0-988B8A28C7F6}" type="slidenum">
+              <a:rPr lang="ko-KR" altLang="en-US" smtClean="0"/>
+              <a:t>‹#›</a:t>
+            </a:fld>
+            <a:endParaRPr lang="ko-KR" altLang="en-US"/>
+          </a:p>
+        </p:txBody>
+      </p:sp>
+    </p:spTree>
+    <p:extLst>
+      <p:ext uri="{BB962C8B-B14F-4D97-AF65-F5344CB8AC3E}">
+        <p14:creationId xmlns:p14="http://schemas.microsoft.com/office/powerpoint/2010/main" val="1925584774"/>
+      </p:ext>
+    </p:extLst>
+  </p:cSld>
+  <p:clrMap bg1="lt1" tx1="dk1" bg2="lt2" tx2="dk2" accent1="accent1" accent2="accent2" accent3="accent3" accent4="accent4" accent5="accent5" accent6="accent6" hlink="hlink" folHlink="folHlink"/>
+  <p:notesStyle>
+    <a:lvl1pPr marL="0" algn="l" defTabSz="914400" rtl="0" eaLnBrk="1" latinLnBrk="1" hangingPunct="1">
+      <a:defRPr sz="1200" kern="1200">
+        <a:solidFill>
+          <a:schemeClr val="tx1"/>
+        </a:solidFill>
+        <a:latin typeface="+mn-lt"/>
+        <a:ea typeface="+mn-ea"/>
+        <a:cs typeface="+mn-cs"/>
+      </a:defRPr>
+    </a:lvl1pPr>
+    <a:lvl2pPr marL="457200" algn="l" defTabSz="914400" rtl="0" eaLnBrk="1" latinLnBrk="1" hangingPunct="1">
+      <a:defRPr sz="1200" kern="1200">
+        <a:solidFill>
+          <a:schemeClr val="tx1"/>
+        </a:solidFill>
+        <a:latin typeface="+mn-lt"/>
+        <a:ea typeface="+mn-ea"/>
+        <a:cs typeface="+mn-cs"/>
+      </a:defRPr>
+    </a:lvl2pPr>
+    <a:lvl3pPr marL="914400" algn="l" defTabSz="914400" rtl="0" eaLnBrk="1" latinLnBrk="1" hangingPunct="1">
+      <a:defRPr sz="1200" kern="1200">
+        <a:solidFill>
+          <a:schemeClr val="tx1"/>
+        </a:solidFill>
+        <a:latin typeface="+mn-lt"/>
+        <a:ea typeface="+mn-ea"/>
+        <a:cs typeface="+mn-cs"/>
+      </a:defRPr>
+    </a:lvl3pPr>
+    <a:lvl4pPr marL="1371600" algn="l" defTabSz="914400" rtl="0" eaLnBrk="1" latinLnBrk="1" hangingPunct="1">
+      <a:defRPr sz="1200" kern="1200">
+        <a:solidFill>
+          <a:schemeClr val="tx1"/>
+        </a:solidFill>
+        <a:latin typeface="+mn-lt"/>
+        <a:ea typeface="+mn-ea"/>
+        <a:cs typeface="+mn-cs"/>
+      </a:defRPr>
+    </a:lvl4pPr>
+    <a:lvl5pPr marL="1828800" algn="l" defTabSz="914400" rtl="0" eaLnBrk="1" latinLnBrk="1" hangingPunct="1">
+      <a:defRPr sz="1200" kern="1200">
+        <a:solidFill>
+          <a:schemeClr val="tx1"/>
+        </a:solidFill>
+        <a:latin typeface="+mn-lt"/>
+        <a:ea typeface="+mn-ea"/>
+        <a:cs typeface="+mn-cs"/>
+      </a:defRPr>
+    </a:lvl5pPr>
+    <a:lvl6pPr marL="2286000" algn="l" defTabSz="914400" rtl="0" eaLnBrk="1" latinLnBrk="1" hangingPunct="1">
+      <a:defRPr sz="1200" kern="1200">
+        <a:solidFill>
+          <a:schemeClr val="tx1"/>
+        </a:solidFill>
+        <a:latin typeface="+mn-lt"/>
+        <a:ea typeface="+mn-ea"/>
+        <a:cs typeface="+mn-cs"/>
+      </a:defRPr>
+    </a:lvl6pPr>
+    <a:lvl7pPr marL="2743200" algn="l" defTabSz="914400" rtl="0" eaLnBrk="1" latinLnBrk="1" hangingPunct="1">
+      <a:defRPr sz="1200" kern="1200">
+        <a:solidFill>
+          <a:schemeClr val="tx1"/>
+        </a:solidFill>
+        <a:latin typeface="+mn-lt"/>
+        <a:ea typeface="+mn-ea"/>
+        <a:cs typeface="+mn-cs"/>
+      </a:defRPr>
+    </a:lvl7pPr>
+    <a:lvl8pPr marL="3200400" algn="l" defTabSz="914400" rtl="0" eaLnBrk="1" latinLnBrk="1" hangingPunct="1">
+      <a:defRPr sz="1200" kern="1200">
+        <a:solidFill>
+          <a:schemeClr val="tx1"/>
+        </a:solidFill>
+        <a:latin typeface="+mn-lt"/>
+        <a:ea typeface="+mn-ea"/>
+        <a:cs typeface="+mn-cs"/>
+      </a:defRPr>
+    </a:lvl8pPr>
+    <a:lvl9pPr marL="3657600" algn="l" defTabSz="914400" rtl="0" eaLnBrk="1" latinLnBrk="1" hangingPunct="1">
+      <a:defRPr sz="1200" kern="1200">
+        <a:solidFill>
+          <a:schemeClr val="tx1"/>
+        </a:solidFill>
+        <a:latin typeface="+mn-lt"/>
+        <a:ea typeface="+mn-ea"/>
+        <a:cs typeface="+mn-cs"/>
+      </a:defRPr>
+    </a:lvl9pPr>
+  </p:notesStyle>
+</p:notesMaster>
+</file>
+
+<file path=ppt/notesSlides/notesSlide1.xml><?xml version="1.0" encoding="utf-8"?>
+<p:notes xmlns:a="http://schemas.openxmlformats.org/drawingml/2006/main" xmlns:r="http://schemas.openxmlformats.org/officeDocument/2006/relationships" xmlns:p="http://schemas.openxmlformats.org/presentationml/2006/main">
+  <p:cSld>
+    <p:spTree>
+      <p:nvGrpSpPr>
+        <p:cNvPr id="1" name=""/>
+        <p:cNvGrpSpPr/>
+        <p:nvPr/>
+      </p:nvGrpSpPr>
+      <p:grpSpPr>
+        <a:xfrm>
+          <a:off x="0" y="0"/>
+          <a:ext cx="0" cy="0"/>
+          <a:chOff x="0" y="0"/>
+          <a:chExt cx="0" cy="0"/>
+        </a:xfrm>
+      </p:grpSpPr>
+      <p:sp>
+        <p:nvSpPr>
+          <p:cNvPr id="2" name="슬라이드 이미지 개체 틀 1"/>
+          <p:cNvSpPr>
+            <a:spLocks noGrp="1" noRot="1" noChangeAspect="1"/>
+          </p:cNvSpPr>
+          <p:nvPr>
+            <p:ph type="sldImg"/>
+          </p:nvPr>
+        </p:nvSpPr>
+        <p:spPr/>
+      </p:sp>
+      <p:sp>
+        <p:nvSpPr>
+          <p:cNvPr id="3" name="슬라이드 노트 개체 틀 2"/>
+          <p:cNvSpPr>
+            <a:spLocks noGrp="1"/>
+          </p:cNvSpPr>
+          <p:nvPr>
+            <p:ph type="body" idx="1"/>
+          </p:nvPr>
+        </p:nvSpPr>
+        <p:spPr/>
+        <p:txBody>
+          <a:bodyPr/>
+          <a:lstStyle/>
+          <a:p>
+            <a:endParaRPr lang="ko-KR" altLang="en-US" dirty="0"/>
+          </a:p>
+        </p:txBody>
+      </p:sp>
+      <p:sp>
+        <p:nvSpPr>
+          <p:cNvPr id="4" name="슬라이드 번호 개체 틀 3"/>
+          <p:cNvSpPr>
+            <a:spLocks noGrp="1"/>
+          </p:cNvSpPr>
+          <p:nvPr>
+            <p:ph type="sldNum" sz="quarter" idx="10"/>
+          </p:nvPr>
+        </p:nvSpPr>
+        <p:spPr/>
+        <p:txBody>
+          <a:bodyPr/>
+          <a:lstStyle/>
+          <a:p>
+            <a:fld id="{08595534-069C-4B43-A3B0-988B8A28C7F6}" type="slidenum">
+              <a:rPr lang="ko-KR" altLang="en-US" smtClean="0"/>
+              <a:t>11</a:t>
+            </a:fld>
+            <a:endParaRPr lang="ko-KR" altLang="en-US"/>
+          </a:p>
+        </p:txBody>
+      </p:sp>
+    </p:spTree>
+    <p:extLst>
+      <p:ext uri="{BB962C8B-B14F-4D97-AF65-F5344CB8AC3E}">
+        <p14:creationId xmlns:p14="http://schemas.microsoft.com/office/powerpoint/2010/main" val="1679822693"/>
+      </p:ext>
+    </p:extLst>
+  </p:cSld>
+  <p:clrMapOvr>
+    <a:masterClrMapping/>
+  </p:clrMapOvr>
+</p:notes>
+</file>
+
 <file path=ppt/slideLayouts/slideLayout1.xml><?xml version="1.0" encoding="utf-8"?>
 <p:sldLayout xmlns:a="http://schemas.openxmlformats.org/drawingml/2006/main" xmlns:r="http://schemas.openxmlformats.org/officeDocument/2006/relationships" xmlns:p="http://schemas.openxmlformats.org/presentationml/2006/main" type="title" preserve="1">
   <p:cSld name="제목 슬라이드">
@@ -303,7 +740,7 @@
           <a:p>
             <a:fld id="{FB30EDBD-1C2D-4C1E-B459-B60219FAB484}" type="datetimeFigureOut">
               <a:rPr lang="ko-KR" altLang="en-US" smtClean="0"/>
-              <a:t>2020-03-23</a:t>
+              <a:t>2020-09-15</a:t>
             </a:fld>
             <a:endParaRPr lang="ko-KR" altLang="en-US"/>
           </a:p>
@@ -468,7 +905,7 @@
           <a:p>
             <a:fld id="{FB30EDBD-1C2D-4C1E-B459-B60219FAB484}" type="datetimeFigureOut">
               <a:rPr lang="ko-KR" altLang="en-US" smtClean="0"/>
-              <a:t>2020-03-23</a:t>
+              <a:t>2020-09-15</a:t>
             </a:fld>
             <a:endParaRPr lang="ko-KR" altLang="en-US"/>
           </a:p>
@@ -643,7 +1080,7 @@
           <a:p>
             <a:fld id="{FB30EDBD-1C2D-4C1E-B459-B60219FAB484}" type="datetimeFigureOut">
               <a:rPr lang="ko-KR" altLang="en-US" smtClean="0"/>
-              <a:t>2020-03-23</a:t>
+              <a:t>2020-09-15</a:t>
             </a:fld>
             <a:endParaRPr lang="ko-KR" altLang="en-US"/>
           </a:p>
@@ -808,7 +1245,7 @@
           <a:p>
             <a:fld id="{FB30EDBD-1C2D-4C1E-B459-B60219FAB484}" type="datetimeFigureOut">
               <a:rPr lang="ko-KR" altLang="en-US" smtClean="0"/>
-              <a:t>2020-03-23</a:t>
+              <a:t>2020-09-15</a:t>
             </a:fld>
             <a:endParaRPr lang="ko-KR" altLang="en-US"/>
           </a:p>
@@ -1049,7 +1486,7 @@
           <a:p>
             <a:fld id="{FB30EDBD-1C2D-4C1E-B459-B60219FAB484}" type="datetimeFigureOut">
               <a:rPr lang="ko-KR" altLang="en-US" smtClean="0"/>
-              <a:t>2020-03-23</a:t>
+              <a:t>2020-09-15</a:t>
             </a:fld>
             <a:endParaRPr lang="ko-KR" altLang="en-US"/>
           </a:p>
@@ -1332,7 +1769,7 @@
           <a:p>
             <a:fld id="{FB30EDBD-1C2D-4C1E-B459-B60219FAB484}" type="datetimeFigureOut">
               <a:rPr lang="ko-KR" altLang="en-US" smtClean="0"/>
-              <a:t>2020-03-23</a:t>
+              <a:t>2020-09-15</a:t>
             </a:fld>
             <a:endParaRPr lang="ko-KR" altLang="en-US"/>
           </a:p>
@@ -1749,7 +2186,7 @@
           <a:p>
             <a:fld id="{FB30EDBD-1C2D-4C1E-B459-B60219FAB484}" type="datetimeFigureOut">
               <a:rPr lang="ko-KR" altLang="en-US" smtClean="0"/>
-              <a:t>2020-03-23</a:t>
+              <a:t>2020-09-15</a:t>
             </a:fld>
             <a:endParaRPr lang="ko-KR" altLang="en-US"/>
           </a:p>
@@ -1862,7 +2299,7 @@
           <a:p>
             <a:fld id="{FB30EDBD-1C2D-4C1E-B459-B60219FAB484}" type="datetimeFigureOut">
               <a:rPr lang="ko-KR" altLang="en-US" smtClean="0"/>
-              <a:t>2020-03-23</a:t>
+              <a:t>2020-09-15</a:t>
             </a:fld>
             <a:endParaRPr lang="ko-KR" altLang="en-US"/>
           </a:p>
@@ -1952,7 +2389,7 @@
           <a:p>
             <a:fld id="{FB30EDBD-1C2D-4C1E-B459-B60219FAB484}" type="datetimeFigureOut">
               <a:rPr lang="ko-KR" altLang="en-US" smtClean="0"/>
-              <a:t>2020-03-23</a:t>
+              <a:t>2020-09-15</a:t>
             </a:fld>
             <a:endParaRPr lang="ko-KR" altLang="en-US"/>
           </a:p>
@@ -2224,7 +2661,7 @@
           <a:p>
             <a:fld id="{FB30EDBD-1C2D-4C1E-B459-B60219FAB484}" type="datetimeFigureOut">
               <a:rPr lang="ko-KR" altLang="en-US" smtClean="0"/>
-              <a:t>2020-03-23</a:t>
+              <a:t>2020-09-15</a:t>
             </a:fld>
             <a:endParaRPr lang="ko-KR" altLang="en-US"/>
           </a:p>
@@ -2472,7 +2909,7 @@
           <a:p>
             <a:fld id="{FB30EDBD-1C2D-4C1E-B459-B60219FAB484}" type="datetimeFigureOut">
               <a:rPr lang="ko-KR" altLang="en-US" smtClean="0"/>
-              <a:t>2020-03-23</a:t>
+              <a:t>2020-09-15</a:t>
             </a:fld>
             <a:endParaRPr lang="ko-KR" altLang="en-US"/>
           </a:p>
@@ -2680,7 +3117,7 @@
           <a:p>
             <a:fld id="{FB30EDBD-1C2D-4C1E-B459-B60219FAB484}" type="datetimeFigureOut">
               <a:rPr lang="ko-KR" altLang="en-US" smtClean="0"/>
-              <a:t>2020-03-23</a:t>
+              <a:t>2020-09-15</a:t>
             </a:fld>
             <a:endParaRPr lang="ko-KR" altLang="en-US"/>
           </a:p>
@@ -3375,14 +3812,7 @@
                 <a:latin typeface="배달의민족 주아" pitchFamily="18" charset="-127"/>
                 <a:ea typeface="배달의민족 주아" pitchFamily="18" charset="-127"/>
               </a:rPr>
-              <a:t>후</a:t>
-            </a:r>
-            <a:r>
-              <a:rPr lang="ko-KR" altLang="en-US" dirty="0" smtClean="0">
-                <a:latin typeface="배달의민족 주아" pitchFamily="18" charset="-127"/>
-                <a:ea typeface="배달의민족 주아" pitchFamily="18" charset="-127"/>
-              </a:rPr>
-              <a:t>손 </a:t>
+              <a:t>후손 </a:t>
             </a:r>
             <a:r>
               <a:rPr lang="ko-KR" altLang="en-US" dirty="0" err="1" smtClean="0">
@@ -3602,13 +4032,27 @@
         </p:nvSpPr>
         <p:spPr>
           <a:xfrm>
-            <a:off x="2267744" y="878855"/>
-            <a:ext cx="4752528" cy="1830065"/>
+            <a:off x="1691680" y="620689"/>
+            <a:ext cx="6264696" cy="2520280"/>
           </a:xfrm>
           <a:prstGeom prst="rect">
             <a:avLst/>
           </a:prstGeom>
         </p:spPr>
+        <p:style>
+          <a:lnRef idx="2">
+            <a:schemeClr val="accent5"/>
+          </a:lnRef>
+          <a:fillRef idx="1">
+            <a:schemeClr val="lt1"/>
+          </a:fillRef>
+          <a:effectRef idx="0">
+            <a:schemeClr val="accent5"/>
+          </a:effectRef>
+          <a:fontRef idx="minor">
+            <a:schemeClr val="dk1"/>
+          </a:fontRef>
+        </p:style>
         <p:txBody>
           <a:bodyPr vert="horz" lIns="91440" tIns="45720" rIns="91440" bIns="45720" rtlCol="0" anchor="ctr">
             <a:noAutofit/>
@@ -3663,21 +4107,35 @@
                 <a:latin typeface="배달의민족 주아" pitchFamily="18" charset="-127"/>
                 <a:ea typeface="배달의민족 주아" pitchFamily="18" charset="-127"/>
               </a:rPr>
-              <a:t>		&lt;p&gt;</a:t>
+              <a:t>		&lt;</a:t>
+            </a:r>
+            <a:r>
+              <a:rPr lang="en-US" altLang="ko-KR" sz="2400" dirty="0" smtClean="0">
+                <a:latin typeface="배달의민족 주아" pitchFamily="18" charset="-127"/>
+                <a:ea typeface="배달의민족 주아" pitchFamily="18" charset="-127"/>
+              </a:rPr>
+              <a:t>p&gt;div</a:t>
             </a:r>
             <a:r>
               <a:rPr lang="ko-KR" altLang="en-US" sz="2400" dirty="0" smtClean="0">
                 <a:latin typeface="배달의민족 주아" pitchFamily="18" charset="-127"/>
                 <a:ea typeface="배달의민족 주아" pitchFamily="18" charset="-127"/>
               </a:rPr>
-              <a:t>안녕하세요</a:t>
+              <a:t>의 아들입니다</a:t>
             </a:r>
             <a:r>
               <a:rPr lang="en-US" altLang="ko-KR" sz="2400" dirty="0" smtClean="0">
                 <a:latin typeface="배달의민족 주아" pitchFamily="18" charset="-127"/>
                 <a:ea typeface="배달의민족 주아" pitchFamily="18" charset="-127"/>
               </a:rPr>
-              <a:t>&lt;/p&gt;</a:t>
+              <a:t>&lt;/</a:t>
+            </a:r>
+            <a:r>
+              <a:rPr lang="en-US" altLang="ko-KR" sz="2400" dirty="0" smtClean="0">
+                <a:latin typeface="배달의민족 주아" pitchFamily="18" charset="-127"/>
+                <a:ea typeface="배달의민족 주아" pitchFamily="18" charset="-127"/>
+              </a:rPr>
+              <a:t>p&gt;</a:t>
             </a:r>
           </a:p>
           <a:p>
@@ -3701,21 +4159,49 @@
                 <a:latin typeface="배달의민족 주아" pitchFamily="18" charset="-127"/>
                 <a:ea typeface="배달의민족 주아" pitchFamily="18" charset="-127"/>
               </a:rPr>
-              <a:t>&lt;p&gt;</a:t>
-            </a:r>
-            <a:r>
-              <a:rPr lang="ko-KR" altLang="en-US" sz="2400" dirty="0">
-                <a:latin typeface="배달의민족 주아" pitchFamily="18" charset="-127"/>
-                <a:ea typeface="배달의민족 주아" pitchFamily="18" charset="-127"/>
-              </a:rPr>
-              <a:t>반갑습니다</a:t>
+              <a:t>&lt;p</a:t>
+            </a:r>
+            <a:r>
+              <a:rPr lang="en-US" altLang="ko-KR" sz="2400" dirty="0" smtClean="0">
+                <a:latin typeface="배달의민족 주아" pitchFamily="18" charset="-127"/>
+                <a:ea typeface="배달의민족 주아" pitchFamily="18" charset="-127"/>
+              </a:rPr>
+              <a:t>&gt;</a:t>
+            </a:r>
+            <a:r>
+              <a:rPr lang="ko-KR" altLang="en-US" sz="2400" dirty="0" smtClean="0">
+                <a:latin typeface="배달의민족 주아" pitchFamily="18" charset="-127"/>
+                <a:ea typeface="배달의민족 주아" pitchFamily="18" charset="-127"/>
+              </a:rPr>
+              <a:t>저도 </a:t>
+            </a:r>
+            <a:r>
+              <a:rPr lang="en-US" altLang="ko-KR" sz="2400" dirty="0" smtClean="0">
+                <a:latin typeface="배달의민족 주아" pitchFamily="18" charset="-127"/>
+                <a:ea typeface="배달의민족 주아" pitchFamily="18" charset="-127"/>
+              </a:rPr>
+              <a:t>div</a:t>
+            </a:r>
+            <a:r>
+              <a:rPr lang="ko-KR" altLang="en-US" sz="2400" dirty="0" smtClean="0">
+                <a:latin typeface="배달의민족 주아" pitchFamily="18" charset="-127"/>
+                <a:ea typeface="배달의민족 주아" pitchFamily="18" charset="-127"/>
+              </a:rPr>
+              <a:t>의 아들입니다</a:t>
+            </a:r>
+            <a:r>
+              <a:rPr lang="en-US" altLang="ko-KR" sz="2400" dirty="0" smtClean="0">
+                <a:latin typeface="배달의민족 주아" pitchFamily="18" charset="-127"/>
+                <a:ea typeface="배달의민족 주아" pitchFamily="18" charset="-127"/>
+              </a:rPr>
+              <a:t>.&lt;/</a:t>
             </a:r>
             <a:r>
               <a:rPr lang="en-US" altLang="ko-KR" sz="2400" dirty="0">
                 <a:latin typeface="배달의민족 주아" pitchFamily="18" charset="-127"/>
                 <a:ea typeface="배달의민족 주아" pitchFamily="18" charset="-127"/>
               </a:rPr>
-              <a:t>&lt;/p</a:t>
+              <a:t>p</a:t>
             </a:r>
             <a:r>
               <a:rPr lang="en-US" altLang="ko-KR" sz="2400" dirty="0" smtClean="0">
@@ -3756,14 +4242,21 @@
                 <a:latin typeface="배달의민족 주아" pitchFamily="18" charset="-127"/>
                 <a:ea typeface="배달의민족 주아" pitchFamily="18" charset="-127"/>
               </a:rPr>
-              <a:t>&lt;p&gt;</a:t>
+              <a:t>&lt;p</a:t>
+            </a:r>
+            <a:r>
+              <a:rPr lang="en-US" altLang="ko-KR" sz="2400" dirty="0" smtClean="0">
+                <a:latin typeface="배달의민족 주아" pitchFamily="18" charset="-127"/>
+                <a:ea typeface="배달의민족 주아" pitchFamily="18" charset="-127"/>
+              </a:rPr>
+              <a:t>&gt;</a:t>
             </a:r>
             <a:r>
               <a:rPr lang="ko-KR" altLang="en-US" sz="2400" dirty="0" smtClean="0">
                 <a:latin typeface="배달의민족 주아" pitchFamily="18" charset="-127"/>
                 <a:ea typeface="배달의민족 주아" pitchFamily="18" charset="-127"/>
               </a:rPr>
-              <a:t>행복하세요</a:t>
+              <a:t>모두 행복하세요</a:t>
             </a:r>
             <a:r>
               <a:rPr lang="en-US" altLang="ko-KR" sz="2400" dirty="0" smtClean="0">
@@ -4307,13 +4800,27 @@
         </p:nvSpPr>
         <p:spPr>
           <a:xfrm>
-            <a:off x="2267744" y="1166887"/>
-            <a:ext cx="6408712" cy="1830065"/>
+            <a:off x="1619672" y="260648"/>
+            <a:ext cx="6408712" cy="3672408"/>
           </a:xfrm>
           <a:prstGeom prst="rect">
             <a:avLst/>
           </a:prstGeom>
         </p:spPr>
+        <p:style>
+          <a:lnRef idx="2">
+            <a:schemeClr val="accent5"/>
+          </a:lnRef>
+          <a:fillRef idx="1">
+            <a:schemeClr val="lt1"/>
+          </a:fillRef>
+          <a:effectRef idx="0">
+            <a:schemeClr val="accent5"/>
+          </a:effectRef>
+          <a:fontRef idx="minor">
+            <a:schemeClr val="dk1"/>
+          </a:fontRef>
+        </p:style>
         <p:txBody>
           <a:bodyPr vert="horz" lIns="91440" tIns="45720" rIns="91440" bIns="45720" rtlCol="0" anchor="ctr">
             <a:noAutofit/>
@@ -4358,8 +4865,19 @@
                 <a:latin typeface="배달의민족 주아" pitchFamily="18" charset="-127"/>
                 <a:ea typeface="배달의민족 주아" pitchFamily="18" charset="-127"/>
               </a:rPr>
-              <a:t>&lt;div&gt;</a:t>
-            </a:r>
+              <a:t>&lt;</a:t>
+            </a:r>
+            <a:r>
+              <a:rPr lang="en-US" altLang="ko-KR" sz="2400" dirty="0" smtClean="0">
+                <a:latin typeface="배달의민족 주아" pitchFamily="18" charset="-127"/>
+                <a:ea typeface="배달의민족 주아" pitchFamily="18" charset="-127"/>
+              </a:rPr>
+              <a:t>div&gt;</a:t>
+            </a:r>
+            <a:endParaRPr lang="en-US" altLang="ko-KR" sz="2400" dirty="0" smtClean="0">
+              <a:latin typeface="배달의민족 주아" pitchFamily="18" charset="-127"/>
+              <a:ea typeface="배달의민족 주아" pitchFamily="18" charset="-127"/>
+            </a:endParaRPr>
           </a:p>
           <a:p>
             <a:pPr algn="l"/>
@@ -4444,8 +4962,19 @@
                 <a:latin typeface="배달의민족 주아" pitchFamily="18" charset="-127"/>
                 <a:ea typeface="배달의민족 주아" pitchFamily="18" charset="-127"/>
               </a:rPr>
-              <a:t>	&lt;article&gt;</a:t>
-            </a:r>
+              <a:t>	</a:t>
+            </a:r>
+            <a:r>
+              <a:rPr lang="en-US" altLang="ko-KR" sz="2400" dirty="0" smtClean="0">
+                <a:latin typeface="배달의민족 주아" pitchFamily="18" charset="-127"/>
+                <a:ea typeface="배달의민족 주아" pitchFamily="18" charset="-127"/>
+              </a:rPr>
+              <a:t>&lt;article&gt;</a:t>
+            </a:r>
+            <a:endParaRPr lang="en-US" altLang="ko-KR" sz="2400" dirty="0" smtClean="0">
+              <a:latin typeface="배달의민족 주아" pitchFamily="18" charset="-127"/>
+              <a:ea typeface="배달의민족 주아" pitchFamily="18" charset="-127"/>
+            </a:endParaRPr>
           </a:p>
           <a:p>
             <a:pPr algn="l"/>
@@ -4492,8 +5021,19 @@
                 <a:latin typeface="배달의민족 주아" pitchFamily="18" charset="-127"/>
                 <a:ea typeface="배달의민족 주아" pitchFamily="18" charset="-127"/>
               </a:rPr>
-              <a:t>	&lt;/article&gt;</a:t>
-            </a:r>
+              <a:t>	</a:t>
+            </a:r>
+            <a:r>
+              <a:rPr lang="en-US" altLang="ko-KR" sz="2400" dirty="0" smtClean="0">
+                <a:latin typeface="배달의민족 주아" pitchFamily="18" charset="-127"/>
+                <a:ea typeface="배달의민족 주아" pitchFamily="18" charset="-127"/>
+              </a:rPr>
+              <a:t>&lt;/article&gt;</a:t>
+            </a:r>
+            <a:endParaRPr lang="en-US" altLang="ko-KR" sz="2400" dirty="0" smtClean="0">
+              <a:latin typeface="배달의민족 주아" pitchFamily="18" charset="-127"/>
+              <a:ea typeface="배달의민족 주아" pitchFamily="18" charset="-127"/>
+            </a:endParaRPr>
           </a:p>
           <a:p>
             <a:pPr algn="l"/>
@@ -4526,14 +5066,21 @@
                 <a:latin typeface="배달의민족 주아" pitchFamily="18" charset="-127"/>
                 <a:ea typeface="배달의민족 주아" pitchFamily="18" charset="-127"/>
               </a:rPr>
-              <a:t>&lt;p&gt;</a:t>
+              <a:t>&lt;</a:t>
+            </a:r>
+            <a:r>
+              <a:rPr lang="en-US" altLang="ko-KR" sz="2400" dirty="0" smtClean="0">
+                <a:latin typeface="배달의민족 주아" pitchFamily="18" charset="-127"/>
+                <a:ea typeface="배달의민족 주아" pitchFamily="18" charset="-127"/>
+              </a:rPr>
+              <a:t>p&gt;</a:t>
             </a:r>
             <a:r>
               <a:rPr lang="ko-KR" altLang="en-US" sz="2400" dirty="0" smtClean="0">
                 <a:latin typeface="배달의민족 주아" pitchFamily="18" charset="-127"/>
                 <a:ea typeface="배달의민족 주아" pitchFamily="18" charset="-127"/>
               </a:rPr>
-              <a:t>행복하세요</a:t>
+              <a:t>나는 선택하지 마세요</a:t>
             </a:r>
             <a:r>
               <a:rPr lang="en-US" altLang="ko-KR" sz="2400" dirty="0" smtClean="0">
@@ -5311,16 +5858,30 @@
         </p:nvSpPr>
         <p:spPr>
           <a:xfrm>
-            <a:off x="2267744" y="662831"/>
-            <a:ext cx="4752528" cy="1470025"/>
+            <a:off x="1907703" y="908720"/>
+            <a:ext cx="5390811" cy="1470025"/>
           </a:xfrm>
           <a:prstGeom prst="rect">
             <a:avLst/>
           </a:prstGeom>
         </p:spPr>
+        <p:style>
+          <a:lnRef idx="2">
+            <a:schemeClr val="accent5"/>
+          </a:lnRef>
+          <a:fillRef idx="1">
+            <a:schemeClr val="lt1"/>
+          </a:fillRef>
+          <a:effectRef idx="0">
+            <a:schemeClr val="accent5"/>
+          </a:effectRef>
+          <a:fontRef idx="minor">
+            <a:schemeClr val="dk1"/>
+          </a:fontRef>
+        </p:style>
         <p:txBody>
           <a:bodyPr vert="horz" lIns="91440" tIns="45720" rIns="91440" bIns="45720" rtlCol="0" anchor="ctr">
-            <a:normAutofit fontScale="77500" lnSpcReduction="20000"/>
+            <a:noAutofit/>
           </a:bodyPr>
           <a:lstStyle>
             <a:lvl1pPr algn="ctr" defTabSz="914400" rtl="0" eaLnBrk="1" latinLnBrk="1" hangingPunct="1">
@@ -5341,7 +5902,7 @@
           <a:p>
             <a:pPr algn="l"/>
             <a:r>
-              <a:rPr lang="en-US" altLang="ko-KR" sz="3600" dirty="0" smtClean="0">
+              <a:rPr lang="en-US" altLang="ko-KR" sz="2400" dirty="0" smtClean="0">
                 <a:latin typeface="배달의민족 주아" pitchFamily="18" charset="-127"/>
                 <a:ea typeface="배달의민족 주아" pitchFamily="18" charset="-127"/>
               </a:rPr>
@@ -5351,58 +5912,86 @@
           <a:p>
             <a:pPr algn="l"/>
             <a:r>
-              <a:rPr lang="en-US" altLang="ko-KR" sz="3600" dirty="0" smtClean="0">
-                <a:latin typeface="배달의민족 주아" pitchFamily="18" charset="-127"/>
-                <a:ea typeface="배달의민족 주아" pitchFamily="18" charset="-127"/>
-              </a:rPr>
-              <a:t>	&lt;h1&gt;</a:t>
-            </a:r>
-            <a:r>
-              <a:rPr lang="ko-KR" altLang="en-US" sz="3600" dirty="0" smtClean="0">
-                <a:latin typeface="배달의민족 주아" pitchFamily="18" charset="-127"/>
-                <a:ea typeface="배달의민족 주아" pitchFamily="18" charset="-127"/>
-              </a:rPr>
-              <a:t>안녕하세요</a:t>
-            </a:r>
-            <a:r>
-              <a:rPr lang="en-US" altLang="ko-KR" sz="3600" dirty="0" smtClean="0">
-                <a:latin typeface="배달의민족 주아" pitchFamily="18" charset="-127"/>
-                <a:ea typeface="배달의민족 주아" pitchFamily="18" charset="-127"/>
-              </a:rPr>
-              <a:t>&lt;/h1&gt;</a:t>
+              <a:rPr lang="en-US" altLang="ko-KR" sz="2400" dirty="0" smtClean="0">
+                <a:latin typeface="배달의민족 주아" pitchFamily="18" charset="-127"/>
+                <a:ea typeface="배달의민족 주아" pitchFamily="18" charset="-127"/>
+              </a:rPr>
+              <a:t>	&lt;</a:t>
+            </a:r>
+            <a:r>
+              <a:rPr lang="en-US" altLang="ko-KR" sz="2400" dirty="0" smtClean="0">
+                <a:latin typeface="배달의민족 주아" pitchFamily="18" charset="-127"/>
+                <a:ea typeface="배달의민족 주아" pitchFamily="18" charset="-127"/>
+              </a:rPr>
+              <a:t>h1&gt;</a:t>
+            </a:r>
+            <a:r>
+              <a:rPr lang="ko-KR" altLang="en-US" sz="2400" dirty="0" smtClean="0">
+                <a:latin typeface="배달의민족 주아" pitchFamily="18" charset="-127"/>
+                <a:ea typeface="배달의민족 주아" pitchFamily="18" charset="-127"/>
+              </a:rPr>
+              <a:t>동시에 뽑아주세요</a:t>
+            </a:r>
+            <a:r>
+              <a:rPr lang="en-US" altLang="ko-KR" sz="2400" dirty="0" smtClean="0">
+                <a:latin typeface="배달의민족 주아" pitchFamily="18" charset="-127"/>
+                <a:ea typeface="배달의민족 주아" pitchFamily="18" charset="-127"/>
+              </a:rPr>
+              <a:t>&lt;/</a:t>
+            </a:r>
+            <a:r>
+              <a:rPr lang="en-US" altLang="ko-KR" sz="2400" dirty="0" smtClean="0">
+                <a:latin typeface="배달의민족 주아" pitchFamily="18" charset="-127"/>
+                <a:ea typeface="배달의민족 주아" pitchFamily="18" charset="-127"/>
+              </a:rPr>
+              <a:t>h1&gt;</a:t>
             </a:r>
           </a:p>
           <a:p>
             <a:pPr algn="l"/>
             <a:r>
-              <a:rPr lang="en-US" altLang="ko-KR" sz="3600" dirty="0">
+              <a:rPr lang="en-US" altLang="ko-KR" sz="2400" dirty="0">
                 <a:latin typeface="배달의민족 주아" pitchFamily="18" charset="-127"/>
                 <a:ea typeface="배달의민족 주아" pitchFamily="18" charset="-127"/>
               </a:rPr>
               <a:t>	</a:t>
             </a:r>
             <a:r>
-              <a:rPr lang="en-US" altLang="ko-KR" sz="3600" dirty="0" smtClean="0">
-                <a:latin typeface="배달의민족 주아" pitchFamily="18" charset="-127"/>
-                <a:ea typeface="배달의민족 주아" pitchFamily="18" charset="-127"/>
-              </a:rPr>
-              <a:t>&lt;p&gt;</a:t>
-            </a:r>
-            <a:r>
-              <a:rPr lang="ko-KR" altLang="en-US" sz="3600" dirty="0" smtClean="0">
-                <a:latin typeface="배달의민족 주아" pitchFamily="18" charset="-127"/>
-                <a:ea typeface="배달의민족 주아" pitchFamily="18" charset="-127"/>
-              </a:rPr>
-              <a:t>반갑습니다</a:t>
-            </a:r>
-            <a:r>
-              <a:rPr lang="en-US" altLang="ko-KR" sz="3600" dirty="0" smtClean="0">
-                <a:latin typeface="배달의민족 주아" pitchFamily="18" charset="-127"/>
-                <a:ea typeface="배달의민족 주아" pitchFamily="18" charset="-127"/>
-              </a:rPr>
-              <a:t>&lt;/p&gt;</a:t>
-            </a:r>
-            <a:endParaRPr lang="en-US" altLang="ko-KR" sz="3600" dirty="0">
+              <a:rPr lang="en-US" altLang="ko-KR" sz="2400" dirty="0" smtClean="0">
+                <a:latin typeface="배달의민족 주아" pitchFamily="18" charset="-127"/>
+                <a:ea typeface="배달의민족 주아" pitchFamily="18" charset="-127"/>
+              </a:rPr>
+              <a:t>&lt;p</a:t>
+            </a:r>
+            <a:r>
+              <a:rPr lang="en-US" altLang="ko-KR" sz="2400" dirty="0" smtClean="0">
+                <a:latin typeface="배달의민족 주아" pitchFamily="18" charset="-127"/>
+                <a:ea typeface="배달의민족 주아" pitchFamily="18" charset="-127"/>
+              </a:rPr>
+              <a:t>&gt;</a:t>
+            </a:r>
+            <a:r>
+              <a:rPr lang="ko-KR" altLang="en-US" sz="2400" dirty="0" smtClean="0">
+                <a:latin typeface="배달의민족 주아" pitchFamily="18" charset="-127"/>
+                <a:ea typeface="배달의민족 주아" pitchFamily="18" charset="-127"/>
+              </a:rPr>
+              <a:t>나도 동시에 뽑아주세요</a:t>
+            </a:r>
+            <a:r>
+              <a:rPr lang="en-US" altLang="ko-KR" sz="2400" dirty="0" smtClean="0">
+                <a:latin typeface="배달의민족 주아" pitchFamily="18" charset="-127"/>
+                <a:ea typeface="배달의민족 주아" pitchFamily="18" charset="-127"/>
+              </a:rPr>
+              <a:t>&lt;/</a:t>
+            </a:r>
+            <a:r>
+              <a:rPr lang="en-US" altLang="ko-KR" sz="2400" dirty="0" smtClean="0">
+                <a:latin typeface="배달의민족 주아" pitchFamily="18" charset="-127"/>
+                <a:ea typeface="배달의민족 주아" pitchFamily="18" charset="-127"/>
+              </a:rPr>
+              <a:t>p&gt;</a:t>
+            </a:r>
+            <a:endParaRPr lang="en-US" altLang="ko-KR" sz="2400" dirty="0">
               <a:latin typeface="배달의민족 주아" pitchFamily="18" charset="-127"/>
               <a:ea typeface="배달의민족 주아" pitchFamily="18" charset="-127"/>
             </a:endParaRPr>
@@ -5410,7 +5999,7 @@
           <a:p>
             <a:pPr algn="l"/>
             <a:r>
-              <a:rPr lang="en-US" altLang="ko-KR" sz="3600" dirty="0" smtClean="0">
+              <a:rPr lang="en-US" altLang="ko-KR" sz="2400" dirty="0" smtClean="0">
                 <a:latin typeface="배달의민족 주아" pitchFamily="18" charset="-127"/>
                 <a:ea typeface="배달의민족 주아" pitchFamily="18" charset="-127"/>
               </a:rPr>
@@ -5947,7 +6536,12 @@
             <p:ph type="ctrTitle"/>
           </p:nvPr>
         </p:nvSpPr>
-        <p:spPr/>
+        <p:spPr>
+          <a:xfrm>
+            <a:off x="685800" y="3135015"/>
+            <a:ext cx="7772400" cy="1470025"/>
+          </a:xfrm>
+        </p:spPr>
         <p:txBody>
           <a:bodyPr/>
           <a:lstStyle/>
@@ -6135,7 +6729,7 @@
         </p:nvSpPr>
         <p:spPr>
           <a:xfrm>
-            <a:off x="838200" y="812800"/>
+            <a:off x="838200" y="1772816"/>
             <a:ext cx="7772400" cy="1470025"/>
           </a:xfrm>
           <a:prstGeom prst="rect">
@@ -7303,9 +7897,23 @@
             <a:avLst/>
           </a:prstGeom>
         </p:spPr>
+        <p:style>
+          <a:lnRef idx="2">
+            <a:schemeClr val="accent5"/>
+          </a:lnRef>
+          <a:fillRef idx="1">
+            <a:schemeClr val="lt1"/>
+          </a:fillRef>
+          <a:effectRef idx="0">
+            <a:schemeClr val="accent5"/>
+          </a:effectRef>
+          <a:fontRef idx="minor">
+            <a:schemeClr val="dk1"/>
+          </a:fontRef>
+        </p:style>
         <p:txBody>
           <a:bodyPr vert="horz" lIns="91440" tIns="45720" rIns="91440" bIns="45720" rtlCol="0" anchor="ctr">
-            <a:normAutofit fontScale="77500" lnSpcReduction="20000"/>
+            <a:normAutofit fontScale="70000" lnSpcReduction="20000"/>
           </a:bodyPr>
           <a:lstStyle>
             <a:lvl1pPr algn="ctr" defTabSz="914400" rtl="0" eaLnBrk="1" latinLnBrk="1" hangingPunct="1">
@@ -7340,21 +7948,42 @@
                 <a:latin typeface="배달의민족 주아" pitchFamily="18" charset="-127"/>
                 <a:ea typeface="배달의민족 주아" pitchFamily="18" charset="-127"/>
               </a:rPr>
-              <a:t>	&lt;h1&gt;</a:t>
+              <a:t>	&lt;</a:t>
+            </a:r>
+            <a:r>
+              <a:rPr lang="en-US" altLang="ko-KR" sz="3600" dirty="0" smtClean="0">
+                <a:latin typeface="배달의민족 주아" pitchFamily="18" charset="-127"/>
+                <a:ea typeface="배달의민족 주아" pitchFamily="18" charset="-127"/>
+              </a:rPr>
+              <a:t>h1&gt;</a:t>
             </a:r>
             <a:r>
               <a:rPr lang="ko-KR" altLang="en-US" sz="3600" dirty="0" smtClean="0">
                 <a:latin typeface="배달의민족 주아" pitchFamily="18" charset="-127"/>
                 <a:ea typeface="배달의민족 주아" pitchFamily="18" charset="-127"/>
               </a:rPr>
-              <a:t>안녕하세요</a:t>
+              <a:t>저를 뽑아주세요</a:t>
+            </a:r>
+            <a:r>
+              <a:rPr lang="en-US" altLang="ko-KR" sz="3600" dirty="0">
+                <a:latin typeface="배달의민족 주아" pitchFamily="18" charset="-127"/>
+                <a:ea typeface="배달의민족 주아" pitchFamily="18" charset="-127"/>
+              </a:rPr>
+              <a:t>.</a:t>
             </a:r>
             <a:r>
               <a:rPr lang="en-US" altLang="ko-KR" sz="3600" dirty="0" smtClean="0">
                 <a:latin typeface="배달의민족 주아" pitchFamily="18" charset="-127"/>
                 <a:ea typeface="배달의민족 주아" pitchFamily="18" charset="-127"/>
               </a:rPr>
-              <a:t>&lt;/h1&gt;</a:t>
+              <a:t>&lt;/</a:t>
+            </a:r>
+            <a:r>
+              <a:rPr lang="en-US" altLang="ko-KR" sz="3600" dirty="0" smtClean="0">
+                <a:latin typeface="배달의민족 주아" pitchFamily="18" charset="-127"/>
+                <a:ea typeface="배달의민족 주아" pitchFamily="18" charset="-127"/>
+              </a:rPr>
+              <a:t>h1&gt;</a:t>
             </a:r>
           </a:p>
           <a:p>
@@ -7371,21 +8000,35 @@
                 <a:latin typeface="배달의민족 주아" pitchFamily="18" charset="-127"/>
                 <a:ea typeface="배달의민족 주아" pitchFamily="18" charset="-127"/>
               </a:rPr>
-              <a:t>&lt;p&gt;</a:t>
+              <a:t>&lt;p</a:t>
+            </a:r>
+            <a:r>
+              <a:rPr lang="en-US" altLang="ko-KR" sz="3600" dirty="0" smtClean="0">
+                <a:latin typeface="배달의민족 주아" pitchFamily="18" charset="-127"/>
+                <a:ea typeface="배달의민족 주아" pitchFamily="18" charset="-127"/>
+              </a:rPr>
+              <a:t>&gt;</a:t>
             </a:r>
             <a:r>
               <a:rPr lang="ko-KR" altLang="en-US" sz="3600" dirty="0" smtClean="0">
                 <a:latin typeface="배달의민족 주아" pitchFamily="18" charset="-127"/>
                 <a:ea typeface="배달의민족 주아" pitchFamily="18" charset="-127"/>
               </a:rPr>
-              <a:t>반갑습니다</a:t>
+              <a:t>저도 뽑아줘요</a:t>
             </a:r>
             <a:r>
               <a:rPr lang="en-US" altLang="ko-KR" sz="3600" dirty="0" smtClean="0">
                 <a:latin typeface="배달의민족 주아" pitchFamily="18" charset="-127"/>
                 <a:ea typeface="배달의민족 주아" pitchFamily="18" charset="-127"/>
               </a:rPr>
-              <a:t>&lt;/p&gt;</a:t>
+              <a:t>.&lt;/</a:t>
+            </a:r>
+            <a:r>
+              <a:rPr lang="en-US" altLang="ko-KR" sz="3600" dirty="0" smtClean="0">
+                <a:latin typeface="배달의민족 주아" pitchFamily="18" charset="-127"/>
+                <a:ea typeface="배달의민족 주아" pitchFamily="18" charset="-127"/>
+              </a:rPr>
+              <a:t>p&gt;</a:t>
             </a:r>
             <a:endParaRPr lang="en-US" altLang="ko-KR" sz="3600" dirty="0">
               <a:latin typeface="배달의민족 주아" pitchFamily="18" charset="-127"/>
@@ -7571,7 +8214,7 @@
         </p:nvSpPr>
         <p:spPr>
           <a:xfrm>
-            <a:off x="2915816" y="3140968"/>
+            <a:off x="2915816" y="3284984"/>
             <a:ext cx="4752528" cy="1080120"/>
           </a:xfrm>
           <a:prstGeom prst="rect">
@@ -7601,7 +8244,7 @@
           <a:p>
             <a:pPr algn="l"/>
             <a:r>
-              <a:rPr lang="en-US" altLang="ko-KR" sz="3600" dirty="0" smtClean="0">
+              <a:rPr lang="en-US" altLang="ko-KR" sz="3200" dirty="0" smtClean="0">
                 <a:solidFill>
                   <a:schemeClr val="accent5"/>
                 </a:solidFill>
@@ -7611,7 +8254,7 @@
               <a:t>h1</a:t>
             </a:r>
             <a:r>
-              <a:rPr lang="en-US" altLang="ko-KR" sz="3600" dirty="0" smtClean="0">
+              <a:rPr lang="en-US" altLang="ko-KR" sz="3200" dirty="0" smtClean="0">
                 <a:latin typeface="배달의민족 주아" pitchFamily="18" charset="-127"/>
                 <a:ea typeface="배달의민족 주아" pitchFamily="18" charset="-127"/>
               </a:rPr>
@@ -7630,7 +8273,7 @@
         </p:nvSpPr>
         <p:spPr>
           <a:xfrm>
-            <a:off x="2987824" y="4221088"/>
+            <a:off x="2987824" y="4149080"/>
             <a:ext cx="4752528" cy="1080120"/>
           </a:xfrm>
           <a:prstGeom prst="rect">
@@ -7660,7 +8303,7 @@
           <a:p>
             <a:pPr algn="l"/>
             <a:r>
-              <a:rPr lang="en-US" altLang="ko-KR" sz="3600" dirty="0" smtClean="0">
+              <a:rPr lang="en-US" altLang="ko-KR" sz="3200" dirty="0" smtClean="0">
                 <a:latin typeface="배달의민족 주아" pitchFamily="18" charset="-127"/>
                 <a:ea typeface="배달의민족 주아" pitchFamily="18" charset="-127"/>
               </a:rPr>
@@ -7677,7 +8320,7 @@
         </p:nvCxnSpPr>
         <p:spPr>
           <a:xfrm>
-            <a:off x="3203848" y="3028310"/>
+            <a:off x="3203848" y="3172326"/>
             <a:ext cx="0" cy="360040"/>
           </a:xfrm>
           <a:prstGeom prst="straightConnector1">
@@ -7710,7 +8353,7 @@
         </p:nvSpPr>
         <p:spPr>
           <a:xfrm>
-            <a:off x="2493557" y="2658978"/>
+            <a:off x="2493557" y="2802994"/>
             <a:ext cx="1364476" cy="369332"/>
           </a:xfrm>
           <a:prstGeom prst="rect">
@@ -8249,13 +8892,27 @@
         </p:nvSpPr>
         <p:spPr>
           <a:xfrm>
-            <a:off x="2267744" y="662831"/>
+            <a:off x="2085339" y="662831"/>
             <a:ext cx="4752528" cy="1830065"/>
           </a:xfrm>
           <a:prstGeom prst="rect">
             <a:avLst/>
           </a:prstGeom>
         </p:spPr>
+        <p:style>
+          <a:lnRef idx="2">
+            <a:schemeClr val="accent5"/>
+          </a:lnRef>
+          <a:fillRef idx="1">
+            <a:schemeClr val="lt1"/>
+          </a:fillRef>
+          <a:effectRef idx="0">
+            <a:schemeClr val="accent5"/>
+          </a:effectRef>
+          <a:fontRef idx="minor">
+            <a:schemeClr val="dk1"/>
+          </a:fontRef>
+        </p:style>
         <p:txBody>
           <a:bodyPr vert="horz" lIns="91440" tIns="45720" rIns="91440" bIns="45720" rtlCol="0" anchor="ctr">
             <a:noAutofit/>
@@ -8293,21 +8950,35 @@
                 <a:latin typeface="배달의민족 주아" pitchFamily="18" charset="-127"/>
                 <a:ea typeface="배달의민족 주아" pitchFamily="18" charset="-127"/>
               </a:rPr>
-              <a:t>	&lt;p&gt;</a:t>
+              <a:t>	&lt;p</a:t>
+            </a:r>
+            <a:r>
+              <a:rPr lang="en-US" altLang="ko-KR" sz="2400" dirty="0" smtClean="0">
+                <a:latin typeface="배달의민족 주아" pitchFamily="18" charset="-127"/>
+                <a:ea typeface="배달의민족 주아" pitchFamily="18" charset="-127"/>
+              </a:rPr>
+              <a:t>&gt;</a:t>
             </a:r>
             <a:r>
               <a:rPr lang="ko-KR" altLang="en-US" sz="2400" dirty="0" smtClean="0">
                 <a:latin typeface="배달의민족 주아" pitchFamily="18" charset="-127"/>
                 <a:ea typeface="배달의민족 주아" pitchFamily="18" charset="-127"/>
               </a:rPr>
-              <a:t>안녕하세요</a:t>
+              <a:t>나만 선택해주세요</a:t>
             </a:r>
             <a:r>
               <a:rPr lang="en-US" altLang="ko-KR" sz="2400" dirty="0" smtClean="0">
                 <a:latin typeface="배달의민족 주아" pitchFamily="18" charset="-127"/>
                 <a:ea typeface="배달의민족 주아" pitchFamily="18" charset="-127"/>
               </a:rPr>
-              <a:t>&lt;/p&gt;</a:t>
+              <a:t>&lt;/</a:t>
+            </a:r>
+            <a:r>
+              <a:rPr lang="en-US" altLang="ko-KR" sz="2400" dirty="0" smtClean="0">
+                <a:latin typeface="배달의민족 주아" pitchFamily="18" charset="-127"/>
+                <a:ea typeface="배달의민족 주아" pitchFamily="18" charset="-127"/>
+              </a:rPr>
+              <a:t>p&gt;</a:t>
             </a:r>
           </a:p>
           <a:p>
@@ -8324,21 +8995,35 @@
                 <a:latin typeface="배달의민족 주아" pitchFamily="18" charset="-127"/>
                 <a:ea typeface="배달의민족 주아" pitchFamily="18" charset="-127"/>
               </a:rPr>
-              <a:t>&lt;p&gt;</a:t>
-            </a:r>
-            <a:r>
-              <a:rPr lang="ko-KR" altLang="en-US" sz="2400" dirty="0" smtClean="0">
-                <a:latin typeface="배달의민족 주아" pitchFamily="18" charset="-127"/>
-                <a:ea typeface="배달의민족 주아" pitchFamily="18" charset="-127"/>
-              </a:rPr>
-              <a:t>반갑습니다</a:t>
+              <a:t>&lt;p</a:t>
             </a:r>
             <a:r>
               <a:rPr lang="en-US" altLang="ko-KR" sz="2400" dirty="0" smtClean="0">
                 <a:latin typeface="배달의민족 주아" pitchFamily="18" charset="-127"/>
                 <a:ea typeface="배달의민족 주아" pitchFamily="18" charset="-127"/>
               </a:rPr>
-              <a:t>&lt;/p&gt;</a:t>
+              <a:t>&gt;</a:t>
+            </a:r>
+            <a:r>
+              <a:rPr lang="ko-KR" altLang="en-US" sz="2400" dirty="0" err="1" smtClean="0">
+                <a:latin typeface="배달의민족 주아" pitchFamily="18" charset="-127"/>
+                <a:ea typeface="배달의민족 주아" pitchFamily="18" charset="-127"/>
+              </a:rPr>
+              <a:t>선택하지마요</a:t>
+            </a:r>
+            <a:r>
+              <a:rPr lang="en-US" altLang="ko-KR" sz="2400" dirty="0" smtClean="0">
+                <a:latin typeface="배달의민족 주아" pitchFamily="18" charset="-127"/>
+                <a:ea typeface="배달의민족 주아" pitchFamily="18" charset="-127"/>
+              </a:rPr>
+              <a:t>&lt;/</a:t>
+            </a:r>
+            <a:r>
+              <a:rPr lang="en-US" altLang="ko-KR" sz="2400" dirty="0" smtClean="0">
+                <a:latin typeface="배달의민족 주아" pitchFamily="18" charset="-127"/>
+                <a:ea typeface="배달의민족 주아" pitchFamily="18" charset="-127"/>
+              </a:rPr>
+              <a:t>p&gt;</a:t>
             </a:r>
           </a:p>
           <a:p>
@@ -8348,21 +9033,35 @@
                 <a:latin typeface="배달의민족 주아" pitchFamily="18" charset="-127"/>
                 <a:ea typeface="배달의민족 주아" pitchFamily="18" charset="-127"/>
               </a:rPr>
-              <a:t>	&lt;p&gt;</a:t>
-            </a:r>
-            <a:r>
-              <a:rPr lang="ko-KR" altLang="en-US" sz="2400" dirty="0" smtClean="0">
-                <a:latin typeface="배달의민족 주아" pitchFamily="18" charset="-127"/>
-                <a:ea typeface="배달의민족 주아" pitchFamily="18" charset="-127"/>
-              </a:rPr>
-              <a:t>행복하세요</a:t>
+              <a:t>	&lt;p</a:t>
             </a:r>
             <a:r>
               <a:rPr lang="en-US" altLang="ko-KR" sz="2400" dirty="0" smtClean="0">
                 <a:latin typeface="배달의민족 주아" pitchFamily="18" charset="-127"/>
                 <a:ea typeface="배달의민족 주아" pitchFamily="18" charset="-127"/>
               </a:rPr>
-              <a:t>&lt;/p&gt;</a:t>
+              <a:t>&gt;</a:t>
+            </a:r>
+            <a:r>
+              <a:rPr lang="ko-KR" altLang="en-US" sz="2400" dirty="0" err="1" smtClean="0">
+                <a:latin typeface="배달의민족 주아" pitchFamily="18" charset="-127"/>
+                <a:ea typeface="배달의민족 주아" pitchFamily="18" charset="-127"/>
+              </a:rPr>
+              <a:t>선택하지마요</a:t>
+            </a:r>
+            <a:r>
+              <a:rPr lang="en-US" altLang="ko-KR" sz="2400" dirty="0" smtClean="0">
+                <a:latin typeface="배달의민족 주아" pitchFamily="18" charset="-127"/>
+                <a:ea typeface="배달의민족 주아" pitchFamily="18" charset="-127"/>
+              </a:rPr>
+              <a:t>&lt;/</a:t>
+            </a:r>
+            <a:r>
+              <a:rPr lang="en-US" altLang="ko-KR" sz="2400" dirty="0" smtClean="0">
+                <a:latin typeface="배달의민족 주아" pitchFamily="18" charset="-127"/>
+                <a:ea typeface="배달의민족 주아" pitchFamily="18" charset="-127"/>
+              </a:rPr>
+              <a:t>p&gt;</a:t>
             </a:r>
             <a:endParaRPr lang="en-US" altLang="ko-KR" sz="2400" dirty="0">
               <a:latin typeface="배달의민족 주아" pitchFamily="18" charset="-127"/>
@@ -8548,7 +9247,7 @@
         </p:nvSpPr>
         <p:spPr>
           <a:xfrm>
-            <a:off x="2267744" y="5013176"/>
+            <a:off x="2085339" y="5085184"/>
             <a:ext cx="4752528" cy="1080120"/>
           </a:xfrm>
           <a:prstGeom prst="rect">
@@ -8605,7 +9304,7 @@
         </p:nvCxnSpPr>
         <p:spPr>
           <a:xfrm>
-            <a:off x="3059832" y="4900518"/>
+            <a:off x="2877427" y="4972526"/>
             <a:ext cx="0" cy="360040"/>
           </a:xfrm>
           <a:prstGeom prst="straightConnector1">
@@ -8638,7 +9337,7 @@
         </p:nvSpPr>
         <p:spPr>
           <a:xfrm>
-            <a:off x="2234125" y="4531186"/>
+            <a:off x="2051720" y="4603194"/>
             <a:ext cx="1585690" cy="369332"/>
           </a:xfrm>
           <a:prstGeom prst="rect">
@@ -8712,13 +9411,27 @@
         </p:nvSpPr>
         <p:spPr>
           <a:xfrm>
-            <a:off x="2267744" y="2492896"/>
-            <a:ext cx="5112568" cy="1830065"/>
+            <a:off x="2085339" y="2607047"/>
+            <a:ext cx="5976664" cy="1830065"/>
           </a:xfrm>
           <a:prstGeom prst="rect">
             <a:avLst/>
           </a:prstGeom>
         </p:spPr>
+        <p:style>
+          <a:lnRef idx="2">
+            <a:schemeClr val="accent5"/>
+          </a:lnRef>
+          <a:fillRef idx="1">
+            <a:schemeClr val="lt1"/>
+          </a:fillRef>
+          <a:effectRef idx="0">
+            <a:schemeClr val="accent5"/>
+          </a:effectRef>
+          <a:fontRef idx="minor">
+            <a:schemeClr val="dk1"/>
+          </a:fontRef>
+        </p:style>
         <p:txBody>
           <a:bodyPr vert="horz" lIns="91440" tIns="45720" rIns="91440" bIns="45720" rtlCol="0" anchor="ctr">
             <a:noAutofit/>
@@ -8776,18 +9489,25 @@
               <a:t>&gt;</a:t>
             </a:r>
             <a:r>
-              <a:rPr lang="ko-KR" altLang="en-US" sz="2400" dirty="0" smtClean="0">
-                <a:latin typeface="배달의민족 주아" pitchFamily="18" charset="-127"/>
-                <a:ea typeface="배달의민족 주아" pitchFamily="18" charset="-127"/>
-              </a:rPr>
-              <a:t>안녕하세요</a:t>
+              <a:rPr lang="ko-KR" altLang="en-US" sz="2400" dirty="0">
+                <a:latin typeface="배달의민족 주아" pitchFamily="18" charset="-127"/>
+                <a:ea typeface="배달의민족 주아" pitchFamily="18" charset="-127"/>
+              </a:rPr>
+              <a:t> 나만 선택해주세요 </a:t>
             </a:r>
             <a:r>
               <a:rPr lang="en-US" altLang="ko-KR" sz="2400" dirty="0" smtClean="0">
                 <a:latin typeface="배달의민족 주아" pitchFamily="18" charset="-127"/>
                 <a:ea typeface="배달의민족 주아" pitchFamily="18" charset="-127"/>
               </a:rPr>
-              <a:t>&lt;/p&gt;</a:t>
+              <a:t>&lt;/</a:t>
+            </a:r>
+            <a:r>
+              <a:rPr lang="en-US" altLang="ko-KR" sz="2400" dirty="0" smtClean="0">
+                <a:latin typeface="배달의민족 주아" pitchFamily="18" charset="-127"/>
+                <a:ea typeface="배달의민족 주아" pitchFamily="18" charset="-127"/>
+              </a:rPr>
+              <a:t>p&gt;</a:t>
             </a:r>
           </a:p>
           <a:p>
@@ -8804,21 +9524,35 @@
                 <a:latin typeface="배달의민족 주아" pitchFamily="18" charset="-127"/>
                 <a:ea typeface="배달의민족 주아" pitchFamily="18" charset="-127"/>
               </a:rPr>
-              <a:t>&lt;p&gt;</a:t>
-            </a:r>
-            <a:r>
-              <a:rPr lang="ko-KR" altLang="en-US" sz="2400" dirty="0" smtClean="0">
-                <a:latin typeface="배달의민족 주아" pitchFamily="18" charset="-127"/>
-                <a:ea typeface="배달의민족 주아" pitchFamily="18" charset="-127"/>
-              </a:rPr>
-              <a:t>반갑습니다</a:t>
+              <a:t>&lt;p</a:t>
             </a:r>
             <a:r>
               <a:rPr lang="en-US" altLang="ko-KR" sz="2400" dirty="0" smtClean="0">
                 <a:latin typeface="배달의민족 주아" pitchFamily="18" charset="-127"/>
                 <a:ea typeface="배달의민족 주아" pitchFamily="18" charset="-127"/>
               </a:rPr>
-              <a:t>&lt;/p&gt;</a:t>
+              <a:t>&gt;</a:t>
+            </a:r>
+            <a:r>
+              <a:rPr lang="ko-KR" altLang="en-US" sz="2400" dirty="0" err="1" smtClean="0">
+                <a:latin typeface="배달의민족 주아" pitchFamily="18" charset="-127"/>
+                <a:ea typeface="배달의민족 주아" pitchFamily="18" charset="-127"/>
+              </a:rPr>
+              <a:t>선택하지마요</a:t>
+            </a:r>
+            <a:r>
+              <a:rPr lang="en-US" altLang="ko-KR" sz="2400" dirty="0" smtClean="0">
+                <a:latin typeface="배달의민족 주아" pitchFamily="18" charset="-127"/>
+                <a:ea typeface="배달의민족 주아" pitchFamily="18" charset="-127"/>
+              </a:rPr>
+              <a:t>&lt;/</a:t>
+            </a:r>
+            <a:r>
+              <a:rPr lang="en-US" altLang="ko-KR" sz="2400" dirty="0" smtClean="0">
+                <a:latin typeface="배달의민족 주아" pitchFamily="18" charset="-127"/>
+                <a:ea typeface="배달의민족 주아" pitchFamily="18" charset="-127"/>
+              </a:rPr>
+              <a:t>p&gt;</a:t>
             </a:r>
           </a:p>
           <a:p>
@@ -8828,21 +9562,35 @@
                 <a:latin typeface="배달의민족 주아" pitchFamily="18" charset="-127"/>
                 <a:ea typeface="배달의민족 주아" pitchFamily="18" charset="-127"/>
               </a:rPr>
-              <a:t>	&lt;p&gt;</a:t>
-            </a:r>
-            <a:r>
-              <a:rPr lang="ko-KR" altLang="en-US" sz="2400" dirty="0" smtClean="0">
-                <a:latin typeface="배달의민족 주아" pitchFamily="18" charset="-127"/>
-                <a:ea typeface="배달의민족 주아" pitchFamily="18" charset="-127"/>
-              </a:rPr>
-              <a:t>행복하세요</a:t>
+              <a:t>	&lt;p</a:t>
             </a:r>
             <a:r>
               <a:rPr lang="en-US" altLang="ko-KR" sz="2400" dirty="0" smtClean="0">
                 <a:latin typeface="배달의민족 주아" pitchFamily="18" charset="-127"/>
                 <a:ea typeface="배달의민족 주아" pitchFamily="18" charset="-127"/>
               </a:rPr>
-              <a:t>&lt;/p&gt;</a:t>
+              <a:t>&gt;</a:t>
+            </a:r>
+            <a:r>
+              <a:rPr lang="ko-KR" altLang="en-US" sz="2400" dirty="0" err="1" smtClean="0">
+                <a:latin typeface="배달의민족 주아" pitchFamily="18" charset="-127"/>
+                <a:ea typeface="배달의민족 주아" pitchFamily="18" charset="-127"/>
+              </a:rPr>
+              <a:t>선택하지마요</a:t>
+            </a:r>
+            <a:r>
+              <a:rPr lang="en-US" altLang="ko-KR" sz="2400" dirty="0" smtClean="0">
+                <a:latin typeface="배달의민족 주아" pitchFamily="18" charset="-127"/>
+                <a:ea typeface="배달의민족 주아" pitchFamily="18" charset="-127"/>
+              </a:rPr>
+              <a:t>&lt;/</a:t>
+            </a:r>
+            <a:r>
+              <a:rPr lang="en-US" altLang="ko-KR" sz="2400" dirty="0" smtClean="0">
+                <a:latin typeface="배달의민족 주아" pitchFamily="18" charset="-127"/>
+                <a:ea typeface="배달의민족 주아" pitchFamily="18" charset="-127"/>
+              </a:rPr>
+              <a:t>p&gt;</a:t>
             </a:r>
             <a:endParaRPr lang="en-US" altLang="ko-KR" sz="2400" dirty="0">
               <a:latin typeface="배달의민족 주아" pitchFamily="18" charset="-127"/>
@@ -9079,7 +9827,7 @@
     <p:bldLst>
       <p:bldP spid="6" grpId="0"/>
       <p:bldP spid="9" grpId="0"/>
-      <p:bldP spid="10" grpId="0"/>
+      <p:bldP spid="10" grpId="0" animBg="1"/>
     </p:bldLst>
   </p:timing>
 </p:sld>
@@ -9363,13 +10111,27 @@
         </p:nvSpPr>
         <p:spPr>
           <a:xfrm>
-            <a:off x="2267744" y="662831"/>
+            <a:off x="2013331" y="662831"/>
             <a:ext cx="4752528" cy="1830065"/>
           </a:xfrm>
           <a:prstGeom prst="rect">
             <a:avLst/>
           </a:prstGeom>
         </p:spPr>
+        <p:style>
+          <a:lnRef idx="2">
+            <a:schemeClr val="accent5"/>
+          </a:lnRef>
+          <a:fillRef idx="1">
+            <a:schemeClr val="lt1"/>
+          </a:fillRef>
+          <a:effectRef idx="0">
+            <a:schemeClr val="accent5"/>
+          </a:effectRef>
+          <a:fontRef idx="minor">
+            <a:schemeClr val="dk1"/>
+          </a:fontRef>
+        </p:style>
         <p:txBody>
           <a:bodyPr vert="horz" lIns="91440" tIns="45720" rIns="91440" bIns="45720" rtlCol="0" anchor="ctr">
             <a:noAutofit/>
@@ -9407,76 +10169,118 @@
                 <a:latin typeface="배달의민족 주아" pitchFamily="18" charset="-127"/>
                 <a:ea typeface="배달의민족 주아" pitchFamily="18" charset="-127"/>
               </a:rPr>
-              <a:t>	&lt;p&gt;</a:t>
+              <a:t>	&lt;p</a:t>
+            </a:r>
+            <a:r>
+              <a:rPr lang="en-US" altLang="ko-KR" sz="2400" dirty="0" smtClean="0">
+                <a:latin typeface="배달의민족 주아" pitchFamily="18" charset="-127"/>
+                <a:ea typeface="배달의민족 주아" pitchFamily="18" charset="-127"/>
+              </a:rPr>
+              <a:t>&gt;</a:t>
+            </a:r>
+            <a:r>
+              <a:rPr lang="ko-KR" altLang="en-US" sz="2400" dirty="0" err="1" smtClean="0">
+                <a:latin typeface="배달의민족 주아" pitchFamily="18" charset="-127"/>
+                <a:ea typeface="배달의민족 주아" pitchFamily="18" charset="-127"/>
+              </a:rPr>
+              <a:t>선택하지마요</a:t>
+            </a:r>
+            <a:r>
+              <a:rPr lang="en-US" altLang="ko-KR" sz="2400" dirty="0" smtClean="0">
+                <a:latin typeface="배달의민족 주아" pitchFamily="18" charset="-127"/>
+                <a:ea typeface="배달의민족 주아" pitchFamily="18" charset="-127"/>
+              </a:rPr>
+              <a:t>&lt;/</a:t>
+            </a:r>
+            <a:r>
+              <a:rPr lang="en-US" altLang="ko-KR" sz="2400" dirty="0" smtClean="0">
+                <a:latin typeface="배달의민족 주아" pitchFamily="18" charset="-127"/>
+                <a:ea typeface="배달의민족 주아" pitchFamily="18" charset="-127"/>
+              </a:rPr>
+              <a:t>p&gt;</a:t>
+            </a:r>
+          </a:p>
+          <a:p>
+            <a:pPr algn="l"/>
+            <a:r>
+              <a:rPr lang="en-US" altLang="ko-KR" sz="2400" dirty="0">
+                <a:latin typeface="배달의민족 주아" pitchFamily="18" charset="-127"/>
+                <a:ea typeface="배달의민족 주아" pitchFamily="18" charset="-127"/>
+              </a:rPr>
+              <a:t>	</a:t>
+            </a:r>
+            <a:r>
+              <a:rPr lang="en-US" altLang="ko-KR" sz="2400" dirty="0" smtClean="0">
+                <a:latin typeface="배달의민족 주아" pitchFamily="18" charset="-127"/>
+                <a:ea typeface="배달의민족 주아" pitchFamily="18" charset="-127"/>
+              </a:rPr>
+              <a:t>&lt;p</a:t>
+            </a:r>
+            <a:r>
+              <a:rPr lang="en-US" altLang="ko-KR" sz="2400" dirty="0" smtClean="0">
+                <a:latin typeface="배달의민족 주아" pitchFamily="18" charset="-127"/>
+                <a:ea typeface="배달의민족 주아" pitchFamily="18" charset="-127"/>
+              </a:rPr>
+              <a:t>&gt;</a:t>
             </a:r>
             <a:r>
               <a:rPr lang="ko-KR" altLang="en-US" sz="2400" dirty="0" smtClean="0">
                 <a:latin typeface="배달의민족 주아" pitchFamily="18" charset="-127"/>
                 <a:ea typeface="배달의민족 주아" pitchFamily="18" charset="-127"/>
               </a:rPr>
-              <a:t>안녕하세요</a:t>
+              <a:t>나를 뽑아주세요</a:t>
             </a:r>
             <a:r>
               <a:rPr lang="en-US" altLang="ko-KR" sz="2400" dirty="0" smtClean="0">
                 <a:latin typeface="배달의민족 주아" pitchFamily="18" charset="-127"/>
                 <a:ea typeface="배달의민족 주아" pitchFamily="18" charset="-127"/>
               </a:rPr>
-              <a:t>&lt;/p&gt;</a:t>
+              <a:t>&lt;/</a:t>
+            </a:r>
+            <a:r>
+              <a:rPr lang="en-US" altLang="ko-KR" sz="2400" dirty="0" smtClean="0">
+                <a:latin typeface="배달의민족 주아" pitchFamily="18" charset="-127"/>
+                <a:ea typeface="배달의민족 주아" pitchFamily="18" charset="-127"/>
+              </a:rPr>
+              <a:t>p&gt;</a:t>
             </a:r>
           </a:p>
           <a:p>
             <a:pPr algn="l"/>
             <a:r>
-              <a:rPr lang="en-US" altLang="ko-KR" sz="2400" dirty="0">
-                <a:latin typeface="배달의민족 주아" pitchFamily="18" charset="-127"/>
-                <a:ea typeface="배달의민족 주아" pitchFamily="18" charset="-127"/>
-              </a:rPr>
-              <a:t>	</a:t>
-            </a:r>
-            <a:r>
               <a:rPr lang="en-US" altLang="ko-KR" sz="2400" dirty="0" smtClean="0">
                 <a:latin typeface="배달의민족 주아" pitchFamily="18" charset="-127"/>
                 <a:ea typeface="배달의민족 주아" pitchFamily="18" charset="-127"/>
               </a:rPr>
-              <a:t>&lt;p&gt;</a:t>
+              <a:t>	&lt;p</a:t>
+            </a:r>
+            <a:r>
+              <a:rPr lang="en-US" altLang="ko-KR" sz="2400" dirty="0" smtClean="0">
+                <a:latin typeface="배달의민족 주아" pitchFamily="18" charset="-127"/>
+                <a:ea typeface="배달의민족 주아" pitchFamily="18" charset="-127"/>
+              </a:rPr>
+              <a:t>&gt;</a:t>
             </a:r>
             <a:r>
               <a:rPr lang="ko-KR" altLang="en-US" sz="2400" dirty="0" smtClean="0">
                 <a:latin typeface="배달의민족 주아" pitchFamily="18" charset="-127"/>
                 <a:ea typeface="배달의민족 주아" pitchFamily="18" charset="-127"/>
               </a:rPr>
-              <a:t>반갑습니다</a:t>
+              <a:t>나도 뽑아주세요</a:t>
             </a:r>
             <a:r>
               <a:rPr lang="en-US" altLang="ko-KR" sz="2400" dirty="0" smtClean="0">
                 <a:latin typeface="배달의민족 주아" pitchFamily="18" charset="-127"/>
                 <a:ea typeface="배달의민족 주아" pitchFamily="18" charset="-127"/>
               </a:rPr>
-              <a:t>&lt;/p&gt;</a:t>
-            </a:r>
-          </a:p>
-          <a:p>
-            <a:pPr algn="l"/>
+              <a:t>&lt;/</a:t>
+            </a:r>
             <a:r>
               <a:rPr lang="en-US" altLang="ko-KR" sz="2400" dirty="0" smtClean="0">
                 <a:latin typeface="배달의민족 주아" pitchFamily="18" charset="-127"/>
                 <a:ea typeface="배달의민족 주아" pitchFamily="18" charset="-127"/>
               </a:rPr>
-              <a:t>	&lt;p&gt;</a:t>
-            </a:r>
-            <a:r>
-              <a:rPr lang="ko-KR" altLang="en-US" sz="2400" dirty="0" smtClean="0">
-                <a:latin typeface="배달의민족 주아" pitchFamily="18" charset="-127"/>
-                <a:ea typeface="배달의민족 주아" pitchFamily="18" charset="-127"/>
-              </a:rPr>
-              <a:t>행복하세요</a:t>
-            </a:r>
-            <a:r>
-              <a:rPr lang="en-US" altLang="ko-KR" sz="2400" dirty="0" smtClean="0">
-                <a:latin typeface="배달의민족 주아" pitchFamily="18" charset="-127"/>
-                <a:ea typeface="배달의민족 주아" pitchFamily="18" charset="-127"/>
-              </a:rPr>
-              <a:t>&lt;/p&gt;</a:t>
+              <a:t>p&gt;</a:t>
             </a:r>
             <a:endParaRPr lang="en-US" altLang="ko-KR" sz="2400" dirty="0">
               <a:latin typeface="배달의민족 주아" pitchFamily="18" charset="-127"/>
@@ -9662,7 +10466,7 @@
         </p:nvSpPr>
         <p:spPr>
           <a:xfrm>
-            <a:off x="2267744" y="5013176"/>
+            <a:off x="2013331" y="5013176"/>
             <a:ext cx="5544616" cy="1080120"/>
           </a:xfrm>
           <a:prstGeom prst="rect">
@@ -9719,7 +10523,7 @@
         </p:nvCxnSpPr>
         <p:spPr>
           <a:xfrm>
-            <a:off x="3059832" y="4900518"/>
+            <a:off x="2805419" y="4900518"/>
             <a:ext cx="0" cy="360040"/>
           </a:xfrm>
           <a:prstGeom prst="straightConnector1">
@@ -9752,7 +10556,7 @@
         </p:nvSpPr>
         <p:spPr>
           <a:xfrm>
-            <a:off x="2234125" y="4531186"/>
+            <a:off x="1979712" y="4531186"/>
             <a:ext cx="1585690" cy="369332"/>
           </a:xfrm>
           <a:prstGeom prst="rect">
@@ -9826,13 +10630,27 @@
         </p:nvSpPr>
         <p:spPr>
           <a:xfrm>
-            <a:off x="2267744" y="2492896"/>
-            <a:ext cx="5544616" cy="1830065"/>
+            <a:off x="2013331" y="2607047"/>
+            <a:ext cx="6336704" cy="1830065"/>
           </a:xfrm>
           <a:prstGeom prst="rect">
             <a:avLst/>
           </a:prstGeom>
         </p:spPr>
+        <p:style>
+          <a:lnRef idx="2">
+            <a:schemeClr val="accent5"/>
+          </a:lnRef>
+          <a:fillRef idx="1">
+            <a:schemeClr val="lt1"/>
+          </a:fillRef>
+          <a:effectRef idx="0">
+            <a:schemeClr val="accent5"/>
+          </a:effectRef>
+          <a:fontRef idx="minor">
+            <a:schemeClr val="dk1"/>
+          </a:fontRef>
+        </p:style>
         <p:txBody>
           <a:bodyPr vert="horz" lIns="91440" tIns="45720" rIns="91440" bIns="45720" rtlCol="0" anchor="ctr">
             <a:noAutofit/>
@@ -9870,127 +10688,148 @@
                 <a:latin typeface="배달의민족 주아" pitchFamily="18" charset="-127"/>
                 <a:ea typeface="배달의민족 주아" pitchFamily="18" charset="-127"/>
               </a:rPr>
-              <a:t>	&lt;p&gt;</a:t>
+              <a:t>	&lt;p</a:t>
+            </a:r>
+            <a:r>
+              <a:rPr lang="en-US" altLang="ko-KR" sz="2400" dirty="0" smtClean="0">
+                <a:latin typeface="배달의민족 주아" pitchFamily="18" charset="-127"/>
+                <a:ea typeface="배달의민족 주아" pitchFamily="18" charset="-127"/>
+              </a:rPr>
+              <a:t>&gt;</a:t>
+            </a:r>
+            <a:r>
+              <a:rPr lang="ko-KR" altLang="en-US" sz="2400" dirty="0" err="1" smtClean="0">
+                <a:latin typeface="배달의민족 주아" pitchFamily="18" charset="-127"/>
+                <a:ea typeface="배달의민족 주아" pitchFamily="18" charset="-127"/>
+              </a:rPr>
+              <a:t>선택하지마요</a:t>
+            </a:r>
+            <a:r>
+              <a:rPr lang="en-US" altLang="ko-KR" sz="2400" dirty="0" smtClean="0">
+                <a:latin typeface="배달의민족 주아" pitchFamily="18" charset="-127"/>
+                <a:ea typeface="배달의민족 주아" pitchFamily="18" charset="-127"/>
+              </a:rPr>
+              <a:t>&lt;/p&gt;</a:t>
+            </a:r>
+          </a:p>
+          <a:p>
+            <a:pPr algn="l"/>
+            <a:r>
+              <a:rPr lang="en-US" altLang="ko-KR" sz="2400" dirty="0">
+                <a:latin typeface="배달의민족 주아" pitchFamily="18" charset="-127"/>
+                <a:ea typeface="배달의민족 주아" pitchFamily="18" charset="-127"/>
+              </a:rPr>
+              <a:t>	</a:t>
+            </a:r>
+            <a:r>
+              <a:rPr lang="en-US" altLang="ko-KR" sz="2400" dirty="0" smtClean="0">
+                <a:latin typeface="배달의민족 주아" pitchFamily="18" charset="-127"/>
+                <a:ea typeface="배달의민족 주아" pitchFamily="18" charset="-127"/>
+              </a:rPr>
+              <a:t>&lt;p </a:t>
+            </a:r>
+            <a:r>
+              <a:rPr lang="en-US" altLang="ko-KR" sz="2400" dirty="0" smtClean="0">
+                <a:solidFill>
+                  <a:schemeClr val="accent5"/>
+                </a:solidFill>
+                <a:latin typeface="배달의민족 주아" pitchFamily="18" charset="-127"/>
+                <a:ea typeface="배달의민족 주아" pitchFamily="18" charset="-127"/>
+              </a:rPr>
+              <a:t>class=“”large”” </a:t>
+            </a:r>
+            <a:r>
+              <a:rPr lang="en-US" altLang="ko-KR" sz="2400" dirty="0" smtClean="0">
+                <a:latin typeface="배달의민족 주아" pitchFamily="18" charset="-127"/>
+                <a:ea typeface="배달의민족 주아" pitchFamily="18" charset="-127"/>
+              </a:rPr>
+              <a:t>&gt;</a:t>
             </a:r>
             <a:r>
               <a:rPr lang="ko-KR" altLang="en-US" sz="2400" dirty="0" smtClean="0">
                 <a:latin typeface="배달의민족 주아" pitchFamily="18" charset="-127"/>
                 <a:ea typeface="배달의민족 주아" pitchFamily="18" charset="-127"/>
               </a:rPr>
-              <a:t>안녕하세요</a:t>
+              <a:t>나를 뽑아주세요</a:t>
             </a:r>
             <a:r>
               <a:rPr lang="en-US" altLang="ko-KR" sz="2400" dirty="0" smtClean="0">
                 <a:latin typeface="배달의민족 주아" pitchFamily="18" charset="-127"/>
                 <a:ea typeface="배달의민족 주아" pitchFamily="18" charset="-127"/>
               </a:rPr>
-              <a:t>&lt;/p&gt;</a:t>
+              <a:t>&lt;/</a:t>
+            </a:r>
+            <a:r>
+              <a:rPr lang="en-US" altLang="ko-KR" sz="2400" dirty="0" smtClean="0">
+                <a:latin typeface="배달의민족 주아" pitchFamily="18" charset="-127"/>
+                <a:ea typeface="배달의민족 주아" pitchFamily="18" charset="-127"/>
+              </a:rPr>
+              <a:t>p&gt;</a:t>
             </a:r>
           </a:p>
           <a:p>
             <a:pPr algn="l"/>
             <a:r>
+              <a:rPr lang="en-US" altLang="ko-KR" sz="2400" dirty="0" smtClean="0">
+                <a:latin typeface="배달의민족 주아" pitchFamily="18" charset="-127"/>
+                <a:ea typeface="배달의민족 주아" pitchFamily="18" charset="-127"/>
+              </a:rPr>
+              <a:t>	</a:t>
+            </a:r>
+            <a:r>
               <a:rPr lang="en-US" altLang="ko-KR" sz="2400" dirty="0">
                 <a:latin typeface="배달의민족 주아" pitchFamily="18" charset="-127"/>
                 <a:ea typeface="배달의민족 주아" pitchFamily="18" charset="-127"/>
               </a:rPr>
-              <a:t>	</a:t>
+              <a:t>&lt;p </a:t>
+            </a:r>
+            <a:r>
+              <a:rPr lang="en-US" altLang="ko-KR" sz="2400" dirty="0">
+                <a:solidFill>
+                  <a:schemeClr val="accent5"/>
+                </a:solidFill>
+                <a:latin typeface="배달의민족 주아" pitchFamily="18" charset="-127"/>
+                <a:ea typeface="배달의민족 주아" pitchFamily="18" charset="-127"/>
+              </a:rPr>
+              <a:t>class=“”large</a:t>
             </a:r>
             <a:r>
               <a:rPr lang="en-US" altLang="ko-KR" sz="2400" dirty="0" smtClean="0">
-                <a:latin typeface="배달의민족 주아" pitchFamily="18" charset="-127"/>
-                <a:ea typeface="배달의민족 주아" pitchFamily="18" charset="-127"/>
-              </a:rPr>
-              <a:t>&lt;p </a:t>
+                <a:solidFill>
+                  <a:schemeClr val="accent5"/>
+                </a:solidFill>
+                <a:latin typeface="배달의민족 주아" pitchFamily="18" charset="-127"/>
+                <a:ea typeface="배달의민족 주아" pitchFamily="18" charset="-127"/>
+              </a:rPr>
+              <a:t>”” </a:t>
             </a:r>
             <a:r>
               <a:rPr lang="en-US" altLang="ko-KR" sz="2400" dirty="0" smtClean="0">
-                <a:solidFill>
-                  <a:schemeClr val="accent5"/>
-                </a:solidFill>
-                <a:latin typeface="배달의민족 주아" pitchFamily="18" charset="-127"/>
-                <a:ea typeface="배달의민족 주아" pitchFamily="18" charset="-127"/>
-              </a:rPr>
-              <a:t>class=“”large”” </a:t>
+                <a:latin typeface="배달의민족 주아" pitchFamily="18" charset="-127"/>
+                <a:ea typeface="배달의민족 주아" pitchFamily="18" charset="-127"/>
+              </a:rPr>
+              <a:t>&gt;</a:t>
+            </a:r>
+            <a:r>
+              <a:rPr lang="ko-KR" altLang="en-US" sz="2400" dirty="0" smtClean="0">
+                <a:latin typeface="배달의민족 주아" pitchFamily="18" charset="-127"/>
+                <a:ea typeface="배달의민족 주아" pitchFamily="18" charset="-127"/>
+              </a:rPr>
+              <a:t>나도 뽑아주세요</a:t>
             </a:r>
             <a:r>
               <a:rPr lang="en-US" altLang="ko-KR" sz="2400" dirty="0" smtClean="0">
                 <a:latin typeface="배달의민족 주아" pitchFamily="18" charset="-127"/>
                 <a:ea typeface="배달의민족 주아" pitchFamily="18" charset="-127"/>
               </a:rPr>
-              <a:t>&gt;</a:t>
-            </a:r>
-            <a:r>
-              <a:rPr lang="ko-KR" altLang="en-US" sz="2400" dirty="0" smtClean="0">
-                <a:latin typeface="배달의민족 주아" pitchFamily="18" charset="-127"/>
-                <a:ea typeface="배달의민족 주아" pitchFamily="18" charset="-127"/>
-              </a:rPr>
-              <a:t>반갑습니다</a:t>
+              <a:t>&lt;/</a:t>
             </a:r>
             <a:r>
               <a:rPr lang="en-US" altLang="ko-KR" sz="2400" dirty="0" smtClean="0">
                 <a:latin typeface="배달의민족 주아" pitchFamily="18" charset="-127"/>
                 <a:ea typeface="배달의민족 주아" pitchFamily="18" charset="-127"/>
               </a:rPr>
-              <a:t>&lt;/p&gt;</a:t>
-            </a:r>
-          </a:p>
-          <a:p>
-            <a:pPr algn="l"/>
-            <a:r>
-              <a:rPr lang="en-US" altLang="ko-KR" sz="2400" dirty="0" smtClean="0">
-                <a:latin typeface="배달의민족 주아" pitchFamily="18" charset="-127"/>
-                <a:ea typeface="배달의민족 주아" pitchFamily="18" charset="-127"/>
-              </a:rPr>
-              <a:t>	</a:t>
-            </a:r>
-            <a:r>
-              <a:rPr lang="en-US" altLang="ko-KR" sz="2400" dirty="0">
-                <a:latin typeface="배달의민족 주아" pitchFamily="18" charset="-127"/>
-                <a:ea typeface="배달의민족 주아" pitchFamily="18" charset="-127"/>
-              </a:rPr>
-              <a:t>&lt;p </a:t>
-            </a:r>
-            <a:r>
-              <a:rPr lang="en-US" altLang="ko-KR" sz="2400" dirty="0">
-                <a:solidFill>
-                  <a:schemeClr val="accent5"/>
-                </a:solidFill>
-                <a:latin typeface="배달의민족 주아" pitchFamily="18" charset="-127"/>
-                <a:ea typeface="배달의민족 주아" pitchFamily="18" charset="-127"/>
-              </a:rPr>
-              <a:t>class=“”large</a:t>
-            </a:r>
-            <a:r>
-              <a:rPr lang="en-US" altLang="ko-KR" sz="2400" dirty="0" smtClean="0">
-                <a:solidFill>
-                  <a:schemeClr val="accent5"/>
-                </a:solidFill>
-                <a:latin typeface="배달의민족 주아" pitchFamily="18" charset="-127"/>
-                <a:ea typeface="배달의민족 주아" pitchFamily="18" charset="-127"/>
-              </a:rPr>
-              <a:t>”” </a:t>
-            </a:r>
-            <a:r>
-              <a:rPr lang="en-US" altLang="ko-KR" sz="2400" dirty="0" smtClean="0">
-                <a:latin typeface="배달의민족 주아" pitchFamily="18" charset="-127"/>
-                <a:ea typeface="배달의민족 주아" pitchFamily="18" charset="-127"/>
-              </a:rPr>
-              <a:t>&gt;</a:t>
-            </a:r>
-            <a:r>
-              <a:rPr lang="ko-KR" altLang="en-US" sz="2400" dirty="0" smtClean="0">
-                <a:latin typeface="배달의민족 주아" pitchFamily="18" charset="-127"/>
-                <a:ea typeface="배달의민족 주아" pitchFamily="18" charset="-127"/>
-              </a:rPr>
-              <a:t>행복하세요</a:t>
-            </a:r>
-            <a:r>
-              <a:rPr lang="en-US" altLang="ko-KR" sz="2400" dirty="0" smtClean="0">
-                <a:latin typeface="배달의민족 주아" pitchFamily="18" charset="-127"/>
-                <a:ea typeface="배달의민족 주아" pitchFamily="18" charset="-127"/>
-              </a:rPr>
-              <a:t>&lt;/p&gt;</a:t>
+              <a:t>p&gt;</a:t>
             </a:r>
             <a:endParaRPr lang="en-US" altLang="ko-KR" sz="2400" dirty="0">
               <a:latin typeface="배달의민족 주아" pitchFamily="18" charset="-127"/>
@@ -10227,7 +11066,7 @@
     <p:bldLst>
       <p:bldP spid="6" grpId="0"/>
       <p:bldP spid="9" grpId="0"/>
-      <p:bldP spid="10" grpId="0"/>
+      <p:bldP spid="10" grpId="0" animBg="1"/>
     </p:bldLst>
   </p:timing>
 </p:sld>
@@ -10514,4 +11353,289 @@
   <a:objectDefaults/>
   <a:extraClrSchemeLst/>
 </a:theme>
+</file>
+
+<file path=ppt/theme/theme2.xml><?xml version="1.0" encoding="utf-8"?>
+<a:theme xmlns:a="http://schemas.openxmlformats.org/drawingml/2006/main" name="Office 테마">
+  <a:themeElements>
+    <a:clrScheme name="Office">
+      <a:dk1>
+        <a:sysClr val="windowText" lastClr="000000"/>
+      </a:dk1>
+      <a:lt1>
+        <a:sysClr val="window" lastClr="FFFFFF"/>
+      </a:lt1>
+      <a:dk2>
+        <a:srgbClr val="1F497D"/>
+      </a:dk2>
+      <a:lt2>
+        <a:srgbClr val="EEECE1"/>
+      </a:lt2>
+      <a:accent1>
+        <a:srgbClr val="4F81BD"/>
+      </a:accent1>
+      <a:accent2>
+        <a:srgbClr val="C0504D"/>
+      </a:accent2>
+      <a:accent3>
+        <a:srgbClr val="9BBB59"/>
+      </a:accent3>
+      <a:accent4>
+        <a:srgbClr val="8064A2"/>
+      </a:accent4>
+      <a:accent5>
+        <a:srgbClr val="4BACC6"/>
+      </a:accent5>
+      <a:accent6>
+        <a:srgbClr val="F79646"/>
+      </a:accent6>
+      <a:hlink>
+        <a:srgbClr val="0000FF"/>
+      </a:hlink>
+      <a:folHlink>
+        <a:srgbClr val="800080"/>
+      </a:folHlink>
+    </a:clrScheme>
+    <a:fontScheme name="Office">
+      <a:majorFont>
+        <a:latin typeface="맑은 고딕"/>
+        <a:ea typeface=""/>
+        <a:cs typeface=""/>
+        <a:font script="Jpan" typeface="ＭＳ Ｐゴシック"/>
+        <a:font script="Hang" typeface="맑은 고딕"/>
+        <a:font script="Hans" typeface="宋体"/>
+        <a:font script="Hant" typeface="新細明體"/>
+        <a:font script="Arab" typeface="Times New Roman"/>
+        <a:font script="Hebr" typeface="Times New Roman"/>
+        <a:font script="Thai" typeface="Angsana New"/>
+        <a:font script="Ethi" typeface="Nyala"/>
+        <a:font script="Beng" typeface="Vrinda"/>
+        <a:font script="Gujr" typeface="Shruti"/>
+        <a:font script="Khmr" typeface="MoolBoran"/>
+        <a:font script="Knda" typeface="Tunga"/>
+        <a:font script="Guru" typeface="Raavi"/>
+        <a:font script="Cans" typeface="Euphemia"/>
+        <a:font script="Cher" typeface="Plantagenet Cherokee"/>
+        <a:font script="Yiii" typeface="Microsoft Yi Baiti"/>
+        <a:font script="Tibt" typeface="Microsoft Himalaya"/>
+        <a:font script="Thaa" typeface="MV Boli"/>
+        <a:font script="Deva" typeface="Mangal"/>
+        <a:font script="Telu" typeface="Gautami"/>
+        <a:font script="Taml" typeface="Latha"/>
+        <a:font script="Syrc" typeface="Estrangelo Edessa"/>
+        <a:font script="Orya" typeface="Kalinga"/>
+        <a:font script="Mlym" typeface="Kartika"/>
+        <a:font script="Laoo" typeface="DokChampa"/>
+        <a:font script="Sinh" typeface="Iskoola Pota"/>
+        <a:font script="Mong" typeface="Mongolian Baiti"/>
+        <a:font script="Viet" typeface="Times New Roman"/>
+        <a:font script="Uigh" typeface="Microsoft Uighur"/>
+        <a:font script="Geor" typeface="Sylfaen"/>
+      </a:majorFont>
+      <a:minorFont>
+        <a:latin typeface="맑은 고딕"/>
+        <a:ea typeface=""/>
+        <a:cs typeface=""/>
+        <a:font script="Jpan" typeface="ＭＳ Ｐゴシック"/>
+        <a:font script="Hang" typeface="맑은 고딕"/>
+        <a:font script="Hans" typeface="宋体"/>
+        <a:font script="Hant" typeface="新細明體"/>
+        <a:font script="Arab" typeface="Arial"/>
+        <a:font script="Hebr" typeface="Arial"/>
+        <a:font script="Thai" typeface="Cordia New"/>
+        <a:font script="Ethi" typeface="Nyala"/>
+        <a:font script="Beng" typeface="Vrinda"/>
+        <a:font script="Gujr" typeface="Shruti"/>
+        <a:font script="Khmr" typeface="DaunPenh"/>
+        <a:font script="Knda" typeface="Tunga"/>
+        <a:font script="Guru" typeface="Raavi"/>
+        <a:font script="Cans" typeface="Euphemia"/>
+        <a:font script="Cher" typeface="Plantagenet Cherokee"/>
+        <a:font script="Yiii" typeface="Microsoft Yi Baiti"/>
+        <a:font script="Tibt" typeface="Microsoft Himalaya"/>
+        <a:font script="Thaa" typeface="MV Boli"/>
+        <a:font script="Deva" typeface="Mangal"/>
+        <a:font script="Telu" typeface="Gautami"/>
+        <a:font script="Taml" typeface="Latha"/>
+        <a:font script="Syrc" typeface="Estrangelo Edessa"/>
+        <a:font script="Orya" typeface="Kalinga"/>
+        <a:font script="Mlym" typeface="Kartika"/>
+        <a:font script="Laoo" typeface="DokChampa"/>
+        <a:font script="Sinh" typeface="Iskoola Pota"/>
+        <a:font script="Mong" typeface="Mongolian Baiti"/>
+        <a:font script="Viet" typeface="Arial"/>
+        <a:font script="Uigh" typeface="Microsoft Uighur"/>
+        <a:font script="Geor" typeface="Sylfaen"/>
+      </a:minorFont>
+    </a:fontScheme>
+    <a:fmtScheme name="Office">
+      <a:fillStyleLst>
+        <a:solidFill>
+          <a:schemeClr val="phClr"/>
+        </a:solidFill>
+        <a:gradFill rotWithShape="1">
+          <a:gsLst>
+            <a:gs pos="0">
+              <a:schemeClr val="phClr">
+                <a:tint val="50000"/>
+                <a:satMod val="300000"/>
+              </a:schemeClr>
+            </a:gs>
+            <a:gs pos="35000">
+              <a:schemeClr val="phClr">
+                <a:tint val="37000"/>
+                <a:satMod val="300000"/>
+              </a:schemeClr>
+            </a:gs>
+            <a:gs pos="100000">
+              <a:schemeClr val="phClr">
+                <a:tint val="15000"/>
+                <a:satMod val="350000"/>
+              </a:schemeClr>
+            </a:gs>
+          </a:gsLst>
+          <a:lin ang="16200000" scaled="1"/>
+        </a:gradFill>
+        <a:gradFill rotWithShape="1">
+          <a:gsLst>
+            <a:gs pos="0">
+              <a:schemeClr val="phClr">
+                <a:shade val="51000"/>
+                <a:satMod val="130000"/>
+              </a:schemeClr>
+            </a:gs>
+            <a:gs pos="80000">
+              <a:schemeClr val="phClr">
+                <a:shade val="93000"/>
+                <a:satMod val="130000"/>
+              </a:schemeClr>
+            </a:gs>
+            <a:gs pos="100000">
+              <a:schemeClr val="phClr">
+                <a:shade val="94000"/>
+                <a:satMod val="135000"/>
+              </a:schemeClr>
+            </a:gs>
+          </a:gsLst>
+          <a:lin ang="16200000" scaled="0"/>
+        </a:gradFill>
+      </a:fillStyleLst>
+      <a:lnStyleLst>
+        <a:ln w="9525" cap="flat" cmpd="sng" algn="ctr">
+          <a:solidFill>
+            <a:schemeClr val="phClr">
+              <a:shade val="95000"/>
+              <a:satMod val="105000"/>
+            </a:schemeClr>
+          </a:solidFill>
+          <a:prstDash val="solid"/>
+        </a:ln>
+        <a:ln w="25400" cap="flat" cmpd="sng" algn="ctr">
+          <a:solidFill>
+            <a:schemeClr val="phClr"/>
+          </a:solidFill>
+          <a:prstDash val="solid"/>
+        </a:ln>
+        <a:ln w="38100" cap="flat" cmpd="sng" algn="ctr">
+          <a:solidFill>
+            <a:schemeClr val="phClr"/>
+          </a:solidFill>
+          <a:prstDash val="solid"/>
+        </a:ln>
+      </a:lnStyleLst>
+      <a:effectStyleLst>
+        <a:effectStyle>
+          <a:effectLst>
+            <a:outerShdw blurRad="40000" dist="20000" dir="5400000" rotWithShape="0">
+              <a:srgbClr val="000000">
+                <a:alpha val="38000"/>
+              </a:srgbClr>
+            </a:outerShdw>
+          </a:effectLst>
+        </a:effectStyle>
+        <a:effectStyle>
+          <a:effectLst>
+            <a:outerShdw blurRad="40000" dist="23000" dir="5400000" rotWithShape="0">
+              <a:srgbClr val="000000">
+                <a:alpha val="35000"/>
+              </a:srgbClr>
+            </a:outerShdw>
+          </a:effectLst>
+        </a:effectStyle>
+        <a:effectStyle>
+          <a:effectLst>
+            <a:outerShdw blurRad="40000" dist="23000" dir="5400000" rotWithShape="0">
+              <a:srgbClr val="000000">
+                <a:alpha val="35000"/>
+              </a:srgbClr>
+            </a:outerShdw>
+          </a:effectLst>
+          <a:scene3d>
+            <a:camera prst="orthographicFront">
+              <a:rot lat="0" lon="0" rev="0"/>
+            </a:camera>
+            <a:lightRig rig="threePt" dir="t">
+              <a:rot lat="0" lon="0" rev="1200000"/>
+            </a:lightRig>
+          </a:scene3d>
+          <a:sp3d>
+            <a:bevelT w="63500" h="25400"/>
+          </a:sp3d>
+        </a:effectStyle>
+      </a:effectStyleLst>
+      <a:bgFillStyleLst>
+        <a:solidFill>
+          <a:schemeClr val="phClr"/>
+        </a:solidFill>
+        <a:gradFill rotWithShape="1">
+          <a:gsLst>
+            <a:gs pos="0">
+              <a:schemeClr val="phClr">
+                <a:tint val="40000"/>
+                <a:satMod val="350000"/>
+              </a:schemeClr>
+            </a:gs>
+            <a:gs pos="40000">
+              <a:schemeClr val="phClr">
+                <a:tint val="45000"/>
+                <a:shade val="99000"/>
+                <a:satMod val="350000"/>
+              </a:schemeClr>
+            </a:gs>
+            <a:gs pos="100000">
+              <a:schemeClr val="phClr">
+                <a:shade val="20000"/>
+                <a:satMod val="255000"/>
+              </a:schemeClr>
+            </a:gs>
+          </a:gsLst>
+          <a:path path="circle">
+            <a:fillToRect l="50000" t="-80000" r="50000" b="180000"/>
+          </a:path>
+        </a:gradFill>
+        <a:gradFill rotWithShape="1">
+          <a:gsLst>
+            <a:gs pos="0">
+              <a:schemeClr val="phClr">
+                <a:tint val="80000"/>
+                <a:satMod val="300000"/>
+              </a:schemeClr>
+            </a:gs>
+            <a:gs pos="100000">
+              <a:schemeClr val="phClr">
+                <a:shade val="30000"/>
+                <a:satMod val="200000"/>
+              </a:schemeClr>
+            </a:gs>
+          </a:gsLst>
+          <a:path path="circle">
+            <a:fillToRect l="50000" t="50000" r="50000" b="50000"/>
+          </a:path>
+        </a:gradFill>
+      </a:bgFillStyleLst>
+    </a:fmtScheme>
+  </a:themeElements>
+  <a:objectDefaults/>
+  <a:extraClrSchemeLst/>
+</a:theme>
 </file>
--- a/프론트엔드기초(PPT)/CSS3 2강_CSS 셀렉터.pptx
+++ b/프론트엔드기초(PPT)/CSS3 2강_CSS 셀렉터.pptx
@@ -3473,6 +3473,14 @@
 <file path=ppt/slides/slide1.xml><?xml version="1.0" encoding="utf-8"?>
 <p:sld xmlns:a="http://schemas.openxmlformats.org/drawingml/2006/main" xmlns:r="http://schemas.openxmlformats.org/officeDocument/2006/relationships" xmlns:p="http://schemas.openxmlformats.org/presentationml/2006/main">
   <p:cSld>
+    <p:bg>
+      <p:bgPr>
+        <a:solidFill>
+          <a:schemeClr val="accent5"/>
+        </a:solidFill>
+        <a:effectLst/>
+      </p:bgPr>
+    </p:bg>
     <p:spTree>
       <p:nvGrpSpPr>
         <p:cNvPr id="1" name=""/>
@@ -3507,7 +3515,7 @@
             <a:r>
               <a:rPr lang="en-US" altLang="ko-KR" sz="2800" dirty="0" smtClean="0">
                 <a:solidFill>
-                  <a:schemeClr val="accent5"/>
+                  <a:schemeClr val="bg1"/>
                 </a:solidFill>
                 <a:latin typeface="배달의민족 주아" pitchFamily="18" charset="-127"/>
                 <a:ea typeface="배달의민족 주아" pitchFamily="18" charset="-127"/>
@@ -3517,7 +3525,7 @@
             <a:r>
               <a:rPr lang="ko-KR" altLang="en-US" sz="2800" dirty="0" smtClean="0">
                 <a:solidFill>
-                  <a:schemeClr val="accent5"/>
+                  <a:schemeClr val="bg1"/>
                 </a:solidFill>
                 <a:latin typeface="배달의민족 주아" pitchFamily="18" charset="-127"/>
                 <a:ea typeface="배달의민족 주아" pitchFamily="18" charset="-127"/>
@@ -3527,7 +3535,7 @@
             <a:r>
               <a:rPr lang="en-US" altLang="ko-KR" sz="2800" dirty="0" smtClean="0">
                 <a:solidFill>
-                  <a:schemeClr val="accent5"/>
+                  <a:schemeClr val="bg1"/>
                 </a:solidFill>
                 <a:latin typeface="배달의민족 주아" pitchFamily="18" charset="-127"/>
                 <a:ea typeface="배달의민족 주아" pitchFamily="18" charset="-127"/>
@@ -3537,7 +3545,7 @@
             <a:br>
               <a:rPr lang="en-US" altLang="ko-KR" sz="2800" dirty="0" smtClean="0">
                 <a:solidFill>
-                  <a:schemeClr val="accent5"/>
+                  <a:schemeClr val="bg1"/>
                 </a:solidFill>
                 <a:latin typeface="배달의민족 주아" pitchFamily="18" charset="-127"/>
                 <a:ea typeface="배달의민족 주아" pitchFamily="18" charset="-127"/>
@@ -3545,6 +3553,9 @@
             </a:br>
             <a:r>
               <a:rPr lang="en-US" altLang="ko-KR" dirty="0" smtClean="0">
+                <a:solidFill>
+                  <a:schemeClr val="bg1"/>
+                </a:solidFill>
                 <a:latin typeface="배달의민족 주아" pitchFamily="18" charset="-127"/>
                 <a:ea typeface="배달의민족 주아" pitchFamily="18" charset="-127"/>
               </a:rPr>
@@ -3552,12 +3563,18 @@
             </a:r>
             <a:br>
               <a:rPr lang="en-US" altLang="ko-KR" dirty="0" smtClean="0">
+                <a:solidFill>
+                  <a:schemeClr val="bg1"/>
+                </a:solidFill>
                 <a:latin typeface="배달의민족 주아" pitchFamily="18" charset="-127"/>
                 <a:ea typeface="배달의민족 주아" pitchFamily="18" charset="-127"/>
               </a:rPr>
             </a:br>
             <a:r>
               <a:rPr lang="en-US" altLang="ko-KR" dirty="0" smtClean="0">
+                <a:solidFill>
+                  <a:schemeClr val="bg1"/>
+                </a:solidFill>
                 <a:latin typeface="배달의민족 주아" pitchFamily="18" charset="-127"/>
                 <a:ea typeface="배달의민족 주아" pitchFamily="18" charset="-127"/>
               </a:rPr>
@@ -3565,6 +3582,9 @@
             </a:r>
             <a:r>
               <a:rPr lang="ko-KR" altLang="en-US" dirty="0" err="1" smtClean="0">
+                <a:solidFill>
+                  <a:schemeClr val="bg1"/>
+                </a:solidFill>
                 <a:latin typeface="배달의민족 주아" pitchFamily="18" charset="-127"/>
                 <a:ea typeface="배달의민족 주아" pitchFamily="18" charset="-127"/>
               </a:rPr>
@@ -3572,12 +3592,18 @@
             </a:r>
             <a:r>
               <a:rPr lang="ko-KR" altLang="en-US" dirty="0" err="1">
+                <a:solidFill>
+                  <a:schemeClr val="bg1"/>
+                </a:solidFill>
                 <a:latin typeface="배달의민족 주아" pitchFamily="18" charset="-127"/>
                 <a:ea typeface="배달의민족 주아" pitchFamily="18" charset="-127"/>
               </a:rPr>
               <a:t>터</a:t>
             </a:r>
             <a:endParaRPr lang="ko-KR" altLang="en-US" dirty="0">
+              <a:solidFill>
+                <a:schemeClr val="bg1"/>
+              </a:solidFill>
               <a:latin typeface="배달의민족 주아" pitchFamily="18" charset="-127"/>
               <a:ea typeface="배달의민족 주아" pitchFamily="18" charset="-127"/>
             </a:endParaRPr>
@@ -3703,7 +3729,7 @@
             <a:r>
               <a:rPr lang="en-US" altLang="ko-KR" dirty="0" smtClean="0">
                 <a:solidFill>
-                  <a:schemeClr val="accent5"/>
+                  <a:schemeClr val="bg1"/>
                 </a:solidFill>
                 <a:latin typeface="배달의민족 도현" pitchFamily="50" charset="-127"/>
                 <a:ea typeface="배달의민족 도현" pitchFamily="50" charset="-127"/>
@@ -3720,7 +3746,7 @@
             <a:r>
               <a:rPr lang="en-US" altLang="ko-KR" dirty="0" smtClean="0">
                 <a:solidFill>
-                  <a:schemeClr val="accent5"/>
+                  <a:schemeClr val="bg1"/>
                 </a:solidFill>
                 <a:latin typeface="배달의민족 도현" pitchFamily="50" charset="-127"/>
                 <a:ea typeface="배달의민족 도현" pitchFamily="50" charset="-127"/>
@@ -4107,20 +4133,72 @@
                 <a:latin typeface="배달의민족 주아" pitchFamily="18" charset="-127"/>
                 <a:ea typeface="배달의민족 주아" pitchFamily="18" charset="-127"/>
               </a:rPr>
-              <a:t>		&lt;</a:t>
+              <a:t>		&lt;p&gt;div</a:t>
+            </a:r>
+            <a:r>
+              <a:rPr lang="ko-KR" altLang="en-US" sz="2400" dirty="0" smtClean="0">
+                <a:latin typeface="배달의민족 주아" pitchFamily="18" charset="-127"/>
+                <a:ea typeface="배달의민족 주아" pitchFamily="18" charset="-127"/>
+              </a:rPr>
+              <a:t>의 아들입니다</a:t>
             </a:r>
             <a:r>
               <a:rPr lang="en-US" altLang="ko-KR" sz="2400" dirty="0" smtClean="0">
                 <a:latin typeface="배달의민족 주아" pitchFamily="18" charset="-127"/>
                 <a:ea typeface="배달의민족 주아" pitchFamily="18" charset="-127"/>
               </a:rPr>
-              <a:t>p&gt;div</a:t>
+              <a:t>&lt;/p&gt;</a:t>
+            </a:r>
+          </a:p>
+          <a:p>
+            <a:pPr algn="l"/>
+            <a:r>
+              <a:rPr lang="en-US" altLang="ko-KR" sz="2400" dirty="0">
+                <a:latin typeface="배달의민족 주아" pitchFamily="18" charset="-127"/>
+                <a:ea typeface="배달의민족 주아" pitchFamily="18" charset="-127"/>
+              </a:rPr>
+              <a:t>	</a:t>
+            </a:r>
+            <a:r>
+              <a:rPr lang="en-US" altLang="ko-KR" sz="2400" dirty="0" smtClean="0">
+                <a:latin typeface="배달의민족 주아" pitchFamily="18" charset="-127"/>
+                <a:ea typeface="배달의민족 주아" pitchFamily="18" charset="-127"/>
+              </a:rPr>
+              <a:t>	</a:t>
+            </a:r>
+            <a:r>
+              <a:rPr lang="en-US" altLang="ko-KR" sz="2400" dirty="0">
+                <a:latin typeface="배달의민족 주아" pitchFamily="18" charset="-127"/>
+                <a:ea typeface="배달의민족 주아" pitchFamily="18" charset="-127"/>
+              </a:rPr>
+              <a:t>&lt;p</a:t>
+            </a:r>
+            <a:r>
+              <a:rPr lang="en-US" altLang="ko-KR" sz="2400" dirty="0" smtClean="0">
+                <a:latin typeface="배달의민족 주아" pitchFamily="18" charset="-127"/>
+                <a:ea typeface="배달의민족 주아" pitchFamily="18" charset="-127"/>
+              </a:rPr>
+              <a:t>&gt;</a:t>
             </a:r>
             <a:r>
               <a:rPr lang="ko-KR" altLang="en-US" sz="2400" dirty="0" smtClean="0">
                 <a:latin typeface="배달의민족 주아" pitchFamily="18" charset="-127"/>
                 <a:ea typeface="배달의민족 주아" pitchFamily="18" charset="-127"/>
               </a:rPr>
+              <a:t>저도 </a:t>
+            </a:r>
+            <a:r>
+              <a:rPr lang="en-US" altLang="ko-KR" sz="2400" dirty="0" smtClean="0">
+                <a:latin typeface="배달의민족 주아" pitchFamily="18" charset="-127"/>
+                <a:ea typeface="배달의민족 주아" pitchFamily="18" charset="-127"/>
+              </a:rPr>
+              <a:t>div</a:t>
+            </a:r>
+            <a:r>
+              <a:rPr lang="ko-KR" altLang="en-US" sz="2400" dirty="0" smtClean="0">
+                <a:latin typeface="배달의민족 주아" pitchFamily="18" charset="-127"/>
+                <a:ea typeface="배달의민족 주아" pitchFamily="18" charset="-127"/>
+              </a:rPr>
               <a:t>의 아들입니다</a:t>
             </a:r>
             <a:r>
@@ -4128,14 +4206,21 @@
                 <a:latin typeface="배달의민족 주아" pitchFamily="18" charset="-127"/>
                 <a:ea typeface="배달의민족 주아" pitchFamily="18" charset="-127"/>
               </a:rPr>
-              <a:t>&lt;/</a:t>
+              <a:t>.&lt;/</a:t>
+            </a:r>
+            <a:r>
+              <a:rPr lang="en-US" altLang="ko-KR" sz="2400" dirty="0">
+                <a:latin typeface="배달의민족 주아" pitchFamily="18" charset="-127"/>
+                <a:ea typeface="배달의민족 주아" pitchFamily="18" charset="-127"/>
+              </a:rPr>
+              <a:t>p</a:t>
             </a:r>
             <a:r>
               <a:rPr lang="en-US" altLang="ko-KR" sz="2400" dirty="0" smtClean="0">
                 <a:latin typeface="배달의민족 주아" pitchFamily="18" charset="-127"/>
                 <a:ea typeface="배달의민족 주아" pitchFamily="18" charset="-127"/>
               </a:rPr>
-              <a:t>p&gt;</a:t>
+              <a:t>&gt;</a:t>
             </a:r>
           </a:p>
           <a:p>
@@ -4152,104 +4237,24 @@
                 <a:latin typeface="배달의민족 주아" pitchFamily="18" charset="-127"/>
                 <a:ea typeface="배달의민족 주아" pitchFamily="18" charset="-127"/>
               </a:rPr>
+              <a:t>&lt;/div&gt;</a:t>
+            </a:r>
+          </a:p>
+          <a:p>
+            <a:pPr algn="l"/>
+            <a:r>
+              <a:rPr lang="en-US" altLang="ko-KR" sz="2400" dirty="0">
+                <a:latin typeface="배달의민족 주아" pitchFamily="18" charset="-127"/>
+                <a:ea typeface="배달의민족 주아" pitchFamily="18" charset="-127"/>
+              </a:rPr>
               <a:t>	</a:t>
             </a:r>
             <a:r>
-              <a:rPr lang="en-US" altLang="ko-KR" sz="2400" dirty="0">
-                <a:latin typeface="배달의민족 주아" pitchFamily="18" charset="-127"/>
-                <a:ea typeface="배달의민족 주아" pitchFamily="18" charset="-127"/>
-              </a:rPr>
-              <a:t>&lt;p</a:t>
-            </a:r>
-            <a:r>
               <a:rPr lang="en-US" altLang="ko-KR" sz="2400" dirty="0" smtClean="0">
                 <a:latin typeface="배달의민족 주아" pitchFamily="18" charset="-127"/>
                 <a:ea typeface="배달의민족 주아" pitchFamily="18" charset="-127"/>
               </a:rPr>
-              <a:t>&gt;</a:t>
-            </a:r>
-            <a:r>
-              <a:rPr lang="ko-KR" altLang="en-US" sz="2400" dirty="0" smtClean="0">
-                <a:latin typeface="배달의민족 주아" pitchFamily="18" charset="-127"/>
-                <a:ea typeface="배달의민족 주아" pitchFamily="18" charset="-127"/>
-              </a:rPr>
-              <a:t>저도 </a:t>
-            </a:r>
-            <a:r>
-              <a:rPr lang="en-US" altLang="ko-KR" sz="2400" dirty="0" smtClean="0">
-                <a:latin typeface="배달의민족 주아" pitchFamily="18" charset="-127"/>
-                <a:ea typeface="배달의민족 주아" pitchFamily="18" charset="-127"/>
-              </a:rPr>
-              <a:t>div</a:t>
-            </a:r>
-            <a:r>
-              <a:rPr lang="ko-KR" altLang="en-US" sz="2400" dirty="0" smtClean="0">
-                <a:latin typeface="배달의민족 주아" pitchFamily="18" charset="-127"/>
-                <a:ea typeface="배달의민족 주아" pitchFamily="18" charset="-127"/>
-              </a:rPr>
-              <a:t>의 아들입니다</a:t>
-            </a:r>
-            <a:r>
-              <a:rPr lang="en-US" altLang="ko-KR" sz="2400" dirty="0" smtClean="0">
-                <a:latin typeface="배달의민족 주아" pitchFamily="18" charset="-127"/>
-                <a:ea typeface="배달의민족 주아" pitchFamily="18" charset="-127"/>
-              </a:rPr>
-              <a:t>.&lt;/</a:t>
-            </a:r>
-            <a:r>
-              <a:rPr lang="en-US" altLang="ko-KR" sz="2400" dirty="0">
-                <a:latin typeface="배달의민족 주아" pitchFamily="18" charset="-127"/>
-                <a:ea typeface="배달의민족 주아" pitchFamily="18" charset="-127"/>
-              </a:rPr>
-              <a:t>p</a:t>
-            </a:r>
-            <a:r>
-              <a:rPr lang="en-US" altLang="ko-KR" sz="2400" dirty="0" smtClean="0">
-                <a:latin typeface="배달의민족 주아" pitchFamily="18" charset="-127"/>
-                <a:ea typeface="배달의민족 주아" pitchFamily="18" charset="-127"/>
-              </a:rPr>
-              <a:t>&gt;</a:t>
-            </a:r>
-          </a:p>
-          <a:p>
-            <a:pPr algn="l"/>
-            <a:r>
-              <a:rPr lang="en-US" altLang="ko-KR" sz="2400" dirty="0">
-                <a:latin typeface="배달의민족 주아" pitchFamily="18" charset="-127"/>
-                <a:ea typeface="배달의민족 주아" pitchFamily="18" charset="-127"/>
-              </a:rPr>
-              <a:t>	</a:t>
-            </a:r>
-            <a:r>
-              <a:rPr lang="en-US" altLang="ko-KR" sz="2400" dirty="0" smtClean="0">
-                <a:latin typeface="배달의민족 주아" pitchFamily="18" charset="-127"/>
-                <a:ea typeface="배달의민족 주아" pitchFamily="18" charset="-127"/>
-              </a:rPr>
-              <a:t>&lt;/div&gt;</a:t>
-            </a:r>
-          </a:p>
-          <a:p>
-            <a:pPr algn="l"/>
-            <a:r>
-              <a:rPr lang="en-US" altLang="ko-KR" sz="2400" dirty="0">
-                <a:latin typeface="배달의민족 주아" pitchFamily="18" charset="-127"/>
-                <a:ea typeface="배달의민족 주아" pitchFamily="18" charset="-127"/>
-              </a:rPr>
-              <a:t>	</a:t>
-            </a:r>
-            <a:r>
-              <a:rPr lang="en-US" altLang="ko-KR" sz="2400" dirty="0" smtClean="0">
-                <a:latin typeface="배달의민족 주아" pitchFamily="18" charset="-127"/>
-                <a:ea typeface="배달의민족 주아" pitchFamily="18" charset="-127"/>
-              </a:rPr>
-              <a:t>&lt;p</a:t>
-            </a:r>
-            <a:r>
-              <a:rPr lang="en-US" altLang="ko-KR" sz="2400" dirty="0" smtClean="0">
-                <a:latin typeface="배달의민족 주아" pitchFamily="18" charset="-127"/>
-                <a:ea typeface="배달의민족 주아" pitchFamily="18" charset="-127"/>
-              </a:rPr>
-              <a:t>&gt;</a:t>
+              <a:t>&lt;p&gt;</a:t>
             </a:r>
             <a:r>
               <a:rPr lang="ko-KR" altLang="en-US" sz="2400" dirty="0" smtClean="0">
@@ -4865,35 +4870,117 @@
                 <a:latin typeface="배달의민족 주아" pitchFamily="18" charset="-127"/>
                 <a:ea typeface="배달의민족 주아" pitchFamily="18" charset="-127"/>
               </a:rPr>
-              <a:t>&lt;</a:t>
-            </a:r>
+              <a:t>&lt;div&gt;</a:t>
+            </a:r>
+          </a:p>
+          <a:p>
+            <a:pPr algn="l"/>
             <a:r>
               <a:rPr lang="en-US" altLang="ko-KR" sz="2400" dirty="0" smtClean="0">
                 <a:latin typeface="배달의민족 주아" pitchFamily="18" charset="-127"/>
                 <a:ea typeface="배달의민족 주아" pitchFamily="18" charset="-127"/>
               </a:rPr>
-              <a:t>div&gt;</a:t>
-            </a:r>
-            <a:endParaRPr lang="en-US" altLang="ko-KR" sz="2400" dirty="0" smtClean="0">
-              <a:latin typeface="배달의민족 주아" pitchFamily="18" charset="-127"/>
-              <a:ea typeface="배달의민족 주아" pitchFamily="18" charset="-127"/>
-            </a:endParaRPr>
+              <a:t>		&lt;p&gt;</a:t>
+            </a:r>
+            <a:r>
+              <a:rPr lang="ko-KR" altLang="en-US" sz="2400" dirty="0" smtClean="0">
+                <a:latin typeface="배달의민족 주아" pitchFamily="18" charset="-127"/>
+                <a:ea typeface="배달의민족 주아" pitchFamily="18" charset="-127"/>
+              </a:rPr>
+              <a:t>안녕하세요</a:t>
+            </a:r>
+            <a:r>
+              <a:rPr lang="en-US" altLang="ko-KR" sz="2400" dirty="0" smtClean="0">
+                <a:latin typeface="배달의민족 주아" pitchFamily="18" charset="-127"/>
+                <a:ea typeface="배달의민족 주아" pitchFamily="18" charset="-127"/>
+              </a:rPr>
+              <a:t>&lt;/p&gt;</a:t>
+            </a:r>
           </a:p>
           <a:p>
             <a:pPr algn="l"/>
             <a:r>
+              <a:rPr lang="en-US" altLang="ko-KR" sz="2400" dirty="0">
+                <a:latin typeface="배달의민족 주아" pitchFamily="18" charset="-127"/>
+                <a:ea typeface="배달의민족 주아" pitchFamily="18" charset="-127"/>
+              </a:rPr>
+              <a:t>	</a:t>
+            </a:r>
+            <a:r>
               <a:rPr lang="en-US" altLang="ko-KR" sz="2400" dirty="0" smtClean="0">
                 <a:latin typeface="배달의민족 주아" pitchFamily="18" charset="-127"/>
                 <a:ea typeface="배달의민족 주아" pitchFamily="18" charset="-127"/>
               </a:rPr>
+              <a:t>	</a:t>
+            </a:r>
+            <a:r>
+              <a:rPr lang="en-US" altLang="ko-KR" sz="2400" dirty="0">
+                <a:latin typeface="배달의민족 주아" pitchFamily="18" charset="-127"/>
+                <a:ea typeface="배달의민족 주아" pitchFamily="18" charset="-127"/>
+              </a:rPr>
+              <a:t>&lt;p&gt;</a:t>
+            </a:r>
+            <a:r>
+              <a:rPr lang="ko-KR" altLang="en-US" sz="2400" dirty="0">
+                <a:latin typeface="배달의민족 주아" pitchFamily="18" charset="-127"/>
+                <a:ea typeface="배달의민족 주아" pitchFamily="18" charset="-127"/>
+              </a:rPr>
+              <a:t>반갑습니다</a:t>
+            </a:r>
+            <a:r>
+              <a:rPr lang="en-US" altLang="ko-KR" sz="2400" dirty="0">
+                <a:latin typeface="배달의민족 주아" pitchFamily="18" charset="-127"/>
+                <a:ea typeface="배달의민족 주아" pitchFamily="18" charset="-127"/>
+              </a:rPr>
+              <a:t>&lt;/p</a:t>
+            </a:r>
+            <a:r>
+              <a:rPr lang="en-US" altLang="ko-KR" sz="2400" dirty="0" smtClean="0">
+                <a:latin typeface="배달의민족 주아" pitchFamily="18" charset="-127"/>
+                <a:ea typeface="배달의민족 주아" pitchFamily="18" charset="-127"/>
+              </a:rPr>
+              <a:t>&gt;</a:t>
+            </a:r>
+          </a:p>
+          <a:p>
+            <a:pPr algn="l"/>
+            <a:r>
+              <a:rPr lang="en-US" altLang="ko-KR" sz="2400" dirty="0">
+                <a:latin typeface="배달의민족 주아" pitchFamily="18" charset="-127"/>
+                <a:ea typeface="배달의민족 주아" pitchFamily="18" charset="-127"/>
+              </a:rPr>
+              <a:t>	</a:t>
+            </a:r>
+            <a:r>
+              <a:rPr lang="en-US" altLang="ko-KR" sz="2400" dirty="0" smtClean="0">
+                <a:latin typeface="배달의민족 주아" pitchFamily="18" charset="-127"/>
+                <a:ea typeface="배달의민족 주아" pitchFamily="18" charset="-127"/>
+              </a:rPr>
+              <a:t>	&lt;article&gt;</a:t>
+            </a:r>
+          </a:p>
+          <a:p>
+            <a:pPr algn="l"/>
+            <a:r>
+              <a:rPr lang="en-US" altLang="ko-KR" sz="2400" dirty="0">
+                <a:latin typeface="배달의민족 주아" pitchFamily="18" charset="-127"/>
+                <a:ea typeface="배달의민족 주아" pitchFamily="18" charset="-127"/>
+              </a:rPr>
+              <a:t>	</a:t>
+            </a:r>
+            <a:r>
+              <a:rPr lang="en-US" altLang="ko-KR" sz="2400" dirty="0" smtClean="0">
+                <a:latin typeface="배달의민족 주아" pitchFamily="18" charset="-127"/>
+                <a:ea typeface="배달의민족 주아" pitchFamily="18" charset="-127"/>
+              </a:rPr>
               <a:t>		&lt;p&gt;</a:t>
             </a:r>
             <a:r>
-              <a:rPr lang="ko-KR" altLang="en-US" sz="2400" dirty="0" smtClean="0">
-                <a:latin typeface="배달의민족 주아" pitchFamily="18" charset="-127"/>
-                <a:ea typeface="배달의민족 주아" pitchFamily="18" charset="-127"/>
-              </a:rPr>
-              <a:t>안녕하세요</a:t>
+              <a:rPr lang="ko-KR" altLang="en-US" sz="2400" dirty="0" err="1" smtClean="0">
+                <a:latin typeface="배달의민족 주아" pitchFamily="18" charset="-127"/>
+                <a:ea typeface="배달의민족 주아" pitchFamily="18" charset="-127"/>
+              </a:rPr>
+              <a:t>스타트코딩</a:t>
             </a:r>
             <a:r>
               <a:rPr lang="en-US" altLang="ko-KR" sz="2400" dirty="0" smtClean="0">
@@ -4917,163 +5004,41 @@
                 <a:latin typeface="배달의민족 주아" pitchFamily="18" charset="-127"/>
                 <a:ea typeface="배달의민족 주아" pitchFamily="18" charset="-127"/>
               </a:rPr>
+              <a:t>	&lt;/article&gt;</a:t>
+            </a:r>
+          </a:p>
+          <a:p>
+            <a:pPr algn="l"/>
+            <a:r>
+              <a:rPr lang="en-US" altLang="ko-KR" sz="2400" dirty="0">
+                <a:latin typeface="배달의민족 주아" pitchFamily="18" charset="-127"/>
+                <a:ea typeface="배달의민족 주아" pitchFamily="18" charset="-127"/>
+              </a:rPr>
               <a:t>	</a:t>
             </a:r>
             <a:r>
+              <a:rPr lang="en-US" altLang="ko-KR" sz="2400" dirty="0" smtClean="0">
+                <a:latin typeface="배달의민족 주아" pitchFamily="18" charset="-127"/>
+                <a:ea typeface="배달의민족 주아" pitchFamily="18" charset="-127"/>
+              </a:rPr>
+              <a:t>&lt;/div&gt;</a:t>
+            </a:r>
+          </a:p>
+          <a:p>
+            <a:pPr algn="l"/>
+            <a:r>
               <a:rPr lang="en-US" altLang="ko-KR" sz="2400" dirty="0">
                 <a:latin typeface="배달의민족 주아" pitchFamily="18" charset="-127"/>
                 <a:ea typeface="배달의민족 주아" pitchFamily="18" charset="-127"/>
               </a:rPr>
+              <a:t>	</a:t>
+            </a:r>
+            <a:r>
+              <a:rPr lang="en-US" altLang="ko-KR" sz="2400" dirty="0" smtClean="0">
+                <a:latin typeface="배달의민족 주아" pitchFamily="18" charset="-127"/>
+                <a:ea typeface="배달의민족 주아" pitchFamily="18" charset="-127"/>
+              </a:rPr>
               <a:t>&lt;p&gt;</a:t>
-            </a:r>
-            <a:r>
-              <a:rPr lang="ko-KR" altLang="en-US" sz="2400" dirty="0">
-                <a:latin typeface="배달의민족 주아" pitchFamily="18" charset="-127"/>
-                <a:ea typeface="배달의민족 주아" pitchFamily="18" charset="-127"/>
-              </a:rPr>
-              <a:t>반갑습니다</a:t>
-            </a:r>
-            <a:r>
-              <a:rPr lang="en-US" altLang="ko-KR" sz="2400" dirty="0">
-                <a:latin typeface="배달의민족 주아" pitchFamily="18" charset="-127"/>
-                <a:ea typeface="배달의민족 주아" pitchFamily="18" charset="-127"/>
-              </a:rPr>
-              <a:t>&lt;/p</a:t>
-            </a:r>
-            <a:r>
-              <a:rPr lang="en-US" altLang="ko-KR" sz="2400" dirty="0" smtClean="0">
-                <a:latin typeface="배달의민족 주아" pitchFamily="18" charset="-127"/>
-                <a:ea typeface="배달의민족 주아" pitchFamily="18" charset="-127"/>
-              </a:rPr>
-              <a:t>&gt;</a:t>
-            </a:r>
-          </a:p>
-          <a:p>
-            <a:pPr algn="l"/>
-            <a:r>
-              <a:rPr lang="en-US" altLang="ko-KR" sz="2400" dirty="0">
-                <a:latin typeface="배달의민족 주아" pitchFamily="18" charset="-127"/>
-                <a:ea typeface="배달의민족 주아" pitchFamily="18" charset="-127"/>
-              </a:rPr>
-              <a:t>	</a:t>
-            </a:r>
-            <a:r>
-              <a:rPr lang="en-US" altLang="ko-KR" sz="2400" dirty="0" smtClean="0">
-                <a:latin typeface="배달의민족 주아" pitchFamily="18" charset="-127"/>
-                <a:ea typeface="배달의민족 주아" pitchFamily="18" charset="-127"/>
-              </a:rPr>
-              <a:t>	</a:t>
-            </a:r>
-            <a:r>
-              <a:rPr lang="en-US" altLang="ko-KR" sz="2400" dirty="0" smtClean="0">
-                <a:latin typeface="배달의민족 주아" pitchFamily="18" charset="-127"/>
-                <a:ea typeface="배달의민족 주아" pitchFamily="18" charset="-127"/>
-              </a:rPr>
-              <a:t>&lt;article&gt;</a:t>
-            </a:r>
-            <a:endParaRPr lang="en-US" altLang="ko-KR" sz="2400" dirty="0" smtClean="0">
-              <a:latin typeface="배달의민족 주아" pitchFamily="18" charset="-127"/>
-              <a:ea typeface="배달의민족 주아" pitchFamily="18" charset="-127"/>
-            </a:endParaRPr>
-          </a:p>
-          <a:p>
-            <a:pPr algn="l"/>
-            <a:r>
-              <a:rPr lang="en-US" altLang="ko-KR" sz="2400" dirty="0">
-                <a:latin typeface="배달의민족 주아" pitchFamily="18" charset="-127"/>
-                <a:ea typeface="배달의민족 주아" pitchFamily="18" charset="-127"/>
-              </a:rPr>
-              <a:t>	</a:t>
-            </a:r>
-            <a:r>
-              <a:rPr lang="en-US" altLang="ko-KR" sz="2400" dirty="0" smtClean="0">
-                <a:latin typeface="배달의민족 주아" pitchFamily="18" charset="-127"/>
-                <a:ea typeface="배달의민족 주아" pitchFamily="18" charset="-127"/>
-              </a:rPr>
-              <a:t>		&lt;p&gt;</a:t>
-            </a:r>
-            <a:r>
-              <a:rPr lang="ko-KR" altLang="en-US" sz="2400" dirty="0" err="1" smtClean="0">
-                <a:latin typeface="배달의민족 주아" pitchFamily="18" charset="-127"/>
-                <a:ea typeface="배달의민족 주아" pitchFamily="18" charset="-127"/>
-              </a:rPr>
-              <a:t>스타트코딩</a:t>
-            </a:r>
-            <a:r>
-              <a:rPr lang="en-US" altLang="ko-KR" sz="2400" dirty="0" smtClean="0">
-                <a:latin typeface="배달의민족 주아" pitchFamily="18" charset="-127"/>
-                <a:ea typeface="배달의민족 주아" pitchFamily="18" charset="-127"/>
-              </a:rPr>
-              <a:t>&lt;/p&gt;</a:t>
-            </a:r>
-          </a:p>
-          <a:p>
-            <a:pPr algn="l"/>
-            <a:r>
-              <a:rPr lang="en-US" altLang="ko-KR" sz="2400" dirty="0">
-                <a:latin typeface="배달의민족 주아" pitchFamily="18" charset="-127"/>
-                <a:ea typeface="배달의민족 주아" pitchFamily="18" charset="-127"/>
-              </a:rPr>
-              <a:t>	</a:t>
-            </a:r>
-            <a:r>
-              <a:rPr lang="en-US" altLang="ko-KR" sz="2400" dirty="0" smtClean="0">
-                <a:latin typeface="배달의민족 주아" pitchFamily="18" charset="-127"/>
-                <a:ea typeface="배달의민족 주아" pitchFamily="18" charset="-127"/>
-              </a:rPr>
-              <a:t>	</a:t>
-            </a:r>
-            <a:r>
-              <a:rPr lang="en-US" altLang="ko-KR" sz="2400" dirty="0" smtClean="0">
-                <a:latin typeface="배달의민족 주아" pitchFamily="18" charset="-127"/>
-                <a:ea typeface="배달의민족 주아" pitchFamily="18" charset="-127"/>
-              </a:rPr>
-              <a:t>&lt;/article&gt;</a:t>
-            </a:r>
-            <a:endParaRPr lang="en-US" altLang="ko-KR" sz="2400" dirty="0" smtClean="0">
-              <a:latin typeface="배달의민족 주아" pitchFamily="18" charset="-127"/>
-              <a:ea typeface="배달의민족 주아" pitchFamily="18" charset="-127"/>
-            </a:endParaRPr>
-          </a:p>
-          <a:p>
-            <a:pPr algn="l"/>
-            <a:r>
-              <a:rPr lang="en-US" altLang="ko-KR" sz="2400" dirty="0">
-                <a:latin typeface="배달의민족 주아" pitchFamily="18" charset="-127"/>
-                <a:ea typeface="배달의민족 주아" pitchFamily="18" charset="-127"/>
-              </a:rPr>
-              <a:t>	</a:t>
-            </a:r>
-            <a:r>
-              <a:rPr lang="en-US" altLang="ko-KR" sz="2400" dirty="0" smtClean="0">
-                <a:latin typeface="배달의민족 주아" pitchFamily="18" charset="-127"/>
-                <a:ea typeface="배달의민족 주아" pitchFamily="18" charset="-127"/>
-              </a:rPr>
-              <a:t>&lt;/div&gt;</a:t>
-            </a:r>
-          </a:p>
-          <a:p>
-            <a:pPr algn="l"/>
-            <a:r>
-              <a:rPr lang="en-US" altLang="ko-KR" sz="2400" dirty="0">
-                <a:latin typeface="배달의민족 주아" pitchFamily="18" charset="-127"/>
-                <a:ea typeface="배달의민족 주아" pitchFamily="18" charset="-127"/>
-              </a:rPr>
-              <a:t>	</a:t>
-            </a:r>
-            <a:r>
-              <a:rPr lang="en-US" altLang="ko-KR" sz="2400" dirty="0" smtClean="0">
-                <a:latin typeface="배달의민족 주아" pitchFamily="18" charset="-127"/>
-                <a:ea typeface="배달의민족 주아" pitchFamily="18" charset="-127"/>
-              </a:rPr>
-              <a:t>&lt;</a:t>
-            </a:r>
-            <a:r>
-              <a:rPr lang="en-US" altLang="ko-KR" sz="2400" dirty="0" smtClean="0">
-                <a:latin typeface="배달의민족 주아" pitchFamily="18" charset="-127"/>
-                <a:ea typeface="배달의민족 주아" pitchFamily="18" charset="-127"/>
-              </a:rPr>
-              <a:t>p&gt;</a:t>
             </a:r>
             <a:r>
               <a:rPr lang="ko-KR" altLang="en-US" sz="2400" dirty="0" smtClean="0">
@@ -5916,80 +5881,52 @@
                 <a:latin typeface="배달의민족 주아" pitchFamily="18" charset="-127"/>
                 <a:ea typeface="배달의민족 주아" pitchFamily="18" charset="-127"/>
               </a:rPr>
-              <a:t>	&lt;</a:t>
+              <a:t>	&lt;h1&gt;</a:t>
+            </a:r>
+            <a:r>
+              <a:rPr lang="ko-KR" altLang="en-US" sz="2400" dirty="0" smtClean="0">
+                <a:latin typeface="배달의민족 주아" pitchFamily="18" charset="-127"/>
+                <a:ea typeface="배달의민족 주아" pitchFamily="18" charset="-127"/>
+              </a:rPr>
+              <a:t>동시에 뽑아주세요</a:t>
             </a:r>
             <a:r>
               <a:rPr lang="en-US" altLang="ko-KR" sz="2400" dirty="0" smtClean="0">
                 <a:latin typeface="배달의민족 주아" pitchFamily="18" charset="-127"/>
                 <a:ea typeface="배달의민족 주아" pitchFamily="18" charset="-127"/>
               </a:rPr>
-              <a:t>h1&gt;</a:t>
+              <a:t>&lt;/h1&gt;</a:t>
+            </a:r>
+          </a:p>
+          <a:p>
+            <a:pPr algn="l"/>
+            <a:r>
+              <a:rPr lang="en-US" altLang="ko-KR" sz="2400" dirty="0">
+                <a:latin typeface="배달의민족 주아" pitchFamily="18" charset="-127"/>
+                <a:ea typeface="배달의민족 주아" pitchFamily="18" charset="-127"/>
+              </a:rPr>
+              <a:t>	</a:t>
+            </a:r>
+            <a:r>
+              <a:rPr lang="en-US" altLang="ko-KR" sz="2400" dirty="0" smtClean="0">
+                <a:latin typeface="배달의민족 주아" pitchFamily="18" charset="-127"/>
+                <a:ea typeface="배달의민족 주아" pitchFamily="18" charset="-127"/>
+              </a:rPr>
+              <a:t>&lt;p&gt;</a:t>
             </a:r>
             <a:r>
               <a:rPr lang="ko-KR" altLang="en-US" sz="2400" dirty="0" smtClean="0">
                 <a:latin typeface="배달의민족 주아" pitchFamily="18" charset="-127"/>
                 <a:ea typeface="배달의민족 주아" pitchFamily="18" charset="-127"/>
               </a:rPr>
-              <a:t>동시에 뽑아주세요</a:t>
+              <a:t>나도 동시에 뽑아주세요</a:t>
             </a:r>
             <a:r>
               <a:rPr lang="en-US" altLang="ko-KR" sz="2400" dirty="0" smtClean="0">
                 <a:latin typeface="배달의민족 주아" pitchFamily="18" charset="-127"/>
                 <a:ea typeface="배달의민족 주아" pitchFamily="18" charset="-127"/>
               </a:rPr>
-              <a:t>&lt;/</a:t>
-            </a:r>
-            <a:r>
-              <a:rPr lang="en-US" altLang="ko-KR" sz="2400" dirty="0" smtClean="0">
-                <a:latin typeface="배달의민족 주아" pitchFamily="18" charset="-127"/>
-                <a:ea typeface="배달의민족 주아" pitchFamily="18" charset="-127"/>
-              </a:rPr>
-              <a:t>h1&gt;</a:t>
-            </a:r>
-          </a:p>
-          <a:p>
-            <a:pPr algn="l"/>
-            <a:r>
-              <a:rPr lang="en-US" altLang="ko-KR" sz="2400" dirty="0">
-                <a:latin typeface="배달의민족 주아" pitchFamily="18" charset="-127"/>
-                <a:ea typeface="배달의민족 주아" pitchFamily="18" charset="-127"/>
-              </a:rPr>
-              <a:t>	</a:t>
-            </a:r>
-            <a:r>
-              <a:rPr lang="en-US" altLang="ko-KR" sz="2400" dirty="0" smtClean="0">
-                <a:latin typeface="배달의민족 주아" pitchFamily="18" charset="-127"/>
-                <a:ea typeface="배달의민족 주아" pitchFamily="18" charset="-127"/>
-              </a:rPr>
-              <a:t>&lt;p</a:t>
-            </a:r>
-            <a:r>
-              <a:rPr lang="en-US" altLang="ko-KR" sz="2400" dirty="0" smtClean="0">
-                <a:latin typeface="배달의민족 주아" pitchFamily="18" charset="-127"/>
-                <a:ea typeface="배달의민족 주아" pitchFamily="18" charset="-127"/>
-              </a:rPr>
-              <a:t>&gt;</a:t>
-            </a:r>
-            <a:r>
-              <a:rPr lang="ko-KR" altLang="en-US" sz="2400" dirty="0" smtClean="0">
-                <a:latin typeface="배달의민족 주아" pitchFamily="18" charset="-127"/>
-                <a:ea typeface="배달의민족 주아" pitchFamily="18" charset="-127"/>
-              </a:rPr>
-              <a:t>나도 동시에 뽑아주세요</a:t>
-            </a:r>
-            <a:r>
-              <a:rPr lang="en-US" altLang="ko-KR" sz="2400" dirty="0" smtClean="0">
-                <a:latin typeface="배달의민족 주아" pitchFamily="18" charset="-127"/>
-                <a:ea typeface="배달의민족 주아" pitchFamily="18" charset="-127"/>
-              </a:rPr>
-              <a:t>&lt;/</a:t>
-            </a:r>
-            <a:r>
-              <a:rPr lang="en-US" altLang="ko-KR" sz="2400" dirty="0" smtClean="0">
-                <a:latin typeface="배달의민족 주아" pitchFamily="18" charset="-127"/>
-                <a:ea typeface="배달의민족 주아" pitchFamily="18" charset="-127"/>
-              </a:rPr>
-              <a:t>p&gt;</a:t>
+              <a:t>&lt;/p&gt;</a:t>
             </a:r>
             <a:endParaRPr lang="en-US" altLang="ko-KR" sz="2400" dirty="0">
               <a:latin typeface="배달의민족 주아" pitchFamily="18" charset="-127"/>
@@ -7948,87 +7885,59 @@
                 <a:latin typeface="배달의민족 주아" pitchFamily="18" charset="-127"/>
                 <a:ea typeface="배달의민족 주아" pitchFamily="18" charset="-127"/>
               </a:rPr>
-              <a:t>	&lt;</a:t>
+              <a:t>	&lt;h1&gt;</a:t>
+            </a:r>
+            <a:r>
+              <a:rPr lang="ko-KR" altLang="en-US" sz="3600" dirty="0" smtClean="0">
+                <a:latin typeface="배달의민족 주아" pitchFamily="18" charset="-127"/>
+                <a:ea typeface="배달의민족 주아" pitchFamily="18" charset="-127"/>
+              </a:rPr>
+              <a:t>저를 뽑아주세요</a:t>
+            </a:r>
+            <a:r>
+              <a:rPr lang="en-US" altLang="ko-KR" sz="3600" dirty="0">
+                <a:latin typeface="배달의민족 주아" pitchFamily="18" charset="-127"/>
+                <a:ea typeface="배달의민족 주아" pitchFamily="18" charset="-127"/>
+              </a:rPr>
+              <a:t>.</a:t>
             </a:r>
             <a:r>
               <a:rPr lang="en-US" altLang="ko-KR" sz="3600" dirty="0" smtClean="0">
                 <a:latin typeface="배달의민족 주아" pitchFamily="18" charset="-127"/>
                 <a:ea typeface="배달의민족 주아" pitchFamily="18" charset="-127"/>
               </a:rPr>
-              <a:t>h1&gt;</a:t>
+              <a:t>&lt;/h1&gt;</a:t>
+            </a:r>
+          </a:p>
+          <a:p>
+            <a:pPr algn="l"/>
+            <a:r>
+              <a:rPr lang="en-US" altLang="ko-KR" sz="3600" dirty="0">
+                <a:latin typeface="배달의민족 주아" pitchFamily="18" charset="-127"/>
+                <a:ea typeface="배달의민족 주아" pitchFamily="18" charset="-127"/>
+              </a:rPr>
+              <a:t>	</a:t>
+            </a:r>
+            <a:r>
+              <a:rPr lang="en-US" altLang="ko-KR" sz="3600" dirty="0" smtClean="0">
+                <a:latin typeface="배달의민족 주아" pitchFamily="18" charset="-127"/>
+                <a:ea typeface="배달의민족 주아" pitchFamily="18" charset="-127"/>
+              </a:rPr>
+              <a:t>&lt;p&gt;</a:t>
             </a:r>
             <a:r>
               <a:rPr lang="ko-KR" altLang="en-US" sz="3600" dirty="0" smtClean="0">
                 <a:latin typeface="배달의민족 주아" pitchFamily="18" charset="-127"/>
                 <a:ea typeface="배달의민족 주아" pitchFamily="18" charset="-127"/>
               </a:rPr>
-              <a:t>저를 뽑아주세요</a:t>
-            </a:r>
-            <a:r>
-              <a:rPr lang="en-US" altLang="ko-KR" sz="3600" dirty="0">
-                <a:latin typeface="배달의민족 주아" pitchFamily="18" charset="-127"/>
-                <a:ea typeface="배달의민족 주아" pitchFamily="18" charset="-127"/>
-              </a:rPr>
-              <a:t>.</a:t>
+              <a:t>저도 뽑아줘요</a:t>
             </a:r>
             <a:r>
               <a:rPr lang="en-US" altLang="ko-KR" sz="3600" dirty="0" smtClean="0">
                 <a:latin typeface="배달의민족 주아" pitchFamily="18" charset="-127"/>
                 <a:ea typeface="배달의민족 주아" pitchFamily="18" charset="-127"/>
               </a:rPr>
-              <a:t>&lt;/</a:t>
-            </a:r>
-            <a:r>
-              <a:rPr lang="en-US" altLang="ko-KR" sz="3600" dirty="0" smtClean="0">
-                <a:latin typeface="배달의민족 주아" pitchFamily="18" charset="-127"/>
-                <a:ea typeface="배달의민족 주아" pitchFamily="18" charset="-127"/>
-              </a:rPr>
-              <a:t>h1&gt;</a:t>
-            </a:r>
-          </a:p>
-          <a:p>
-            <a:pPr algn="l"/>
-            <a:r>
-              <a:rPr lang="en-US" altLang="ko-KR" sz="3600" dirty="0">
-                <a:latin typeface="배달의민족 주아" pitchFamily="18" charset="-127"/>
-                <a:ea typeface="배달의민족 주아" pitchFamily="18" charset="-127"/>
-              </a:rPr>
-              <a:t>	</a:t>
-            </a:r>
-            <a:r>
-              <a:rPr lang="en-US" altLang="ko-KR" sz="3600" dirty="0" smtClean="0">
-                <a:latin typeface="배달의민족 주아" pitchFamily="18" charset="-127"/>
-                <a:ea typeface="배달의민족 주아" pitchFamily="18" charset="-127"/>
-              </a:rPr>
-              <a:t>&lt;p</a:t>
-            </a:r>
-            <a:r>
-              <a:rPr lang="en-US" altLang="ko-KR" sz="3600" dirty="0" smtClean="0">
-                <a:latin typeface="배달의민족 주아" pitchFamily="18" charset="-127"/>
-                <a:ea typeface="배달의민족 주아" pitchFamily="18" charset="-127"/>
-              </a:rPr>
-              <a:t>&gt;</a:t>
-            </a:r>
-            <a:r>
-              <a:rPr lang="ko-KR" altLang="en-US" sz="3600" dirty="0" smtClean="0">
-                <a:latin typeface="배달의민족 주아" pitchFamily="18" charset="-127"/>
-                <a:ea typeface="배달의민족 주아" pitchFamily="18" charset="-127"/>
-              </a:rPr>
-              <a:t>저도 뽑아줘요</a:t>
-            </a:r>
-            <a:r>
-              <a:rPr lang="en-US" altLang="ko-KR" sz="3600" dirty="0" smtClean="0">
-                <a:latin typeface="배달의민족 주아" pitchFamily="18" charset="-127"/>
-                <a:ea typeface="배달의민족 주아" pitchFamily="18" charset="-127"/>
-              </a:rPr>
-              <a:t>.&lt;/</a:t>
-            </a:r>
-            <a:r>
-              <a:rPr lang="en-US" altLang="ko-KR" sz="3600" dirty="0" smtClean="0">
-                <a:latin typeface="배달의민족 주아" pitchFamily="18" charset="-127"/>
-                <a:ea typeface="배달의민족 주아" pitchFamily="18" charset="-127"/>
-              </a:rPr>
-              <a:t>p&gt;</a:t>
+              <a:t>.&lt;/p&gt;</a:t>
             </a:r>
             <a:endParaRPr lang="en-US" altLang="ko-KR" sz="3600" dirty="0">
               <a:latin typeface="배달의민족 주아" pitchFamily="18" charset="-127"/>
@@ -8950,118 +8859,76 @@
                 <a:latin typeface="배달의민족 주아" pitchFamily="18" charset="-127"/>
                 <a:ea typeface="배달의민족 주아" pitchFamily="18" charset="-127"/>
               </a:rPr>
-              <a:t>	&lt;p</a:t>
+              <a:t>	&lt;p&gt;</a:t>
+            </a:r>
+            <a:r>
+              <a:rPr lang="ko-KR" altLang="en-US" sz="2400" dirty="0" smtClean="0">
+                <a:latin typeface="배달의민족 주아" pitchFamily="18" charset="-127"/>
+                <a:ea typeface="배달의민족 주아" pitchFamily="18" charset="-127"/>
+              </a:rPr>
+              <a:t>나만 선택해주세요</a:t>
             </a:r>
             <a:r>
               <a:rPr lang="en-US" altLang="ko-KR" sz="2400" dirty="0" smtClean="0">
                 <a:latin typeface="배달의민족 주아" pitchFamily="18" charset="-127"/>
                 <a:ea typeface="배달의민족 주아" pitchFamily="18" charset="-127"/>
               </a:rPr>
-              <a:t>&gt;</a:t>
-            </a:r>
-            <a:r>
-              <a:rPr lang="ko-KR" altLang="en-US" sz="2400" dirty="0" smtClean="0">
-                <a:latin typeface="배달의민족 주아" pitchFamily="18" charset="-127"/>
-                <a:ea typeface="배달의민족 주아" pitchFamily="18" charset="-127"/>
-              </a:rPr>
-              <a:t>나만 선택해주세요</a:t>
+              <a:t>&lt;/p&gt;</a:t>
+            </a:r>
+          </a:p>
+          <a:p>
+            <a:pPr algn="l"/>
+            <a:r>
+              <a:rPr lang="en-US" altLang="ko-KR" sz="2400" dirty="0">
+                <a:latin typeface="배달의민족 주아" pitchFamily="18" charset="-127"/>
+                <a:ea typeface="배달의민족 주아" pitchFamily="18" charset="-127"/>
+              </a:rPr>
+              <a:t>	</a:t>
             </a:r>
             <a:r>
               <a:rPr lang="en-US" altLang="ko-KR" sz="2400" dirty="0" smtClean="0">
                 <a:latin typeface="배달의민족 주아" pitchFamily="18" charset="-127"/>
                 <a:ea typeface="배달의민족 주아" pitchFamily="18" charset="-127"/>
               </a:rPr>
-              <a:t>&lt;/</a:t>
+              <a:t>&lt;p&gt;</a:t>
+            </a:r>
+            <a:r>
+              <a:rPr lang="ko-KR" altLang="en-US" sz="2400" dirty="0" err="1" smtClean="0">
+                <a:latin typeface="배달의민족 주아" pitchFamily="18" charset="-127"/>
+                <a:ea typeface="배달의민족 주아" pitchFamily="18" charset="-127"/>
+              </a:rPr>
+              <a:t>선택하지마요</a:t>
             </a:r>
             <a:r>
               <a:rPr lang="en-US" altLang="ko-KR" sz="2400" dirty="0" smtClean="0">
                 <a:latin typeface="배달의민족 주아" pitchFamily="18" charset="-127"/>
                 <a:ea typeface="배달의민족 주아" pitchFamily="18" charset="-127"/>
               </a:rPr>
-              <a:t>p&gt;</a:t>
+              <a:t>&lt;/p&gt;</a:t>
             </a:r>
           </a:p>
           <a:p>
             <a:pPr algn="l"/>
             <a:r>
-              <a:rPr lang="en-US" altLang="ko-KR" sz="2400" dirty="0">
-                <a:latin typeface="배달의민족 주아" pitchFamily="18" charset="-127"/>
-                <a:ea typeface="배달의민족 주아" pitchFamily="18" charset="-127"/>
-              </a:rPr>
-              <a:t>	</a:t>
-            </a:r>
-            <a:r>
               <a:rPr lang="en-US" altLang="ko-KR" sz="2400" dirty="0" smtClean="0">
                 <a:latin typeface="배달의민족 주아" pitchFamily="18" charset="-127"/>
                 <a:ea typeface="배달의민족 주아" pitchFamily="18" charset="-127"/>
               </a:rPr>
-              <a:t>&lt;p</a:t>
+              <a:t>	&lt;p&gt;</a:t>
+            </a:r>
+            <a:r>
+              <a:rPr lang="ko-KR" altLang="en-US" sz="2400" dirty="0" err="1" smtClean="0">
+                <a:latin typeface="배달의민족 주아" pitchFamily="18" charset="-127"/>
+                <a:ea typeface="배달의민족 주아" pitchFamily="18" charset="-127"/>
+              </a:rPr>
+              <a:t>선택하지마요</a:t>
             </a:r>
             <a:r>
               <a:rPr lang="en-US" altLang="ko-KR" sz="2400" dirty="0" smtClean="0">
                 <a:latin typeface="배달의민족 주아" pitchFamily="18" charset="-127"/>
                 <a:ea typeface="배달의민족 주아" pitchFamily="18" charset="-127"/>
               </a:rPr>
-              <a:t>&gt;</a:t>
-            </a:r>
-            <a:r>
-              <a:rPr lang="ko-KR" altLang="en-US" sz="2400" dirty="0" err="1" smtClean="0">
-                <a:latin typeface="배달의민족 주아" pitchFamily="18" charset="-127"/>
-                <a:ea typeface="배달의민족 주아" pitchFamily="18" charset="-127"/>
-              </a:rPr>
-              <a:t>선택하지마요</a:t>
-            </a:r>
-            <a:r>
-              <a:rPr lang="en-US" altLang="ko-KR" sz="2400" dirty="0" smtClean="0">
-                <a:latin typeface="배달의민족 주아" pitchFamily="18" charset="-127"/>
-                <a:ea typeface="배달의민족 주아" pitchFamily="18" charset="-127"/>
-              </a:rPr>
-              <a:t>&lt;/</a:t>
-            </a:r>
-            <a:r>
-              <a:rPr lang="en-US" altLang="ko-KR" sz="2400" dirty="0" smtClean="0">
-                <a:latin typeface="배달의민족 주아" pitchFamily="18" charset="-127"/>
-                <a:ea typeface="배달의민족 주아" pitchFamily="18" charset="-127"/>
-              </a:rPr>
-              <a:t>p&gt;</a:t>
-            </a:r>
-          </a:p>
-          <a:p>
-            <a:pPr algn="l"/>
-            <a:r>
-              <a:rPr lang="en-US" altLang="ko-KR" sz="2400" dirty="0" smtClean="0">
-                <a:latin typeface="배달의민족 주아" pitchFamily="18" charset="-127"/>
-                <a:ea typeface="배달의민족 주아" pitchFamily="18" charset="-127"/>
-              </a:rPr>
-              <a:t>	&lt;p</a:t>
-            </a:r>
-            <a:r>
-              <a:rPr lang="en-US" altLang="ko-KR" sz="2400" dirty="0" smtClean="0">
-                <a:latin typeface="배달의민족 주아" pitchFamily="18" charset="-127"/>
-                <a:ea typeface="배달의민족 주아" pitchFamily="18" charset="-127"/>
-              </a:rPr>
-              <a:t>&gt;</a:t>
-            </a:r>
-            <a:r>
-              <a:rPr lang="ko-KR" altLang="en-US" sz="2400" dirty="0" err="1" smtClean="0">
-                <a:latin typeface="배달의민족 주아" pitchFamily="18" charset="-127"/>
-                <a:ea typeface="배달의민족 주아" pitchFamily="18" charset="-127"/>
-              </a:rPr>
-              <a:t>선택하지마요</a:t>
-            </a:r>
-            <a:r>
-              <a:rPr lang="en-US" altLang="ko-KR" sz="2400" dirty="0" smtClean="0">
-                <a:latin typeface="배달의민족 주아" pitchFamily="18" charset="-127"/>
-                <a:ea typeface="배달의민족 주아" pitchFamily="18" charset="-127"/>
-              </a:rPr>
-              <a:t>&lt;/</a:t>
-            </a:r>
-            <a:r>
-              <a:rPr lang="en-US" altLang="ko-KR" sz="2400" dirty="0" smtClean="0">
-                <a:latin typeface="배달의민족 주아" pitchFamily="18" charset="-127"/>
-                <a:ea typeface="배달의민족 주아" pitchFamily="18" charset="-127"/>
-              </a:rPr>
-              <a:t>p&gt;</a:t>
+              <a:t>&lt;/p&gt;</a:t>
             </a:r>
             <a:endParaRPr lang="en-US" altLang="ko-KR" sz="2400" dirty="0">
               <a:latin typeface="배달의민족 주아" pitchFamily="18" charset="-127"/>
@@ -9500,97 +9367,62 @@
                 <a:latin typeface="배달의민족 주아" pitchFamily="18" charset="-127"/>
                 <a:ea typeface="배달의민족 주아" pitchFamily="18" charset="-127"/>
               </a:rPr>
-              <a:t>&lt;/</a:t>
+              <a:t>&lt;/p&gt;</a:t>
+            </a:r>
+          </a:p>
+          <a:p>
+            <a:pPr algn="l"/>
+            <a:r>
+              <a:rPr lang="en-US" altLang="ko-KR" sz="2400" dirty="0">
+                <a:latin typeface="배달의민족 주아" pitchFamily="18" charset="-127"/>
+                <a:ea typeface="배달의민족 주아" pitchFamily="18" charset="-127"/>
+              </a:rPr>
+              <a:t>	</a:t>
             </a:r>
             <a:r>
               <a:rPr lang="en-US" altLang="ko-KR" sz="2400" dirty="0" smtClean="0">
                 <a:latin typeface="배달의민족 주아" pitchFamily="18" charset="-127"/>
                 <a:ea typeface="배달의민족 주아" pitchFamily="18" charset="-127"/>
               </a:rPr>
-              <a:t>p&gt;</a:t>
+              <a:t>&lt;p&gt;</a:t>
+            </a:r>
+            <a:r>
+              <a:rPr lang="ko-KR" altLang="en-US" sz="2400" dirty="0" err="1" smtClean="0">
+                <a:latin typeface="배달의민족 주아" pitchFamily="18" charset="-127"/>
+                <a:ea typeface="배달의민족 주아" pitchFamily="18" charset="-127"/>
+              </a:rPr>
+              <a:t>선택하지마요</a:t>
+            </a:r>
+            <a:r>
+              <a:rPr lang="en-US" altLang="ko-KR" sz="2400" dirty="0" smtClean="0">
+                <a:latin typeface="배달의민족 주아" pitchFamily="18" charset="-127"/>
+                <a:ea typeface="배달의민족 주아" pitchFamily="18" charset="-127"/>
+              </a:rPr>
+              <a:t>&lt;/p&gt;</a:t>
             </a:r>
           </a:p>
           <a:p>
             <a:pPr algn="l"/>
             <a:r>
-              <a:rPr lang="en-US" altLang="ko-KR" sz="2400" dirty="0">
-                <a:latin typeface="배달의민족 주아" pitchFamily="18" charset="-127"/>
-                <a:ea typeface="배달의민족 주아" pitchFamily="18" charset="-127"/>
-              </a:rPr>
-              <a:t>	</a:t>
-            </a:r>
-            <a:r>
               <a:rPr lang="en-US" altLang="ko-KR" sz="2400" dirty="0" smtClean="0">
                 <a:latin typeface="배달의민족 주아" pitchFamily="18" charset="-127"/>
                 <a:ea typeface="배달의민족 주아" pitchFamily="18" charset="-127"/>
               </a:rPr>
-              <a:t>&lt;p</a:t>
+              <a:t>	&lt;p&gt;</a:t>
+            </a:r>
+            <a:r>
+              <a:rPr lang="ko-KR" altLang="en-US" sz="2400" dirty="0" err="1" smtClean="0">
+                <a:latin typeface="배달의민족 주아" pitchFamily="18" charset="-127"/>
+                <a:ea typeface="배달의민족 주아" pitchFamily="18" charset="-127"/>
+              </a:rPr>
+              <a:t>선택하지마요</a:t>
             </a:r>
             <a:r>
               <a:rPr lang="en-US" altLang="ko-KR" sz="2400" dirty="0" smtClean="0">
                 <a:latin typeface="배달의민족 주아" pitchFamily="18" charset="-127"/>
                 <a:ea typeface="배달의민족 주아" pitchFamily="18" charset="-127"/>
               </a:rPr>
-              <a:t>&gt;</a:t>
-            </a:r>
-            <a:r>
-              <a:rPr lang="ko-KR" altLang="en-US" sz="2400" dirty="0" err="1" smtClean="0">
-                <a:latin typeface="배달의민족 주아" pitchFamily="18" charset="-127"/>
-                <a:ea typeface="배달의민족 주아" pitchFamily="18" charset="-127"/>
-              </a:rPr>
-              <a:t>선택하지마요</a:t>
-            </a:r>
-            <a:r>
-              <a:rPr lang="en-US" altLang="ko-KR" sz="2400" dirty="0" smtClean="0">
-                <a:latin typeface="배달의민족 주아" pitchFamily="18" charset="-127"/>
-                <a:ea typeface="배달의민족 주아" pitchFamily="18" charset="-127"/>
-              </a:rPr>
-              <a:t>&lt;/</a:t>
-            </a:r>
-            <a:r>
-              <a:rPr lang="en-US" altLang="ko-KR" sz="2400" dirty="0" smtClean="0">
-                <a:latin typeface="배달의민족 주아" pitchFamily="18" charset="-127"/>
-                <a:ea typeface="배달의민족 주아" pitchFamily="18" charset="-127"/>
-              </a:rPr>
-              <a:t>p&gt;</a:t>
-            </a:r>
-          </a:p>
-          <a:p>
-            <a:pPr algn="l"/>
-            <a:r>
-              <a:rPr lang="en-US" altLang="ko-KR" sz="2400" dirty="0" smtClean="0">
-                <a:latin typeface="배달의민족 주아" pitchFamily="18" charset="-127"/>
-                <a:ea typeface="배달의민족 주아" pitchFamily="18" charset="-127"/>
-              </a:rPr>
-              <a:t>	&lt;p</a:t>
-            </a:r>
-            <a:r>
-              <a:rPr lang="en-US" altLang="ko-KR" sz="2400" dirty="0" smtClean="0">
-                <a:latin typeface="배달의민족 주아" pitchFamily="18" charset="-127"/>
-                <a:ea typeface="배달의민족 주아" pitchFamily="18" charset="-127"/>
-              </a:rPr>
-              <a:t>&gt;</a:t>
-            </a:r>
-            <a:r>
-              <a:rPr lang="ko-KR" altLang="en-US" sz="2400" dirty="0" err="1" smtClean="0">
-                <a:latin typeface="배달의민족 주아" pitchFamily="18" charset="-127"/>
-                <a:ea typeface="배달의민족 주아" pitchFamily="18" charset="-127"/>
-              </a:rPr>
-              <a:t>선택하지마요</a:t>
-            </a:r>
-            <a:r>
-              <a:rPr lang="en-US" altLang="ko-KR" sz="2400" dirty="0" smtClean="0">
-                <a:latin typeface="배달의민족 주아" pitchFamily="18" charset="-127"/>
-                <a:ea typeface="배달의민족 주아" pitchFamily="18" charset="-127"/>
-              </a:rPr>
-              <a:t>&lt;/</a:t>
-            </a:r>
-            <a:r>
-              <a:rPr lang="en-US" altLang="ko-KR" sz="2400" dirty="0" smtClean="0">
-                <a:latin typeface="배달의민족 주아" pitchFamily="18" charset="-127"/>
-                <a:ea typeface="배달의민족 주아" pitchFamily="18" charset="-127"/>
-              </a:rPr>
-              <a:t>p&gt;</a:t>
+              <a:t>&lt;/p&gt;</a:t>
             </a:r>
             <a:endParaRPr lang="en-US" altLang="ko-KR" sz="2400" dirty="0">
               <a:latin typeface="배달의민족 주아" pitchFamily="18" charset="-127"/>
@@ -10169,118 +10001,76 @@
                 <a:latin typeface="배달의민족 주아" pitchFamily="18" charset="-127"/>
                 <a:ea typeface="배달의민족 주아" pitchFamily="18" charset="-127"/>
               </a:rPr>
-              <a:t>	&lt;p</a:t>
+              <a:t>	&lt;p&gt;</a:t>
+            </a:r>
+            <a:r>
+              <a:rPr lang="ko-KR" altLang="en-US" sz="2400" dirty="0" err="1" smtClean="0">
+                <a:latin typeface="배달의민족 주아" pitchFamily="18" charset="-127"/>
+                <a:ea typeface="배달의민족 주아" pitchFamily="18" charset="-127"/>
+              </a:rPr>
+              <a:t>선택하지마요</a:t>
             </a:r>
             <a:r>
               <a:rPr lang="en-US" altLang="ko-KR" sz="2400" dirty="0" smtClean="0">
                 <a:latin typeface="배달의민족 주아" pitchFamily="18" charset="-127"/>
                 <a:ea typeface="배달의민족 주아" pitchFamily="18" charset="-127"/>
               </a:rPr>
-              <a:t>&gt;</a:t>
-            </a:r>
-            <a:r>
-              <a:rPr lang="ko-KR" altLang="en-US" sz="2400" dirty="0" err="1" smtClean="0">
-                <a:latin typeface="배달의민족 주아" pitchFamily="18" charset="-127"/>
-                <a:ea typeface="배달의민족 주아" pitchFamily="18" charset="-127"/>
-              </a:rPr>
-              <a:t>선택하지마요</a:t>
+              <a:t>&lt;/p&gt;</a:t>
+            </a:r>
+          </a:p>
+          <a:p>
+            <a:pPr algn="l"/>
+            <a:r>
+              <a:rPr lang="en-US" altLang="ko-KR" sz="2400" dirty="0">
+                <a:latin typeface="배달의민족 주아" pitchFamily="18" charset="-127"/>
+                <a:ea typeface="배달의민족 주아" pitchFamily="18" charset="-127"/>
+              </a:rPr>
+              <a:t>	</a:t>
             </a:r>
             <a:r>
               <a:rPr lang="en-US" altLang="ko-KR" sz="2400" dirty="0" smtClean="0">
                 <a:latin typeface="배달의민족 주아" pitchFamily="18" charset="-127"/>
                 <a:ea typeface="배달의민족 주아" pitchFamily="18" charset="-127"/>
               </a:rPr>
-              <a:t>&lt;/</a:t>
+              <a:t>&lt;p&gt;</a:t>
+            </a:r>
+            <a:r>
+              <a:rPr lang="ko-KR" altLang="en-US" sz="2400" dirty="0" smtClean="0">
+                <a:latin typeface="배달의민족 주아" pitchFamily="18" charset="-127"/>
+                <a:ea typeface="배달의민족 주아" pitchFamily="18" charset="-127"/>
+              </a:rPr>
+              <a:t>나를 뽑아주세요</a:t>
             </a:r>
             <a:r>
               <a:rPr lang="en-US" altLang="ko-KR" sz="2400" dirty="0" smtClean="0">
                 <a:latin typeface="배달의민족 주아" pitchFamily="18" charset="-127"/>
                 <a:ea typeface="배달의민족 주아" pitchFamily="18" charset="-127"/>
               </a:rPr>
-              <a:t>p&gt;</a:t>
+              <a:t>&lt;/p&gt;</a:t>
             </a:r>
           </a:p>
           <a:p>
             <a:pPr algn="l"/>
             <a:r>
-              <a:rPr lang="en-US" altLang="ko-KR" sz="2400" dirty="0">
-                <a:latin typeface="배달의민족 주아" pitchFamily="18" charset="-127"/>
-                <a:ea typeface="배달의민족 주아" pitchFamily="18" charset="-127"/>
-              </a:rPr>
-              <a:t>	</a:t>
-            </a:r>
-            <a:r>
               <a:rPr lang="en-US" altLang="ko-KR" sz="2400" dirty="0" smtClean="0">
                 <a:latin typeface="배달의민족 주아" pitchFamily="18" charset="-127"/>
                 <a:ea typeface="배달의민족 주아" pitchFamily="18" charset="-127"/>
               </a:rPr>
-              <a:t>&lt;p</a:t>
+              <a:t>	&lt;p&gt;</a:t>
+            </a:r>
+            <a:r>
+              <a:rPr lang="ko-KR" altLang="en-US" sz="2400" dirty="0" smtClean="0">
+                <a:latin typeface="배달의민족 주아" pitchFamily="18" charset="-127"/>
+                <a:ea typeface="배달의민족 주아" pitchFamily="18" charset="-127"/>
+              </a:rPr>
+              <a:t>나도 뽑아주세요</a:t>
             </a:r>
             <a:r>
               <a:rPr lang="en-US" altLang="ko-KR" sz="2400" dirty="0" smtClean="0">
                 <a:latin typeface="배달의민족 주아" pitchFamily="18" charset="-127"/>
                 <a:ea typeface="배달의민족 주아" pitchFamily="18" charset="-127"/>
               </a:rPr>
-              <a:t>&gt;</a:t>
-            </a:r>
-            <a:r>
-              <a:rPr lang="ko-KR" altLang="en-US" sz="2400" dirty="0" smtClean="0">
-                <a:latin typeface="배달의민족 주아" pitchFamily="18" charset="-127"/>
-                <a:ea typeface="배달의민족 주아" pitchFamily="18" charset="-127"/>
-              </a:rPr>
-              <a:t>나를 뽑아주세요</a:t>
-            </a:r>
-            <a:r>
-              <a:rPr lang="en-US" altLang="ko-KR" sz="2400" dirty="0" smtClean="0">
-                <a:latin typeface="배달의민족 주아" pitchFamily="18" charset="-127"/>
-                <a:ea typeface="배달의민족 주아" pitchFamily="18" charset="-127"/>
-              </a:rPr>
-              <a:t>&lt;/</a:t>
-            </a:r>
-            <a:r>
-              <a:rPr lang="en-US" altLang="ko-KR" sz="2400" dirty="0" smtClean="0">
-                <a:latin typeface="배달의민족 주아" pitchFamily="18" charset="-127"/>
-                <a:ea typeface="배달의민족 주아" pitchFamily="18" charset="-127"/>
-              </a:rPr>
-              <a:t>p&gt;</a:t>
-            </a:r>
-          </a:p>
-          <a:p>
-            <a:pPr algn="l"/>
-            <a:r>
-              <a:rPr lang="en-US" altLang="ko-KR" sz="2400" dirty="0" smtClean="0">
-                <a:latin typeface="배달의민족 주아" pitchFamily="18" charset="-127"/>
-                <a:ea typeface="배달의민족 주아" pitchFamily="18" charset="-127"/>
-              </a:rPr>
-              <a:t>	&lt;p</a:t>
-            </a:r>
-            <a:r>
-              <a:rPr lang="en-US" altLang="ko-KR" sz="2400" dirty="0" smtClean="0">
-                <a:latin typeface="배달의민족 주아" pitchFamily="18" charset="-127"/>
-                <a:ea typeface="배달의민족 주아" pitchFamily="18" charset="-127"/>
-              </a:rPr>
-              <a:t>&gt;</a:t>
-            </a:r>
-            <a:r>
-              <a:rPr lang="ko-KR" altLang="en-US" sz="2400" dirty="0" smtClean="0">
-                <a:latin typeface="배달의민족 주아" pitchFamily="18" charset="-127"/>
-                <a:ea typeface="배달의민족 주아" pitchFamily="18" charset="-127"/>
-              </a:rPr>
-              <a:t>나도 뽑아주세요</a:t>
-            </a:r>
-            <a:r>
-              <a:rPr lang="en-US" altLang="ko-KR" sz="2400" dirty="0" smtClean="0">
-                <a:latin typeface="배달의민족 주아" pitchFamily="18" charset="-127"/>
-                <a:ea typeface="배달의민족 주아" pitchFamily="18" charset="-127"/>
-              </a:rPr>
-              <a:t>&lt;/</a:t>
-            </a:r>
-            <a:r>
-              <a:rPr lang="en-US" altLang="ko-KR" sz="2400" dirty="0" smtClean="0">
-                <a:latin typeface="배달의민족 주아" pitchFamily="18" charset="-127"/>
-                <a:ea typeface="배달의민족 주아" pitchFamily="18" charset="-127"/>
-              </a:rPr>
-              <a:t>p&gt;</a:t>
+              <a:t>&lt;/p&gt;</a:t>
             </a:r>
             <a:endParaRPr lang="en-US" altLang="ko-KR" sz="2400" dirty="0">
               <a:latin typeface="배달의민족 주아" pitchFamily="18" charset="-127"/>
@@ -10688,21 +10478,62 @@
                 <a:latin typeface="배달의민족 주아" pitchFamily="18" charset="-127"/>
                 <a:ea typeface="배달의민족 주아" pitchFamily="18" charset="-127"/>
               </a:rPr>
-              <a:t>	&lt;p</a:t>
+              <a:t>	&lt;p&gt;</a:t>
+            </a:r>
+            <a:r>
+              <a:rPr lang="ko-KR" altLang="en-US" sz="2400" dirty="0" err="1" smtClean="0">
+                <a:latin typeface="배달의민족 주아" pitchFamily="18" charset="-127"/>
+                <a:ea typeface="배달의민족 주아" pitchFamily="18" charset="-127"/>
+              </a:rPr>
+              <a:t>선택하지마요</a:t>
             </a:r>
             <a:r>
               <a:rPr lang="en-US" altLang="ko-KR" sz="2400" dirty="0" smtClean="0">
                 <a:latin typeface="배달의민족 주아" pitchFamily="18" charset="-127"/>
                 <a:ea typeface="배달의민족 주아" pitchFamily="18" charset="-127"/>
               </a:rPr>
+              <a:t>&lt;/p&gt;</a:t>
+            </a:r>
+          </a:p>
+          <a:p>
+            <a:pPr algn="l"/>
+            <a:r>
+              <a:rPr lang="en-US" altLang="ko-KR" sz="2400" dirty="0">
+                <a:latin typeface="배달의민족 주아" pitchFamily="18" charset="-127"/>
+                <a:ea typeface="배달의민족 주아" pitchFamily="18" charset="-127"/>
+              </a:rPr>
+              <a:t>	</a:t>
+            </a:r>
+            <a:r>
+              <a:rPr lang="en-US" altLang="ko-KR" sz="2400" dirty="0" smtClean="0">
+                <a:latin typeface="배달의민족 주아" pitchFamily="18" charset="-127"/>
+                <a:ea typeface="배달의민족 주아" pitchFamily="18" charset="-127"/>
+              </a:rPr>
+              <a:t>&lt;p </a:t>
+            </a:r>
+            <a:r>
+              <a:rPr lang="en-US" altLang="ko-KR" sz="2400" dirty="0" smtClean="0">
+                <a:solidFill>
+                  <a:schemeClr val="accent5"/>
+                </a:solidFill>
+                <a:latin typeface="배달의민족 주아" pitchFamily="18" charset="-127"/>
+                <a:ea typeface="배달의민족 주아" pitchFamily="18" charset="-127"/>
+              </a:rPr>
+              <a:t>class=“”large”” </a:t>
+            </a:r>
+            <a:r>
+              <a:rPr lang="en-US" altLang="ko-KR" sz="2400" dirty="0" smtClean="0">
+                <a:latin typeface="배달의민족 주아" pitchFamily="18" charset="-127"/>
+                <a:ea typeface="배달의민족 주아" pitchFamily="18" charset="-127"/>
+              </a:rPr>
               <a:t>&gt;</a:t>
             </a:r>
             <a:r>
-              <a:rPr lang="ko-KR" altLang="en-US" sz="2400" dirty="0" err="1" smtClean="0">
-                <a:latin typeface="배달의민족 주아" pitchFamily="18" charset="-127"/>
-                <a:ea typeface="배달의민족 주아" pitchFamily="18" charset="-127"/>
-              </a:rPr>
-              <a:t>선택하지마요</a:t>
+              <a:rPr lang="ko-KR" altLang="en-US" sz="2400" dirty="0" smtClean="0">
+                <a:latin typeface="배달의민족 주아" pitchFamily="18" charset="-127"/>
+                <a:ea typeface="배달의민족 주아" pitchFamily="18" charset="-127"/>
+              </a:rPr>
+              <a:t>나를 뽑아주세요</a:t>
             </a:r>
             <a:r>
               <a:rPr lang="en-US" altLang="ko-KR" sz="2400" dirty="0" smtClean="0">
@@ -10715,121 +10546,59 @@
           <a:p>
             <a:pPr algn="l"/>
             <a:r>
+              <a:rPr lang="en-US" altLang="ko-KR" sz="2400" dirty="0" smtClean="0">
+                <a:latin typeface="배달의민족 주아" pitchFamily="18" charset="-127"/>
+                <a:ea typeface="배달의민족 주아" pitchFamily="18" charset="-127"/>
+              </a:rPr>
+              <a:t>	</a:t>
+            </a:r>
+            <a:r>
               <a:rPr lang="en-US" altLang="ko-KR" sz="2400" dirty="0">
                 <a:latin typeface="배달의민족 주아" pitchFamily="18" charset="-127"/>
                 <a:ea typeface="배달의민족 주아" pitchFamily="18" charset="-127"/>
               </a:rPr>
-              <a:t>	</a:t>
+              <a:t>&lt;p </a:t>
+            </a:r>
+            <a:r>
+              <a:rPr lang="en-US" altLang="ko-KR" sz="2400" dirty="0">
+                <a:solidFill>
+                  <a:schemeClr val="accent5"/>
+                </a:solidFill>
+                <a:latin typeface="배달의민족 주아" pitchFamily="18" charset="-127"/>
+                <a:ea typeface="배달의민족 주아" pitchFamily="18" charset="-127"/>
+              </a:rPr>
+              <a:t>class=“”large</a:t>
             </a:r>
             <a:r>
               <a:rPr lang="en-US" altLang="ko-KR" sz="2400" dirty="0" smtClean="0">
-                <a:latin typeface="배달의민족 주아" pitchFamily="18" charset="-127"/>
-                <a:ea typeface="배달의민족 주아" pitchFamily="18" charset="-127"/>
-              </a:rPr>
-              <a:t>&lt;p </a:t>
+                <a:solidFill>
+                  <a:schemeClr val="accent5"/>
+                </a:solidFill>
+                <a:latin typeface="배달의민족 주아" pitchFamily="18" charset="-127"/>
+                <a:ea typeface="배달의민족 주아" pitchFamily="18" charset="-127"/>
+              </a:rPr>
+              <a:t>”” </a:t>
             </a:r>
             <a:r>
               <a:rPr lang="en-US" altLang="ko-KR" sz="2400" dirty="0" smtClean="0">
-                <a:solidFill>
-                  <a:schemeClr val="accent5"/>
-                </a:solidFill>
-                <a:latin typeface="배달의민족 주아" pitchFamily="18" charset="-127"/>
-                <a:ea typeface="배달의민족 주아" pitchFamily="18" charset="-127"/>
-              </a:rPr>
-              <a:t>class=“”large”” </a:t>
+                <a:latin typeface="배달의민족 주아" pitchFamily="18" charset="-127"/>
+                <a:ea typeface="배달의민족 주아" pitchFamily="18" charset="-127"/>
+              </a:rPr>
+              <a:t>&gt;</a:t>
+            </a:r>
+            <a:r>
+              <a:rPr lang="ko-KR" altLang="en-US" sz="2400" dirty="0" smtClean="0">
+                <a:latin typeface="배달의민족 주아" pitchFamily="18" charset="-127"/>
+                <a:ea typeface="배달의민족 주아" pitchFamily="18" charset="-127"/>
+              </a:rPr>
+              <a:t>나도 뽑아주세요</a:t>
             </a:r>
             <a:r>
               <a:rPr lang="en-US" altLang="ko-KR" sz="2400" dirty="0" smtClean="0">
                 <a:latin typeface="배달의민족 주아" pitchFamily="18" charset="-127"/>
                 <a:ea typeface="배달의민족 주아" pitchFamily="18" charset="-127"/>
               </a:rPr>
-              <a:t>&gt;</a:t>
-            </a:r>
-            <a:r>
-              <a:rPr lang="ko-KR" altLang="en-US" sz="2400" dirty="0" smtClean="0">
-                <a:latin typeface="배달의민족 주아" pitchFamily="18" charset="-127"/>
-                <a:ea typeface="배달의민족 주아" pitchFamily="18" charset="-127"/>
-              </a:rPr>
-              <a:t>나를 뽑아주세요</a:t>
-            </a:r>
-            <a:r>
-              <a:rPr lang="en-US" altLang="ko-KR" sz="2400" dirty="0" smtClean="0">
-                <a:latin typeface="배달의민족 주아" pitchFamily="18" charset="-127"/>
-                <a:ea typeface="배달의민족 주아" pitchFamily="18" charset="-127"/>
-              </a:rPr>
-              <a:t>&lt;/</a:t>
-            </a:r>
-            <a:r>
-              <a:rPr lang="en-US" altLang="ko-KR" sz="2400" dirty="0" smtClean="0">
-                <a:latin typeface="배달의민족 주아" pitchFamily="18" charset="-127"/>
-                <a:ea typeface="배달의민족 주아" pitchFamily="18" charset="-127"/>
-              </a:rPr>
-              <a:t>p&gt;</a:t>
-            </a:r>
-          </a:p>
-          <a:p>
-            <a:pPr algn="l"/>
-            <a:r>
-              <a:rPr lang="en-US" altLang="ko-KR" sz="2400" dirty="0" smtClean="0">
-                <a:latin typeface="배달의민족 주아" pitchFamily="18" charset="-127"/>
-                <a:ea typeface="배달의민족 주아" pitchFamily="18" charset="-127"/>
-              </a:rPr>
-              <a:t>	</a:t>
-            </a:r>
-            <a:r>
-              <a:rPr lang="en-US" altLang="ko-KR" sz="2400" dirty="0">
-                <a:latin typeface="배달의민족 주아" pitchFamily="18" charset="-127"/>
-                <a:ea typeface="배달의민족 주아" pitchFamily="18" charset="-127"/>
-              </a:rPr>
-              <a:t>&lt;p </a:t>
-            </a:r>
-            <a:r>
-              <a:rPr lang="en-US" altLang="ko-KR" sz="2400" dirty="0">
-                <a:solidFill>
-                  <a:schemeClr val="accent5"/>
-                </a:solidFill>
-                <a:latin typeface="배달의민족 주아" pitchFamily="18" charset="-127"/>
-                <a:ea typeface="배달의민족 주아" pitchFamily="18" charset="-127"/>
-              </a:rPr>
-              <a:t>class=“”large</a:t>
-            </a:r>
-            <a:r>
-              <a:rPr lang="en-US" altLang="ko-KR" sz="2400" dirty="0" smtClean="0">
-                <a:solidFill>
-                  <a:schemeClr val="accent5"/>
-                </a:solidFill>
-                <a:latin typeface="배달의민족 주아" pitchFamily="18" charset="-127"/>
-                <a:ea typeface="배달의민족 주아" pitchFamily="18" charset="-127"/>
-              </a:rPr>
-              <a:t>”” </a:t>
-            </a:r>
-            <a:r>
-              <a:rPr lang="en-US" altLang="ko-KR" sz="2400" dirty="0" smtClean="0">
-                <a:latin typeface="배달의민족 주아" pitchFamily="18" charset="-127"/>
-                <a:ea typeface="배달의민족 주아" pitchFamily="18" charset="-127"/>
-              </a:rPr>
-              <a:t>&gt;</a:t>
-            </a:r>
-            <a:r>
-              <a:rPr lang="ko-KR" altLang="en-US" sz="2400" dirty="0" smtClean="0">
-                <a:latin typeface="배달의민족 주아" pitchFamily="18" charset="-127"/>
-                <a:ea typeface="배달의민족 주아" pitchFamily="18" charset="-127"/>
-              </a:rPr>
-              <a:t>나도 뽑아주세요</a:t>
-            </a:r>
-            <a:r>
-              <a:rPr lang="en-US" altLang="ko-KR" sz="2400" dirty="0" smtClean="0">
-                <a:latin typeface="배달의민족 주아" pitchFamily="18" charset="-127"/>
-                <a:ea typeface="배달의민족 주아" pitchFamily="18" charset="-127"/>
-              </a:rPr>
-              <a:t>&lt;/</a:t>
-            </a:r>
-            <a:r>
-              <a:rPr lang="en-US" altLang="ko-KR" sz="2400" dirty="0" smtClean="0">
-                <a:latin typeface="배달의민족 주아" pitchFamily="18" charset="-127"/>
-                <a:ea typeface="배달의민족 주아" pitchFamily="18" charset="-127"/>
-              </a:rPr>
-              <a:t>p&gt;</a:t>
+              <a:t>&lt;/p&gt;</a:t>
             </a:r>
             <a:endParaRPr lang="en-US" altLang="ko-KR" sz="2400" dirty="0">
               <a:latin typeface="배달의민족 주아" pitchFamily="18" charset="-127"/>

--- a/프론트엔드기초(PPT)/CSS3 2강_CSS 셀렉터.pptx
+++ b/프론트엔드기초(PPT)/CSS3 2강_CSS 셀렉터.pptx
@@ -207,7 +207,7 @@
           <a:p>
             <a:fld id="{39C3FBC0-BEE7-47A2-A835-5C7C42AA42BA}" type="datetimeFigureOut">
               <a:rPr lang="ko-KR" altLang="en-US" smtClean="0"/>
-              <a:t>2020-09-15</a:t>
+              <a:t>2020-09-23</a:t>
             </a:fld>
             <a:endParaRPr lang="ko-KR" altLang="en-US"/>
           </a:p>
@@ -740,7 +740,7 @@
           <a:p>
             <a:fld id="{FB30EDBD-1C2D-4C1E-B459-B60219FAB484}" type="datetimeFigureOut">
               <a:rPr lang="ko-KR" altLang="en-US" smtClean="0"/>
-              <a:t>2020-09-15</a:t>
+              <a:t>2020-09-23</a:t>
             </a:fld>
             <a:endParaRPr lang="ko-KR" altLang="en-US"/>
           </a:p>
@@ -905,7 +905,7 @@
           <a:p>
             <a:fld id="{FB30EDBD-1C2D-4C1E-B459-B60219FAB484}" type="datetimeFigureOut">
               <a:rPr lang="ko-KR" altLang="en-US" smtClean="0"/>
-              <a:t>2020-09-15</a:t>
+              <a:t>2020-09-23</a:t>
             </a:fld>
             <a:endParaRPr lang="ko-KR" altLang="en-US"/>
           </a:p>
@@ -1080,7 +1080,7 @@
           <a:p>
             <a:fld id="{FB30EDBD-1C2D-4C1E-B459-B60219FAB484}" type="datetimeFigureOut">
               <a:rPr lang="ko-KR" altLang="en-US" smtClean="0"/>
-              <a:t>2020-09-15</a:t>
+              <a:t>2020-09-23</a:t>
             </a:fld>
             <a:endParaRPr lang="ko-KR" altLang="en-US"/>
           </a:p>
@@ -1245,7 +1245,7 @@
           <a:p>
             <a:fld id="{FB30EDBD-1C2D-4C1E-B459-B60219FAB484}" type="datetimeFigureOut">
               <a:rPr lang="ko-KR" altLang="en-US" smtClean="0"/>
-              <a:t>2020-09-15</a:t>
+              <a:t>2020-09-23</a:t>
             </a:fld>
             <a:endParaRPr lang="ko-KR" altLang="en-US"/>
           </a:p>
@@ -1486,7 +1486,7 @@
           <a:p>
             <a:fld id="{FB30EDBD-1C2D-4C1E-B459-B60219FAB484}" type="datetimeFigureOut">
               <a:rPr lang="ko-KR" altLang="en-US" smtClean="0"/>
-              <a:t>2020-09-15</a:t>
+              <a:t>2020-09-23</a:t>
             </a:fld>
             <a:endParaRPr lang="ko-KR" altLang="en-US"/>
           </a:p>
@@ -1769,7 +1769,7 @@
           <a:p>
             <a:fld id="{FB30EDBD-1C2D-4C1E-B459-B60219FAB484}" type="datetimeFigureOut">
               <a:rPr lang="ko-KR" altLang="en-US" smtClean="0"/>
-              <a:t>2020-09-15</a:t>
+              <a:t>2020-09-23</a:t>
             </a:fld>
             <a:endParaRPr lang="ko-KR" altLang="en-US"/>
           </a:p>
@@ -2186,7 +2186,7 @@
           <a:p>
             <a:fld id="{FB30EDBD-1C2D-4C1E-B459-B60219FAB484}" type="datetimeFigureOut">
               <a:rPr lang="ko-KR" altLang="en-US" smtClean="0"/>
-              <a:t>2020-09-15</a:t>
+              <a:t>2020-09-23</a:t>
             </a:fld>
             <a:endParaRPr lang="ko-KR" altLang="en-US"/>
           </a:p>
@@ -2299,7 +2299,7 @@
           <a:p>
             <a:fld id="{FB30EDBD-1C2D-4C1E-B459-B60219FAB484}" type="datetimeFigureOut">
               <a:rPr lang="ko-KR" altLang="en-US" smtClean="0"/>
-              <a:t>2020-09-15</a:t>
+              <a:t>2020-09-23</a:t>
             </a:fld>
             <a:endParaRPr lang="ko-KR" altLang="en-US"/>
           </a:p>
@@ -2389,7 +2389,7 @@
           <a:p>
             <a:fld id="{FB30EDBD-1C2D-4C1E-B459-B60219FAB484}" type="datetimeFigureOut">
               <a:rPr lang="ko-KR" altLang="en-US" smtClean="0"/>
-              <a:t>2020-09-15</a:t>
+              <a:t>2020-09-23</a:t>
             </a:fld>
             <a:endParaRPr lang="ko-KR" altLang="en-US"/>
           </a:p>
@@ -2661,7 +2661,7 @@
           <a:p>
             <a:fld id="{FB30EDBD-1C2D-4C1E-B459-B60219FAB484}" type="datetimeFigureOut">
               <a:rPr lang="ko-KR" altLang="en-US" smtClean="0"/>
-              <a:t>2020-09-15</a:t>
+              <a:t>2020-09-23</a:t>
             </a:fld>
             <a:endParaRPr lang="ko-KR" altLang="en-US"/>
           </a:p>
@@ -2909,7 +2909,7 @@
           <a:p>
             <a:fld id="{FB30EDBD-1C2D-4C1E-B459-B60219FAB484}" type="datetimeFigureOut">
               <a:rPr lang="ko-KR" altLang="en-US" smtClean="0"/>
-              <a:t>2020-09-15</a:t>
+              <a:t>2020-09-23</a:t>
             </a:fld>
             <a:endParaRPr lang="ko-KR" altLang="en-US"/>
           </a:p>
@@ -3117,7 +3117,7 @@
           <a:p>
             <a:fld id="{FB30EDBD-1C2D-4C1E-B459-B60219FAB484}" type="datetimeFigureOut">
               <a:rPr lang="ko-KR" altLang="en-US" smtClean="0"/>
-              <a:t>2020-09-15</a:t>
+              <a:t>2020-09-23</a:t>
             </a:fld>
             <a:endParaRPr lang="ko-KR" altLang="en-US"/>
           </a:p>
@@ -3476,7 +3476,7 @@
     <p:bg>
       <p:bgPr>
         <a:solidFill>
-          <a:schemeClr val="accent5"/>
+          <a:schemeClr val="accent6"/>
         </a:solidFill>
         <a:effectLst/>
       </p:bgPr>
@@ -4011,6 +4011,129 @@
           </a:p>
         </p:txBody>
       </p:sp>
+      <p:pic>
+        <p:nvPicPr>
+          <p:cNvPr id="2050" name="Picture 2" descr="C:\Users\Administrator\Downloads\free-icon-grandparents-2173731.png"/>
+          <p:cNvPicPr>
+            <a:picLocks noChangeAspect="1" noChangeArrowheads="1"/>
+          </p:cNvPicPr>
+          <p:nvPr/>
+        </p:nvPicPr>
+        <p:blipFill>
+          <a:blip r:embed="rId2" cstate="print">
+            <a:extLst>
+              <a:ext uri="{28A0092B-C50C-407E-A947-70E740481C1C}">
+                <a14:useLocalDpi xmlns:a14="http://schemas.microsoft.com/office/drawing/2010/main" val="0"/>
+              </a:ext>
+            </a:extLst>
+          </a:blip>
+          <a:srcRect/>
+          <a:stretch>
+            <a:fillRect/>
+          </a:stretch>
+        </p:blipFill>
+        <p:spPr bwMode="auto">
+          <a:xfrm>
+            <a:off x="1475656" y="3645024"/>
+            <a:ext cx="1501992" cy="1501992"/>
+          </a:xfrm>
+          <a:prstGeom prst="rect">
+            <a:avLst/>
+          </a:prstGeom>
+          <a:noFill/>
+          <a:extLst>
+            <a:ext uri="{909E8E84-426E-40DD-AFC4-6F175D3DCCD1}">
+              <a14:hiddenFill xmlns:a14="http://schemas.microsoft.com/office/drawing/2010/main">
+                <a:solidFill>
+                  <a:srgbClr val="FFFFFF"/>
+                </a:solidFill>
+              </a14:hiddenFill>
+            </a:ext>
+          </a:extLst>
+        </p:spPr>
+      </p:pic>
+      <p:pic>
+        <p:nvPicPr>
+          <p:cNvPr id="2051" name="Picture 3" descr="C:\Users\Administrator\Downloads\free-icon-parents-2829825.png"/>
+          <p:cNvPicPr>
+            <a:picLocks noChangeAspect="1" noChangeArrowheads="1"/>
+          </p:cNvPicPr>
+          <p:nvPr/>
+        </p:nvPicPr>
+        <p:blipFill>
+          <a:blip r:embed="rId3" cstate="print">
+            <a:extLst>
+              <a:ext uri="{28A0092B-C50C-407E-A947-70E740481C1C}">
+                <a14:useLocalDpi xmlns:a14="http://schemas.microsoft.com/office/drawing/2010/main" val="0"/>
+              </a:ext>
+            </a:extLst>
+          </a:blip>
+          <a:srcRect/>
+          <a:stretch>
+            <a:fillRect/>
+          </a:stretch>
+        </p:blipFill>
+        <p:spPr bwMode="auto">
+          <a:xfrm>
+            <a:off x="3923928" y="3691708"/>
+            <a:ext cx="1584176" cy="1584176"/>
+          </a:xfrm>
+          <a:prstGeom prst="rect">
+            <a:avLst/>
+          </a:prstGeom>
+          <a:noFill/>
+          <a:extLst>
+            <a:ext uri="{909E8E84-426E-40DD-AFC4-6F175D3DCCD1}">
+              <a14:hiddenFill xmlns:a14="http://schemas.microsoft.com/office/drawing/2010/main">
+                <a:solidFill>
+                  <a:srgbClr val="FFFFFF"/>
+                </a:solidFill>
+              </a14:hiddenFill>
+            </a:ext>
+          </a:extLst>
+        </p:spPr>
+      </p:pic>
+      <p:pic>
+        <p:nvPicPr>
+          <p:cNvPr id="2052" name="Picture 4" descr="C:\Users\Administrator\Downloads\free-icon-daughter-2829841.png"/>
+          <p:cNvPicPr>
+            <a:picLocks noChangeAspect="1" noChangeArrowheads="1"/>
+          </p:cNvPicPr>
+          <p:nvPr/>
+        </p:nvPicPr>
+        <p:blipFill>
+          <a:blip r:embed="rId4" cstate="print">
+            <a:extLst>
+              <a:ext uri="{28A0092B-C50C-407E-A947-70E740481C1C}">
+                <a14:useLocalDpi xmlns:a14="http://schemas.microsoft.com/office/drawing/2010/main" val="0"/>
+              </a:ext>
+            </a:extLst>
+          </a:blip>
+          <a:srcRect/>
+          <a:stretch>
+            <a:fillRect/>
+          </a:stretch>
+        </p:blipFill>
+        <p:spPr bwMode="auto">
+          <a:xfrm>
+            <a:off x="6588224" y="4061304"/>
+            <a:ext cx="1085712" cy="1085712"/>
+          </a:xfrm>
+          <a:prstGeom prst="rect">
+            <a:avLst/>
+          </a:prstGeom>
+          <a:noFill/>
+          <a:extLst>
+            <a:ext uri="{909E8E84-426E-40DD-AFC4-6F175D3DCCD1}">
+              <a14:hiddenFill xmlns:a14="http://schemas.microsoft.com/office/drawing/2010/main">
+                <a:solidFill>
+                  <a:srgbClr val="FFFFFF"/>
+                </a:solidFill>
+              </a14:hiddenFill>
+            </a:ext>
+          </a:extLst>
+        </p:spPr>
+      </p:pic>
     </p:spTree>
     <p:extLst>
       <p:ext uri="{BB962C8B-B14F-4D97-AF65-F5344CB8AC3E}">
@@ -4024,7 +4147,189 @@
   <p:timing>
     <p:tnLst>
       <p:par>
-        <p:cTn id="1" dur="indefinite" restart="never" nodeType="tmRoot"/>
+        <p:cTn id="1" dur="indefinite" restart="never" nodeType="tmRoot">
+          <p:childTnLst>
+            <p:seq concurrent="1" nextAc="seek">
+              <p:cTn id="2" dur="indefinite" nodeType="mainSeq">
+                <p:childTnLst>
+                  <p:par>
+                    <p:cTn id="3" fill="hold">
+                      <p:stCondLst>
+                        <p:cond delay="indefinite"/>
+                      </p:stCondLst>
+                      <p:childTnLst>
+                        <p:par>
+                          <p:cTn id="4" fill="hold">
+                            <p:stCondLst>
+                              <p:cond delay="0"/>
+                            </p:stCondLst>
+                            <p:childTnLst>
+                              <p:par>
+                                <p:cTn id="5" presetID="10" presetClass="entr" presetSubtype="0" fill="hold" nodeType="clickEffect">
+                                  <p:stCondLst>
+                                    <p:cond delay="0"/>
+                                  </p:stCondLst>
+                                  <p:childTnLst>
+                                    <p:set>
+                                      <p:cBhvr>
+                                        <p:cTn id="6" dur="1" fill="hold">
+                                          <p:stCondLst>
+                                            <p:cond delay="0"/>
+                                          </p:stCondLst>
+                                        </p:cTn>
+                                        <p:tgtEl>
+                                          <p:spTgt spid="2050"/>
+                                        </p:tgtEl>
+                                        <p:attrNameLst>
+                                          <p:attrName>style.visibility</p:attrName>
+                                        </p:attrNameLst>
+                                      </p:cBhvr>
+                                      <p:to>
+                                        <p:strVal val="visible"/>
+                                      </p:to>
+                                    </p:set>
+                                    <p:animEffect transition="in" filter="fade">
+                                      <p:cBhvr>
+                                        <p:cTn id="7" dur="500"/>
+                                        <p:tgtEl>
+                                          <p:spTgt spid="2050"/>
+                                        </p:tgtEl>
+                                      </p:cBhvr>
+                                    </p:animEffect>
+                                  </p:childTnLst>
+                                </p:cTn>
+                              </p:par>
+                            </p:childTnLst>
+                          </p:cTn>
+                        </p:par>
+                      </p:childTnLst>
+                    </p:cTn>
+                  </p:par>
+                  <p:par>
+                    <p:cTn id="8" fill="hold">
+                      <p:stCondLst>
+                        <p:cond delay="indefinite"/>
+                      </p:stCondLst>
+                      <p:childTnLst>
+                        <p:par>
+                          <p:cTn id="9" fill="hold">
+                            <p:stCondLst>
+                              <p:cond delay="0"/>
+                            </p:stCondLst>
+                            <p:childTnLst>
+                              <p:par>
+                                <p:cTn id="10" presetID="10" presetClass="entr" presetSubtype="0" fill="hold" nodeType="clickEffect">
+                                  <p:stCondLst>
+                                    <p:cond delay="0"/>
+                                  </p:stCondLst>
+                                  <p:childTnLst>
+                                    <p:set>
+                                      <p:cBhvr>
+                                        <p:cTn id="11" dur="1" fill="hold">
+                                          <p:stCondLst>
+                                            <p:cond delay="0"/>
+                                          </p:stCondLst>
+                                        </p:cTn>
+                                        <p:tgtEl>
+                                          <p:spTgt spid="2051"/>
+                                        </p:tgtEl>
+                                        <p:attrNameLst>
+                                          <p:attrName>style.visibility</p:attrName>
+                                        </p:attrNameLst>
+                                      </p:cBhvr>
+                                      <p:to>
+                                        <p:strVal val="visible"/>
+                                      </p:to>
+                                    </p:set>
+                                    <p:animEffect transition="in" filter="fade">
+                                      <p:cBhvr>
+                                        <p:cTn id="12" dur="500"/>
+                                        <p:tgtEl>
+                                          <p:spTgt spid="2051"/>
+                                        </p:tgtEl>
+                                      </p:cBhvr>
+                                    </p:animEffect>
+                                  </p:childTnLst>
+                                </p:cTn>
+                              </p:par>
+                            </p:childTnLst>
+                          </p:cTn>
+                        </p:par>
+                      </p:childTnLst>
+                    </p:cTn>
+                  </p:par>
+                  <p:par>
+                    <p:cTn id="13" fill="hold">
+                      <p:stCondLst>
+                        <p:cond delay="indefinite"/>
+                      </p:stCondLst>
+                      <p:childTnLst>
+                        <p:par>
+                          <p:cTn id="14" fill="hold">
+                            <p:stCondLst>
+                              <p:cond delay="0"/>
+                            </p:stCondLst>
+                            <p:childTnLst>
+                              <p:par>
+                                <p:cTn id="15" presetID="10" presetClass="entr" presetSubtype="0" fill="hold" nodeType="clickEffect">
+                                  <p:stCondLst>
+                                    <p:cond delay="0"/>
+                                  </p:stCondLst>
+                                  <p:childTnLst>
+                                    <p:set>
+                                      <p:cBhvr>
+                                        <p:cTn id="16" dur="1" fill="hold">
+                                          <p:stCondLst>
+                                            <p:cond delay="0"/>
+                                          </p:stCondLst>
+                                        </p:cTn>
+                                        <p:tgtEl>
+                                          <p:spTgt spid="2052"/>
+                                        </p:tgtEl>
+                                        <p:attrNameLst>
+                                          <p:attrName>style.visibility</p:attrName>
+                                        </p:attrNameLst>
+                                      </p:cBhvr>
+                                      <p:to>
+                                        <p:strVal val="visible"/>
+                                      </p:to>
+                                    </p:set>
+                                    <p:animEffect transition="in" filter="fade">
+                                      <p:cBhvr>
+                                        <p:cTn id="17" dur="500"/>
+                                        <p:tgtEl>
+                                          <p:spTgt spid="2052"/>
+                                        </p:tgtEl>
+                                      </p:cBhvr>
+                                    </p:animEffect>
+                                  </p:childTnLst>
+                                </p:cTn>
+                              </p:par>
+                            </p:childTnLst>
+                          </p:cTn>
+                        </p:par>
+                      </p:childTnLst>
+                    </p:cTn>
+                  </p:par>
+                </p:childTnLst>
+              </p:cTn>
+              <p:prevCondLst>
+                <p:cond evt="onPrev" delay="0">
+                  <p:tgtEl>
+                    <p:sldTgt/>
+                  </p:tgtEl>
+                </p:cond>
+              </p:prevCondLst>
+              <p:nextCondLst>
+                <p:cond evt="onNext" delay="0">
+                  <p:tgtEl>
+                    <p:sldTgt/>
+                  </p:tgtEl>
+                </p:cond>
+              </p:nextCondLst>
+            </p:seq>
+          </p:childTnLst>
+        </p:cTn>
       </p:par>
     </p:tnLst>
   </p:timing>
@@ -4133,21 +4438,21 @@
                 <a:latin typeface="배달의민족 주아" pitchFamily="18" charset="-127"/>
                 <a:ea typeface="배달의민족 주아" pitchFamily="18" charset="-127"/>
               </a:rPr>
-              <a:t>		&lt;p&gt;div</a:t>
+              <a:t>		&lt;p&gt;</a:t>
             </a:r>
             <a:r>
               <a:rPr lang="ko-KR" altLang="en-US" sz="2400" dirty="0" smtClean="0">
                 <a:latin typeface="배달의민족 주아" pitchFamily="18" charset="-127"/>
                 <a:ea typeface="배달의민족 주아" pitchFamily="18" charset="-127"/>
               </a:rPr>
-              <a:t>의 아들입니다</a:t>
+              <a:t>나를 뽑아주세요</a:t>
             </a:r>
             <a:r>
               <a:rPr lang="en-US" altLang="ko-KR" sz="2400" dirty="0" smtClean="0">
                 <a:latin typeface="배달의민족 주아" pitchFamily="18" charset="-127"/>
                 <a:ea typeface="배달의민족 주아" pitchFamily="18" charset="-127"/>
               </a:rPr>
-              <a:t>&lt;/p&gt;</a:t>
+              <a:t>.&lt;/p&gt;</a:t>
             </a:r>
           </a:p>
           <a:p>
@@ -4185,90 +4490,69 @@
                 <a:latin typeface="배달의민족 주아" pitchFamily="18" charset="-127"/>
                 <a:ea typeface="배달의민족 주아" pitchFamily="18" charset="-127"/>
               </a:rPr>
-              <a:t>저도 </a:t>
+              <a:t>나를 뽑아주세요</a:t>
             </a:r>
             <a:r>
               <a:rPr lang="en-US" altLang="ko-KR" sz="2400" dirty="0" smtClean="0">
                 <a:latin typeface="배달의민족 주아" pitchFamily="18" charset="-127"/>
                 <a:ea typeface="배달의민족 주아" pitchFamily="18" charset="-127"/>
               </a:rPr>
-              <a:t>div</a:t>
+              <a:t>.&lt;/p&gt;</a:t>
+            </a:r>
+          </a:p>
+          <a:p>
+            <a:pPr algn="l"/>
+            <a:r>
+              <a:rPr lang="en-US" altLang="ko-KR" sz="2400" dirty="0">
+                <a:latin typeface="배달의민족 주아" pitchFamily="18" charset="-127"/>
+                <a:ea typeface="배달의민족 주아" pitchFamily="18" charset="-127"/>
+              </a:rPr>
+              <a:t>	</a:t>
+            </a:r>
+            <a:r>
+              <a:rPr lang="en-US" altLang="ko-KR" sz="2400" dirty="0" smtClean="0">
+                <a:latin typeface="배달의민족 주아" pitchFamily="18" charset="-127"/>
+                <a:ea typeface="배달의민족 주아" pitchFamily="18" charset="-127"/>
+              </a:rPr>
+              <a:t>&lt;/div&gt;</a:t>
+            </a:r>
+          </a:p>
+          <a:p>
+            <a:pPr algn="l"/>
+            <a:r>
+              <a:rPr lang="en-US" altLang="ko-KR" sz="2400" dirty="0">
+                <a:latin typeface="배달의민족 주아" pitchFamily="18" charset="-127"/>
+                <a:ea typeface="배달의민족 주아" pitchFamily="18" charset="-127"/>
+              </a:rPr>
+              <a:t>	</a:t>
+            </a:r>
+            <a:r>
+              <a:rPr lang="en-US" altLang="ko-KR" sz="2400" dirty="0" smtClean="0">
+                <a:latin typeface="배달의민족 주아" pitchFamily="18" charset="-127"/>
+                <a:ea typeface="배달의민족 주아" pitchFamily="18" charset="-127"/>
+              </a:rPr>
+              <a:t>&lt;p&gt;</a:t>
             </a:r>
             <a:r>
               <a:rPr lang="ko-KR" altLang="en-US" sz="2400" dirty="0" smtClean="0">
                 <a:latin typeface="배달의민족 주아" pitchFamily="18" charset="-127"/>
                 <a:ea typeface="배달의민족 주아" pitchFamily="18" charset="-127"/>
               </a:rPr>
-              <a:t>의 아들입니다</a:t>
+              <a:t>나는 </a:t>
+            </a:r>
+            <a:r>
+              <a:rPr lang="ko-KR" altLang="en-US" sz="2400" dirty="0" err="1" smtClean="0">
+                <a:latin typeface="배달의민족 주아" pitchFamily="18" charset="-127"/>
+                <a:ea typeface="배달의민족 주아" pitchFamily="18" charset="-127"/>
+              </a:rPr>
+              <a:t>선택하지마요</a:t>
             </a:r>
             <a:r>
               <a:rPr lang="en-US" altLang="ko-KR" sz="2400" dirty="0" smtClean="0">
                 <a:latin typeface="배달의민족 주아" pitchFamily="18" charset="-127"/>
                 <a:ea typeface="배달의민족 주아" pitchFamily="18" charset="-127"/>
               </a:rPr>
-              <a:t>.&lt;/</a:t>
-            </a:r>
-            <a:r>
-              <a:rPr lang="en-US" altLang="ko-KR" sz="2400" dirty="0">
-                <a:latin typeface="배달의민족 주아" pitchFamily="18" charset="-127"/>
-                <a:ea typeface="배달의민족 주아" pitchFamily="18" charset="-127"/>
-              </a:rPr>
-              <a:t>p</a:t>
-            </a:r>
-            <a:r>
-              <a:rPr lang="en-US" altLang="ko-KR" sz="2400" dirty="0" smtClean="0">
-                <a:latin typeface="배달의민족 주아" pitchFamily="18" charset="-127"/>
-                <a:ea typeface="배달의민족 주아" pitchFamily="18" charset="-127"/>
-              </a:rPr>
-              <a:t>&gt;</a:t>
-            </a:r>
-          </a:p>
-          <a:p>
-            <a:pPr algn="l"/>
-            <a:r>
-              <a:rPr lang="en-US" altLang="ko-KR" sz="2400" dirty="0">
-                <a:latin typeface="배달의민족 주아" pitchFamily="18" charset="-127"/>
-                <a:ea typeface="배달의민족 주아" pitchFamily="18" charset="-127"/>
-              </a:rPr>
-              <a:t>	</a:t>
-            </a:r>
-            <a:r>
-              <a:rPr lang="en-US" altLang="ko-KR" sz="2400" dirty="0" smtClean="0">
-                <a:latin typeface="배달의민족 주아" pitchFamily="18" charset="-127"/>
-                <a:ea typeface="배달의민족 주아" pitchFamily="18" charset="-127"/>
-              </a:rPr>
-              <a:t>&lt;/div&gt;</a:t>
-            </a:r>
-          </a:p>
-          <a:p>
-            <a:pPr algn="l"/>
-            <a:r>
-              <a:rPr lang="en-US" altLang="ko-KR" sz="2400" dirty="0">
-                <a:latin typeface="배달의민족 주아" pitchFamily="18" charset="-127"/>
-                <a:ea typeface="배달의민족 주아" pitchFamily="18" charset="-127"/>
-              </a:rPr>
-              <a:t>	</a:t>
-            </a:r>
-            <a:r>
-              <a:rPr lang="en-US" altLang="ko-KR" sz="2400" dirty="0" smtClean="0">
-                <a:latin typeface="배달의민족 주아" pitchFamily="18" charset="-127"/>
-                <a:ea typeface="배달의민족 주아" pitchFamily="18" charset="-127"/>
-              </a:rPr>
-              <a:t>&lt;p&gt;</a:t>
-            </a:r>
-            <a:r>
-              <a:rPr lang="ko-KR" altLang="en-US" sz="2400" dirty="0" smtClean="0">
-                <a:latin typeface="배달의민족 주아" pitchFamily="18" charset="-127"/>
-                <a:ea typeface="배달의민족 주아" pitchFamily="18" charset="-127"/>
-              </a:rPr>
-              <a:t>모두 행복하세요</a:t>
-            </a:r>
-            <a:r>
-              <a:rPr lang="en-US" altLang="ko-KR" sz="2400" dirty="0" smtClean="0">
-                <a:latin typeface="배달의민족 주아" pitchFamily="18" charset="-127"/>
-                <a:ea typeface="배달의민족 주아" pitchFamily="18" charset="-127"/>
-              </a:rPr>
-              <a:t>&lt;/p&gt;</a:t>
+              <a:t>.&lt;/p&gt;</a:t>
             </a:r>
             <a:endParaRPr lang="en-US" altLang="ko-KR" sz="2400" dirty="0">
               <a:latin typeface="배달의민족 주아" pitchFamily="18" charset="-127"/>
@@ -4880,21 +5164,21 @@
                 <a:latin typeface="배달의민족 주아" pitchFamily="18" charset="-127"/>
                 <a:ea typeface="배달의민족 주아" pitchFamily="18" charset="-127"/>
               </a:rPr>
-              <a:t>		&lt;p&gt;</a:t>
+              <a:t>		&lt;a&gt;</a:t>
             </a:r>
             <a:r>
               <a:rPr lang="ko-KR" altLang="en-US" sz="2400" dirty="0" smtClean="0">
                 <a:latin typeface="배달의민족 주아" pitchFamily="18" charset="-127"/>
                 <a:ea typeface="배달의민족 주아" pitchFamily="18" charset="-127"/>
               </a:rPr>
-              <a:t>안녕하세요</a:t>
+              <a:t>나를 뽑아주세요</a:t>
             </a:r>
             <a:r>
               <a:rPr lang="en-US" altLang="ko-KR" sz="2400" dirty="0" smtClean="0">
                 <a:latin typeface="배달의민족 주아" pitchFamily="18" charset="-127"/>
                 <a:ea typeface="배달의민족 주아" pitchFamily="18" charset="-127"/>
               </a:rPr>
-              <a:t>&lt;/p&gt;</a:t>
+              <a:t>.&lt;/a&gt;</a:t>
             </a:r>
           </a:p>
           <a:p>
@@ -4911,35 +5195,86 @@
                 <a:latin typeface="배달의민족 주아" pitchFamily="18" charset="-127"/>
                 <a:ea typeface="배달의민족 주아" pitchFamily="18" charset="-127"/>
               </a:rPr>
+              <a:t>	&lt;a&gt;</a:t>
+            </a:r>
+            <a:r>
+              <a:rPr lang="ko-KR" altLang="en-US" sz="2400" dirty="0">
+                <a:latin typeface="배달의민족 주아" pitchFamily="18" charset="-127"/>
+                <a:ea typeface="배달의민족 주아" pitchFamily="18" charset="-127"/>
+              </a:rPr>
+              <a:t>나를 뽑아주세요</a:t>
+            </a:r>
+            <a:r>
+              <a:rPr lang="en-US" altLang="ko-KR" sz="2400" dirty="0" smtClean="0">
+                <a:latin typeface="배달의민족 주아" pitchFamily="18" charset="-127"/>
+                <a:ea typeface="배달의민족 주아" pitchFamily="18" charset="-127"/>
+              </a:rPr>
+              <a:t>.&lt;/a&gt;</a:t>
+            </a:r>
+          </a:p>
+          <a:p>
+            <a:pPr algn="l"/>
+            <a:r>
+              <a:rPr lang="en-US" altLang="ko-KR" sz="2400" dirty="0">
+                <a:latin typeface="배달의민족 주아" pitchFamily="18" charset="-127"/>
+                <a:ea typeface="배달의민족 주아" pitchFamily="18" charset="-127"/>
+              </a:rPr>
               <a:t>	</a:t>
             </a:r>
             <a:r>
+              <a:rPr lang="en-US" altLang="ko-KR" sz="2400" dirty="0" smtClean="0">
+                <a:latin typeface="배달의민족 주아" pitchFamily="18" charset="-127"/>
+                <a:ea typeface="배달의민족 주아" pitchFamily="18" charset="-127"/>
+              </a:rPr>
+              <a:t>	&lt;p&gt;</a:t>
+            </a:r>
+          </a:p>
+          <a:p>
+            <a:pPr algn="l"/>
+            <a:r>
               <a:rPr lang="en-US" altLang="ko-KR" sz="2400" dirty="0">
                 <a:latin typeface="배달의민족 주아" pitchFamily="18" charset="-127"/>
                 <a:ea typeface="배달의민족 주아" pitchFamily="18" charset="-127"/>
               </a:rPr>
-              <a:t>&lt;p&gt;</a:t>
+              <a:t>	</a:t>
+            </a:r>
+            <a:r>
+              <a:rPr lang="en-US" altLang="ko-KR" sz="2400" dirty="0" smtClean="0">
+                <a:latin typeface="배달의민족 주아" pitchFamily="18" charset="-127"/>
+                <a:ea typeface="배달의민족 주아" pitchFamily="18" charset="-127"/>
+              </a:rPr>
+              <a:t>		&lt;a&gt;</a:t>
             </a:r>
             <a:r>
               <a:rPr lang="ko-KR" altLang="en-US" sz="2400" dirty="0">
                 <a:latin typeface="배달의민족 주아" pitchFamily="18" charset="-127"/>
                 <a:ea typeface="배달의민족 주아" pitchFamily="18" charset="-127"/>
               </a:rPr>
-              <a:t>반갑습니다</a:t>
-            </a:r>
+              <a:t>나를 뽑아주세요</a:t>
+            </a:r>
+            <a:r>
+              <a:rPr lang="en-US" altLang="ko-KR" sz="2400" dirty="0" smtClean="0">
+                <a:latin typeface="배달의민족 주아" pitchFamily="18" charset="-127"/>
+                <a:ea typeface="배달의민족 주아" pitchFamily="18" charset="-127"/>
+              </a:rPr>
+              <a:t>.&lt;/a&gt;</a:t>
+            </a:r>
+          </a:p>
+          <a:p>
+            <a:pPr algn="l"/>
             <a:r>
               <a:rPr lang="en-US" altLang="ko-KR" sz="2400" dirty="0">
                 <a:latin typeface="배달의민족 주아" pitchFamily="18" charset="-127"/>
                 <a:ea typeface="배달의민족 주아" pitchFamily="18" charset="-127"/>
               </a:rPr>
-              <a:t>&lt;/p</a:t>
+              <a:t>	</a:t>
             </a:r>
             <a:r>
               <a:rPr lang="en-US" altLang="ko-KR" sz="2400" dirty="0" smtClean="0">
                 <a:latin typeface="배달의민족 주아" pitchFamily="18" charset="-127"/>
                 <a:ea typeface="배달의민족 주아" pitchFamily="18" charset="-127"/>
               </a:rPr>
-              <a:t>&gt;</a:t>
+              <a:t>	&lt;/p&gt;</a:t>
             </a:r>
           </a:p>
           <a:p>
@@ -4956,7 +5291,7 @@
                 <a:latin typeface="배달의민족 주아" pitchFamily="18" charset="-127"/>
                 <a:ea typeface="배달의민족 주아" pitchFamily="18" charset="-127"/>
               </a:rPr>
-              <a:t>	&lt;article&gt;</a:t>
+              <a:t>&lt;/div&gt;</a:t>
             </a:r>
           </a:p>
           <a:p>
@@ -4973,86 +5308,21 @@
                 <a:latin typeface="배달의민족 주아" pitchFamily="18" charset="-127"/>
                 <a:ea typeface="배달의민족 주아" pitchFamily="18" charset="-127"/>
               </a:rPr>
-              <a:t>		&lt;p&gt;</a:t>
-            </a:r>
-            <a:r>
-              <a:rPr lang="ko-KR" altLang="en-US" sz="2400" dirty="0" err="1" smtClean="0">
-                <a:latin typeface="배달의민족 주아" pitchFamily="18" charset="-127"/>
-                <a:ea typeface="배달의민족 주아" pitchFamily="18" charset="-127"/>
-              </a:rPr>
-              <a:t>스타트코딩</a:t>
+              <a:t>&lt;a&gt;</a:t>
+            </a:r>
+            <a:r>
+              <a:rPr lang="ko-KR" altLang="en-US" sz="2400" dirty="0" smtClean="0">
+                <a:latin typeface="배달의민족 주아" pitchFamily="18" charset="-127"/>
+                <a:ea typeface="배달의민족 주아" pitchFamily="18" charset="-127"/>
+              </a:rPr>
+              <a:t>나는 선택하지 마세요</a:t>
             </a:r>
             <a:r>
               <a:rPr lang="en-US" altLang="ko-KR" sz="2400" dirty="0" smtClean="0">
                 <a:latin typeface="배달의민족 주아" pitchFamily="18" charset="-127"/>
                 <a:ea typeface="배달의민족 주아" pitchFamily="18" charset="-127"/>
               </a:rPr>
-              <a:t>&lt;/p&gt;</a:t>
-            </a:r>
-          </a:p>
-          <a:p>
-            <a:pPr algn="l"/>
-            <a:r>
-              <a:rPr lang="en-US" altLang="ko-KR" sz="2400" dirty="0">
-                <a:latin typeface="배달의민족 주아" pitchFamily="18" charset="-127"/>
-                <a:ea typeface="배달의민족 주아" pitchFamily="18" charset="-127"/>
-              </a:rPr>
-              <a:t>	</a:t>
-            </a:r>
-            <a:r>
-              <a:rPr lang="en-US" altLang="ko-KR" sz="2400" dirty="0" smtClean="0">
-                <a:latin typeface="배달의민족 주아" pitchFamily="18" charset="-127"/>
-                <a:ea typeface="배달의민족 주아" pitchFamily="18" charset="-127"/>
-              </a:rPr>
-              <a:t>	&lt;/article&gt;</a:t>
-            </a:r>
-          </a:p>
-          <a:p>
-            <a:pPr algn="l"/>
-            <a:r>
-              <a:rPr lang="en-US" altLang="ko-KR" sz="2400" dirty="0">
-                <a:latin typeface="배달의민족 주아" pitchFamily="18" charset="-127"/>
-                <a:ea typeface="배달의민족 주아" pitchFamily="18" charset="-127"/>
-              </a:rPr>
-              <a:t>	</a:t>
-            </a:r>
-            <a:r>
-              <a:rPr lang="en-US" altLang="ko-KR" sz="2400" dirty="0" smtClean="0">
-                <a:latin typeface="배달의민족 주아" pitchFamily="18" charset="-127"/>
-                <a:ea typeface="배달의민족 주아" pitchFamily="18" charset="-127"/>
-              </a:rPr>
-              <a:t>&lt;/div&gt;</a:t>
-            </a:r>
-          </a:p>
-          <a:p>
-            <a:pPr algn="l"/>
-            <a:r>
-              <a:rPr lang="en-US" altLang="ko-KR" sz="2400" dirty="0">
-                <a:latin typeface="배달의민족 주아" pitchFamily="18" charset="-127"/>
-                <a:ea typeface="배달의민족 주아" pitchFamily="18" charset="-127"/>
-              </a:rPr>
-              <a:t>	</a:t>
-            </a:r>
-            <a:r>
-              <a:rPr lang="en-US" altLang="ko-KR" sz="2400" dirty="0" smtClean="0">
-                <a:latin typeface="배달의민족 주아" pitchFamily="18" charset="-127"/>
-                <a:ea typeface="배달의민족 주아" pitchFamily="18" charset="-127"/>
-              </a:rPr>
-              <a:t>&lt;p&gt;</a:t>
-            </a:r>
-            <a:r>
-              <a:rPr lang="ko-KR" altLang="en-US" sz="2400" dirty="0" smtClean="0">
-                <a:latin typeface="배달의민족 주아" pitchFamily="18" charset="-127"/>
-                <a:ea typeface="배달의민족 주아" pitchFamily="18" charset="-127"/>
-              </a:rPr>
-              <a:t>나는 선택하지 마세요</a:t>
-            </a:r>
-            <a:r>
-              <a:rPr lang="en-US" altLang="ko-KR" sz="2400" dirty="0" smtClean="0">
-                <a:latin typeface="배달의민족 주아" pitchFamily="18" charset="-127"/>
-                <a:ea typeface="배달의민족 주아" pitchFamily="18" charset="-127"/>
-              </a:rPr>
-              <a:t>&lt;/p&gt;</a:t>
+              <a:t>&lt;/a&gt;</a:t>
             </a:r>
             <a:endParaRPr lang="en-US" altLang="ko-KR" sz="2400" dirty="0">
               <a:latin typeface="배달의민족 주아" pitchFamily="18" charset="-127"/>
@@ -5275,7 +5545,7 @@
                 <a:latin typeface="배달의민족 주아" pitchFamily="18" charset="-127"/>
                 <a:ea typeface="배달의민족 주아" pitchFamily="18" charset="-127"/>
               </a:rPr>
-              <a:t>div p </a:t>
+              <a:t>div a </a:t>
             </a:r>
             <a:r>
               <a:rPr lang="en-US" altLang="ko-KR" sz="3600" dirty="0" smtClean="0">
@@ -6480,18 +6750,23 @@
           </a:xfrm>
         </p:spPr>
         <p:txBody>
-          <a:bodyPr/>
+          <a:bodyPr>
+            <a:normAutofit/>
+          </a:bodyPr>
           <a:lstStyle/>
           <a:p>
             <a:r>
-              <a:rPr lang="en-US" altLang="ko-KR" dirty="0">
+              <a:rPr lang="en-US" altLang="ko-KR" sz="3200" dirty="0">
+                <a:solidFill>
+                  <a:schemeClr val="accent4"/>
+                </a:solidFill>
                 <a:hlinkClick r:id="rId2"/>
               </a:rPr>
               <a:t>http://flukeout.github.io/</a:t>
             </a:r>
-            <a:endParaRPr lang="ko-KR" altLang="en-US" dirty="0">
+            <a:endParaRPr lang="ko-KR" altLang="en-US" sz="3200" dirty="0">
               <a:solidFill>
-                <a:schemeClr val="accent5"/>
+                <a:schemeClr val="accent4"/>
               </a:solidFill>
               <a:latin typeface="배달의민족 주아" pitchFamily="18" charset="-127"/>
               <a:ea typeface="배달의민족 주아" pitchFamily="18" charset="-127"/>
@@ -6711,6 +6986,40 @@
             <a:endParaRPr lang="ko-KR" altLang="en-US" dirty="0">
               <a:latin typeface="배달의민족 주아" pitchFamily="18" charset="-127"/>
               <a:ea typeface="배달의민족 주아" pitchFamily="18" charset="-127"/>
+            </a:endParaRPr>
+          </a:p>
+        </p:txBody>
+      </p:sp>
+      <p:sp>
+        <p:nvSpPr>
+          <p:cNvPr id="5" name="직사각형 4"/>
+          <p:cNvSpPr/>
+          <p:nvPr/>
+        </p:nvSpPr>
+        <p:spPr>
+          <a:xfrm>
+            <a:off x="3054547" y="5723964"/>
+            <a:ext cx="3171061" cy="369332"/>
+          </a:xfrm>
+          <a:prstGeom prst="rect">
+            <a:avLst/>
+          </a:prstGeom>
+        </p:spPr>
+        <p:txBody>
+          <a:bodyPr wrap="none">
+            <a:spAutoFit/>
+          </a:bodyPr>
+          <a:lstStyle/>
+          <a:p>
+            <a:r>
+              <a:rPr lang="en-US" altLang="ko-KR" i="1" dirty="0" smtClean="0">
+                <a:latin typeface="Adobe Ming Std L" pitchFamily="18" charset="-128"/>
+                <a:ea typeface="Adobe Ming Std L" pitchFamily="18" charset="-128"/>
+              </a:rPr>
+              <a:t>design icon from flaticon.com</a:t>
+            </a:r>
+            <a:endParaRPr lang="ko-KR" altLang="en-US" i="1" dirty="0">
+              <a:latin typeface="Adobe Ming Std L" pitchFamily="18" charset="-128"/>
             </a:endParaRPr>
           </a:p>
         </p:txBody>
@@ -6961,6 +7270,40 @@
           </a:p>
         </p:txBody>
       </p:sp>
+      <p:sp>
+        <p:nvSpPr>
+          <p:cNvPr id="2" name="직사각형 1"/>
+          <p:cNvSpPr/>
+          <p:nvPr/>
+        </p:nvSpPr>
+        <p:spPr>
+          <a:xfrm>
+            <a:off x="3054547" y="5723964"/>
+            <a:ext cx="3171061" cy="369332"/>
+          </a:xfrm>
+          <a:prstGeom prst="rect">
+            <a:avLst/>
+          </a:prstGeom>
+        </p:spPr>
+        <p:txBody>
+          <a:bodyPr wrap="none">
+            <a:spAutoFit/>
+          </a:bodyPr>
+          <a:lstStyle/>
+          <a:p>
+            <a:r>
+              <a:rPr lang="en-US" altLang="ko-KR" i="1" dirty="0" smtClean="0">
+                <a:latin typeface="Adobe Ming Std L" pitchFamily="18" charset="-128"/>
+                <a:ea typeface="Adobe Ming Std L" pitchFamily="18" charset="-128"/>
+              </a:rPr>
+              <a:t>design icon from flaticon.com</a:t>
+            </a:r>
+            <a:endParaRPr lang="ko-KR" altLang="en-US" i="1" dirty="0">
+              <a:latin typeface="Adobe Ming Std L" pitchFamily="18" charset="-128"/>
+            </a:endParaRPr>
+          </a:p>
+        </p:txBody>
+      </p:sp>
     </p:spTree>
     <p:extLst>
       <p:ext uri="{BB962C8B-B14F-4D97-AF65-F5344CB8AC3E}">
@@ -7008,7 +7351,12 @@
             <p:ph type="ctrTitle"/>
           </p:nvPr>
         </p:nvSpPr>
-        <p:spPr/>
+        <p:spPr>
+          <a:xfrm>
+            <a:off x="685800" y="1484784"/>
+            <a:ext cx="7772400" cy="1470025"/>
+          </a:xfrm>
+        </p:spPr>
         <p:txBody>
           <a:bodyPr/>
           <a:lstStyle/>
@@ -7212,6 +7560,47 @@
           </a:p>
         </p:txBody>
       </p:sp>
+      <p:pic>
+        <p:nvPicPr>
+          <p:cNvPr id="1026" name="Picture 2" descr="C:\Users\Administrator\Downloads\free-icon-chosen-3473576.png"/>
+          <p:cNvPicPr>
+            <a:picLocks noChangeAspect="1" noChangeArrowheads="1"/>
+          </p:cNvPicPr>
+          <p:nvPr/>
+        </p:nvPicPr>
+        <p:blipFill>
+          <a:blip r:embed="rId2">
+            <a:extLst>
+              <a:ext uri="{28A0092B-C50C-407E-A947-70E740481C1C}">
+                <a14:useLocalDpi xmlns:a14="http://schemas.microsoft.com/office/drawing/2010/main" val="0"/>
+              </a:ext>
+            </a:extLst>
+          </a:blip>
+          <a:srcRect/>
+          <a:stretch>
+            <a:fillRect/>
+          </a:stretch>
+        </p:blipFill>
+        <p:spPr bwMode="auto">
+          <a:xfrm>
+            <a:off x="2915816" y="2564904"/>
+            <a:ext cx="3384376" cy="3384376"/>
+          </a:xfrm>
+          <a:prstGeom prst="rect">
+            <a:avLst/>
+          </a:prstGeom>
+          <a:noFill/>
+          <a:extLst>
+            <a:ext uri="{909E8E84-426E-40DD-AFC4-6F175D3DCCD1}">
+              <a14:hiddenFill xmlns:a14="http://schemas.microsoft.com/office/drawing/2010/main">
+                <a:solidFill>
+                  <a:srgbClr val="FFFFFF"/>
+                </a:solidFill>
+              </a14:hiddenFill>
+            </a:ext>
+          </a:extLst>
+        </p:spPr>
+      </p:pic>
     </p:spTree>
     <p:extLst>
       <p:ext uri="{BB962C8B-B14F-4D97-AF65-F5344CB8AC3E}">
@@ -7225,7 +7614,83 @@
   <p:timing>
     <p:tnLst>
       <p:par>
-        <p:cTn id="1" dur="indefinite" restart="never" nodeType="tmRoot"/>
+        <p:cTn id="1" dur="indefinite" restart="never" nodeType="tmRoot">
+          <p:childTnLst>
+            <p:seq concurrent="1" nextAc="seek">
+              <p:cTn id="2" dur="indefinite" nodeType="mainSeq">
+                <p:childTnLst>
+                  <p:par>
+                    <p:cTn id="3" fill="hold">
+                      <p:stCondLst>
+                        <p:cond delay="indefinite"/>
+                      </p:stCondLst>
+                      <p:childTnLst>
+                        <p:par>
+                          <p:cTn id="4" fill="hold">
+                            <p:stCondLst>
+                              <p:cond delay="0"/>
+                            </p:stCondLst>
+                            <p:childTnLst>
+                              <p:par>
+                                <p:cTn id="5" presetID="10" presetClass="entr" presetSubtype="0" fill="hold" nodeType="clickEffect">
+                                  <p:stCondLst>
+                                    <p:cond delay="0"/>
+                                  </p:stCondLst>
+                                  <p:childTnLst>
+                                    <p:set>
+                                      <p:cBhvr>
+                                        <p:cTn id="6" dur="1" fill="hold">
+                                          <p:stCondLst>
+                                            <p:cond delay="0"/>
+                                          </p:stCondLst>
+                                        </p:cTn>
+                                        <p:tgtEl>
+                                          <p:spTgt spid="1026"/>
+                                        </p:tgtEl>
+                                        <p:attrNameLst>
+                                          <p:attrName>style.visibility</p:attrName>
+                                        </p:attrNameLst>
+                                      </p:cBhvr>
+                                      <p:to>
+                                        <p:strVal val="visible"/>
+                                      </p:to>
+                                    </p:set>
+                                    <p:animEffect transition="in" filter="fade">
+                                      <p:cBhvr>
+                                        <p:cTn id="7" dur="500"/>
+                                        <p:tgtEl>
+                                          <p:spTgt spid="1026"/>
+                                        </p:tgtEl>
+                                      </p:cBhvr>
+                                    </p:animEffect>
+                                  </p:childTnLst>
+                                </p:cTn>
+                              </p:par>
+                            </p:childTnLst>
+                          </p:cTn>
+                        </p:par>
+                      </p:childTnLst>
+                    </p:cTn>
+                  </p:par>
+                </p:childTnLst>
+              </p:cTn>
+              <p:prevCondLst>
+                <p:cond evt="onPrev" delay="0">
+                  <p:tgtEl>
+                    <p:sldTgt/>
+                  </p:tgtEl>
+                </p:cond>
+              </p:prevCondLst>
+              <p:nextCondLst>
+                <p:cond evt="onNext" delay="0">
+                  <p:tgtEl>
+                    <p:sldTgt/>
+                  </p:tgtEl>
+                </p:cond>
+              </p:nextCondLst>
+            </p:seq>
+          </p:childTnLst>
+        </p:cTn>
       </p:par>
     </p:tnLst>
   </p:timing>
@@ -7780,6 +8245,74 @@
           </a:p>
         </p:txBody>
       </p:sp>
+      <p:sp>
+        <p:nvSpPr>
+          <p:cNvPr id="4" name="제목 1"/>
+          <p:cNvSpPr txBox="1">
+            <a:spLocks/>
+          </p:cNvSpPr>
+          <p:nvPr/>
+        </p:nvSpPr>
+        <p:spPr>
+          <a:xfrm>
+            <a:off x="685800" y="2996952"/>
+            <a:ext cx="7772400" cy="1470025"/>
+          </a:xfrm>
+          <a:prstGeom prst="rect">
+            <a:avLst/>
+          </a:prstGeom>
+        </p:spPr>
+        <p:txBody>
+          <a:bodyPr vert="horz" lIns="91440" tIns="45720" rIns="91440" bIns="45720" rtlCol="0" anchor="ctr">
+            <a:normAutofit/>
+          </a:bodyPr>
+          <a:lstStyle>
+            <a:lvl1pPr algn="ctr" defTabSz="914400" rtl="0" eaLnBrk="1" latinLnBrk="1" hangingPunct="1">
+              <a:spcBef>
+                <a:spcPct val="0"/>
+              </a:spcBef>
+              <a:buNone/>
+              <a:defRPr sz="4400" kern="1200">
+                <a:solidFill>
+                  <a:schemeClr val="tx1"/>
+                </a:solidFill>
+                <a:latin typeface="+mj-lt"/>
+                <a:ea typeface="+mj-ea"/>
+                <a:cs typeface="+mj-cs"/>
+              </a:defRPr>
+            </a:lvl1pPr>
+          </a:lstStyle>
+          <a:p>
+            <a:r>
+              <a:rPr lang="en-US" altLang="ko-KR" dirty="0" smtClean="0">
+                <a:solidFill>
+                  <a:schemeClr val="accent5"/>
+                </a:solidFill>
+                <a:latin typeface="배달의민족 주아" pitchFamily="18" charset="-127"/>
+                <a:ea typeface="배달의민족 주아" pitchFamily="18" charset="-127"/>
+              </a:rPr>
+              <a:t>=&gt;</a:t>
+            </a:r>
+            <a:r>
+              <a:rPr lang="ko-KR" altLang="en-US" dirty="0" smtClean="0">
+                <a:solidFill>
+                  <a:schemeClr val="accent5"/>
+                </a:solidFill>
+                <a:latin typeface="배달의민족 주아" pitchFamily="18" charset="-127"/>
+                <a:ea typeface="배달의민족 주아" pitchFamily="18" charset="-127"/>
+              </a:rPr>
+              <a:t>태그이름</a:t>
+            </a:r>
+            <a:endParaRPr lang="ko-KR" altLang="en-US" dirty="0">
+              <a:solidFill>
+                <a:schemeClr val="accent5"/>
+              </a:solidFill>
+              <a:latin typeface="배달의민족 주아" pitchFamily="18" charset="-127"/>
+              <a:ea typeface="배달의민족 주아" pitchFamily="18" charset="-127"/>
+            </a:endParaRPr>
+          </a:p>
+        </p:txBody>
+      </p:sp>
     </p:spTree>
     <p:extLst>
       <p:ext uri="{BB962C8B-B14F-4D97-AF65-F5344CB8AC3E}">
@@ -7793,9 +8326,88 @@
   <p:timing>
     <p:tnLst>
       <p:par>
-        <p:cTn id="1" dur="indefinite" restart="never" nodeType="tmRoot"/>
+        <p:cTn id="1" dur="indefinite" restart="never" nodeType="tmRoot">
+          <p:childTnLst>
+            <p:seq concurrent="1" nextAc="seek">
+              <p:cTn id="2" dur="indefinite" nodeType="mainSeq">
+                <p:childTnLst>
+                  <p:par>
+                    <p:cTn id="3" fill="hold">
+                      <p:stCondLst>
+                        <p:cond delay="indefinite"/>
+                      </p:stCondLst>
+                      <p:childTnLst>
+                        <p:par>
+                          <p:cTn id="4" fill="hold">
+                            <p:stCondLst>
+                              <p:cond delay="0"/>
+                            </p:stCondLst>
+                            <p:childTnLst>
+                              <p:par>
+                                <p:cTn id="5" presetID="10" presetClass="entr" presetSubtype="0" fill="hold" grpId="0" nodeType="clickEffect">
+                                  <p:stCondLst>
+                                    <p:cond delay="0"/>
+                                  </p:stCondLst>
+                                  <p:childTnLst>
+                                    <p:set>
+                                      <p:cBhvr>
+                                        <p:cTn id="6" dur="1" fill="hold">
+                                          <p:stCondLst>
+                                            <p:cond delay="0"/>
+                                          </p:stCondLst>
+                                        </p:cTn>
+                                        <p:tgtEl>
+                                          <p:spTgt spid="4"/>
+                                        </p:tgtEl>
+                                        <p:attrNameLst>
+                                          <p:attrName>style.visibility</p:attrName>
+                                        </p:attrNameLst>
+                                      </p:cBhvr>
+                                      <p:to>
+                                        <p:strVal val="visible"/>
+                                      </p:to>
+                                    </p:set>
+                                    <p:animEffect transition="in" filter="fade">
+                                      <p:cBhvr>
+                                        <p:cTn id="7" dur="500"/>
+                                        <p:tgtEl>
+                                          <p:spTgt spid="4"/>
+                                        </p:tgtEl>
+                                      </p:cBhvr>
+                                    </p:animEffect>
+                                  </p:childTnLst>
+                                </p:cTn>
+                              </p:par>
+                            </p:childTnLst>
+                          </p:cTn>
+                        </p:par>
+                      </p:childTnLst>
+                    </p:cTn>
+                  </p:par>
+                </p:childTnLst>
+              </p:cTn>
+              <p:prevCondLst>
+                <p:cond evt="onPrev" delay="0">
+                  <p:tgtEl>
+                    <p:sldTgt/>
+                  </p:tgtEl>
+                </p:cond>
+              </p:prevCondLst>
+              <p:nextCondLst>
+                <p:cond evt="onNext" delay="0">
+                  <p:tgtEl>
+                    <p:sldTgt/>
+                  </p:tgtEl>
+                </p:cond>
+              </p:nextCondLst>
+            </p:seq>
+          </p:childTnLst>
+        </p:cTn>
       </p:par>
     </p:tnLst>
+    <p:bldLst>
+      <p:bldP spid="4" grpId="0"/>
+    </p:bldLst>
   </p:timing>
 </p:sld>
 </file>
@@ -8754,6 +9366,84 @@
           </a:p>
         </p:txBody>
       </p:sp>
+      <p:sp>
+        <p:nvSpPr>
+          <p:cNvPr id="4" name="제목 1"/>
+          <p:cNvSpPr txBox="1">
+            <a:spLocks/>
+          </p:cNvSpPr>
+          <p:nvPr/>
+        </p:nvSpPr>
+        <p:spPr>
+          <a:xfrm>
+            <a:off x="685800" y="2996952"/>
+            <a:ext cx="7772400" cy="1470025"/>
+          </a:xfrm>
+          <a:prstGeom prst="rect">
+            <a:avLst/>
+          </a:prstGeom>
+        </p:spPr>
+        <p:txBody>
+          <a:bodyPr vert="horz" lIns="91440" tIns="45720" rIns="91440" bIns="45720" rtlCol="0" anchor="ctr">
+            <a:normAutofit/>
+          </a:bodyPr>
+          <a:lstStyle>
+            <a:lvl1pPr algn="ctr" defTabSz="914400" rtl="0" eaLnBrk="1" latinLnBrk="1" hangingPunct="1">
+              <a:spcBef>
+                <a:spcPct val="0"/>
+              </a:spcBef>
+              <a:buNone/>
+              <a:defRPr sz="4400" kern="1200">
+                <a:solidFill>
+                  <a:schemeClr val="tx1"/>
+                </a:solidFill>
+                <a:latin typeface="+mj-lt"/>
+                <a:ea typeface="+mj-ea"/>
+                <a:cs typeface="+mj-cs"/>
+              </a:defRPr>
+            </a:lvl1pPr>
+          </a:lstStyle>
+          <a:p>
+            <a:r>
+              <a:rPr lang="en-US" altLang="ko-KR" dirty="0" smtClean="0">
+                <a:solidFill>
+                  <a:schemeClr val="accent5"/>
+                </a:solidFill>
+                <a:latin typeface="배달의민족 주아" pitchFamily="18" charset="-127"/>
+                <a:ea typeface="배달의민족 주아" pitchFamily="18" charset="-127"/>
+              </a:rPr>
+              <a:t>=&gt;</a:t>
+            </a:r>
+            <a:r>
+              <a:rPr lang="ko-KR" altLang="en-US" dirty="0" smtClean="0">
+                <a:solidFill>
+                  <a:schemeClr val="accent5"/>
+                </a:solidFill>
+                <a:latin typeface="배달의민족 주아" pitchFamily="18" charset="-127"/>
+                <a:ea typeface="배달의민족 주아" pitchFamily="18" charset="-127"/>
+              </a:rPr>
+              <a:t>특정 </a:t>
+            </a:r>
+            <a:r>
+              <a:rPr lang="ko-KR" altLang="en-US" dirty="0" err="1" smtClean="0">
+                <a:solidFill>
+                  <a:schemeClr val="accent5"/>
+                </a:solidFill>
+                <a:latin typeface="배달의민족 주아" pitchFamily="18" charset="-127"/>
+                <a:ea typeface="배달의민족 주아" pitchFamily="18" charset="-127"/>
+              </a:rPr>
+              <a:t>한개</a:t>
+            </a:r>
+            <a:endParaRPr lang="ko-KR" altLang="en-US" dirty="0">
+              <a:solidFill>
+                <a:schemeClr val="accent5"/>
+              </a:solidFill>
+              <a:latin typeface="배달의민족 주아" pitchFamily="18" charset="-127"/>
+              <a:ea typeface="배달의민족 주아" pitchFamily="18" charset="-127"/>
+            </a:endParaRPr>
+          </a:p>
+        </p:txBody>
+      </p:sp>
     </p:spTree>
     <p:extLst>
       <p:ext uri="{BB962C8B-B14F-4D97-AF65-F5344CB8AC3E}">
@@ -8767,9 +9457,88 @@
   <p:timing>
     <p:tnLst>
       <p:par>
-        <p:cTn id="1" dur="indefinite" restart="never" nodeType="tmRoot"/>
+        <p:cTn id="1" dur="indefinite" restart="never" nodeType="tmRoot">
+          <p:childTnLst>
+            <p:seq concurrent="1" nextAc="seek">
+              <p:cTn id="2" dur="indefinite" nodeType="mainSeq">
+                <p:childTnLst>
+                  <p:par>
+                    <p:cTn id="3" fill="hold">
+                      <p:stCondLst>
+                        <p:cond delay="indefinite"/>
+                      </p:stCondLst>
+                      <p:childTnLst>
+                        <p:par>
+                          <p:cTn id="4" fill="hold">
+                            <p:stCondLst>
+                              <p:cond delay="0"/>
+                            </p:stCondLst>
+                            <p:childTnLst>
+                              <p:par>
+                                <p:cTn id="5" presetID="10" presetClass="entr" presetSubtype="0" fill="hold" grpId="0" nodeType="clickEffect">
+                                  <p:stCondLst>
+                                    <p:cond delay="0"/>
+                                  </p:stCondLst>
+                                  <p:childTnLst>
+                                    <p:set>
+                                      <p:cBhvr>
+                                        <p:cTn id="6" dur="1" fill="hold">
+                                          <p:stCondLst>
+                                            <p:cond delay="0"/>
+                                          </p:stCondLst>
+                                        </p:cTn>
+                                        <p:tgtEl>
+                                          <p:spTgt spid="4"/>
+                                        </p:tgtEl>
+                                        <p:attrNameLst>
+                                          <p:attrName>style.visibility</p:attrName>
+                                        </p:attrNameLst>
+                                      </p:cBhvr>
+                                      <p:to>
+                                        <p:strVal val="visible"/>
+                                      </p:to>
+                                    </p:set>
+                                    <p:animEffect transition="in" filter="fade">
+                                      <p:cBhvr>
+                                        <p:cTn id="7" dur="500"/>
+                                        <p:tgtEl>
+                                          <p:spTgt spid="4"/>
+                                        </p:tgtEl>
+                                      </p:cBhvr>
+                                    </p:animEffect>
+                                  </p:childTnLst>
+                                </p:cTn>
+                              </p:par>
+                            </p:childTnLst>
+                          </p:cTn>
+                        </p:par>
+                      </p:childTnLst>
+                    </p:cTn>
+                  </p:par>
+                </p:childTnLst>
+              </p:cTn>
+              <p:prevCondLst>
+                <p:cond evt="onPrev" delay="0">
+                  <p:tgtEl>
+                    <p:sldTgt/>
+                  </p:tgtEl>
+                </p:cond>
+              </p:prevCondLst>
+              <p:nextCondLst>
+                <p:cond evt="onNext" delay="0">
+                  <p:tgtEl>
+                    <p:sldTgt/>
+                  </p:tgtEl>
+                </p:cond>
+              </p:nextCondLst>
+            </p:seq>
+          </p:childTnLst>
+        </p:cTn>
       </p:par>
     </p:tnLst>
+    <p:bldLst>
+      <p:bldP spid="4" grpId="0"/>
+    </p:bldLst>
   </p:timing>
 </p:sld>
 </file>
@@ -9896,6 +10665,74 @@
           </a:p>
         </p:txBody>
       </p:sp>
+      <p:sp>
+        <p:nvSpPr>
+          <p:cNvPr id="4" name="제목 1"/>
+          <p:cNvSpPr txBox="1">
+            <a:spLocks/>
+          </p:cNvSpPr>
+          <p:nvPr/>
+        </p:nvSpPr>
+        <p:spPr>
+          <a:xfrm>
+            <a:off x="685800" y="2996952"/>
+            <a:ext cx="7772400" cy="1470025"/>
+          </a:xfrm>
+          <a:prstGeom prst="rect">
+            <a:avLst/>
+          </a:prstGeom>
+        </p:spPr>
+        <p:txBody>
+          <a:bodyPr vert="horz" lIns="91440" tIns="45720" rIns="91440" bIns="45720" rtlCol="0" anchor="ctr">
+            <a:normAutofit/>
+          </a:bodyPr>
+          <a:lstStyle>
+            <a:lvl1pPr algn="ctr" defTabSz="914400" rtl="0" eaLnBrk="1" latinLnBrk="1" hangingPunct="1">
+              <a:spcBef>
+                <a:spcPct val="0"/>
+              </a:spcBef>
+              <a:buNone/>
+              <a:defRPr sz="4400" kern="1200">
+                <a:solidFill>
+                  <a:schemeClr val="tx1"/>
+                </a:solidFill>
+                <a:latin typeface="+mj-lt"/>
+                <a:ea typeface="+mj-ea"/>
+                <a:cs typeface="+mj-cs"/>
+              </a:defRPr>
+            </a:lvl1pPr>
+          </a:lstStyle>
+          <a:p>
+            <a:r>
+              <a:rPr lang="en-US" altLang="ko-KR" dirty="0" smtClean="0">
+                <a:solidFill>
+                  <a:schemeClr val="accent5"/>
+                </a:solidFill>
+                <a:latin typeface="배달의민족 주아" pitchFamily="18" charset="-127"/>
+                <a:ea typeface="배달의민족 주아" pitchFamily="18" charset="-127"/>
+              </a:rPr>
+              <a:t>=&gt;</a:t>
+            </a:r>
+            <a:r>
+              <a:rPr lang="ko-KR" altLang="en-US" dirty="0" err="1" smtClean="0">
+                <a:solidFill>
+                  <a:schemeClr val="accent5"/>
+                </a:solidFill>
+                <a:latin typeface="배달의민족 주아" pitchFamily="18" charset="-127"/>
+                <a:ea typeface="배달의민족 주아" pitchFamily="18" charset="-127"/>
+              </a:rPr>
+              <a:t>여러개</a:t>
+            </a:r>
+            <a:endParaRPr lang="ko-KR" altLang="en-US" dirty="0">
+              <a:solidFill>
+                <a:schemeClr val="accent5"/>
+              </a:solidFill>
+              <a:latin typeface="배달의민족 주아" pitchFamily="18" charset="-127"/>
+              <a:ea typeface="배달의민족 주아" pitchFamily="18" charset="-127"/>
+            </a:endParaRPr>
+          </a:p>
+        </p:txBody>
+      </p:sp>
     </p:spTree>
     <p:extLst>
       <p:ext uri="{BB962C8B-B14F-4D97-AF65-F5344CB8AC3E}">
@@ -9909,9 +10746,88 @@
   <p:timing>
     <p:tnLst>
       <p:par>
-        <p:cTn id="1" dur="indefinite" restart="never" nodeType="tmRoot"/>
+        <p:cTn id="1" dur="indefinite" restart="never" nodeType="tmRoot">
+          <p:childTnLst>
+            <p:seq concurrent="1" nextAc="seek">
+              <p:cTn id="2" dur="indefinite" nodeType="mainSeq">
+                <p:childTnLst>
+                  <p:par>
+                    <p:cTn id="3" fill="hold">
+                      <p:stCondLst>
+                        <p:cond delay="indefinite"/>
+                      </p:stCondLst>
+                      <p:childTnLst>
+                        <p:par>
+                          <p:cTn id="4" fill="hold">
+                            <p:stCondLst>
+                              <p:cond delay="0"/>
+                            </p:stCondLst>
+                            <p:childTnLst>
+                              <p:par>
+                                <p:cTn id="5" presetID="10" presetClass="entr" presetSubtype="0" fill="hold" grpId="0" nodeType="clickEffect">
+                                  <p:stCondLst>
+                                    <p:cond delay="0"/>
+                                  </p:stCondLst>
+                                  <p:childTnLst>
+                                    <p:set>
+                                      <p:cBhvr>
+                                        <p:cTn id="6" dur="1" fill="hold">
+                                          <p:stCondLst>
+                                            <p:cond delay="0"/>
+                                          </p:stCondLst>
+                                        </p:cTn>
+                                        <p:tgtEl>
+                                          <p:spTgt spid="4"/>
+                                        </p:tgtEl>
+                                        <p:attrNameLst>
+                                          <p:attrName>style.visibility</p:attrName>
+                                        </p:attrNameLst>
+                                      </p:cBhvr>
+                                      <p:to>
+                                        <p:strVal val="visible"/>
+                                      </p:to>
+                                    </p:set>
+                                    <p:animEffect transition="in" filter="fade">
+                                      <p:cBhvr>
+                                        <p:cTn id="7" dur="500"/>
+                                        <p:tgtEl>
+                                          <p:spTgt spid="4"/>
+                                        </p:tgtEl>
+                                      </p:cBhvr>
+                                    </p:animEffect>
+                                  </p:childTnLst>
+                                </p:cTn>
+                              </p:par>
+                            </p:childTnLst>
+                          </p:cTn>
+                        </p:par>
+                      </p:childTnLst>
+                    </p:cTn>
+                  </p:par>
+                </p:childTnLst>
+              </p:cTn>
+              <p:prevCondLst>
+                <p:cond evt="onPrev" delay="0">
+                  <p:tgtEl>
+                    <p:sldTgt/>
+                  </p:tgtEl>
+                </p:cond>
+              </p:prevCondLst>
+              <p:nextCondLst>
+                <p:cond evt="onNext" delay="0">
+                  <p:tgtEl>
+                    <p:sldTgt/>
+                  </p:tgtEl>
+                </p:cond>
+              </p:nextCondLst>
+            </p:seq>
+          </p:childTnLst>
+        </p:cTn>
       </p:par>
     </p:tnLst>
+    <p:bldLst>
+      <p:bldP spid="4" grpId="0"/>
+    </p:bldLst>
   </p:timing>
 </p:sld>
 </file>

--- a/프론트엔드기초(PPT)/CSS3 2강_CSS 셀렉터.pptx
+++ b/프론트엔드기초(PPT)/CSS3 2강_CSS 셀렉터.pptx
@@ -122,6 +122,22 @@
       </a:defRPr>
     </a:lvl9pPr>
   </p:defaultTextStyle>
+  <p:extLst>
+    <p:ext uri="{EFAFB233-063F-42B5-8137-9DF3F51BA10A}">
+      <p15:sldGuideLst xmlns:p15="http://schemas.microsoft.com/office/powerpoint/2012/main">
+        <p15:guide id="1" orient="horz" pos="2160">
+          <p15:clr>
+            <a:srgbClr val="A4A3A4"/>
+          </p15:clr>
+        </p15:guide>
+        <p15:guide id="2" pos="2880">
+          <p15:clr>
+            <a:srgbClr val="A4A3A4"/>
+          </p15:clr>
+        </p15:guide>
+      </p15:sldGuideLst>
+    </p:ext>
+  </p:extLst>
 </p:presentation>
 </file>
 
@@ -207,7 +223,7 @@
           <a:p>
             <a:fld id="{39C3FBC0-BEE7-47A2-A835-5C7C42AA42BA}" type="datetimeFigureOut">
               <a:rPr lang="ko-KR" altLang="en-US" smtClean="0"/>
-              <a:t>2020-09-23</a:t>
+              <a:t>2021-10-11</a:t>
             </a:fld>
             <a:endParaRPr lang="ko-KR" altLang="en-US"/>
           </a:p>
@@ -271,38 +287,37 @@
           <a:p>
             <a:pPr lvl="0"/>
             <a:r>
-              <a:rPr lang="ko-KR" altLang="en-US" smtClean="0"/>
+              <a:rPr lang="ko-KR" altLang="en-US"/>
               <a:t>마스터 텍스트 스타일을 편집합니다</a:t>
             </a:r>
           </a:p>
           <a:p>
             <a:pPr lvl="1"/>
             <a:r>
-              <a:rPr lang="ko-KR" altLang="en-US" smtClean="0"/>
+              <a:rPr lang="ko-KR" altLang="en-US"/>
               <a:t>둘째 수준</a:t>
             </a:r>
           </a:p>
           <a:p>
             <a:pPr lvl="2"/>
             <a:r>
-              <a:rPr lang="ko-KR" altLang="en-US" smtClean="0"/>
+              <a:rPr lang="ko-KR" altLang="en-US"/>
               <a:t>셋째 수준</a:t>
             </a:r>
           </a:p>
           <a:p>
             <a:pPr lvl="3"/>
             <a:r>
-              <a:rPr lang="ko-KR" altLang="en-US" smtClean="0"/>
+              <a:rPr lang="ko-KR" altLang="en-US"/>
               <a:t>넷째 수준</a:t>
             </a:r>
           </a:p>
           <a:p>
             <a:pPr lvl="4"/>
             <a:r>
-              <a:rPr lang="ko-KR" altLang="en-US" smtClean="0"/>
+              <a:rPr lang="ko-KR" altLang="en-US"/>
               <a:t>다섯째 수준</a:t>
             </a:r>
-            <a:endParaRPr lang="ko-KR" altLang="en-US"/>
           </a:p>
         </p:txBody>
       </p:sp>
@@ -597,10 +612,9 @@
           <a:lstStyle/>
           <a:p>
             <a:r>
-              <a:rPr lang="ko-KR" altLang="en-US" smtClean="0"/>
+              <a:rPr lang="ko-KR" altLang="en-US"/>
               <a:t>마스터 제목 스타일 편집</a:t>
             </a:r>
-            <a:endParaRPr lang="ko-KR" altLang="en-US"/>
           </a:p>
         </p:txBody>
       </p:sp>
@@ -716,10 +730,9 @@
           </a:lstStyle>
           <a:p>
             <a:r>
-              <a:rPr lang="ko-KR" altLang="en-US" smtClean="0"/>
+              <a:rPr lang="ko-KR" altLang="en-US"/>
               <a:t>마스터 부제목 스타일 편집</a:t>
             </a:r>
-            <a:endParaRPr lang="ko-KR" altLang="en-US"/>
           </a:p>
         </p:txBody>
       </p:sp>
@@ -740,7 +753,7 @@
           <a:p>
             <a:fld id="{FB30EDBD-1C2D-4C1E-B459-B60219FAB484}" type="datetimeFigureOut">
               <a:rPr lang="ko-KR" altLang="en-US" smtClean="0"/>
-              <a:t>2020-09-23</a:t>
+              <a:t>2021-10-11</a:t>
             </a:fld>
             <a:endParaRPr lang="ko-KR" altLang="en-US"/>
           </a:p>
@@ -829,10 +842,9 @@
           <a:lstStyle/>
           <a:p>
             <a:r>
-              <a:rPr lang="ko-KR" altLang="en-US" smtClean="0"/>
+              <a:rPr lang="ko-KR" altLang="en-US"/>
               <a:t>마스터 제목 스타일 편집</a:t>
             </a:r>
-            <a:endParaRPr lang="ko-KR" altLang="en-US"/>
           </a:p>
         </p:txBody>
       </p:sp>
@@ -853,38 +865,37 @@
           <a:p>
             <a:pPr lvl="0"/>
             <a:r>
-              <a:rPr lang="ko-KR" altLang="en-US" smtClean="0"/>
+              <a:rPr lang="ko-KR" altLang="en-US"/>
               <a:t>마스터 텍스트 스타일을 편집합니다</a:t>
             </a:r>
           </a:p>
           <a:p>
             <a:pPr lvl="1"/>
             <a:r>
-              <a:rPr lang="ko-KR" altLang="en-US" smtClean="0"/>
+              <a:rPr lang="ko-KR" altLang="en-US"/>
               <a:t>둘째 수준</a:t>
             </a:r>
           </a:p>
           <a:p>
             <a:pPr lvl="2"/>
             <a:r>
-              <a:rPr lang="ko-KR" altLang="en-US" smtClean="0"/>
+              <a:rPr lang="ko-KR" altLang="en-US"/>
               <a:t>셋째 수준</a:t>
             </a:r>
           </a:p>
           <a:p>
             <a:pPr lvl="3"/>
             <a:r>
-              <a:rPr lang="ko-KR" altLang="en-US" smtClean="0"/>
+              <a:rPr lang="ko-KR" altLang="en-US"/>
               <a:t>넷째 수준</a:t>
             </a:r>
           </a:p>
           <a:p>
             <a:pPr lvl="4"/>
             <a:r>
-              <a:rPr lang="ko-KR" altLang="en-US" smtClean="0"/>
+              <a:rPr lang="ko-KR" altLang="en-US"/>
               <a:t>다섯째 수준</a:t>
             </a:r>
-            <a:endParaRPr lang="ko-KR" altLang="en-US"/>
           </a:p>
         </p:txBody>
       </p:sp>
@@ -905,7 +916,7 @@
           <a:p>
             <a:fld id="{FB30EDBD-1C2D-4C1E-B459-B60219FAB484}" type="datetimeFigureOut">
               <a:rPr lang="ko-KR" altLang="en-US" smtClean="0"/>
-              <a:t>2020-09-23</a:t>
+              <a:t>2021-10-11</a:t>
             </a:fld>
             <a:endParaRPr lang="ko-KR" altLang="en-US"/>
           </a:p>
@@ -999,10 +1010,9 @@
           <a:lstStyle/>
           <a:p>
             <a:r>
-              <a:rPr lang="ko-KR" altLang="en-US" smtClean="0"/>
+              <a:rPr lang="ko-KR" altLang="en-US"/>
               <a:t>마스터 제목 스타일 편집</a:t>
             </a:r>
-            <a:endParaRPr lang="ko-KR" altLang="en-US"/>
           </a:p>
         </p:txBody>
       </p:sp>
@@ -1028,38 +1038,37 @@
           <a:p>
             <a:pPr lvl="0"/>
             <a:r>
-              <a:rPr lang="ko-KR" altLang="en-US" smtClean="0"/>
+              <a:rPr lang="ko-KR" altLang="en-US"/>
               <a:t>마스터 텍스트 스타일을 편집합니다</a:t>
             </a:r>
           </a:p>
           <a:p>
             <a:pPr lvl="1"/>
             <a:r>
-              <a:rPr lang="ko-KR" altLang="en-US" smtClean="0"/>
+              <a:rPr lang="ko-KR" altLang="en-US"/>
               <a:t>둘째 수준</a:t>
             </a:r>
           </a:p>
           <a:p>
             <a:pPr lvl="2"/>
             <a:r>
-              <a:rPr lang="ko-KR" altLang="en-US" smtClean="0"/>
+              <a:rPr lang="ko-KR" altLang="en-US"/>
               <a:t>셋째 수준</a:t>
             </a:r>
           </a:p>
           <a:p>
             <a:pPr lvl="3"/>
             <a:r>
-              <a:rPr lang="ko-KR" altLang="en-US" smtClean="0"/>
+              <a:rPr lang="ko-KR" altLang="en-US"/>
               <a:t>넷째 수준</a:t>
             </a:r>
           </a:p>
           <a:p>
             <a:pPr lvl="4"/>
             <a:r>
-              <a:rPr lang="ko-KR" altLang="en-US" smtClean="0"/>
+              <a:rPr lang="ko-KR" altLang="en-US"/>
               <a:t>다섯째 수준</a:t>
             </a:r>
-            <a:endParaRPr lang="ko-KR" altLang="en-US"/>
           </a:p>
         </p:txBody>
       </p:sp>
@@ -1080,7 +1089,7 @@
           <a:p>
             <a:fld id="{FB30EDBD-1C2D-4C1E-B459-B60219FAB484}" type="datetimeFigureOut">
               <a:rPr lang="ko-KR" altLang="en-US" smtClean="0"/>
-              <a:t>2020-09-23</a:t>
+              <a:t>2021-10-11</a:t>
             </a:fld>
             <a:endParaRPr lang="ko-KR" altLang="en-US"/>
           </a:p>
@@ -1169,10 +1178,9 @@
           <a:lstStyle/>
           <a:p>
             <a:r>
-              <a:rPr lang="ko-KR" altLang="en-US" smtClean="0"/>
+              <a:rPr lang="ko-KR" altLang="en-US"/>
               <a:t>마스터 제목 스타일 편집</a:t>
             </a:r>
-            <a:endParaRPr lang="ko-KR" altLang="en-US"/>
           </a:p>
         </p:txBody>
       </p:sp>
@@ -1193,38 +1201,37 @@
           <a:p>
             <a:pPr lvl="0"/>
             <a:r>
-              <a:rPr lang="ko-KR" altLang="en-US" smtClean="0"/>
+              <a:rPr lang="ko-KR" altLang="en-US"/>
               <a:t>마스터 텍스트 스타일을 편집합니다</a:t>
             </a:r>
           </a:p>
           <a:p>
             <a:pPr lvl="1"/>
             <a:r>
-              <a:rPr lang="ko-KR" altLang="en-US" smtClean="0"/>
+              <a:rPr lang="ko-KR" altLang="en-US"/>
               <a:t>둘째 수준</a:t>
             </a:r>
           </a:p>
           <a:p>
             <a:pPr lvl="2"/>
             <a:r>
-              <a:rPr lang="ko-KR" altLang="en-US" smtClean="0"/>
+              <a:rPr lang="ko-KR" altLang="en-US"/>
               <a:t>셋째 수준</a:t>
             </a:r>
           </a:p>
           <a:p>
             <a:pPr lvl="3"/>
             <a:r>
-              <a:rPr lang="ko-KR" altLang="en-US" smtClean="0"/>
+              <a:rPr lang="ko-KR" altLang="en-US"/>
               <a:t>넷째 수준</a:t>
             </a:r>
           </a:p>
           <a:p>
             <a:pPr lvl="4"/>
             <a:r>
-              <a:rPr lang="ko-KR" altLang="en-US" smtClean="0"/>
+              <a:rPr lang="ko-KR" altLang="en-US"/>
               <a:t>다섯째 수준</a:t>
             </a:r>
-            <a:endParaRPr lang="ko-KR" altLang="en-US"/>
           </a:p>
         </p:txBody>
       </p:sp>
@@ -1245,7 +1252,7 @@
           <a:p>
             <a:fld id="{FB30EDBD-1C2D-4C1E-B459-B60219FAB484}" type="datetimeFigureOut">
               <a:rPr lang="ko-KR" altLang="en-US" smtClean="0"/>
-              <a:t>2020-09-23</a:t>
+              <a:t>2021-10-11</a:t>
             </a:fld>
             <a:endParaRPr lang="ko-KR" altLang="en-US"/>
           </a:p>
@@ -1343,10 +1350,9 @@
           </a:lstStyle>
           <a:p>
             <a:r>
-              <a:rPr lang="ko-KR" altLang="en-US" smtClean="0"/>
+              <a:rPr lang="ko-KR" altLang="en-US"/>
               <a:t>마스터 제목 스타일 편집</a:t>
             </a:r>
-            <a:endParaRPr lang="ko-KR" altLang="en-US"/>
           </a:p>
         </p:txBody>
       </p:sp>
@@ -1463,7 +1469,7 @@
           <a:p>
             <a:pPr lvl="0"/>
             <a:r>
-              <a:rPr lang="ko-KR" altLang="en-US" smtClean="0"/>
+              <a:rPr lang="ko-KR" altLang="en-US"/>
               <a:t>마스터 텍스트 스타일을 편집합니다</a:t>
             </a:r>
           </a:p>
@@ -1486,7 +1492,7 @@
           <a:p>
             <a:fld id="{FB30EDBD-1C2D-4C1E-B459-B60219FAB484}" type="datetimeFigureOut">
               <a:rPr lang="ko-KR" altLang="en-US" smtClean="0"/>
-              <a:t>2020-09-23</a:t>
+              <a:t>2021-10-11</a:t>
             </a:fld>
             <a:endParaRPr lang="ko-KR" altLang="en-US"/>
           </a:p>
@@ -1575,10 +1581,9 @@
           <a:lstStyle/>
           <a:p>
             <a:r>
-              <a:rPr lang="ko-KR" altLang="en-US" smtClean="0"/>
+              <a:rPr lang="ko-KR" altLang="en-US"/>
               <a:t>마스터 제목 스타일 편집</a:t>
             </a:r>
-            <a:endParaRPr lang="ko-KR" altLang="en-US"/>
           </a:p>
         </p:txBody>
       </p:sp>
@@ -1632,38 +1637,37 @@
           <a:p>
             <a:pPr lvl="0"/>
             <a:r>
-              <a:rPr lang="ko-KR" altLang="en-US" smtClean="0"/>
+              <a:rPr lang="ko-KR" altLang="en-US"/>
               <a:t>마스터 텍스트 스타일을 편집합니다</a:t>
             </a:r>
           </a:p>
           <a:p>
             <a:pPr lvl="1"/>
             <a:r>
-              <a:rPr lang="ko-KR" altLang="en-US" smtClean="0"/>
+              <a:rPr lang="ko-KR" altLang="en-US"/>
               <a:t>둘째 수준</a:t>
             </a:r>
           </a:p>
           <a:p>
             <a:pPr lvl="2"/>
             <a:r>
-              <a:rPr lang="ko-KR" altLang="en-US" smtClean="0"/>
+              <a:rPr lang="ko-KR" altLang="en-US"/>
               <a:t>셋째 수준</a:t>
             </a:r>
           </a:p>
           <a:p>
             <a:pPr lvl="3"/>
             <a:r>
-              <a:rPr lang="ko-KR" altLang="en-US" smtClean="0"/>
+              <a:rPr lang="ko-KR" altLang="en-US"/>
               <a:t>넷째 수준</a:t>
             </a:r>
           </a:p>
           <a:p>
             <a:pPr lvl="4"/>
             <a:r>
-              <a:rPr lang="ko-KR" altLang="en-US" smtClean="0"/>
+              <a:rPr lang="ko-KR" altLang="en-US"/>
               <a:t>다섯째 수준</a:t>
             </a:r>
-            <a:endParaRPr lang="ko-KR" altLang="en-US"/>
           </a:p>
         </p:txBody>
       </p:sp>
@@ -1717,38 +1721,37 @@
           <a:p>
             <a:pPr lvl="0"/>
             <a:r>
-              <a:rPr lang="ko-KR" altLang="en-US" smtClean="0"/>
+              <a:rPr lang="ko-KR" altLang="en-US"/>
               <a:t>마스터 텍스트 스타일을 편집합니다</a:t>
             </a:r>
           </a:p>
           <a:p>
             <a:pPr lvl="1"/>
             <a:r>
-              <a:rPr lang="ko-KR" altLang="en-US" smtClean="0"/>
+              <a:rPr lang="ko-KR" altLang="en-US"/>
               <a:t>둘째 수준</a:t>
             </a:r>
           </a:p>
           <a:p>
             <a:pPr lvl="2"/>
             <a:r>
-              <a:rPr lang="ko-KR" altLang="en-US" smtClean="0"/>
+              <a:rPr lang="ko-KR" altLang="en-US"/>
               <a:t>셋째 수준</a:t>
             </a:r>
           </a:p>
           <a:p>
             <a:pPr lvl="3"/>
             <a:r>
-              <a:rPr lang="ko-KR" altLang="en-US" smtClean="0"/>
+              <a:rPr lang="ko-KR" altLang="en-US"/>
               <a:t>넷째 수준</a:t>
             </a:r>
           </a:p>
           <a:p>
             <a:pPr lvl="4"/>
             <a:r>
-              <a:rPr lang="ko-KR" altLang="en-US" smtClean="0"/>
+              <a:rPr lang="ko-KR" altLang="en-US"/>
               <a:t>다섯째 수준</a:t>
             </a:r>
-            <a:endParaRPr lang="ko-KR" altLang="en-US"/>
           </a:p>
         </p:txBody>
       </p:sp>
@@ -1769,7 +1772,7 @@
           <a:p>
             <a:fld id="{FB30EDBD-1C2D-4C1E-B459-B60219FAB484}" type="datetimeFigureOut">
               <a:rPr lang="ko-KR" altLang="en-US" smtClean="0"/>
-              <a:t>2020-09-23</a:t>
+              <a:t>2021-10-11</a:t>
             </a:fld>
             <a:endParaRPr lang="ko-KR" altLang="en-US"/>
           </a:p>
@@ -1862,10 +1865,9 @@
           </a:lstStyle>
           <a:p>
             <a:r>
-              <a:rPr lang="ko-KR" altLang="en-US" smtClean="0"/>
+              <a:rPr lang="ko-KR" altLang="en-US"/>
               <a:t>마스터 제목 스타일 편집</a:t>
             </a:r>
-            <a:endParaRPr lang="ko-KR" altLang="en-US"/>
           </a:p>
         </p:txBody>
       </p:sp>
@@ -1928,7 +1930,7 @@
           <a:p>
             <a:pPr lvl="0"/>
             <a:r>
-              <a:rPr lang="ko-KR" altLang="en-US" smtClean="0"/>
+              <a:rPr lang="ko-KR" altLang="en-US"/>
               <a:t>마스터 텍스트 스타일을 편집합니다</a:t>
             </a:r>
           </a:p>
@@ -1984,38 +1986,37 @@
           <a:p>
             <a:pPr lvl="0"/>
             <a:r>
-              <a:rPr lang="ko-KR" altLang="en-US" smtClean="0"/>
+              <a:rPr lang="ko-KR" altLang="en-US"/>
               <a:t>마스터 텍스트 스타일을 편집합니다</a:t>
             </a:r>
           </a:p>
           <a:p>
             <a:pPr lvl="1"/>
             <a:r>
-              <a:rPr lang="ko-KR" altLang="en-US" smtClean="0"/>
+              <a:rPr lang="ko-KR" altLang="en-US"/>
               <a:t>둘째 수준</a:t>
             </a:r>
           </a:p>
           <a:p>
             <a:pPr lvl="2"/>
             <a:r>
-              <a:rPr lang="ko-KR" altLang="en-US" smtClean="0"/>
+              <a:rPr lang="ko-KR" altLang="en-US"/>
               <a:t>셋째 수준</a:t>
             </a:r>
           </a:p>
           <a:p>
             <a:pPr lvl="3"/>
             <a:r>
-              <a:rPr lang="ko-KR" altLang="en-US" smtClean="0"/>
+              <a:rPr lang="ko-KR" altLang="en-US"/>
               <a:t>넷째 수준</a:t>
             </a:r>
           </a:p>
           <a:p>
             <a:pPr lvl="4"/>
             <a:r>
-              <a:rPr lang="ko-KR" altLang="en-US" smtClean="0"/>
+              <a:rPr lang="ko-KR" altLang="en-US"/>
               <a:t>다섯째 수준</a:t>
             </a:r>
-            <a:endParaRPr lang="ko-KR" altLang="en-US"/>
           </a:p>
         </p:txBody>
       </p:sp>
@@ -2078,7 +2079,7 @@
           <a:p>
             <a:pPr lvl="0"/>
             <a:r>
-              <a:rPr lang="ko-KR" altLang="en-US" smtClean="0"/>
+              <a:rPr lang="ko-KR" altLang="en-US"/>
               <a:t>마스터 텍스트 스타일을 편집합니다</a:t>
             </a:r>
           </a:p>
@@ -2134,38 +2135,37 @@
           <a:p>
             <a:pPr lvl="0"/>
             <a:r>
-              <a:rPr lang="ko-KR" altLang="en-US" smtClean="0"/>
+              <a:rPr lang="ko-KR" altLang="en-US"/>
               <a:t>마스터 텍스트 스타일을 편집합니다</a:t>
             </a:r>
           </a:p>
           <a:p>
             <a:pPr lvl="1"/>
             <a:r>
-              <a:rPr lang="ko-KR" altLang="en-US" smtClean="0"/>
+              <a:rPr lang="ko-KR" altLang="en-US"/>
               <a:t>둘째 수준</a:t>
             </a:r>
           </a:p>
           <a:p>
             <a:pPr lvl="2"/>
             <a:r>
-              <a:rPr lang="ko-KR" altLang="en-US" smtClean="0"/>
+              <a:rPr lang="ko-KR" altLang="en-US"/>
               <a:t>셋째 수준</a:t>
             </a:r>
           </a:p>
           <a:p>
             <a:pPr lvl="3"/>
             <a:r>
-              <a:rPr lang="ko-KR" altLang="en-US" smtClean="0"/>
+              <a:rPr lang="ko-KR" altLang="en-US"/>
               <a:t>넷째 수준</a:t>
             </a:r>
           </a:p>
           <a:p>
             <a:pPr lvl="4"/>
             <a:r>
-              <a:rPr lang="ko-KR" altLang="en-US" smtClean="0"/>
+              <a:rPr lang="ko-KR" altLang="en-US"/>
               <a:t>다섯째 수준</a:t>
             </a:r>
-            <a:endParaRPr lang="ko-KR" altLang="en-US"/>
           </a:p>
         </p:txBody>
       </p:sp>
@@ -2186,7 +2186,7 @@
           <a:p>
             <a:fld id="{FB30EDBD-1C2D-4C1E-B459-B60219FAB484}" type="datetimeFigureOut">
               <a:rPr lang="ko-KR" altLang="en-US" smtClean="0"/>
-              <a:t>2020-09-23</a:t>
+              <a:t>2021-10-11</a:t>
             </a:fld>
             <a:endParaRPr lang="ko-KR" altLang="en-US"/>
           </a:p>
@@ -2275,10 +2275,9 @@
           <a:lstStyle/>
           <a:p>
             <a:r>
-              <a:rPr lang="ko-KR" altLang="en-US" smtClean="0"/>
+              <a:rPr lang="ko-KR" altLang="en-US"/>
               <a:t>마스터 제목 스타일 편집</a:t>
             </a:r>
-            <a:endParaRPr lang="ko-KR" altLang="en-US"/>
           </a:p>
         </p:txBody>
       </p:sp>
@@ -2299,7 +2298,7 @@
           <a:p>
             <a:fld id="{FB30EDBD-1C2D-4C1E-B459-B60219FAB484}" type="datetimeFigureOut">
               <a:rPr lang="ko-KR" altLang="en-US" smtClean="0"/>
-              <a:t>2020-09-23</a:t>
+              <a:t>2021-10-11</a:t>
             </a:fld>
             <a:endParaRPr lang="ko-KR" altLang="en-US"/>
           </a:p>
@@ -2389,7 +2388,7 @@
           <a:p>
             <a:fld id="{FB30EDBD-1C2D-4C1E-B459-B60219FAB484}" type="datetimeFigureOut">
               <a:rPr lang="ko-KR" altLang="en-US" smtClean="0"/>
-              <a:t>2020-09-23</a:t>
+              <a:t>2021-10-11</a:t>
             </a:fld>
             <a:endParaRPr lang="ko-KR" altLang="en-US"/>
           </a:p>
@@ -2487,10 +2486,9 @@
           </a:lstStyle>
           <a:p>
             <a:r>
-              <a:rPr lang="ko-KR" altLang="en-US" smtClean="0"/>
+              <a:rPr lang="ko-KR" altLang="en-US"/>
               <a:t>마스터 제목 스타일 편집</a:t>
             </a:r>
-            <a:endParaRPr lang="ko-KR" altLang="en-US"/>
           </a:p>
         </p:txBody>
       </p:sp>
@@ -2544,38 +2542,37 @@
           <a:p>
             <a:pPr lvl="0"/>
             <a:r>
-              <a:rPr lang="ko-KR" altLang="en-US" smtClean="0"/>
+              <a:rPr lang="ko-KR" altLang="en-US"/>
               <a:t>마스터 텍스트 스타일을 편집합니다</a:t>
             </a:r>
           </a:p>
           <a:p>
             <a:pPr lvl="1"/>
             <a:r>
-              <a:rPr lang="ko-KR" altLang="en-US" smtClean="0"/>
+              <a:rPr lang="ko-KR" altLang="en-US"/>
               <a:t>둘째 수준</a:t>
             </a:r>
           </a:p>
           <a:p>
             <a:pPr lvl="2"/>
             <a:r>
-              <a:rPr lang="ko-KR" altLang="en-US" smtClean="0"/>
+              <a:rPr lang="ko-KR" altLang="en-US"/>
               <a:t>셋째 수준</a:t>
             </a:r>
           </a:p>
           <a:p>
             <a:pPr lvl="3"/>
             <a:r>
-              <a:rPr lang="ko-KR" altLang="en-US" smtClean="0"/>
+              <a:rPr lang="ko-KR" altLang="en-US"/>
               <a:t>넷째 수준</a:t>
             </a:r>
           </a:p>
           <a:p>
             <a:pPr lvl="4"/>
             <a:r>
-              <a:rPr lang="ko-KR" altLang="en-US" smtClean="0"/>
+              <a:rPr lang="ko-KR" altLang="en-US"/>
               <a:t>다섯째 수준</a:t>
             </a:r>
-            <a:endParaRPr lang="ko-KR" altLang="en-US"/>
           </a:p>
         </p:txBody>
       </p:sp>
@@ -2638,7 +2635,7 @@
           <a:p>
             <a:pPr lvl="0"/>
             <a:r>
-              <a:rPr lang="ko-KR" altLang="en-US" smtClean="0"/>
+              <a:rPr lang="ko-KR" altLang="en-US"/>
               <a:t>마스터 텍스트 스타일을 편집합니다</a:t>
             </a:r>
           </a:p>
@@ -2661,7 +2658,7 @@
           <a:p>
             <a:fld id="{FB30EDBD-1C2D-4C1E-B459-B60219FAB484}" type="datetimeFigureOut">
               <a:rPr lang="ko-KR" altLang="en-US" smtClean="0"/>
-              <a:t>2020-09-23</a:t>
+              <a:t>2021-10-11</a:t>
             </a:fld>
             <a:endParaRPr lang="ko-KR" altLang="en-US"/>
           </a:p>
@@ -2759,10 +2756,9 @@
           </a:lstStyle>
           <a:p>
             <a:r>
-              <a:rPr lang="ko-KR" altLang="en-US" smtClean="0"/>
+              <a:rPr lang="ko-KR" altLang="en-US"/>
               <a:t>마스터 제목 스타일 편집</a:t>
             </a:r>
-            <a:endParaRPr lang="ko-KR" altLang="en-US"/>
           </a:p>
         </p:txBody>
       </p:sp>
@@ -2886,7 +2882,7 @@
           <a:p>
             <a:pPr lvl="0"/>
             <a:r>
-              <a:rPr lang="ko-KR" altLang="en-US" smtClean="0"/>
+              <a:rPr lang="ko-KR" altLang="en-US"/>
               <a:t>마스터 텍스트 스타일을 편집합니다</a:t>
             </a:r>
           </a:p>
@@ -2909,7 +2905,7 @@
           <a:p>
             <a:fld id="{FB30EDBD-1C2D-4C1E-B459-B60219FAB484}" type="datetimeFigureOut">
               <a:rPr lang="ko-KR" altLang="en-US" smtClean="0"/>
-              <a:t>2020-09-23</a:t>
+              <a:t>2021-10-11</a:t>
             </a:fld>
             <a:endParaRPr lang="ko-KR" altLang="en-US"/>
           </a:p>
@@ -3013,10 +3009,9 @@
           <a:lstStyle/>
           <a:p>
             <a:r>
-              <a:rPr lang="ko-KR" altLang="en-US" smtClean="0"/>
+              <a:rPr lang="ko-KR" altLang="en-US"/>
               <a:t>마스터 제목 스타일 편집</a:t>
             </a:r>
-            <a:endParaRPr lang="ko-KR" altLang="en-US"/>
           </a:p>
         </p:txBody>
       </p:sp>
@@ -3047,38 +3042,37 @@
           <a:p>
             <a:pPr lvl="0"/>
             <a:r>
-              <a:rPr lang="ko-KR" altLang="en-US" smtClean="0"/>
+              <a:rPr lang="ko-KR" altLang="en-US"/>
               <a:t>마스터 텍스트 스타일을 편집합니다</a:t>
             </a:r>
           </a:p>
           <a:p>
             <a:pPr lvl="1"/>
             <a:r>
-              <a:rPr lang="ko-KR" altLang="en-US" smtClean="0"/>
+              <a:rPr lang="ko-KR" altLang="en-US"/>
               <a:t>둘째 수준</a:t>
             </a:r>
           </a:p>
           <a:p>
             <a:pPr lvl="2"/>
             <a:r>
-              <a:rPr lang="ko-KR" altLang="en-US" smtClean="0"/>
+              <a:rPr lang="ko-KR" altLang="en-US"/>
               <a:t>셋째 수준</a:t>
             </a:r>
           </a:p>
           <a:p>
             <a:pPr lvl="3"/>
             <a:r>
-              <a:rPr lang="ko-KR" altLang="en-US" smtClean="0"/>
+              <a:rPr lang="ko-KR" altLang="en-US"/>
               <a:t>넷째 수준</a:t>
             </a:r>
           </a:p>
           <a:p>
             <a:pPr lvl="4"/>
             <a:r>
-              <a:rPr lang="ko-KR" altLang="en-US" smtClean="0"/>
+              <a:rPr lang="ko-KR" altLang="en-US"/>
               <a:t>다섯째 수준</a:t>
             </a:r>
-            <a:endParaRPr lang="ko-KR" altLang="en-US"/>
           </a:p>
         </p:txBody>
       </p:sp>
@@ -3117,7 +3111,7 @@
           <a:p>
             <a:fld id="{FB30EDBD-1C2D-4C1E-B459-B60219FAB484}" type="datetimeFigureOut">
               <a:rPr lang="ko-KR" altLang="en-US" smtClean="0"/>
-              <a:t>2020-09-23</a:t>
+              <a:t>2021-10-11</a:t>
             </a:fld>
             <a:endParaRPr lang="ko-KR" altLang="en-US"/>
           </a:p>
@@ -3513,7 +3507,7 @@
           <a:lstStyle/>
           <a:p>
             <a:r>
-              <a:rPr lang="en-US" altLang="ko-KR" sz="2800" dirty="0" smtClean="0">
+              <a:rPr lang="en-US" altLang="ko-KR" sz="2800" dirty="0">
                 <a:solidFill>
                   <a:schemeClr val="bg1"/>
                 </a:solidFill>
@@ -3523,7 +3517,7 @@
               <a:t>CSS3 2</a:t>
             </a:r>
             <a:r>
-              <a:rPr lang="ko-KR" altLang="en-US" sz="2800" dirty="0" smtClean="0">
+              <a:rPr lang="ko-KR" altLang="en-US" sz="2800" dirty="0">
                 <a:solidFill>
                   <a:schemeClr val="bg1"/>
                 </a:solidFill>
@@ -3532,18 +3526,17 @@
               </a:rPr>
               <a:t>강</a:t>
             </a:r>
-            <a:r>
-              <a:rPr lang="en-US" altLang="ko-KR" sz="2800" dirty="0" smtClean="0">
+            <a:br>
+              <a:rPr lang="en-US" altLang="ko-KR" sz="2800" dirty="0">
                 <a:solidFill>
                   <a:schemeClr val="bg1"/>
                 </a:solidFill>
                 <a:latin typeface="배달의민족 주아" pitchFamily="18" charset="-127"/>
                 <a:ea typeface="배달의민족 주아" pitchFamily="18" charset="-127"/>
               </a:rPr>
-              <a:t/>
-            </a:r>
+            </a:br>
             <a:br>
-              <a:rPr lang="en-US" altLang="ko-KR" sz="2800" dirty="0" smtClean="0">
+              <a:rPr lang="en-US" altLang="ko-KR" dirty="0">
                 <a:solidFill>
                   <a:schemeClr val="bg1"/>
                 </a:solidFill>
@@ -3552,53 +3545,24 @@
               </a:rPr>
             </a:br>
             <a:r>
-              <a:rPr lang="en-US" altLang="ko-KR" dirty="0" smtClean="0">
+              <a:rPr lang="en-US" altLang="ko-KR" dirty="0">
                 <a:solidFill>
                   <a:schemeClr val="bg1"/>
                 </a:solidFill>
                 <a:latin typeface="배달의민족 주아" pitchFamily="18" charset="-127"/>
                 <a:ea typeface="배달의민족 주아" pitchFamily="18" charset="-127"/>
               </a:rPr>
-              <a:t/>
-            </a:r>
-            <a:br>
-              <a:rPr lang="en-US" altLang="ko-KR" dirty="0" smtClean="0">
+              <a:t>CSS </a:t>
+            </a:r>
+            <a:r>
+              <a:rPr lang="ko-KR" altLang="en-US" dirty="0" err="1">
                 <a:solidFill>
                   <a:schemeClr val="bg1"/>
                 </a:solidFill>
                 <a:latin typeface="배달의민족 주아" pitchFamily="18" charset="-127"/>
                 <a:ea typeface="배달의민족 주아" pitchFamily="18" charset="-127"/>
               </a:rPr>
-            </a:br>
-            <a:r>
-              <a:rPr lang="en-US" altLang="ko-KR" dirty="0" smtClean="0">
-                <a:solidFill>
-                  <a:schemeClr val="bg1"/>
-                </a:solidFill>
-                <a:latin typeface="배달의민족 주아" pitchFamily="18" charset="-127"/>
-                <a:ea typeface="배달의민족 주아" pitchFamily="18" charset="-127"/>
-              </a:rPr>
-              <a:t>CSS </a:t>
-            </a:r>
-            <a:r>
-              <a:rPr lang="ko-KR" altLang="en-US" dirty="0" err="1" smtClean="0">
-                <a:solidFill>
-                  <a:schemeClr val="bg1"/>
-                </a:solidFill>
-                <a:latin typeface="배달의민족 주아" pitchFamily="18" charset="-127"/>
-                <a:ea typeface="배달의민족 주아" pitchFamily="18" charset="-127"/>
-              </a:rPr>
-              <a:t>셀렉</a:t>
-            </a:r>
-            <a:r>
-              <a:rPr lang="ko-KR" altLang="en-US" dirty="0" err="1">
-                <a:solidFill>
-                  <a:schemeClr val="bg1"/>
-                </a:solidFill>
-                <a:latin typeface="배달의민족 주아" pitchFamily="18" charset="-127"/>
-                <a:ea typeface="배달의민족 주아" pitchFamily="18" charset="-127"/>
-              </a:rPr>
-              <a:t>터</a:t>
+              <a:t>셀렉터</a:t>
             </a:r>
             <a:endParaRPr lang="ko-KR" altLang="en-US" dirty="0">
               <a:solidFill>
@@ -3727,7 +3691,7 @@
           </a:lstStyle>
           <a:p>
             <a:r>
-              <a:rPr lang="en-US" altLang="ko-KR" dirty="0" smtClean="0">
+              <a:rPr lang="en-US" altLang="ko-KR" dirty="0">
                 <a:solidFill>
                   <a:schemeClr val="bg1"/>
                 </a:solidFill>
@@ -3737,14 +3701,14 @@
               <a:t>S</a:t>
             </a:r>
             <a:r>
-              <a:rPr lang="en-US" altLang="ko-KR" dirty="0" smtClean="0">
+              <a:rPr lang="en-US" altLang="ko-KR" dirty="0">
                 <a:latin typeface="배달의민족 도현" pitchFamily="50" charset="-127"/>
                 <a:ea typeface="배달의민족 도현" pitchFamily="50" charset="-127"/>
               </a:rPr>
               <a:t>TART</a:t>
             </a:r>
             <a:r>
-              <a:rPr lang="en-US" altLang="ko-KR" dirty="0" smtClean="0">
+              <a:rPr lang="en-US" altLang="ko-KR" dirty="0">
                 <a:solidFill>
                   <a:schemeClr val="bg1"/>
                 </a:solidFill>
@@ -3754,7 +3718,7 @@
               <a:t>C</a:t>
             </a:r>
             <a:r>
-              <a:rPr lang="en-US" altLang="ko-KR" dirty="0" smtClean="0">
+              <a:rPr lang="en-US" altLang="ko-KR" dirty="0">
                 <a:latin typeface="배달의민족 도현" pitchFamily="50" charset="-127"/>
                 <a:ea typeface="배달의민족 도현" pitchFamily="50" charset="-127"/>
               </a:rPr>
@@ -3777,13 +3741,6 @@
   <p:clrMapOvr>
     <a:masterClrMapping/>
   </p:clrMapOvr>
-  <p:timing>
-    <p:tnLst>
-      <p:par>
-        <p:cTn id="1" dur="indefinite" restart="never" nodeType="tmRoot"/>
-      </p:par>
-    </p:tnLst>
-  </p:timing>
 </p:sld>
 </file>
 
@@ -3820,28 +3777,28 @@
           <a:lstStyle/>
           <a:p>
             <a:r>
-              <a:rPr lang="ko-KR" altLang="en-US" dirty="0" smtClean="0">
+              <a:rPr lang="ko-KR" altLang="en-US" dirty="0">
                 <a:latin typeface="배달의민족 주아" pitchFamily="18" charset="-127"/>
                 <a:ea typeface="배달의민족 주아" pitchFamily="18" charset="-127"/>
               </a:rPr>
               <a:t>자식</a:t>
             </a:r>
             <a:r>
-              <a:rPr lang="en-US" altLang="ko-KR" dirty="0" smtClean="0">
+              <a:rPr lang="en-US" altLang="ko-KR" dirty="0">
                 <a:latin typeface="배달의민족 주아" pitchFamily="18" charset="-127"/>
                 <a:ea typeface="배달의민족 주아" pitchFamily="18" charset="-127"/>
               </a:rPr>
               <a:t>,</a:t>
             </a:r>
             <a:r>
-              <a:rPr lang="ko-KR" altLang="en-US" dirty="0" smtClean="0">
+              <a:rPr lang="ko-KR" altLang="en-US" dirty="0">
                 <a:latin typeface="배달의민족 주아" pitchFamily="18" charset="-127"/>
                 <a:ea typeface="배달의민족 주아" pitchFamily="18" charset="-127"/>
               </a:rPr>
               <a:t>후손 </a:t>
             </a:r>
             <a:r>
-              <a:rPr lang="ko-KR" altLang="en-US" dirty="0" err="1" smtClean="0">
+              <a:rPr lang="ko-KR" altLang="en-US" dirty="0" err="1">
                 <a:latin typeface="배달의민족 주아" pitchFamily="18" charset="-127"/>
                 <a:ea typeface="배달의민족 주아" pitchFamily="18" charset="-127"/>
               </a:rPr>
@@ -3971,7 +3928,7 @@
           </a:lstStyle>
           <a:p>
             <a:r>
-              <a:rPr lang="en-US" altLang="ko-KR" dirty="0" smtClean="0">
+              <a:rPr lang="en-US" altLang="ko-KR" dirty="0">
                 <a:solidFill>
                   <a:schemeClr val="accent5"/>
                 </a:solidFill>
@@ -3981,14 +3938,14 @@
               <a:t>S</a:t>
             </a:r>
             <a:r>
-              <a:rPr lang="en-US" altLang="ko-KR" dirty="0" smtClean="0">
+              <a:rPr lang="en-US" altLang="ko-KR" dirty="0">
                 <a:latin typeface="배달의민족 도현" pitchFamily="50" charset="-127"/>
                 <a:ea typeface="배달의민족 도현" pitchFamily="50" charset="-127"/>
               </a:rPr>
               <a:t>TART</a:t>
             </a:r>
             <a:r>
-              <a:rPr lang="en-US" altLang="ko-KR" dirty="0" smtClean="0">
+              <a:rPr lang="en-US" altLang="ko-KR" dirty="0">
                 <a:solidFill>
                   <a:schemeClr val="accent5"/>
                 </a:solidFill>
@@ -3998,7 +3955,7 @@
               <a:t>C</a:t>
             </a:r>
             <a:r>
-              <a:rPr lang="en-US" altLang="ko-KR" dirty="0" smtClean="0">
+              <a:rPr lang="en-US" altLang="ko-KR" dirty="0">
                 <a:latin typeface="배달의민족 도현" pitchFamily="50" charset="-127"/>
                 <a:ea typeface="배달의민족 도현" pitchFamily="50" charset="-127"/>
               </a:rPr>
@@ -4407,7 +4364,7 @@
           <a:p>
             <a:pPr algn="l"/>
             <a:r>
-              <a:rPr lang="en-US" altLang="ko-KR" sz="2400" dirty="0" smtClean="0">
+              <a:rPr lang="en-US" altLang="ko-KR" sz="2400" dirty="0">
                 <a:latin typeface="배달의민족 주아" pitchFamily="18" charset="-127"/>
                 <a:ea typeface="배달의민족 주아" pitchFamily="18" charset="-127"/>
               </a:rPr>
@@ -4421,34 +4378,27 @@
                 <a:latin typeface="배달의민족 주아" pitchFamily="18" charset="-127"/>
                 <a:ea typeface="배달의민족 주아" pitchFamily="18" charset="-127"/>
               </a:rPr>
-              <a:t>	</a:t>
-            </a:r>
-            <a:r>
-              <a:rPr lang="en-US" altLang="ko-KR" sz="2400" dirty="0" smtClean="0">
-                <a:latin typeface="배달의민족 주아" pitchFamily="18" charset="-127"/>
-                <a:ea typeface="배달의민족 주아" pitchFamily="18" charset="-127"/>
-              </a:rPr>
-              <a:t>&lt;div&gt;</a:t>
+              <a:t>	&lt;div&gt;</a:t>
             </a:r>
           </a:p>
           <a:p>
             <a:pPr algn="l"/>
             <a:r>
-              <a:rPr lang="en-US" altLang="ko-KR" sz="2400" dirty="0" smtClean="0">
+              <a:rPr lang="en-US" altLang="ko-KR" sz="2400" dirty="0">
                 <a:latin typeface="배달의민족 주아" pitchFamily="18" charset="-127"/>
                 <a:ea typeface="배달의민족 주아" pitchFamily="18" charset="-127"/>
               </a:rPr>
               <a:t>		&lt;p&gt;</a:t>
             </a:r>
             <a:r>
-              <a:rPr lang="ko-KR" altLang="en-US" sz="2400" dirty="0" smtClean="0">
+              <a:rPr lang="ko-KR" altLang="en-US" sz="2400" dirty="0">
                 <a:latin typeface="배달의민족 주아" pitchFamily="18" charset="-127"/>
                 <a:ea typeface="배달의민족 주아" pitchFamily="18" charset="-127"/>
               </a:rPr>
               <a:t>나를 뽑아주세요</a:t>
             </a:r>
             <a:r>
-              <a:rPr lang="en-US" altLang="ko-KR" sz="2400" dirty="0" smtClean="0">
+              <a:rPr lang="en-US" altLang="ko-KR" sz="2400" dirty="0">
                 <a:latin typeface="배달의민족 주아" pitchFamily="18" charset="-127"/>
                 <a:ea typeface="배달의민족 주아" pitchFamily="18" charset="-127"/>
               </a:rPr>
@@ -4462,41 +4412,20 @@
                 <a:latin typeface="배달의민족 주아" pitchFamily="18" charset="-127"/>
                 <a:ea typeface="배달의민족 주아" pitchFamily="18" charset="-127"/>
               </a:rPr>
-              <a:t>	</a:t>
-            </a:r>
-            <a:r>
-              <a:rPr lang="en-US" altLang="ko-KR" sz="2400" dirty="0" smtClean="0">
-                <a:latin typeface="배달의민족 주아" pitchFamily="18" charset="-127"/>
-                <a:ea typeface="배달의민족 주아" pitchFamily="18" charset="-127"/>
-              </a:rPr>
-              <a:t>	</a:t>
+              <a:t>		&lt;p&gt;</a:t>
+            </a:r>
+            <a:r>
+              <a:rPr lang="ko-KR" altLang="en-US" sz="2400" dirty="0">
+                <a:latin typeface="배달의민족 주아" pitchFamily="18" charset="-127"/>
+                <a:ea typeface="배달의민족 주아" pitchFamily="18" charset="-127"/>
+              </a:rPr>
+              <a:t>나를 뽑아주세요</a:t>
             </a:r>
             <a:r>
               <a:rPr lang="en-US" altLang="ko-KR" sz="2400" dirty="0">
                 <a:latin typeface="배달의민족 주아" pitchFamily="18" charset="-127"/>
                 <a:ea typeface="배달의민족 주아" pitchFamily="18" charset="-127"/>
               </a:rPr>
-              <a:t>&lt;p</a:t>
-            </a:r>
-            <a:r>
-              <a:rPr lang="en-US" altLang="ko-KR" sz="2400" dirty="0" smtClean="0">
-                <a:latin typeface="배달의민족 주아" pitchFamily="18" charset="-127"/>
-                <a:ea typeface="배달의민족 주아" pitchFamily="18" charset="-127"/>
-              </a:rPr>
-              <a:t>&gt;</a:t>
-            </a:r>
-            <a:r>
-              <a:rPr lang="ko-KR" altLang="en-US" sz="2400" dirty="0" smtClean="0">
-                <a:latin typeface="배달의민족 주아" pitchFamily="18" charset="-127"/>
-                <a:ea typeface="배달의민족 주아" pitchFamily="18" charset="-127"/>
-              </a:rPr>
-              <a:t>나를 뽑아주세요</a:t>
-            </a:r>
-            <a:r>
-              <a:rPr lang="en-US" altLang="ko-KR" sz="2400" dirty="0" smtClean="0">
-                <a:latin typeface="배달의민족 주아" pitchFamily="18" charset="-127"/>
-                <a:ea typeface="배달의민족 주아" pitchFamily="18" charset="-127"/>
-              </a:rPr>
               <a:t>.&lt;/p&gt;</a:t>
             </a:r>
           </a:p>
@@ -4507,14 +4436,7 @@
                 <a:latin typeface="배달의민족 주아" pitchFamily="18" charset="-127"/>
                 <a:ea typeface="배달의민족 주아" pitchFamily="18" charset="-127"/>
               </a:rPr>
-              <a:t>	</a:t>
-            </a:r>
-            <a:r>
-              <a:rPr lang="en-US" altLang="ko-KR" sz="2400" dirty="0" smtClean="0">
-                <a:latin typeface="배달의민족 주아" pitchFamily="18" charset="-127"/>
-                <a:ea typeface="배달의민족 주아" pitchFamily="18" charset="-127"/>
-              </a:rPr>
-              <a:t>&lt;/div&gt;</a:t>
+              <a:t>	&lt;/div&gt;</a:t>
             </a:r>
           </a:p>
           <a:p>
@@ -4524,45 +4446,34 @@
                 <a:latin typeface="배달의민족 주아" pitchFamily="18" charset="-127"/>
                 <a:ea typeface="배달의민족 주아" pitchFamily="18" charset="-127"/>
               </a:rPr>
-              <a:t>	</a:t>
-            </a:r>
-            <a:r>
-              <a:rPr lang="en-US" altLang="ko-KR" sz="2400" dirty="0" smtClean="0">
-                <a:latin typeface="배달의민족 주아" pitchFamily="18" charset="-127"/>
-                <a:ea typeface="배달의민족 주아" pitchFamily="18" charset="-127"/>
-              </a:rPr>
-              <a:t>&lt;p&gt;</a:t>
-            </a:r>
-            <a:r>
-              <a:rPr lang="ko-KR" altLang="en-US" sz="2400" dirty="0" smtClean="0">
+              <a:t>	&lt;p&gt;</a:t>
+            </a:r>
+            <a:r>
+              <a:rPr lang="ko-KR" altLang="en-US" sz="2400" dirty="0">
                 <a:latin typeface="배달의민족 주아" pitchFamily="18" charset="-127"/>
                 <a:ea typeface="배달의민족 주아" pitchFamily="18" charset="-127"/>
               </a:rPr>
               <a:t>나는 </a:t>
             </a:r>
             <a:r>
-              <a:rPr lang="ko-KR" altLang="en-US" sz="2400" dirty="0" err="1" smtClean="0">
+              <a:rPr lang="ko-KR" altLang="en-US" sz="2400" dirty="0" err="1">
                 <a:latin typeface="배달의민족 주아" pitchFamily="18" charset="-127"/>
                 <a:ea typeface="배달의민족 주아" pitchFamily="18" charset="-127"/>
               </a:rPr>
               <a:t>선택하지마요</a:t>
             </a:r>
             <a:r>
-              <a:rPr lang="en-US" altLang="ko-KR" sz="2400" dirty="0" smtClean="0">
+              <a:rPr lang="en-US" altLang="ko-KR" sz="2400" dirty="0">
                 <a:latin typeface="배달의민족 주아" pitchFamily="18" charset="-127"/>
                 <a:ea typeface="배달의민족 주아" pitchFamily="18" charset="-127"/>
               </a:rPr>
               <a:t>.&lt;/p&gt;</a:t>
             </a:r>
-            <a:endParaRPr lang="en-US" altLang="ko-KR" sz="2400" dirty="0">
-              <a:latin typeface="배달의민족 주아" pitchFamily="18" charset="-127"/>
-              <a:ea typeface="배달의민족 주아" pitchFamily="18" charset="-127"/>
-            </a:endParaRPr>
           </a:p>
           <a:p>
             <a:pPr algn="l"/>
             <a:r>
-              <a:rPr lang="en-US" altLang="ko-KR" sz="2400" dirty="0" smtClean="0">
+              <a:rPr lang="en-US" altLang="ko-KR" sz="2400" dirty="0">
                 <a:latin typeface="배달의민족 주아" pitchFamily="18" charset="-127"/>
                 <a:ea typeface="배달의민족 주아" pitchFamily="18" charset="-127"/>
               </a:rPr>
@@ -4688,7 +4599,7 @@
           </a:lstStyle>
           <a:p>
             <a:r>
-              <a:rPr lang="en-US" altLang="ko-KR" dirty="0" smtClean="0">
+              <a:rPr lang="en-US" altLang="ko-KR" dirty="0">
                 <a:solidFill>
                   <a:schemeClr val="accent5"/>
                 </a:solidFill>
@@ -4698,14 +4609,14 @@
               <a:t>S</a:t>
             </a:r>
             <a:r>
-              <a:rPr lang="en-US" altLang="ko-KR" dirty="0" smtClean="0">
+              <a:rPr lang="en-US" altLang="ko-KR" dirty="0">
                 <a:latin typeface="배달의민족 도현" pitchFamily="50" charset="-127"/>
                 <a:ea typeface="배달의민족 도현" pitchFamily="50" charset="-127"/>
               </a:rPr>
               <a:t>TART</a:t>
             </a:r>
             <a:r>
-              <a:rPr lang="en-US" altLang="ko-KR" dirty="0" smtClean="0">
+              <a:rPr lang="en-US" altLang="ko-KR" dirty="0">
                 <a:solidFill>
                   <a:schemeClr val="accent5"/>
                 </a:solidFill>
@@ -4715,7 +4626,7 @@
               <a:t>C</a:t>
             </a:r>
             <a:r>
-              <a:rPr lang="en-US" altLang="ko-KR" dirty="0" smtClean="0">
+              <a:rPr lang="en-US" altLang="ko-KR" dirty="0">
                 <a:latin typeface="배달의민족 도현" pitchFamily="50" charset="-127"/>
                 <a:ea typeface="배달의민족 도현" pitchFamily="50" charset="-127"/>
               </a:rPr>
@@ -4768,7 +4679,7 @@
           <a:p>
             <a:pPr algn="l"/>
             <a:r>
-              <a:rPr lang="en-US" altLang="ko-KR" sz="3600" dirty="0" smtClean="0">
+              <a:rPr lang="en-US" altLang="ko-KR" sz="3600" dirty="0">
                 <a:solidFill>
                   <a:schemeClr val="accent5"/>
                 </a:solidFill>
@@ -4778,7 +4689,7 @@
               <a:t>div &gt; p </a:t>
             </a:r>
             <a:r>
-              <a:rPr lang="en-US" altLang="ko-KR" sz="3600" dirty="0" smtClean="0">
+              <a:rPr lang="en-US" altLang="ko-KR" sz="3600" dirty="0">
                 <a:latin typeface="배달의민족 주아" pitchFamily="18" charset="-127"/>
                 <a:ea typeface="배달의민족 주아" pitchFamily="18" charset="-127"/>
               </a:rPr>
@@ -4843,37 +4754,17 @@
           <a:lstStyle/>
           <a:p>
             <a:r>
-              <a:rPr lang="ko-KR" altLang="en-US" dirty="0" smtClean="0">
+              <a:rPr lang="ko-KR" altLang="en-US" dirty="0">
                 <a:solidFill>
                   <a:schemeClr val="accent5"/>
                 </a:solidFill>
                 <a:latin typeface="배달의민족 도현" pitchFamily="50" charset="-127"/>
                 <a:ea typeface="배달의민족 도현" pitchFamily="50" charset="-127"/>
               </a:rPr>
-              <a:t>자</a:t>
-            </a:r>
-            <a:r>
-              <a:rPr lang="ko-KR" altLang="en-US" dirty="0">
-                <a:solidFill>
-                  <a:schemeClr val="accent5"/>
-                </a:solidFill>
-                <a:latin typeface="배달의민족 도현" pitchFamily="50" charset="-127"/>
-                <a:ea typeface="배달의민족 도현" pitchFamily="50" charset="-127"/>
-              </a:rPr>
-              <a:t>식</a:t>
-            </a:r>
-            <a:r>
-              <a:rPr lang="ko-KR" altLang="en-US" dirty="0" smtClean="0">
-                <a:solidFill>
-                  <a:schemeClr val="accent5"/>
-                </a:solidFill>
-                <a:latin typeface="배달의민족 도현" pitchFamily="50" charset="-127"/>
-                <a:ea typeface="배달의민족 도현" pitchFamily="50" charset="-127"/>
-              </a:rPr>
-              <a:t> </a:t>
-            </a:r>
-            <a:r>
-              <a:rPr lang="ko-KR" altLang="en-US" dirty="0" err="1" smtClean="0">
+              <a:t>자식 </a:t>
+            </a:r>
+            <a:r>
+              <a:rPr lang="ko-KR" altLang="en-US" dirty="0" err="1">
                 <a:solidFill>
                   <a:schemeClr val="accent5"/>
                 </a:solidFill>
@@ -5133,7 +5024,7 @@
           <a:p>
             <a:pPr algn="l"/>
             <a:r>
-              <a:rPr lang="en-US" altLang="ko-KR" sz="2400" dirty="0" smtClean="0">
+              <a:rPr lang="en-US" altLang="ko-KR" sz="2400" dirty="0">
                 <a:latin typeface="배달의민족 주아" pitchFamily="18" charset="-127"/>
                 <a:ea typeface="배달의민족 주아" pitchFamily="18" charset="-127"/>
               </a:rPr>
@@ -5147,34 +5038,27 @@
                 <a:latin typeface="배달의민족 주아" pitchFamily="18" charset="-127"/>
                 <a:ea typeface="배달의민족 주아" pitchFamily="18" charset="-127"/>
               </a:rPr>
-              <a:t>	</a:t>
-            </a:r>
-            <a:r>
-              <a:rPr lang="en-US" altLang="ko-KR" sz="2400" dirty="0" smtClean="0">
-                <a:latin typeface="배달의민족 주아" pitchFamily="18" charset="-127"/>
-                <a:ea typeface="배달의민족 주아" pitchFamily="18" charset="-127"/>
-              </a:rPr>
-              <a:t>&lt;div&gt;</a:t>
+              <a:t>	&lt;div&gt;</a:t>
             </a:r>
           </a:p>
           <a:p>
             <a:pPr algn="l"/>
             <a:r>
-              <a:rPr lang="en-US" altLang="ko-KR" sz="2400" dirty="0" smtClean="0">
+              <a:rPr lang="en-US" altLang="ko-KR" sz="2400" dirty="0">
                 <a:latin typeface="배달의민족 주아" pitchFamily="18" charset="-127"/>
                 <a:ea typeface="배달의민족 주아" pitchFamily="18" charset="-127"/>
               </a:rPr>
               <a:t>		&lt;a&gt;</a:t>
             </a:r>
             <a:r>
-              <a:rPr lang="ko-KR" altLang="en-US" sz="2400" dirty="0" smtClean="0">
+              <a:rPr lang="ko-KR" altLang="en-US" sz="2400" dirty="0">
                 <a:latin typeface="배달의민족 주아" pitchFamily="18" charset="-127"/>
                 <a:ea typeface="배달의민족 주아" pitchFamily="18" charset="-127"/>
               </a:rPr>
               <a:t>나를 뽑아주세요</a:t>
             </a:r>
             <a:r>
-              <a:rPr lang="en-US" altLang="ko-KR" sz="2400" dirty="0" smtClean="0">
+              <a:rPr lang="en-US" altLang="ko-KR" sz="2400" dirty="0">
                 <a:latin typeface="배달의민족 주아" pitchFamily="18" charset="-127"/>
                 <a:ea typeface="배달의민족 주아" pitchFamily="18" charset="-127"/>
               </a:rPr>
@@ -5188,10 +5072,81 @@
                 <a:latin typeface="배달의민족 주아" pitchFamily="18" charset="-127"/>
                 <a:ea typeface="배달의민족 주아" pitchFamily="18" charset="-127"/>
               </a:rPr>
-              <a:t>	</a:t>
-            </a:r>
-            <a:r>
-              <a:rPr lang="en-US" altLang="ko-KR" sz="2400" dirty="0" smtClean="0">
+              <a:t>		&lt;a&gt;</a:t>
+            </a:r>
+            <a:r>
+              <a:rPr lang="ko-KR" altLang="en-US" sz="2400" dirty="0">
+                <a:latin typeface="배달의민족 주아" pitchFamily="18" charset="-127"/>
+                <a:ea typeface="배달의민족 주아" pitchFamily="18" charset="-127"/>
+              </a:rPr>
+              <a:t>나를 뽑아주세요</a:t>
+            </a:r>
+            <a:r>
+              <a:rPr lang="en-US" altLang="ko-KR" sz="2400" dirty="0">
+                <a:latin typeface="배달의민족 주아" pitchFamily="18" charset="-127"/>
+                <a:ea typeface="배달의민족 주아" pitchFamily="18" charset="-127"/>
+              </a:rPr>
+              <a:t>.&lt;/a&gt;</a:t>
+            </a:r>
+          </a:p>
+          <a:p>
+            <a:pPr algn="l"/>
+            <a:r>
+              <a:rPr lang="en-US" altLang="ko-KR" sz="2400" dirty="0">
+                <a:latin typeface="배달의민족 주아" pitchFamily="18" charset="-127"/>
+                <a:ea typeface="배달의민족 주아" pitchFamily="18" charset="-127"/>
+              </a:rPr>
+              <a:t>		&lt;p&gt;</a:t>
+            </a:r>
+          </a:p>
+          <a:p>
+            <a:pPr algn="l"/>
+            <a:r>
+              <a:rPr lang="en-US" altLang="ko-KR" sz="2400" dirty="0">
+                <a:latin typeface="배달의민족 주아" pitchFamily="18" charset="-127"/>
+                <a:ea typeface="배달의민족 주아" pitchFamily="18" charset="-127"/>
+              </a:rPr>
+              <a:t>			&lt;a&gt;</a:t>
+            </a:r>
+            <a:r>
+              <a:rPr lang="ko-KR" altLang="en-US" sz="2400" dirty="0">
+                <a:latin typeface="배달의민족 주아" pitchFamily="18" charset="-127"/>
+                <a:ea typeface="배달의민족 주아" pitchFamily="18" charset="-127"/>
+              </a:rPr>
+              <a:t>나를 뽑아주세요</a:t>
+            </a:r>
+            <a:r>
+              <a:rPr lang="en-US" altLang="ko-KR" sz="2400" dirty="0">
+                <a:latin typeface="배달의민족 주아" pitchFamily="18" charset="-127"/>
+                <a:ea typeface="배달의민족 주아" pitchFamily="18" charset="-127"/>
+              </a:rPr>
+              <a:t>.&lt;/a&gt;</a:t>
+            </a:r>
+          </a:p>
+          <a:p>
+            <a:pPr algn="l"/>
+            <a:r>
+              <a:rPr lang="en-US" altLang="ko-KR" sz="2400" dirty="0">
+                <a:latin typeface="배달의민족 주아" pitchFamily="18" charset="-127"/>
+                <a:ea typeface="배달의민족 주아" pitchFamily="18" charset="-127"/>
+              </a:rPr>
+              <a:t>		&lt;/p&gt;</a:t>
+            </a:r>
+          </a:p>
+          <a:p>
+            <a:pPr algn="l"/>
+            <a:r>
+              <a:rPr lang="en-US" altLang="ko-KR" sz="2400" dirty="0">
+                <a:latin typeface="배달의민족 주아" pitchFamily="18" charset="-127"/>
+                <a:ea typeface="배달의민족 주아" pitchFamily="18" charset="-127"/>
+              </a:rPr>
+              <a:t>	&lt;/div&gt;</a:t>
+            </a:r>
+          </a:p>
+          <a:p>
+            <a:pPr algn="l"/>
+            <a:r>
+              <a:rPr lang="en-US" altLang="ko-KR" sz="2400" dirty="0">
                 <a:latin typeface="배달의민족 주아" pitchFamily="18" charset="-127"/>
                 <a:ea typeface="배달의민족 주아" pitchFamily="18" charset="-127"/>
               </a:rPr>
@@ -5202,137 +5157,20 @@
                 <a:latin typeface="배달의민족 주아" pitchFamily="18" charset="-127"/>
                 <a:ea typeface="배달의민족 주아" pitchFamily="18" charset="-127"/>
               </a:rPr>
-              <a:t>나를 뽑아주세요</a:t>
-            </a:r>
-            <a:r>
-              <a:rPr lang="en-US" altLang="ko-KR" sz="2400" dirty="0" smtClean="0">
-                <a:latin typeface="배달의민족 주아" pitchFamily="18" charset="-127"/>
-                <a:ea typeface="배달의민족 주아" pitchFamily="18" charset="-127"/>
-              </a:rPr>
-              <a:t>.&lt;/a&gt;</a:t>
+              <a:t>나는 선택하지 마세요</a:t>
+            </a:r>
+            <a:r>
+              <a:rPr lang="en-US" altLang="ko-KR" sz="2400" dirty="0">
+                <a:latin typeface="배달의민족 주아" pitchFamily="18" charset="-127"/>
+                <a:ea typeface="배달의민족 주아" pitchFamily="18" charset="-127"/>
+              </a:rPr>
+              <a:t>&lt;/a&gt;</a:t>
             </a:r>
           </a:p>
           <a:p>
             <a:pPr algn="l"/>
             <a:r>
               <a:rPr lang="en-US" altLang="ko-KR" sz="2400" dirty="0">
-                <a:latin typeface="배달의민족 주아" pitchFamily="18" charset="-127"/>
-                <a:ea typeface="배달의민족 주아" pitchFamily="18" charset="-127"/>
-              </a:rPr>
-              <a:t>	</a:t>
-            </a:r>
-            <a:r>
-              <a:rPr lang="en-US" altLang="ko-KR" sz="2400" dirty="0" smtClean="0">
-                <a:latin typeface="배달의민족 주아" pitchFamily="18" charset="-127"/>
-                <a:ea typeface="배달의민족 주아" pitchFamily="18" charset="-127"/>
-              </a:rPr>
-              <a:t>	&lt;p&gt;</a:t>
-            </a:r>
-          </a:p>
-          <a:p>
-            <a:pPr algn="l"/>
-            <a:r>
-              <a:rPr lang="en-US" altLang="ko-KR" sz="2400" dirty="0">
-                <a:latin typeface="배달의민족 주아" pitchFamily="18" charset="-127"/>
-                <a:ea typeface="배달의민족 주아" pitchFamily="18" charset="-127"/>
-              </a:rPr>
-              <a:t>	</a:t>
-            </a:r>
-            <a:r>
-              <a:rPr lang="en-US" altLang="ko-KR" sz="2400" dirty="0" smtClean="0">
-                <a:latin typeface="배달의민족 주아" pitchFamily="18" charset="-127"/>
-                <a:ea typeface="배달의민족 주아" pitchFamily="18" charset="-127"/>
-              </a:rPr>
-              <a:t>		&lt;a&gt;</a:t>
-            </a:r>
-            <a:r>
-              <a:rPr lang="ko-KR" altLang="en-US" sz="2400" dirty="0">
-                <a:latin typeface="배달의민족 주아" pitchFamily="18" charset="-127"/>
-                <a:ea typeface="배달의민족 주아" pitchFamily="18" charset="-127"/>
-              </a:rPr>
-              <a:t>나를 뽑아주세요</a:t>
-            </a:r>
-            <a:r>
-              <a:rPr lang="en-US" altLang="ko-KR" sz="2400" dirty="0" smtClean="0">
-                <a:latin typeface="배달의민족 주아" pitchFamily="18" charset="-127"/>
-                <a:ea typeface="배달의민족 주아" pitchFamily="18" charset="-127"/>
-              </a:rPr>
-              <a:t>.&lt;/a&gt;</a:t>
-            </a:r>
-          </a:p>
-          <a:p>
-            <a:pPr algn="l"/>
-            <a:r>
-              <a:rPr lang="en-US" altLang="ko-KR" sz="2400" dirty="0">
-                <a:latin typeface="배달의민족 주아" pitchFamily="18" charset="-127"/>
-                <a:ea typeface="배달의민족 주아" pitchFamily="18" charset="-127"/>
-              </a:rPr>
-              <a:t>	</a:t>
-            </a:r>
-            <a:r>
-              <a:rPr lang="en-US" altLang="ko-KR" sz="2400" dirty="0" smtClean="0">
-                <a:latin typeface="배달의민족 주아" pitchFamily="18" charset="-127"/>
-                <a:ea typeface="배달의민족 주아" pitchFamily="18" charset="-127"/>
-              </a:rPr>
-              <a:t>	&lt;/p&gt;</a:t>
-            </a:r>
-          </a:p>
-          <a:p>
-            <a:pPr algn="l"/>
-            <a:r>
-              <a:rPr lang="en-US" altLang="ko-KR" sz="2400" dirty="0">
-                <a:latin typeface="배달의민족 주아" pitchFamily="18" charset="-127"/>
-                <a:ea typeface="배달의민족 주아" pitchFamily="18" charset="-127"/>
-              </a:rPr>
-              <a:t>	</a:t>
-            </a:r>
-            <a:r>
-              <a:rPr lang="en-US" altLang="ko-KR" sz="2400" dirty="0" smtClean="0">
-                <a:latin typeface="배달의민족 주아" pitchFamily="18" charset="-127"/>
-                <a:ea typeface="배달의민족 주아" pitchFamily="18" charset="-127"/>
-              </a:rPr>
-              <a:t>&lt;/div&gt;</a:t>
-            </a:r>
-          </a:p>
-          <a:p>
-            <a:pPr algn="l"/>
-            <a:r>
-              <a:rPr lang="en-US" altLang="ko-KR" sz="2400" dirty="0">
-                <a:latin typeface="배달의민족 주아" pitchFamily="18" charset="-127"/>
-                <a:ea typeface="배달의민족 주아" pitchFamily="18" charset="-127"/>
-              </a:rPr>
-              <a:t>	</a:t>
-            </a:r>
-            <a:r>
-              <a:rPr lang="en-US" altLang="ko-KR" sz="2400" dirty="0" smtClean="0">
-                <a:latin typeface="배달의민족 주아" pitchFamily="18" charset="-127"/>
-                <a:ea typeface="배달의민족 주아" pitchFamily="18" charset="-127"/>
-              </a:rPr>
-              <a:t>&lt;a&gt;</a:t>
-            </a:r>
-            <a:r>
-              <a:rPr lang="ko-KR" altLang="en-US" sz="2400" dirty="0" smtClean="0">
-                <a:latin typeface="배달의민족 주아" pitchFamily="18" charset="-127"/>
-                <a:ea typeface="배달의민족 주아" pitchFamily="18" charset="-127"/>
-              </a:rPr>
-              <a:t>나는 선택하지 마세요</a:t>
-            </a:r>
-            <a:r>
-              <a:rPr lang="en-US" altLang="ko-KR" sz="2400" dirty="0" smtClean="0">
-                <a:latin typeface="배달의민족 주아" pitchFamily="18" charset="-127"/>
-                <a:ea typeface="배달의민족 주아" pitchFamily="18" charset="-127"/>
-              </a:rPr>
-              <a:t>&lt;/a&gt;</a:t>
-            </a:r>
-            <a:endParaRPr lang="en-US" altLang="ko-KR" sz="2400" dirty="0">
-              <a:latin typeface="배달의민족 주아" pitchFamily="18" charset="-127"/>
-              <a:ea typeface="배달의민족 주아" pitchFamily="18" charset="-127"/>
-            </a:endParaRPr>
-          </a:p>
-          <a:p>
-            <a:pPr algn="l"/>
-            <a:r>
-              <a:rPr lang="en-US" altLang="ko-KR" sz="2400" dirty="0" smtClean="0">
                 <a:latin typeface="배달의민족 주아" pitchFamily="18" charset="-127"/>
                 <a:ea typeface="배달의민족 주아" pitchFamily="18" charset="-127"/>
               </a:rPr>
@@ -5458,7 +5296,7 @@
           </a:lstStyle>
           <a:p>
             <a:r>
-              <a:rPr lang="en-US" altLang="ko-KR" dirty="0" smtClean="0">
+              <a:rPr lang="en-US" altLang="ko-KR" dirty="0">
                 <a:solidFill>
                   <a:schemeClr val="accent5"/>
                 </a:solidFill>
@@ -5468,14 +5306,14 @@
               <a:t>S</a:t>
             </a:r>
             <a:r>
-              <a:rPr lang="en-US" altLang="ko-KR" dirty="0" smtClean="0">
+              <a:rPr lang="en-US" altLang="ko-KR" dirty="0">
                 <a:latin typeface="배달의민족 도현" pitchFamily="50" charset="-127"/>
                 <a:ea typeface="배달의민족 도현" pitchFamily="50" charset="-127"/>
               </a:rPr>
               <a:t>TART</a:t>
             </a:r>
             <a:r>
-              <a:rPr lang="en-US" altLang="ko-KR" dirty="0" smtClean="0">
+              <a:rPr lang="en-US" altLang="ko-KR" dirty="0">
                 <a:solidFill>
                   <a:schemeClr val="accent5"/>
                 </a:solidFill>
@@ -5485,7 +5323,7 @@
               <a:t>C</a:t>
             </a:r>
             <a:r>
-              <a:rPr lang="en-US" altLang="ko-KR" dirty="0" smtClean="0">
+              <a:rPr lang="en-US" altLang="ko-KR" dirty="0">
                 <a:latin typeface="배달의민족 도현" pitchFamily="50" charset="-127"/>
                 <a:ea typeface="배달의민족 도현" pitchFamily="50" charset="-127"/>
               </a:rPr>
@@ -5538,7 +5376,7 @@
           <a:p>
             <a:pPr algn="l"/>
             <a:r>
-              <a:rPr lang="en-US" altLang="ko-KR" sz="3600" dirty="0" smtClean="0">
+              <a:rPr lang="en-US" altLang="ko-KR" sz="3600" dirty="0">
                 <a:solidFill>
                   <a:schemeClr val="accent5"/>
                 </a:solidFill>
@@ -5548,7 +5386,7 @@
               <a:t>div a </a:t>
             </a:r>
             <a:r>
-              <a:rPr lang="en-US" altLang="ko-KR" sz="3600" dirty="0" smtClean="0">
+              <a:rPr lang="en-US" altLang="ko-KR" sz="3600" dirty="0">
                 <a:latin typeface="배달의민족 주아" pitchFamily="18" charset="-127"/>
                 <a:ea typeface="배달의민족 주아" pitchFamily="18" charset="-127"/>
               </a:rPr>
@@ -5620,20 +5458,10 @@
                 <a:latin typeface="배달의민족 도현" pitchFamily="50" charset="-127"/>
                 <a:ea typeface="배달의민족 도현" pitchFamily="50" charset="-127"/>
               </a:rPr>
-              <a:t>후</a:t>
-            </a:r>
-            <a:r>
-              <a:rPr lang="ko-KR" altLang="en-US" dirty="0" smtClean="0">
-                <a:solidFill>
-                  <a:schemeClr val="accent5"/>
-                </a:solidFill>
-                <a:latin typeface="배달의민족 도현" pitchFamily="50" charset="-127"/>
-                <a:ea typeface="배달의민족 도현" pitchFamily="50" charset="-127"/>
-              </a:rPr>
-              <a:t>손 </a:t>
-            </a:r>
-            <a:r>
-              <a:rPr lang="ko-KR" altLang="en-US" dirty="0" err="1" smtClean="0">
+              <a:t>후손 </a:t>
+            </a:r>
+            <a:r>
+              <a:rPr lang="ko-KR" altLang="en-US" dirty="0" err="1">
                 <a:solidFill>
                   <a:schemeClr val="accent5"/>
                 </a:solidFill>
@@ -5855,28 +5683,28 @@
           <a:lstStyle/>
           <a:p>
             <a:r>
-              <a:rPr lang="ko-KR" altLang="en-US" dirty="0" smtClean="0">
+              <a:rPr lang="ko-KR" altLang="en-US" dirty="0">
                 <a:latin typeface="배달의민족 주아" pitchFamily="18" charset="-127"/>
                 <a:ea typeface="배달의민족 주아" pitchFamily="18" charset="-127"/>
               </a:rPr>
               <a:t>그룹</a:t>
             </a:r>
             <a:r>
-              <a:rPr lang="en-US" altLang="ko-KR" dirty="0" smtClean="0">
+              <a:rPr lang="en-US" altLang="ko-KR" dirty="0">
                 <a:latin typeface="배달의민족 주아" pitchFamily="18" charset="-127"/>
                 <a:ea typeface="배달의민족 주아" pitchFamily="18" charset="-127"/>
               </a:rPr>
               <a:t>(Group)</a:t>
             </a:r>
             <a:r>
-              <a:rPr lang="ko-KR" altLang="en-US" dirty="0" smtClean="0">
+              <a:rPr lang="ko-KR" altLang="en-US" dirty="0">
                 <a:latin typeface="배달의민족 주아" pitchFamily="18" charset="-127"/>
                 <a:ea typeface="배달의민족 주아" pitchFamily="18" charset="-127"/>
               </a:rPr>
               <a:t> </a:t>
             </a:r>
             <a:r>
-              <a:rPr lang="ko-KR" altLang="en-US" dirty="0" err="1" smtClean="0">
+              <a:rPr lang="ko-KR" altLang="en-US" dirty="0" err="1">
                 <a:latin typeface="배달의민족 주아" pitchFamily="18" charset="-127"/>
                 <a:ea typeface="배달의민족 주아" pitchFamily="18" charset="-127"/>
               </a:rPr>
@@ -6006,7 +5834,7 @@
           </a:lstStyle>
           <a:p>
             <a:r>
-              <a:rPr lang="en-US" altLang="ko-KR" dirty="0" smtClean="0">
+              <a:rPr lang="en-US" altLang="ko-KR" dirty="0">
                 <a:solidFill>
                   <a:schemeClr val="accent5"/>
                 </a:solidFill>
@@ -6016,14 +5844,14 @@
               <a:t>S</a:t>
             </a:r>
             <a:r>
-              <a:rPr lang="en-US" altLang="ko-KR" dirty="0" smtClean="0">
+              <a:rPr lang="en-US" altLang="ko-KR" dirty="0">
                 <a:latin typeface="배달의민족 도현" pitchFamily="50" charset="-127"/>
                 <a:ea typeface="배달의민족 도현" pitchFamily="50" charset="-127"/>
               </a:rPr>
               <a:t>TART</a:t>
             </a:r>
             <a:r>
-              <a:rPr lang="en-US" altLang="ko-KR" dirty="0" smtClean="0">
+              <a:rPr lang="en-US" altLang="ko-KR" dirty="0">
                 <a:solidFill>
                   <a:schemeClr val="accent5"/>
                 </a:solidFill>
@@ -6033,7 +5861,7 @@
               <a:t>C</a:t>
             </a:r>
             <a:r>
-              <a:rPr lang="en-US" altLang="ko-KR" dirty="0" smtClean="0">
+              <a:rPr lang="en-US" altLang="ko-KR" dirty="0">
                 <a:latin typeface="배달의민족 도현" pitchFamily="50" charset="-127"/>
                 <a:ea typeface="배달의민족 도현" pitchFamily="50" charset="-127"/>
               </a:rPr>
@@ -6056,13 +5884,6 @@
   <p:clrMapOvr>
     <a:masterClrMapping/>
   </p:clrMapOvr>
-  <p:timing>
-    <p:tnLst>
-      <p:par>
-        <p:cTn id="1" dur="indefinite" restart="never" nodeType="tmRoot"/>
-      </p:par>
-    </p:tnLst>
-  </p:timing>
 </p:sld>
 </file>
 
@@ -6137,7 +5958,7 @@
           <a:p>
             <a:pPr algn="l"/>
             <a:r>
-              <a:rPr lang="en-US" altLang="ko-KR" sz="2400" dirty="0" smtClean="0">
+              <a:rPr lang="en-US" altLang="ko-KR" sz="2400" dirty="0">
                 <a:latin typeface="배달의민족 주아" pitchFamily="18" charset="-127"/>
                 <a:ea typeface="배달의민족 주아" pitchFamily="18" charset="-127"/>
               </a:rPr>
@@ -6147,21 +5968,21 @@
           <a:p>
             <a:pPr algn="l"/>
             <a:r>
-              <a:rPr lang="en-US" altLang="ko-KR" sz="2400" dirty="0" smtClean="0">
+              <a:rPr lang="en-US" altLang="ko-KR" sz="2400" dirty="0">
                 <a:latin typeface="배달의민족 주아" pitchFamily="18" charset="-127"/>
                 <a:ea typeface="배달의민족 주아" pitchFamily="18" charset="-127"/>
               </a:rPr>
               <a:t>	&lt;h1&gt;</a:t>
             </a:r>
             <a:r>
-              <a:rPr lang="ko-KR" altLang="en-US" sz="2400" dirty="0" smtClean="0">
+              <a:rPr lang="ko-KR" altLang="en-US" sz="2400" dirty="0">
                 <a:latin typeface="배달의민족 주아" pitchFamily="18" charset="-127"/>
                 <a:ea typeface="배달의민족 주아" pitchFamily="18" charset="-127"/>
               </a:rPr>
               <a:t>동시에 뽑아주세요</a:t>
             </a:r>
             <a:r>
-              <a:rPr lang="en-US" altLang="ko-KR" sz="2400" dirty="0" smtClean="0">
+              <a:rPr lang="en-US" altLang="ko-KR" sz="2400" dirty="0">
                 <a:latin typeface="배달의민족 주아" pitchFamily="18" charset="-127"/>
                 <a:ea typeface="배달의민족 주아" pitchFamily="18" charset="-127"/>
               </a:rPr>
@@ -6175,38 +5996,27 @@
                 <a:latin typeface="배달의민족 주아" pitchFamily="18" charset="-127"/>
                 <a:ea typeface="배달의민족 주아" pitchFamily="18" charset="-127"/>
               </a:rPr>
-              <a:t>	</a:t>
-            </a:r>
-            <a:r>
-              <a:rPr lang="en-US" altLang="ko-KR" sz="2400" dirty="0" smtClean="0">
-                <a:latin typeface="배달의민족 주아" pitchFamily="18" charset="-127"/>
-                <a:ea typeface="배달의민족 주아" pitchFamily="18" charset="-127"/>
-              </a:rPr>
-              <a:t>&lt;p&gt;</a:t>
-            </a:r>
-            <a:r>
-              <a:rPr lang="ko-KR" altLang="en-US" sz="2400" dirty="0" smtClean="0">
+              <a:t>	&lt;p&gt;</a:t>
+            </a:r>
+            <a:r>
+              <a:rPr lang="ko-KR" altLang="en-US" sz="2400" dirty="0">
                 <a:latin typeface="배달의민족 주아" pitchFamily="18" charset="-127"/>
                 <a:ea typeface="배달의민족 주아" pitchFamily="18" charset="-127"/>
               </a:rPr>
               <a:t>나도 동시에 뽑아주세요</a:t>
             </a:r>
             <a:r>
-              <a:rPr lang="en-US" altLang="ko-KR" sz="2400" dirty="0" smtClean="0">
+              <a:rPr lang="en-US" altLang="ko-KR" sz="2400" dirty="0">
                 <a:latin typeface="배달의민족 주아" pitchFamily="18" charset="-127"/>
                 <a:ea typeface="배달의민족 주아" pitchFamily="18" charset="-127"/>
               </a:rPr>
               <a:t>&lt;/p&gt;</a:t>
             </a:r>
-            <a:endParaRPr lang="en-US" altLang="ko-KR" sz="2400" dirty="0">
-              <a:latin typeface="배달의민족 주아" pitchFamily="18" charset="-127"/>
-              <a:ea typeface="배달의민족 주아" pitchFamily="18" charset="-127"/>
-            </a:endParaRPr>
           </a:p>
           <a:p>
             <a:pPr algn="l"/>
             <a:r>
-              <a:rPr lang="en-US" altLang="ko-KR" sz="2400" dirty="0" smtClean="0">
+              <a:rPr lang="en-US" altLang="ko-KR" sz="2400" dirty="0">
                 <a:latin typeface="배달의민족 주아" pitchFamily="18" charset="-127"/>
                 <a:ea typeface="배달의민족 주아" pitchFamily="18" charset="-127"/>
               </a:rPr>
@@ -6332,7 +6142,7 @@
           </a:lstStyle>
           <a:p>
             <a:r>
-              <a:rPr lang="en-US" altLang="ko-KR" dirty="0" smtClean="0">
+              <a:rPr lang="en-US" altLang="ko-KR" dirty="0">
                 <a:solidFill>
                   <a:schemeClr val="accent5"/>
                 </a:solidFill>
@@ -6342,14 +6152,14 @@
               <a:t>S</a:t>
             </a:r>
             <a:r>
-              <a:rPr lang="en-US" altLang="ko-KR" dirty="0" smtClean="0">
+              <a:rPr lang="en-US" altLang="ko-KR" dirty="0">
                 <a:latin typeface="배달의민족 도현" pitchFamily="50" charset="-127"/>
                 <a:ea typeface="배달의민족 도현" pitchFamily="50" charset="-127"/>
               </a:rPr>
               <a:t>TART</a:t>
             </a:r>
             <a:r>
-              <a:rPr lang="en-US" altLang="ko-KR" dirty="0" smtClean="0">
+              <a:rPr lang="en-US" altLang="ko-KR" dirty="0">
                 <a:solidFill>
                   <a:schemeClr val="accent5"/>
                 </a:solidFill>
@@ -6359,7 +6169,7 @@
               <a:t>C</a:t>
             </a:r>
             <a:r>
-              <a:rPr lang="en-US" altLang="ko-KR" dirty="0" smtClean="0">
+              <a:rPr lang="en-US" altLang="ko-KR" dirty="0">
                 <a:latin typeface="배달의민족 도현" pitchFamily="50" charset="-127"/>
                 <a:ea typeface="배달의민족 도현" pitchFamily="50" charset="-127"/>
               </a:rPr>
@@ -6419,20 +6229,10 @@
                 <a:latin typeface="배달의민족 주아" pitchFamily="18" charset="-127"/>
                 <a:ea typeface="배달의민족 주아" pitchFamily="18" charset="-127"/>
               </a:rPr>
-              <a:t>h</a:t>
-            </a:r>
-            <a:r>
-              <a:rPr lang="en-US" altLang="ko-KR" sz="3600" dirty="0" smtClean="0">
-                <a:solidFill>
-                  <a:schemeClr val="accent5"/>
-                </a:solidFill>
-                <a:latin typeface="배달의민족 주아" pitchFamily="18" charset="-127"/>
-                <a:ea typeface="배달의민족 주아" pitchFamily="18" charset="-127"/>
-              </a:rPr>
-              <a:t>1 , p</a:t>
-            </a:r>
-            <a:r>
-              <a:rPr lang="en-US" altLang="ko-KR" sz="3600" dirty="0" smtClean="0">
+              <a:t>h1 , p</a:t>
+            </a:r>
+            <a:r>
+              <a:rPr lang="en-US" altLang="ko-KR" sz="3600" dirty="0">
                 <a:latin typeface="배달의민족 주아" pitchFamily="18" charset="-127"/>
                 <a:ea typeface="배달의민족 주아" pitchFamily="18" charset="-127"/>
               </a:rPr>
@@ -6497,37 +6297,17 @@
           <a:lstStyle/>
           <a:p>
             <a:r>
-              <a:rPr lang="ko-KR" altLang="en-US" dirty="0" smtClean="0">
+              <a:rPr lang="ko-KR" altLang="en-US" dirty="0">
                 <a:solidFill>
                   <a:schemeClr val="accent5"/>
                 </a:solidFill>
                 <a:latin typeface="배달의민족 도현" pitchFamily="50" charset="-127"/>
                 <a:ea typeface="배달의민족 도현" pitchFamily="50" charset="-127"/>
               </a:rPr>
-              <a:t>그</a:t>
-            </a:r>
-            <a:r>
-              <a:rPr lang="ko-KR" altLang="en-US" dirty="0">
-                <a:solidFill>
-                  <a:schemeClr val="accent5"/>
-                </a:solidFill>
-                <a:latin typeface="배달의민족 도현" pitchFamily="50" charset="-127"/>
-                <a:ea typeface="배달의민족 도현" pitchFamily="50" charset="-127"/>
-              </a:rPr>
-              <a:t>룹</a:t>
-            </a:r>
-            <a:r>
-              <a:rPr lang="ko-KR" altLang="en-US" dirty="0" smtClean="0">
-                <a:solidFill>
-                  <a:schemeClr val="accent5"/>
-                </a:solidFill>
-                <a:latin typeface="배달의민족 도현" pitchFamily="50" charset="-127"/>
-                <a:ea typeface="배달의민족 도현" pitchFamily="50" charset="-127"/>
-              </a:rPr>
-              <a:t> </a:t>
-            </a:r>
-            <a:r>
-              <a:rPr lang="ko-KR" altLang="en-US" dirty="0" err="1" smtClean="0">
+              <a:t>그룹 </a:t>
+            </a:r>
+            <a:r>
+              <a:rPr lang="ko-KR" altLang="en-US" dirty="0" err="1">
                 <a:solidFill>
                   <a:schemeClr val="accent5"/>
                 </a:solidFill>
@@ -6891,7 +6671,7 @@
           </a:lstStyle>
           <a:p>
             <a:r>
-              <a:rPr lang="en-US" altLang="ko-KR" dirty="0" smtClean="0">
+              <a:rPr lang="en-US" altLang="ko-KR" dirty="0">
                 <a:solidFill>
                   <a:schemeClr val="accent5"/>
                 </a:solidFill>
@@ -6901,14 +6681,14 @@
               <a:t>S</a:t>
             </a:r>
             <a:r>
-              <a:rPr lang="en-US" altLang="ko-KR" dirty="0" smtClean="0">
+              <a:rPr lang="en-US" altLang="ko-KR" dirty="0">
                 <a:latin typeface="배달의민족 도현" pitchFamily="50" charset="-127"/>
                 <a:ea typeface="배달의민족 도현" pitchFamily="50" charset="-127"/>
               </a:rPr>
               <a:t>TART</a:t>
             </a:r>
             <a:r>
-              <a:rPr lang="en-US" altLang="ko-KR" dirty="0" smtClean="0">
+              <a:rPr lang="en-US" altLang="ko-KR" dirty="0">
                 <a:solidFill>
                   <a:schemeClr val="accent5"/>
                 </a:solidFill>
@@ -6918,7 +6698,7 @@
               <a:t>C</a:t>
             </a:r>
             <a:r>
-              <a:rPr lang="en-US" altLang="ko-KR" dirty="0" smtClean="0">
+              <a:rPr lang="en-US" altLang="ko-KR" dirty="0">
                 <a:latin typeface="배달의민족 도현" pitchFamily="50" charset="-127"/>
                 <a:ea typeface="배달의민족 도현" pitchFamily="50" charset="-127"/>
               </a:rPr>
@@ -6970,23 +6750,19 @@
           </a:lstStyle>
           <a:p>
             <a:r>
-              <a:rPr lang="ko-KR" altLang="en-US" dirty="0" err="1" smtClean="0">
+              <a:rPr lang="ko-KR" altLang="en-US" dirty="0" err="1">
                 <a:latin typeface="배달의민족 주아" pitchFamily="18" charset="-127"/>
                 <a:ea typeface="배달의민족 주아" pitchFamily="18" charset="-127"/>
               </a:rPr>
               <a:t>셀렉터를</a:t>
             </a:r>
             <a:r>
-              <a:rPr lang="ko-KR" altLang="en-US" dirty="0" smtClean="0">
+              <a:rPr lang="ko-KR" altLang="en-US" dirty="0">
                 <a:latin typeface="배달의민족 주아" pitchFamily="18" charset="-127"/>
                 <a:ea typeface="배달의민족 주아" pitchFamily="18" charset="-127"/>
               </a:rPr>
               <a:t> 게임처럼 연습할 수 있는 곳</a:t>
             </a:r>
-            <a:endParaRPr lang="ko-KR" altLang="en-US" dirty="0">
-              <a:latin typeface="배달의민족 주아" pitchFamily="18" charset="-127"/>
-              <a:ea typeface="배달의민족 주아" pitchFamily="18" charset="-127"/>
-            </a:endParaRPr>
           </a:p>
         </p:txBody>
       </p:sp>
@@ -7012,7 +6788,7 @@
           <a:lstStyle/>
           <a:p>
             <a:r>
-              <a:rPr lang="en-US" altLang="ko-KR" i="1" dirty="0" smtClean="0">
+              <a:rPr lang="en-US" altLang="ko-KR" i="1" dirty="0">
                 <a:latin typeface="Adobe Ming Std L" pitchFamily="18" charset="-128"/>
                 <a:ea typeface="Adobe Ming Std L" pitchFamily="18" charset="-128"/>
               </a:rPr>
@@ -7034,13 +6810,6 @@
   <p:clrMapOvr>
     <a:masterClrMapping/>
   </p:clrMapOvr>
-  <p:timing>
-    <p:tnLst>
-      <p:par>
-        <p:cTn id="1" dur="indefinite" restart="never" nodeType="tmRoot"/>
-      </p:par>
-    </p:tnLst>
-  </p:timing>
 </p:sld>
 </file>
 
@@ -7100,16 +6869,12 @@
           </a:lstStyle>
           <a:p>
             <a:r>
-              <a:rPr lang="ko-KR" altLang="en-US" dirty="0" smtClean="0">
+              <a:rPr lang="ko-KR" altLang="en-US" dirty="0">
                 <a:latin typeface="배달의민족 주아" pitchFamily="18" charset="-127"/>
                 <a:ea typeface="배달의민족 주아" pitchFamily="18" charset="-127"/>
               </a:rPr>
               <a:t>감사합니다</a:t>
             </a:r>
-            <a:endParaRPr lang="ko-KR" altLang="en-US" dirty="0">
-              <a:latin typeface="배달의민족 주아" pitchFamily="18" charset="-127"/>
-              <a:ea typeface="배달의민족 주아" pitchFamily="18" charset="-127"/>
-            </a:endParaRPr>
           </a:p>
         </p:txBody>
       </p:sp>
@@ -7230,7 +6995,7 @@
           </a:lstStyle>
           <a:p>
             <a:r>
-              <a:rPr lang="en-US" altLang="ko-KR" dirty="0" smtClean="0">
+              <a:rPr lang="en-US" altLang="ko-KR" dirty="0">
                 <a:solidFill>
                   <a:schemeClr val="accent5"/>
                 </a:solidFill>
@@ -7240,14 +7005,14 @@
               <a:t>S</a:t>
             </a:r>
             <a:r>
-              <a:rPr lang="en-US" altLang="ko-KR" dirty="0" smtClean="0">
+              <a:rPr lang="en-US" altLang="ko-KR" dirty="0">
                 <a:latin typeface="배달의민족 도현" pitchFamily="50" charset="-127"/>
                 <a:ea typeface="배달의민족 도현" pitchFamily="50" charset="-127"/>
               </a:rPr>
               <a:t>TART</a:t>
             </a:r>
             <a:r>
-              <a:rPr lang="en-US" altLang="ko-KR" dirty="0" smtClean="0">
+              <a:rPr lang="en-US" altLang="ko-KR" dirty="0">
                 <a:solidFill>
                   <a:schemeClr val="accent5"/>
                 </a:solidFill>
@@ -7257,7 +7022,7 @@
               <a:t>C</a:t>
             </a:r>
             <a:r>
-              <a:rPr lang="en-US" altLang="ko-KR" dirty="0" smtClean="0">
+              <a:rPr lang="en-US" altLang="ko-KR" dirty="0">
                 <a:latin typeface="배달의민족 도현" pitchFamily="50" charset="-127"/>
                 <a:ea typeface="배달의민족 도현" pitchFamily="50" charset="-127"/>
               </a:rPr>
@@ -7292,7 +7057,7 @@
           <a:lstStyle/>
           <a:p>
             <a:r>
-              <a:rPr lang="en-US" altLang="ko-KR" i="1" dirty="0" smtClean="0">
+              <a:rPr lang="en-US" altLang="ko-KR" i="1" dirty="0">
                 <a:latin typeface="Adobe Ming Std L" pitchFamily="18" charset="-128"/>
                 <a:ea typeface="Adobe Ming Std L" pitchFamily="18" charset="-128"/>
               </a:rPr>
@@ -7314,13 +7079,6 @@
   <p:clrMapOvr>
     <a:masterClrMapping/>
   </p:clrMapOvr>
-  <p:timing>
-    <p:tnLst>
-      <p:par>
-        <p:cTn id="1" dur="indefinite" restart="never" nodeType="tmRoot"/>
-      </p:par>
-    </p:tnLst>
-  </p:timing>
 </p:sld>
 </file>
 
@@ -7369,28 +7127,28 @@
               <a:t> </a:t>
             </a:r>
             <a:r>
-              <a:rPr lang="ko-KR" altLang="en-US" dirty="0" err="1" smtClean="0">
+              <a:rPr lang="ko-KR" altLang="en-US" dirty="0" err="1">
                 <a:latin typeface="배달의민족 주아" pitchFamily="18" charset="-127"/>
                 <a:ea typeface="배달의민족 주아" pitchFamily="18" charset="-127"/>
               </a:rPr>
               <a:t>셀렉터</a:t>
             </a:r>
             <a:r>
-              <a:rPr lang="en-US" altLang="ko-KR" dirty="0" smtClean="0">
+              <a:rPr lang="en-US" altLang="ko-KR" dirty="0">
                 <a:latin typeface="배달의민족 주아" pitchFamily="18" charset="-127"/>
                 <a:ea typeface="배달의민족 주아" pitchFamily="18" charset="-127"/>
               </a:rPr>
               <a:t>(Selector)</a:t>
             </a:r>
             <a:r>
-              <a:rPr lang="ko-KR" altLang="en-US" dirty="0" smtClean="0">
+              <a:rPr lang="ko-KR" altLang="en-US" dirty="0">
                 <a:latin typeface="배달의민족 주아" pitchFamily="18" charset="-127"/>
                 <a:ea typeface="배달의민족 주아" pitchFamily="18" charset="-127"/>
               </a:rPr>
               <a:t>란</a:t>
             </a:r>
             <a:r>
-              <a:rPr lang="en-US" altLang="ko-KR" dirty="0" smtClean="0">
+              <a:rPr lang="en-US" altLang="ko-KR" dirty="0">
                 <a:latin typeface="배달의민족 주아" pitchFamily="18" charset="-127"/>
                 <a:ea typeface="배달의민족 주아" pitchFamily="18" charset="-127"/>
               </a:rPr>
@@ -7520,7 +7278,7 @@
           </a:lstStyle>
           <a:p>
             <a:r>
-              <a:rPr lang="en-US" altLang="ko-KR" dirty="0" smtClean="0">
+              <a:rPr lang="en-US" altLang="ko-KR" dirty="0">
                 <a:solidFill>
                   <a:schemeClr val="accent5"/>
                 </a:solidFill>
@@ -7530,14 +7288,14 @@
               <a:t>S</a:t>
             </a:r>
             <a:r>
-              <a:rPr lang="en-US" altLang="ko-KR" dirty="0" smtClean="0">
+              <a:rPr lang="en-US" altLang="ko-KR" dirty="0">
                 <a:latin typeface="배달의민족 도현" pitchFamily="50" charset="-127"/>
                 <a:ea typeface="배달의민족 도현" pitchFamily="50" charset="-127"/>
               </a:rPr>
               <a:t>TART</a:t>
             </a:r>
             <a:r>
-              <a:rPr lang="en-US" altLang="ko-KR" dirty="0" smtClean="0">
+              <a:rPr lang="en-US" altLang="ko-KR" dirty="0">
                 <a:solidFill>
                   <a:schemeClr val="accent5"/>
                 </a:solidFill>
@@ -7547,7 +7305,7 @@
               <a:t>C</a:t>
             </a:r>
             <a:r>
-              <a:rPr lang="en-US" altLang="ko-KR" dirty="0" smtClean="0">
+              <a:rPr lang="en-US" altLang="ko-KR" dirty="0">
                 <a:latin typeface="배달의민족 도현" pitchFamily="50" charset="-127"/>
                 <a:ea typeface="배달의민족 도현" pitchFamily="50" charset="-127"/>
               </a:rPr>
@@ -7753,7 +7511,7 @@
           </a:lstStyle>
           <a:p>
             <a:r>
-              <a:rPr lang="ko-KR" altLang="en-US" sz="3600" dirty="0" err="1" smtClean="0">
+              <a:rPr lang="ko-KR" altLang="en-US" sz="3600" dirty="0" err="1">
                 <a:solidFill>
                   <a:schemeClr val="accent5"/>
                 </a:solidFill>
@@ -7763,7 +7521,7 @@
               <a:t>셀렉터</a:t>
             </a:r>
             <a:r>
-              <a:rPr lang="en-US" altLang="ko-KR" sz="3600" dirty="0" smtClean="0">
+              <a:rPr lang="en-US" altLang="ko-KR" sz="3600" dirty="0">
                 <a:solidFill>
                   <a:schemeClr val="accent5"/>
                 </a:solidFill>
@@ -7773,7 +7531,7 @@
               <a:t>(Selector)</a:t>
             </a:r>
             <a:r>
-              <a:rPr lang="ko-KR" altLang="en-US" sz="3600" dirty="0" smtClean="0">
+              <a:rPr lang="ko-KR" altLang="en-US" sz="3600" dirty="0">
                 <a:solidFill>
                   <a:schemeClr val="accent5"/>
                 </a:solidFill>
@@ -7783,7 +7541,7 @@
               <a:t> </a:t>
             </a:r>
             <a:r>
-              <a:rPr lang="en-US" altLang="ko-KR" sz="3600" dirty="0" smtClean="0">
+              <a:rPr lang="en-US" altLang="ko-KR" sz="3600" dirty="0">
                 <a:solidFill>
                   <a:schemeClr val="accent5"/>
                 </a:solidFill>
@@ -7793,26 +7551,16 @@
               <a:t>= </a:t>
             </a:r>
             <a:r>
-              <a:rPr lang="ko-KR" altLang="en-US" sz="3600" dirty="0" err="1" smtClean="0">
+              <a:rPr lang="ko-KR" altLang="en-US" sz="3600" dirty="0" err="1">
                 <a:solidFill>
                   <a:schemeClr val="accent5"/>
                 </a:solidFill>
                 <a:latin typeface="배달의민족 주아" pitchFamily="18" charset="-127"/>
                 <a:ea typeface="배달의민족 주아" pitchFamily="18" charset="-127"/>
               </a:rPr>
-              <a:t>선택</a:t>
-            </a:r>
-            <a:r>
-              <a:rPr lang="ko-KR" altLang="en-US" sz="3600" dirty="0" err="1">
-                <a:solidFill>
-                  <a:schemeClr val="accent5"/>
-                </a:solidFill>
-                <a:latin typeface="배달의민족 주아" pitchFamily="18" charset="-127"/>
-                <a:ea typeface="배달의민족 주아" pitchFamily="18" charset="-127"/>
-              </a:rPr>
-              <a:t>자</a:t>
-            </a:r>
-            <a:endParaRPr lang="en-US" altLang="ko-KR" sz="3600" dirty="0" smtClean="0">
+              <a:t>선택자</a:t>
+            </a:r>
+            <a:endParaRPr lang="en-US" altLang="ko-KR" sz="3600" dirty="0">
               <a:solidFill>
                 <a:schemeClr val="accent5"/>
               </a:solidFill>
@@ -7822,34 +7570,34 @@
           </a:p>
           <a:p>
             <a:r>
-              <a:rPr lang="ko-KR" altLang="en-US" sz="3600" dirty="0" smtClean="0">
+              <a:rPr lang="ko-KR" altLang="en-US" sz="3600" dirty="0">
                 <a:latin typeface="배달의민족 주아" pitchFamily="18" charset="-127"/>
                 <a:ea typeface="배달의민족 주아" pitchFamily="18" charset="-127"/>
               </a:rPr>
               <a:t>디자인을 적용하고 싶은 </a:t>
             </a:r>
-            <a:endParaRPr lang="en-US" altLang="ko-KR" sz="3600" dirty="0" smtClean="0">
+            <a:endParaRPr lang="en-US" altLang="ko-KR" sz="3600" dirty="0">
               <a:latin typeface="배달의민족 주아" pitchFamily="18" charset="-127"/>
               <a:ea typeface="배달의민족 주아" pitchFamily="18" charset="-127"/>
             </a:endParaRPr>
           </a:p>
           <a:p>
             <a:r>
-              <a:rPr lang="en-US" altLang="ko-KR" sz="3600" dirty="0" smtClean="0">
+              <a:rPr lang="en-US" altLang="ko-KR" sz="3600" dirty="0">
                 <a:latin typeface="배달의민족 주아" pitchFamily="18" charset="-127"/>
                 <a:ea typeface="배달의민족 주아" pitchFamily="18" charset="-127"/>
               </a:rPr>
               <a:t>HTML </a:t>
             </a:r>
             <a:r>
-              <a:rPr lang="ko-KR" altLang="en-US" sz="3600" dirty="0" smtClean="0">
+              <a:rPr lang="ko-KR" altLang="en-US" sz="3600" dirty="0">
                 <a:latin typeface="배달의민족 주아" pitchFamily="18" charset="-127"/>
                 <a:ea typeface="배달의민족 주아" pitchFamily="18" charset="-127"/>
               </a:rPr>
               <a:t>태그를 선택하는 것</a:t>
             </a:r>
             <a:r>
-              <a:rPr lang="en-US" altLang="ko-KR" sz="3600" dirty="0" smtClean="0">
+              <a:rPr lang="en-US" altLang="ko-KR" sz="3600" dirty="0">
                 <a:latin typeface="배달의민족 주아" pitchFamily="18" charset="-127"/>
                 <a:ea typeface="배달의민족 주아" pitchFamily="18" charset="-127"/>
               </a:rPr>
@@ -7975,7 +7723,7 @@
           </a:lstStyle>
           <a:p>
             <a:r>
-              <a:rPr lang="en-US" altLang="ko-KR" dirty="0" smtClean="0">
+              <a:rPr lang="en-US" altLang="ko-KR" dirty="0">
                 <a:solidFill>
                   <a:schemeClr val="accent5"/>
                 </a:solidFill>
@@ -7985,14 +7733,14 @@
               <a:t>S</a:t>
             </a:r>
             <a:r>
-              <a:rPr lang="en-US" altLang="ko-KR" dirty="0" smtClean="0">
+              <a:rPr lang="en-US" altLang="ko-KR" dirty="0">
                 <a:latin typeface="배달의민족 도현" pitchFamily="50" charset="-127"/>
                 <a:ea typeface="배달의민족 도현" pitchFamily="50" charset="-127"/>
               </a:rPr>
               <a:t>TART</a:t>
             </a:r>
             <a:r>
-              <a:rPr lang="en-US" altLang="ko-KR" dirty="0" smtClean="0">
+              <a:rPr lang="en-US" altLang="ko-KR" dirty="0">
                 <a:solidFill>
                   <a:schemeClr val="accent5"/>
                 </a:solidFill>
@@ -8002,7 +7750,7 @@
               <a:t>C</a:t>
             </a:r>
             <a:r>
-              <a:rPr lang="en-US" altLang="ko-KR" dirty="0" smtClean="0">
+              <a:rPr lang="en-US" altLang="ko-KR" dirty="0">
                 <a:latin typeface="배달의민족 도현" pitchFamily="50" charset="-127"/>
                 <a:ea typeface="배달의민족 도현" pitchFamily="50" charset="-127"/>
               </a:rPr>
@@ -8025,13 +7773,6 @@
   <p:clrMapOvr>
     <a:masterClrMapping/>
   </p:clrMapOvr>
-  <p:timing>
-    <p:tnLst>
-      <p:par>
-        <p:cTn id="1" dur="indefinite" restart="never" nodeType="tmRoot"/>
-      </p:par>
-    </p:tnLst>
-  </p:timing>
 </p:sld>
 </file>
 
@@ -8068,14 +7809,14 @@
           <a:lstStyle/>
           <a:p>
             <a:r>
-              <a:rPr lang="ko-KR" altLang="en-US" dirty="0" smtClean="0">
+              <a:rPr lang="ko-KR" altLang="en-US" dirty="0">
                 <a:latin typeface="배달의민족 주아" pitchFamily="18" charset="-127"/>
                 <a:ea typeface="배달의민족 주아" pitchFamily="18" charset="-127"/>
               </a:rPr>
               <a:t>태그 </a:t>
             </a:r>
             <a:r>
-              <a:rPr lang="ko-KR" altLang="en-US" dirty="0" err="1" smtClean="0">
+              <a:rPr lang="ko-KR" altLang="en-US" dirty="0" err="1">
                 <a:latin typeface="배달의민족 주아" pitchFamily="18" charset="-127"/>
                 <a:ea typeface="배달의민족 주아" pitchFamily="18" charset="-127"/>
               </a:rPr>
@@ -8205,7 +7946,7 @@
           </a:lstStyle>
           <a:p>
             <a:r>
-              <a:rPr lang="en-US" altLang="ko-KR" dirty="0" smtClean="0">
+              <a:rPr lang="en-US" altLang="ko-KR" dirty="0">
                 <a:solidFill>
                   <a:schemeClr val="accent5"/>
                 </a:solidFill>
@@ -8215,14 +7956,14 @@
               <a:t>S</a:t>
             </a:r>
             <a:r>
-              <a:rPr lang="en-US" altLang="ko-KR" dirty="0" smtClean="0">
+              <a:rPr lang="en-US" altLang="ko-KR" dirty="0">
                 <a:latin typeface="배달의민족 도현" pitchFamily="50" charset="-127"/>
                 <a:ea typeface="배달의민족 도현" pitchFamily="50" charset="-127"/>
               </a:rPr>
               <a:t>TART</a:t>
             </a:r>
             <a:r>
-              <a:rPr lang="en-US" altLang="ko-KR" dirty="0" smtClean="0">
+              <a:rPr lang="en-US" altLang="ko-KR" dirty="0">
                 <a:solidFill>
                   <a:schemeClr val="accent5"/>
                 </a:solidFill>
@@ -8232,7 +7973,7 @@
               <a:t>C</a:t>
             </a:r>
             <a:r>
-              <a:rPr lang="en-US" altLang="ko-KR" dirty="0" smtClean="0">
+              <a:rPr lang="en-US" altLang="ko-KR" dirty="0">
                 <a:latin typeface="배달의민족 도현" pitchFamily="50" charset="-127"/>
                 <a:ea typeface="배달의민족 도현" pitchFamily="50" charset="-127"/>
               </a:rPr>
@@ -8284,7 +8025,7 @@
           </a:lstStyle>
           <a:p>
             <a:r>
-              <a:rPr lang="en-US" altLang="ko-KR" dirty="0" smtClean="0">
+              <a:rPr lang="en-US" altLang="ko-KR" dirty="0">
                 <a:solidFill>
                   <a:schemeClr val="accent5"/>
                 </a:solidFill>
@@ -8294,7 +8035,7 @@
               <a:t>=&gt;</a:t>
             </a:r>
             <a:r>
-              <a:rPr lang="ko-KR" altLang="en-US" dirty="0" smtClean="0">
+              <a:rPr lang="ko-KR" altLang="en-US" dirty="0">
                 <a:solidFill>
                   <a:schemeClr val="accent5"/>
                 </a:solidFill>
@@ -8303,13 +8044,6 @@
               </a:rPr>
               <a:t>태그이름</a:t>
             </a:r>
-            <a:endParaRPr lang="ko-KR" altLang="en-US" dirty="0">
-              <a:solidFill>
-                <a:schemeClr val="accent5"/>
-              </a:solidFill>
-              <a:latin typeface="배달의민족 주아" pitchFamily="18" charset="-127"/>
-              <a:ea typeface="배달의민족 주아" pitchFamily="18" charset="-127"/>
-            </a:endParaRPr>
           </a:p>
         </p:txBody>
       </p:sp>
@@ -8483,7 +8217,7 @@
           <a:p>
             <a:pPr algn="l"/>
             <a:r>
-              <a:rPr lang="en-US" altLang="ko-KR" sz="3600" dirty="0" smtClean="0">
+              <a:rPr lang="en-US" altLang="ko-KR" sz="3600" dirty="0">
                 <a:latin typeface="배달의민족 주아" pitchFamily="18" charset="-127"/>
                 <a:ea typeface="배달의민족 주아" pitchFamily="18" charset="-127"/>
               </a:rPr>
@@ -8493,14 +8227,14 @@
           <a:p>
             <a:pPr algn="l"/>
             <a:r>
-              <a:rPr lang="en-US" altLang="ko-KR" sz="3600" dirty="0" smtClean="0">
+              <a:rPr lang="en-US" altLang="ko-KR" sz="3600" dirty="0">
                 <a:latin typeface="배달의민족 주아" pitchFamily="18" charset="-127"/>
                 <a:ea typeface="배달의민족 주아" pitchFamily="18" charset="-127"/>
               </a:rPr>
               <a:t>	&lt;h1&gt;</a:t>
             </a:r>
             <a:r>
-              <a:rPr lang="ko-KR" altLang="en-US" sz="3600" dirty="0" smtClean="0">
+              <a:rPr lang="ko-KR" altLang="en-US" sz="3600" dirty="0">
                 <a:latin typeface="배달의민족 주아" pitchFamily="18" charset="-127"/>
                 <a:ea typeface="배달의민족 주아" pitchFamily="18" charset="-127"/>
               </a:rPr>
@@ -8511,14 +8245,7 @@
                 <a:latin typeface="배달의민족 주아" pitchFamily="18" charset="-127"/>
                 <a:ea typeface="배달의민족 주아" pitchFamily="18" charset="-127"/>
               </a:rPr>
-              <a:t>.</a:t>
-            </a:r>
-            <a:r>
-              <a:rPr lang="en-US" altLang="ko-KR" sz="3600" dirty="0" smtClean="0">
-                <a:latin typeface="배달의민족 주아" pitchFamily="18" charset="-127"/>
-                <a:ea typeface="배달의민족 주아" pitchFamily="18" charset="-127"/>
-              </a:rPr>
-              <a:t>&lt;/h1&gt;</a:t>
+              <a:t>.&lt;/h1&gt;</a:t>
             </a:r>
           </a:p>
           <a:p>
@@ -8528,38 +8255,27 @@
                 <a:latin typeface="배달의민족 주아" pitchFamily="18" charset="-127"/>
                 <a:ea typeface="배달의민족 주아" pitchFamily="18" charset="-127"/>
               </a:rPr>
-              <a:t>	</a:t>
-            </a:r>
-            <a:r>
-              <a:rPr lang="en-US" altLang="ko-KR" sz="3600" dirty="0" smtClean="0">
-                <a:latin typeface="배달의민족 주아" pitchFamily="18" charset="-127"/>
-                <a:ea typeface="배달의민족 주아" pitchFamily="18" charset="-127"/>
-              </a:rPr>
-              <a:t>&lt;p&gt;</a:t>
-            </a:r>
-            <a:r>
-              <a:rPr lang="ko-KR" altLang="en-US" sz="3600" dirty="0" smtClean="0">
+              <a:t>	&lt;p&gt;</a:t>
+            </a:r>
+            <a:r>
+              <a:rPr lang="ko-KR" altLang="en-US" sz="3600" dirty="0">
                 <a:latin typeface="배달의민족 주아" pitchFamily="18" charset="-127"/>
                 <a:ea typeface="배달의민족 주아" pitchFamily="18" charset="-127"/>
               </a:rPr>
               <a:t>저도 뽑아줘요</a:t>
             </a:r>
             <a:r>
-              <a:rPr lang="en-US" altLang="ko-KR" sz="3600" dirty="0" smtClean="0">
+              <a:rPr lang="en-US" altLang="ko-KR" sz="3600" dirty="0">
                 <a:latin typeface="배달의민족 주아" pitchFamily="18" charset="-127"/>
                 <a:ea typeface="배달의민족 주아" pitchFamily="18" charset="-127"/>
               </a:rPr>
               <a:t>.&lt;/p&gt;</a:t>
             </a:r>
-            <a:endParaRPr lang="en-US" altLang="ko-KR" sz="3600" dirty="0">
-              <a:latin typeface="배달의민족 주아" pitchFamily="18" charset="-127"/>
-              <a:ea typeface="배달의민족 주아" pitchFamily="18" charset="-127"/>
-            </a:endParaRPr>
           </a:p>
           <a:p>
             <a:pPr algn="l"/>
             <a:r>
-              <a:rPr lang="en-US" altLang="ko-KR" sz="3600" dirty="0" smtClean="0">
+              <a:rPr lang="en-US" altLang="ko-KR" sz="3600" dirty="0">
                 <a:latin typeface="배달의민족 주아" pitchFamily="18" charset="-127"/>
                 <a:ea typeface="배달의민족 주아" pitchFamily="18" charset="-127"/>
               </a:rPr>
@@ -8685,7 +8401,7 @@
           </a:lstStyle>
           <a:p>
             <a:r>
-              <a:rPr lang="en-US" altLang="ko-KR" dirty="0" smtClean="0">
+              <a:rPr lang="en-US" altLang="ko-KR" dirty="0">
                 <a:solidFill>
                   <a:schemeClr val="accent5"/>
                 </a:solidFill>
@@ -8695,14 +8411,14 @@
               <a:t>S</a:t>
             </a:r>
             <a:r>
-              <a:rPr lang="en-US" altLang="ko-KR" dirty="0" smtClean="0">
+              <a:rPr lang="en-US" altLang="ko-KR" dirty="0">
                 <a:latin typeface="배달의민족 도현" pitchFamily="50" charset="-127"/>
                 <a:ea typeface="배달의민족 도현" pitchFamily="50" charset="-127"/>
               </a:rPr>
               <a:t>TART</a:t>
             </a:r>
             <a:r>
-              <a:rPr lang="en-US" altLang="ko-KR" dirty="0" smtClean="0">
+              <a:rPr lang="en-US" altLang="ko-KR" dirty="0">
                 <a:solidFill>
                   <a:schemeClr val="accent5"/>
                 </a:solidFill>
@@ -8712,7 +8428,7 @@
               <a:t>C</a:t>
             </a:r>
             <a:r>
-              <a:rPr lang="en-US" altLang="ko-KR" dirty="0" smtClean="0">
+              <a:rPr lang="en-US" altLang="ko-KR" dirty="0">
                 <a:latin typeface="배달의민족 도현" pitchFamily="50" charset="-127"/>
                 <a:ea typeface="배달의민족 도현" pitchFamily="50" charset="-127"/>
               </a:rPr>
@@ -8765,7 +8481,7 @@
           <a:p>
             <a:pPr algn="l"/>
             <a:r>
-              <a:rPr lang="en-US" altLang="ko-KR" sz="3200" dirty="0" smtClean="0">
+              <a:rPr lang="en-US" altLang="ko-KR" sz="3200" dirty="0">
                 <a:solidFill>
                   <a:schemeClr val="accent5"/>
                 </a:solidFill>
@@ -8775,7 +8491,7 @@
               <a:t>h1</a:t>
             </a:r>
             <a:r>
-              <a:rPr lang="en-US" altLang="ko-KR" sz="3200" dirty="0" smtClean="0">
+              <a:rPr lang="en-US" altLang="ko-KR" sz="3200" dirty="0">
                 <a:latin typeface="배달의민족 주아" pitchFamily="18" charset="-127"/>
                 <a:ea typeface="배달의민족 주아" pitchFamily="18" charset="-127"/>
               </a:rPr>
@@ -8824,7 +8540,7 @@
           <a:p>
             <a:pPr algn="l"/>
             <a:r>
-              <a:rPr lang="en-US" altLang="ko-KR" sz="3200" dirty="0" smtClean="0">
+              <a:rPr lang="en-US" altLang="ko-KR" sz="3200" dirty="0">
                 <a:latin typeface="배달의민족 주아" pitchFamily="18" charset="-127"/>
                 <a:ea typeface="배달의민족 주아" pitchFamily="18" charset="-127"/>
               </a:rPr>
@@ -8889,7 +8605,7 @@
           <a:lstStyle/>
           <a:p>
             <a:r>
-              <a:rPr lang="ko-KR" altLang="en-US" dirty="0" smtClean="0">
+              <a:rPr lang="ko-KR" altLang="en-US" dirty="0">
                 <a:solidFill>
                   <a:schemeClr val="accent5"/>
                 </a:solidFill>
@@ -8899,7 +8615,7 @@
               <a:t>태그 </a:t>
             </a:r>
             <a:r>
-              <a:rPr lang="ko-KR" altLang="en-US" dirty="0" err="1" smtClean="0">
+              <a:rPr lang="ko-KR" altLang="en-US" dirty="0" err="1">
                 <a:solidFill>
                   <a:schemeClr val="accent5"/>
                 </a:solidFill>
@@ -9175,28 +8891,28 @@
           <a:lstStyle/>
           <a:p>
             <a:r>
-              <a:rPr lang="ko-KR" altLang="en-US" dirty="0" smtClean="0">
+              <a:rPr lang="ko-KR" altLang="en-US" dirty="0">
                 <a:latin typeface="배달의민족 주아" pitchFamily="18" charset="-127"/>
                 <a:ea typeface="배달의민족 주아" pitchFamily="18" charset="-127"/>
               </a:rPr>
               <a:t>아이디</a:t>
             </a:r>
             <a:r>
-              <a:rPr lang="en-US" altLang="ko-KR" dirty="0" smtClean="0">
+              <a:rPr lang="en-US" altLang="ko-KR" dirty="0">
                 <a:latin typeface="배달의민족 주아" pitchFamily="18" charset="-127"/>
                 <a:ea typeface="배달의민족 주아" pitchFamily="18" charset="-127"/>
               </a:rPr>
               <a:t>(id)</a:t>
             </a:r>
             <a:r>
-              <a:rPr lang="ko-KR" altLang="en-US" dirty="0" smtClean="0">
+              <a:rPr lang="ko-KR" altLang="en-US" dirty="0">
                 <a:latin typeface="배달의민족 주아" pitchFamily="18" charset="-127"/>
                 <a:ea typeface="배달의민족 주아" pitchFamily="18" charset="-127"/>
               </a:rPr>
               <a:t> </a:t>
             </a:r>
             <a:r>
-              <a:rPr lang="ko-KR" altLang="en-US" dirty="0" err="1" smtClean="0">
+              <a:rPr lang="ko-KR" altLang="en-US" dirty="0" err="1">
                 <a:latin typeface="배달의민족 주아" pitchFamily="18" charset="-127"/>
                 <a:ea typeface="배달의민족 주아" pitchFamily="18" charset="-127"/>
               </a:rPr>
@@ -9326,7 +9042,7 @@
           </a:lstStyle>
           <a:p>
             <a:r>
-              <a:rPr lang="en-US" altLang="ko-KR" dirty="0" smtClean="0">
+              <a:rPr lang="en-US" altLang="ko-KR" dirty="0">
                 <a:solidFill>
                   <a:schemeClr val="accent5"/>
                 </a:solidFill>
@@ -9336,14 +9052,14 @@
               <a:t>S</a:t>
             </a:r>
             <a:r>
-              <a:rPr lang="en-US" altLang="ko-KR" dirty="0" smtClean="0">
+              <a:rPr lang="en-US" altLang="ko-KR" dirty="0">
                 <a:latin typeface="배달의민족 도현" pitchFamily="50" charset="-127"/>
                 <a:ea typeface="배달의민족 도현" pitchFamily="50" charset="-127"/>
               </a:rPr>
               <a:t>TART</a:t>
             </a:r>
             <a:r>
-              <a:rPr lang="en-US" altLang="ko-KR" dirty="0" smtClean="0">
+              <a:rPr lang="en-US" altLang="ko-KR" dirty="0">
                 <a:solidFill>
                   <a:schemeClr val="accent5"/>
                 </a:solidFill>
@@ -9353,7 +9069,7 @@
               <a:t>C</a:t>
             </a:r>
             <a:r>
-              <a:rPr lang="en-US" altLang="ko-KR" dirty="0" smtClean="0">
+              <a:rPr lang="en-US" altLang="ko-KR" dirty="0">
                 <a:latin typeface="배달의민족 도현" pitchFamily="50" charset="-127"/>
                 <a:ea typeface="배달의민족 도현" pitchFamily="50" charset="-127"/>
               </a:rPr>
@@ -9405,7 +9121,7 @@
           </a:lstStyle>
           <a:p>
             <a:r>
-              <a:rPr lang="en-US" altLang="ko-KR" dirty="0" smtClean="0">
+              <a:rPr lang="en-US" altLang="ko-KR" dirty="0">
                 <a:solidFill>
                   <a:schemeClr val="accent5"/>
                 </a:solidFill>
@@ -9415,7 +9131,7 @@
               <a:t>=&gt;</a:t>
             </a:r>
             <a:r>
-              <a:rPr lang="ko-KR" altLang="en-US" dirty="0" smtClean="0">
+              <a:rPr lang="ko-KR" altLang="en-US" dirty="0">
                 <a:solidFill>
                   <a:schemeClr val="accent5"/>
                 </a:solidFill>
@@ -9425,7 +9141,7 @@
               <a:t>특정 </a:t>
             </a:r>
             <a:r>
-              <a:rPr lang="ko-KR" altLang="en-US" dirty="0" err="1" smtClean="0">
+              <a:rPr lang="ko-KR" altLang="en-US" dirty="0" err="1">
                 <a:solidFill>
                   <a:schemeClr val="accent5"/>
                 </a:solidFill>
@@ -9614,7 +9330,7 @@
           <a:p>
             <a:pPr algn="l"/>
             <a:r>
-              <a:rPr lang="en-US" altLang="ko-KR" sz="2400" dirty="0" smtClean="0">
+              <a:rPr lang="en-US" altLang="ko-KR" sz="2400" dirty="0">
                 <a:latin typeface="배달의민족 주아" pitchFamily="18" charset="-127"/>
                 <a:ea typeface="배달의민족 주아" pitchFamily="18" charset="-127"/>
               </a:rPr>
@@ -9624,25 +9340,11 @@
           <a:p>
             <a:pPr algn="l"/>
             <a:r>
-              <a:rPr lang="en-US" altLang="ko-KR" sz="2400" dirty="0" smtClean="0">
-                <a:latin typeface="배달의민족 주아" pitchFamily="18" charset="-127"/>
-                <a:ea typeface="배달의민족 주아" pitchFamily="18" charset="-127"/>
-              </a:rPr>
-              <a:t>	&lt;p&gt;</a:t>
-            </a:r>
-            <a:r>
-              <a:rPr lang="ko-KR" altLang="en-US" sz="2400" dirty="0" smtClean="0">
-                <a:latin typeface="배달의민족 주아" pitchFamily="18" charset="-127"/>
-                <a:ea typeface="배달의민족 주아" pitchFamily="18" charset="-127"/>
-              </a:rPr>
-              <a:t>나만 선택해주세요</a:t>
-            </a:r>
-            <a:r>
-              <a:rPr lang="en-US" altLang="ko-KR" sz="2400" dirty="0" smtClean="0">
-                <a:latin typeface="배달의민족 주아" pitchFamily="18" charset="-127"/>
-                <a:ea typeface="배달의민족 주아" pitchFamily="18" charset="-127"/>
-              </a:rPr>
-              <a:t>&lt;/p&gt;</a:t>
+              <a:rPr lang="en-US" altLang="ko-KR" sz="2400" dirty="0">
+                <a:latin typeface="배달의민족 주아" pitchFamily="18" charset="-127"/>
+                <a:ea typeface="배달의민족 주아" pitchFamily="18" charset="-127"/>
+              </a:rPr>
+              <a:t>	&lt;p&gt;Pick this&lt;/p&gt;</a:t>
             </a:r>
           </a:p>
           <a:p>
@@ -9652,62 +9354,23 @@
                 <a:latin typeface="배달의민족 주아" pitchFamily="18" charset="-127"/>
                 <a:ea typeface="배달의민족 주아" pitchFamily="18" charset="-127"/>
               </a:rPr>
-              <a:t>	</a:t>
-            </a:r>
-            <a:r>
-              <a:rPr lang="en-US" altLang="ko-KR" sz="2400" dirty="0" smtClean="0">
-                <a:latin typeface="배달의민족 주아" pitchFamily="18" charset="-127"/>
-                <a:ea typeface="배달의민족 주아" pitchFamily="18" charset="-127"/>
-              </a:rPr>
-              <a:t>&lt;p&gt;</a:t>
-            </a:r>
-            <a:r>
-              <a:rPr lang="ko-KR" altLang="en-US" sz="2400" dirty="0" err="1" smtClean="0">
-                <a:latin typeface="배달의민족 주아" pitchFamily="18" charset="-127"/>
-                <a:ea typeface="배달의민족 주아" pitchFamily="18" charset="-127"/>
-              </a:rPr>
-              <a:t>선택하지마요</a:t>
-            </a:r>
-            <a:r>
-              <a:rPr lang="en-US" altLang="ko-KR" sz="2400" dirty="0" smtClean="0">
-                <a:latin typeface="배달의민족 주아" pitchFamily="18" charset="-127"/>
-                <a:ea typeface="배달의민족 주아" pitchFamily="18" charset="-127"/>
-              </a:rPr>
-              <a:t>&lt;/p&gt;</a:t>
+              <a:t>	&lt;p&gt;Do not pick this&lt;/p&gt;</a:t>
             </a:r>
           </a:p>
           <a:p>
             <a:pPr algn="l"/>
             <a:r>
-              <a:rPr lang="en-US" altLang="ko-KR" sz="2400" dirty="0" smtClean="0">
-                <a:latin typeface="배달의민족 주아" pitchFamily="18" charset="-127"/>
-                <a:ea typeface="배달의민족 주아" pitchFamily="18" charset="-127"/>
-              </a:rPr>
-              <a:t>	&lt;p&gt;</a:t>
-            </a:r>
-            <a:r>
-              <a:rPr lang="ko-KR" altLang="en-US" sz="2400" dirty="0" err="1" smtClean="0">
-                <a:latin typeface="배달의민족 주아" pitchFamily="18" charset="-127"/>
-                <a:ea typeface="배달의민족 주아" pitchFamily="18" charset="-127"/>
-              </a:rPr>
-              <a:t>선택하지마요</a:t>
-            </a:r>
-            <a:r>
-              <a:rPr lang="en-US" altLang="ko-KR" sz="2400" dirty="0" smtClean="0">
-                <a:latin typeface="배달의민족 주아" pitchFamily="18" charset="-127"/>
-                <a:ea typeface="배달의민족 주아" pitchFamily="18" charset="-127"/>
-              </a:rPr>
-              <a:t>&lt;/p&gt;</a:t>
-            </a:r>
-            <a:endParaRPr lang="en-US" altLang="ko-KR" sz="2400" dirty="0">
-              <a:latin typeface="배달의민족 주아" pitchFamily="18" charset="-127"/>
-              <a:ea typeface="배달의민족 주아" pitchFamily="18" charset="-127"/>
-            </a:endParaRPr>
+              <a:rPr lang="en-US" altLang="ko-KR" sz="2400" dirty="0">
+                <a:latin typeface="배달의민족 주아" pitchFamily="18" charset="-127"/>
+                <a:ea typeface="배달의민족 주아" pitchFamily="18" charset="-127"/>
+              </a:rPr>
+              <a:t>	&lt;p&gt;Do not pick this&lt;/p&gt;</a:t>
+            </a:r>
           </a:p>
           <a:p>
             <a:pPr algn="l"/>
             <a:r>
-              <a:rPr lang="en-US" altLang="ko-KR" sz="2400" dirty="0" smtClean="0">
+              <a:rPr lang="en-US" altLang="ko-KR" sz="2400" dirty="0">
                 <a:latin typeface="배달의민족 주아" pitchFamily="18" charset="-127"/>
                 <a:ea typeface="배달의민족 주아" pitchFamily="18" charset="-127"/>
               </a:rPr>
@@ -9833,7 +9496,7 @@
           </a:lstStyle>
           <a:p>
             <a:r>
-              <a:rPr lang="en-US" altLang="ko-KR" dirty="0" smtClean="0">
+              <a:rPr lang="en-US" altLang="ko-KR" dirty="0">
                 <a:solidFill>
                   <a:schemeClr val="accent5"/>
                 </a:solidFill>
@@ -9843,14 +9506,14 @@
               <a:t>S</a:t>
             </a:r>
             <a:r>
-              <a:rPr lang="en-US" altLang="ko-KR" dirty="0" smtClean="0">
+              <a:rPr lang="en-US" altLang="ko-KR" dirty="0">
                 <a:latin typeface="배달의민족 도현" pitchFamily="50" charset="-127"/>
                 <a:ea typeface="배달의민족 도현" pitchFamily="50" charset="-127"/>
               </a:rPr>
               <a:t>TART</a:t>
             </a:r>
             <a:r>
-              <a:rPr lang="en-US" altLang="ko-KR" dirty="0" smtClean="0">
+              <a:rPr lang="en-US" altLang="ko-KR" dirty="0">
                 <a:solidFill>
                   <a:schemeClr val="accent5"/>
                 </a:solidFill>
@@ -9860,7 +9523,7 @@
               <a:t>C</a:t>
             </a:r>
             <a:r>
-              <a:rPr lang="en-US" altLang="ko-KR" dirty="0" smtClean="0">
+              <a:rPr lang="en-US" altLang="ko-KR" dirty="0">
                 <a:latin typeface="배달의민족 도현" pitchFamily="50" charset="-127"/>
                 <a:ea typeface="배달의민족 도현" pitchFamily="50" charset="-127"/>
               </a:rPr>
@@ -9913,7 +9576,7 @@
           <a:p>
             <a:pPr algn="l"/>
             <a:r>
-              <a:rPr lang="en-US" altLang="ko-KR" sz="3600" dirty="0" smtClean="0">
+              <a:rPr lang="en-US" altLang="ko-KR" sz="3600" dirty="0">
                 <a:solidFill>
                   <a:schemeClr val="accent5"/>
                 </a:solidFill>
@@ -9923,7 +9586,7 @@
               <a:t>#hello </a:t>
             </a:r>
             <a:r>
-              <a:rPr lang="en-US" altLang="ko-KR" sz="3600" dirty="0" smtClean="0">
+              <a:rPr lang="en-US" altLang="ko-KR" sz="3600" dirty="0">
                 <a:latin typeface="배달의민족 주아" pitchFamily="18" charset="-127"/>
                 <a:ea typeface="배달의민족 주아" pitchFamily="18" charset="-127"/>
               </a:rPr>
@@ -9988,37 +9651,17 @@
           <a:lstStyle/>
           <a:p>
             <a:r>
-              <a:rPr lang="ko-KR" altLang="en-US" dirty="0" smtClean="0">
+              <a:rPr lang="ko-KR" altLang="en-US" dirty="0">
                 <a:solidFill>
                   <a:schemeClr val="accent5"/>
                 </a:solidFill>
                 <a:latin typeface="배달의민족 도현" pitchFamily="50" charset="-127"/>
                 <a:ea typeface="배달의민족 도현" pitchFamily="50" charset="-127"/>
               </a:rPr>
-              <a:t>아이</a:t>
-            </a:r>
-            <a:r>
-              <a:rPr lang="ko-KR" altLang="en-US" dirty="0">
-                <a:solidFill>
-                  <a:schemeClr val="accent5"/>
-                </a:solidFill>
-                <a:latin typeface="배달의민족 도현" pitchFamily="50" charset="-127"/>
-                <a:ea typeface="배달의민족 도현" pitchFamily="50" charset="-127"/>
-              </a:rPr>
-              <a:t>디</a:t>
-            </a:r>
-            <a:r>
-              <a:rPr lang="ko-KR" altLang="en-US" dirty="0" smtClean="0">
-                <a:solidFill>
-                  <a:schemeClr val="accent5"/>
-                </a:solidFill>
-                <a:latin typeface="배달의민족 도현" pitchFamily="50" charset="-127"/>
-                <a:ea typeface="배달의민족 도현" pitchFamily="50" charset="-127"/>
-              </a:rPr>
-              <a:t> </a:t>
-            </a:r>
-            <a:r>
-              <a:rPr lang="ko-KR" altLang="en-US" dirty="0" err="1" smtClean="0">
+              <a:t>아이디 </a:t>
+            </a:r>
+            <a:r>
+              <a:rPr lang="ko-KR" altLang="en-US" dirty="0" err="1">
                 <a:solidFill>
                   <a:schemeClr val="accent5"/>
                 </a:solidFill>
@@ -10091,7 +9734,7 @@
           <a:p>
             <a:pPr algn="l"/>
             <a:r>
-              <a:rPr lang="en-US" altLang="ko-KR" sz="2400" dirty="0" smtClean="0">
+              <a:rPr lang="en-US" altLang="ko-KR" sz="2400" dirty="0">
                 <a:latin typeface="배달의민족 주아" pitchFamily="18" charset="-127"/>
                 <a:ea typeface="배달의민족 주아" pitchFamily="18" charset="-127"/>
               </a:rPr>
@@ -10101,42 +9744,11 @@
           <a:p>
             <a:pPr algn="l"/>
             <a:r>
-              <a:rPr lang="en-US" altLang="ko-KR" sz="2400" dirty="0" smtClean="0">
-                <a:latin typeface="배달의민족 주아" pitchFamily="18" charset="-127"/>
-                <a:ea typeface="배달의민족 주아" pitchFamily="18" charset="-127"/>
-              </a:rPr>
-              <a:t>	&lt;p </a:t>
-            </a:r>
-            <a:r>
-              <a:rPr lang="en-US" altLang="ko-KR" sz="2400" dirty="0" smtClean="0">
-                <a:solidFill>
-                  <a:schemeClr val="accent5"/>
-                </a:solidFill>
-                <a:latin typeface="배달의민족 주아" pitchFamily="18" charset="-127"/>
-                <a:ea typeface="배달의민족 주아" pitchFamily="18" charset="-127"/>
-              </a:rPr>
-              <a:t>id=“”hello”” </a:t>
-            </a:r>
-            <a:r>
-              <a:rPr lang="en-US" altLang="ko-KR" sz="2400" dirty="0" smtClean="0">
-                <a:latin typeface="배달의민족 주아" pitchFamily="18" charset="-127"/>
-                <a:ea typeface="배달의민족 주아" pitchFamily="18" charset="-127"/>
-              </a:rPr>
-              <a:t>&gt;</a:t>
-            </a:r>
-            <a:r>
-              <a:rPr lang="ko-KR" altLang="en-US" sz="2400" dirty="0">
-                <a:latin typeface="배달의민족 주아" pitchFamily="18" charset="-127"/>
-                <a:ea typeface="배달의민족 주아" pitchFamily="18" charset="-127"/>
-              </a:rPr>
-              <a:t> 나만 선택해주세요 </a:t>
-            </a:r>
-            <a:r>
-              <a:rPr lang="en-US" altLang="ko-KR" sz="2400" dirty="0" smtClean="0">
-                <a:latin typeface="배달의민족 주아" pitchFamily="18" charset="-127"/>
-                <a:ea typeface="배달의민족 주아" pitchFamily="18" charset="-127"/>
-              </a:rPr>
-              <a:t>&lt;/p&gt;</a:t>
+              <a:rPr lang="en-US" altLang="ko-KR" sz="2400" dirty="0">
+                <a:latin typeface="배달의민족 주아" pitchFamily="18" charset="-127"/>
+                <a:ea typeface="배달의민족 주아" pitchFamily="18" charset="-127"/>
+              </a:rPr>
+              <a:t>	&lt;p id="title"&gt;Pick this&lt;/p&gt;</a:t>
             </a:r>
           </a:p>
           <a:p>
@@ -10146,62 +9758,23 @@
                 <a:latin typeface="배달의민족 주아" pitchFamily="18" charset="-127"/>
                 <a:ea typeface="배달의민족 주아" pitchFamily="18" charset="-127"/>
               </a:rPr>
-              <a:t>	</a:t>
-            </a:r>
-            <a:r>
-              <a:rPr lang="en-US" altLang="ko-KR" sz="2400" dirty="0" smtClean="0">
-                <a:latin typeface="배달의민족 주아" pitchFamily="18" charset="-127"/>
-                <a:ea typeface="배달의민족 주아" pitchFamily="18" charset="-127"/>
-              </a:rPr>
-              <a:t>&lt;p&gt;</a:t>
-            </a:r>
-            <a:r>
-              <a:rPr lang="ko-KR" altLang="en-US" sz="2400" dirty="0" err="1" smtClean="0">
-                <a:latin typeface="배달의민족 주아" pitchFamily="18" charset="-127"/>
-                <a:ea typeface="배달의민족 주아" pitchFamily="18" charset="-127"/>
-              </a:rPr>
-              <a:t>선택하지마요</a:t>
-            </a:r>
-            <a:r>
-              <a:rPr lang="en-US" altLang="ko-KR" sz="2400" dirty="0" smtClean="0">
-                <a:latin typeface="배달의민족 주아" pitchFamily="18" charset="-127"/>
-                <a:ea typeface="배달의민족 주아" pitchFamily="18" charset="-127"/>
-              </a:rPr>
-              <a:t>&lt;/p&gt;</a:t>
+              <a:t>	&lt;p&gt;Do not pick this&lt;/p&gt;</a:t>
             </a:r>
           </a:p>
           <a:p>
             <a:pPr algn="l"/>
             <a:r>
-              <a:rPr lang="en-US" altLang="ko-KR" sz="2400" dirty="0" smtClean="0">
-                <a:latin typeface="배달의민족 주아" pitchFamily="18" charset="-127"/>
-                <a:ea typeface="배달의민족 주아" pitchFamily="18" charset="-127"/>
-              </a:rPr>
-              <a:t>	&lt;p&gt;</a:t>
-            </a:r>
-            <a:r>
-              <a:rPr lang="ko-KR" altLang="en-US" sz="2400" dirty="0" err="1" smtClean="0">
-                <a:latin typeface="배달의민족 주아" pitchFamily="18" charset="-127"/>
-                <a:ea typeface="배달의민족 주아" pitchFamily="18" charset="-127"/>
-              </a:rPr>
-              <a:t>선택하지마요</a:t>
-            </a:r>
-            <a:r>
-              <a:rPr lang="en-US" altLang="ko-KR" sz="2400" dirty="0" smtClean="0">
-                <a:latin typeface="배달의민족 주아" pitchFamily="18" charset="-127"/>
-                <a:ea typeface="배달의민족 주아" pitchFamily="18" charset="-127"/>
-              </a:rPr>
-              <a:t>&lt;/p&gt;</a:t>
-            </a:r>
-            <a:endParaRPr lang="en-US" altLang="ko-KR" sz="2400" dirty="0">
-              <a:latin typeface="배달의민족 주아" pitchFamily="18" charset="-127"/>
-              <a:ea typeface="배달의민족 주아" pitchFamily="18" charset="-127"/>
-            </a:endParaRPr>
+              <a:rPr lang="en-US" altLang="ko-KR" sz="2400" dirty="0">
+                <a:latin typeface="배달의민족 주아" pitchFamily="18" charset="-127"/>
+                <a:ea typeface="배달의민족 주아" pitchFamily="18" charset="-127"/>
+              </a:rPr>
+              <a:t>	&lt;p&gt;Do not pick this&lt;/p&gt;</a:t>
+            </a:r>
           </a:p>
           <a:p>
             <a:pPr algn="l"/>
             <a:r>
-              <a:rPr lang="en-US" altLang="ko-KR" sz="2400" dirty="0" smtClean="0">
+              <a:rPr lang="en-US" altLang="ko-KR" sz="2400" dirty="0">
                 <a:latin typeface="배달의민족 주아" pitchFamily="18" charset="-127"/>
                 <a:ea typeface="배달의민족 주아" pitchFamily="18" charset="-127"/>
               </a:rPr>
@@ -10467,35 +10040,28 @@
           <a:lstStyle/>
           <a:p>
             <a:r>
-              <a:rPr lang="ko-KR" altLang="en-US" dirty="0" smtClean="0">
-                <a:latin typeface="배달의민족 주아" pitchFamily="18" charset="-127"/>
-                <a:ea typeface="배달의민족 주아" pitchFamily="18" charset="-127"/>
-              </a:rPr>
-              <a:t>클래</a:t>
-            </a:r>
-            <a:r>
               <a:rPr lang="ko-KR" altLang="en-US" dirty="0">
                 <a:latin typeface="배달의민족 주아" pitchFamily="18" charset="-127"/>
                 <a:ea typeface="배달의민족 주아" pitchFamily="18" charset="-127"/>
               </a:rPr>
-              <a:t>스</a:t>
-            </a:r>
-            <a:r>
-              <a:rPr lang="en-US" altLang="ko-KR" dirty="0" smtClean="0">
+              <a:t>클래스</a:t>
+            </a:r>
+            <a:r>
+              <a:rPr lang="en-US" altLang="ko-KR" dirty="0">
                 <a:latin typeface="배달의민족 주아" pitchFamily="18" charset="-127"/>
                 <a:ea typeface="배달의민족 주아" pitchFamily="18" charset="-127"/>
               </a:rPr>
               <a:t>(class)</a:t>
             </a:r>
             <a:r>
-              <a:rPr lang="ko-KR" altLang="en-US" dirty="0" smtClean="0">
+              <a:rPr lang="ko-KR" altLang="en-US" dirty="0">
                 <a:latin typeface="배달의민족 주아" pitchFamily="18" charset="-127"/>
                 <a:ea typeface="배달의민족 주아" pitchFamily="18" charset="-127"/>
               </a:rPr>
               <a:t> </a:t>
             </a:r>
             <a:r>
-              <a:rPr lang="ko-KR" altLang="en-US" dirty="0" err="1" smtClean="0">
+              <a:rPr lang="ko-KR" altLang="en-US" dirty="0" err="1">
                 <a:latin typeface="배달의민족 주아" pitchFamily="18" charset="-127"/>
                 <a:ea typeface="배달의민족 주아" pitchFamily="18" charset="-127"/>
               </a:rPr>
@@ -10625,7 +10191,7 @@
           </a:lstStyle>
           <a:p>
             <a:r>
-              <a:rPr lang="en-US" altLang="ko-KR" dirty="0" smtClean="0">
+              <a:rPr lang="en-US" altLang="ko-KR" dirty="0">
                 <a:solidFill>
                   <a:schemeClr val="accent5"/>
                 </a:solidFill>
@@ -10635,14 +10201,14 @@
               <a:t>S</a:t>
             </a:r>
             <a:r>
-              <a:rPr lang="en-US" altLang="ko-KR" dirty="0" smtClean="0">
+              <a:rPr lang="en-US" altLang="ko-KR" dirty="0">
                 <a:latin typeface="배달의민족 도현" pitchFamily="50" charset="-127"/>
                 <a:ea typeface="배달의민족 도현" pitchFamily="50" charset="-127"/>
               </a:rPr>
               <a:t>TART</a:t>
             </a:r>
             <a:r>
-              <a:rPr lang="en-US" altLang="ko-KR" dirty="0" smtClean="0">
+              <a:rPr lang="en-US" altLang="ko-KR" dirty="0">
                 <a:solidFill>
                   <a:schemeClr val="accent5"/>
                 </a:solidFill>
@@ -10652,7 +10218,7 @@
               <a:t>C</a:t>
             </a:r>
             <a:r>
-              <a:rPr lang="en-US" altLang="ko-KR" dirty="0" smtClean="0">
+              <a:rPr lang="en-US" altLang="ko-KR" dirty="0">
                 <a:latin typeface="배달의민족 도현" pitchFamily="50" charset="-127"/>
                 <a:ea typeface="배달의민족 도현" pitchFamily="50" charset="-127"/>
               </a:rPr>
@@ -10704,7 +10270,7 @@
           </a:lstStyle>
           <a:p>
             <a:r>
-              <a:rPr lang="en-US" altLang="ko-KR" dirty="0" smtClean="0">
+              <a:rPr lang="en-US" altLang="ko-KR" dirty="0">
                 <a:solidFill>
                   <a:schemeClr val="accent5"/>
                 </a:solidFill>
@@ -10714,7 +10280,7 @@
               <a:t>=&gt;</a:t>
             </a:r>
             <a:r>
-              <a:rPr lang="ko-KR" altLang="en-US" dirty="0" err="1" smtClean="0">
+              <a:rPr lang="ko-KR" altLang="en-US" dirty="0" err="1">
                 <a:solidFill>
                   <a:schemeClr val="accent5"/>
                 </a:solidFill>
@@ -10903,7 +10469,7 @@
           <a:p>
             <a:pPr algn="l"/>
             <a:r>
-              <a:rPr lang="en-US" altLang="ko-KR" sz="2400" dirty="0" smtClean="0">
+              <a:rPr lang="en-US" altLang="ko-KR" sz="2400" dirty="0">
                 <a:latin typeface="배달의민족 주아" pitchFamily="18" charset="-127"/>
                 <a:ea typeface="배달의민족 주아" pitchFamily="18" charset="-127"/>
               </a:rPr>
@@ -10913,25 +10479,11 @@
           <a:p>
             <a:pPr algn="l"/>
             <a:r>
-              <a:rPr lang="en-US" altLang="ko-KR" sz="2400" dirty="0" smtClean="0">
-                <a:latin typeface="배달의민족 주아" pitchFamily="18" charset="-127"/>
-                <a:ea typeface="배달의민족 주아" pitchFamily="18" charset="-127"/>
-              </a:rPr>
-              <a:t>	&lt;p&gt;</a:t>
-            </a:r>
-            <a:r>
-              <a:rPr lang="ko-KR" altLang="en-US" sz="2400" dirty="0" err="1" smtClean="0">
-                <a:latin typeface="배달의민족 주아" pitchFamily="18" charset="-127"/>
-                <a:ea typeface="배달의민족 주아" pitchFamily="18" charset="-127"/>
-              </a:rPr>
-              <a:t>선택하지마요</a:t>
-            </a:r>
-            <a:r>
-              <a:rPr lang="en-US" altLang="ko-KR" sz="2400" dirty="0" smtClean="0">
-                <a:latin typeface="배달의민족 주아" pitchFamily="18" charset="-127"/>
-                <a:ea typeface="배달의민족 주아" pitchFamily="18" charset="-127"/>
-              </a:rPr>
-              <a:t>&lt;/p&gt;</a:t>
+              <a:rPr lang="en-US" altLang="ko-KR" sz="2400" dirty="0">
+                <a:latin typeface="배달의민족 주아" pitchFamily="18" charset="-127"/>
+                <a:ea typeface="배달의민족 주아" pitchFamily="18" charset="-127"/>
+              </a:rPr>
+              <a:t>	&lt;p&gt;Do not pick this&lt;/p&gt;</a:t>
             </a:r>
           </a:p>
           <a:p>
@@ -10941,62 +10493,23 @@
                 <a:latin typeface="배달의민족 주아" pitchFamily="18" charset="-127"/>
                 <a:ea typeface="배달의민족 주아" pitchFamily="18" charset="-127"/>
               </a:rPr>
-              <a:t>	</a:t>
-            </a:r>
-            <a:r>
-              <a:rPr lang="en-US" altLang="ko-KR" sz="2400" dirty="0" smtClean="0">
-                <a:latin typeface="배달의민족 주아" pitchFamily="18" charset="-127"/>
-                <a:ea typeface="배달의민족 주아" pitchFamily="18" charset="-127"/>
-              </a:rPr>
-              <a:t>&lt;p&gt;</a:t>
-            </a:r>
-            <a:r>
-              <a:rPr lang="ko-KR" altLang="en-US" sz="2400" dirty="0" smtClean="0">
-                <a:latin typeface="배달의민족 주아" pitchFamily="18" charset="-127"/>
-                <a:ea typeface="배달의민족 주아" pitchFamily="18" charset="-127"/>
-              </a:rPr>
-              <a:t>나를 뽑아주세요</a:t>
-            </a:r>
-            <a:r>
-              <a:rPr lang="en-US" altLang="ko-KR" sz="2400" dirty="0" smtClean="0">
-                <a:latin typeface="배달의민족 주아" pitchFamily="18" charset="-127"/>
-                <a:ea typeface="배달의민족 주아" pitchFamily="18" charset="-127"/>
-              </a:rPr>
-              <a:t>&lt;/p&gt;</a:t>
+              <a:t>	&lt;p&gt;Pick this&lt;/p&gt;</a:t>
             </a:r>
           </a:p>
           <a:p>
             <a:pPr algn="l"/>
             <a:r>
-              <a:rPr lang="en-US" altLang="ko-KR" sz="2400" dirty="0" smtClean="0">
-                <a:latin typeface="배달의민족 주아" pitchFamily="18" charset="-127"/>
-                <a:ea typeface="배달의민족 주아" pitchFamily="18" charset="-127"/>
-              </a:rPr>
-              <a:t>	&lt;p&gt;</a:t>
-            </a:r>
-            <a:r>
-              <a:rPr lang="ko-KR" altLang="en-US" sz="2400" dirty="0" smtClean="0">
-                <a:latin typeface="배달의민족 주아" pitchFamily="18" charset="-127"/>
-                <a:ea typeface="배달의민족 주아" pitchFamily="18" charset="-127"/>
-              </a:rPr>
-              <a:t>나도 뽑아주세요</a:t>
-            </a:r>
-            <a:r>
-              <a:rPr lang="en-US" altLang="ko-KR" sz="2400" dirty="0" smtClean="0">
-                <a:latin typeface="배달의민족 주아" pitchFamily="18" charset="-127"/>
-                <a:ea typeface="배달의민족 주아" pitchFamily="18" charset="-127"/>
-              </a:rPr>
-              <a:t>&lt;/p&gt;</a:t>
-            </a:r>
-            <a:endParaRPr lang="en-US" altLang="ko-KR" sz="2400" dirty="0">
-              <a:latin typeface="배달의민족 주아" pitchFamily="18" charset="-127"/>
-              <a:ea typeface="배달의민족 주아" pitchFamily="18" charset="-127"/>
-            </a:endParaRPr>
+              <a:rPr lang="en-US" altLang="ko-KR" sz="2400" dirty="0">
+                <a:latin typeface="배달의민족 주아" pitchFamily="18" charset="-127"/>
+                <a:ea typeface="배달의민족 주아" pitchFamily="18" charset="-127"/>
+              </a:rPr>
+              <a:t>	&lt;p&gt;Pick this&lt;/p&gt;</a:t>
+            </a:r>
           </a:p>
           <a:p>
             <a:pPr algn="l"/>
             <a:r>
-              <a:rPr lang="en-US" altLang="ko-KR" sz="2400" dirty="0" smtClean="0">
+              <a:rPr lang="en-US" altLang="ko-KR" sz="2400" dirty="0">
                 <a:latin typeface="배달의민족 주아" pitchFamily="18" charset="-127"/>
                 <a:ea typeface="배달의민족 주아" pitchFamily="18" charset="-127"/>
               </a:rPr>
@@ -11122,7 +10635,7 @@
           </a:lstStyle>
           <a:p>
             <a:r>
-              <a:rPr lang="en-US" altLang="ko-KR" dirty="0" smtClean="0">
+              <a:rPr lang="en-US" altLang="ko-KR" dirty="0">
                 <a:solidFill>
                   <a:schemeClr val="accent5"/>
                 </a:solidFill>
@@ -11132,14 +10645,14 @@
               <a:t>S</a:t>
             </a:r>
             <a:r>
-              <a:rPr lang="en-US" altLang="ko-KR" dirty="0" smtClean="0">
+              <a:rPr lang="en-US" altLang="ko-KR" dirty="0">
                 <a:latin typeface="배달의민족 도현" pitchFamily="50" charset="-127"/>
                 <a:ea typeface="배달의민족 도현" pitchFamily="50" charset="-127"/>
               </a:rPr>
               <a:t>TART</a:t>
             </a:r>
             <a:r>
-              <a:rPr lang="en-US" altLang="ko-KR" dirty="0" smtClean="0">
+              <a:rPr lang="en-US" altLang="ko-KR" dirty="0">
                 <a:solidFill>
                   <a:schemeClr val="accent5"/>
                 </a:solidFill>
@@ -11149,7 +10662,7 @@
               <a:t>C</a:t>
             </a:r>
             <a:r>
-              <a:rPr lang="en-US" altLang="ko-KR" dirty="0" smtClean="0">
+              <a:rPr lang="en-US" altLang="ko-KR" dirty="0">
                 <a:latin typeface="배달의민족 도현" pitchFamily="50" charset="-127"/>
                 <a:ea typeface="배달의민족 도현" pitchFamily="50" charset="-127"/>
               </a:rPr>
@@ -11202,7 +10715,7 @@
           <a:p>
             <a:pPr algn="l"/>
             <a:r>
-              <a:rPr lang="en-US" altLang="ko-KR" sz="3600" dirty="0" smtClean="0">
+              <a:rPr lang="en-US" altLang="ko-KR" sz="3600" dirty="0">
                 <a:solidFill>
                   <a:schemeClr val="accent5"/>
                 </a:solidFill>
@@ -11212,7 +10725,7 @@
               <a:t>.large </a:t>
             </a:r>
             <a:r>
-              <a:rPr lang="en-US" altLang="ko-KR" sz="3600" dirty="0" smtClean="0">
+              <a:rPr lang="en-US" altLang="ko-KR" sz="3600" dirty="0">
                 <a:latin typeface="배달의민족 주아" pitchFamily="18" charset="-127"/>
                 <a:ea typeface="배달의민족 주아" pitchFamily="18" charset="-127"/>
               </a:rPr>
@@ -11277,37 +10790,17 @@
           <a:lstStyle/>
           <a:p>
             <a:r>
-              <a:rPr lang="ko-KR" altLang="en-US" dirty="0" smtClean="0">
+              <a:rPr lang="ko-KR" altLang="en-US" dirty="0">
                 <a:solidFill>
                   <a:schemeClr val="accent5"/>
                 </a:solidFill>
                 <a:latin typeface="배달의민족 도현" pitchFamily="50" charset="-127"/>
                 <a:ea typeface="배달의민족 도현" pitchFamily="50" charset="-127"/>
               </a:rPr>
-              <a:t>클래</a:t>
-            </a:r>
-            <a:r>
-              <a:rPr lang="ko-KR" altLang="en-US" dirty="0">
-                <a:solidFill>
-                  <a:schemeClr val="accent5"/>
-                </a:solidFill>
-                <a:latin typeface="배달의민족 도현" pitchFamily="50" charset="-127"/>
-                <a:ea typeface="배달의민족 도현" pitchFamily="50" charset="-127"/>
-              </a:rPr>
-              <a:t>스</a:t>
-            </a:r>
-            <a:r>
-              <a:rPr lang="ko-KR" altLang="en-US" dirty="0" smtClean="0">
-                <a:solidFill>
-                  <a:schemeClr val="accent5"/>
-                </a:solidFill>
-                <a:latin typeface="배달의민족 도현" pitchFamily="50" charset="-127"/>
-                <a:ea typeface="배달의민족 도현" pitchFamily="50" charset="-127"/>
-              </a:rPr>
-              <a:t> </a:t>
-            </a:r>
-            <a:r>
-              <a:rPr lang="ko-KR" altLang="en-US" dirty="0" err="1" smtClean="0">
+              <a:t>클래스 </a:t>
+            </a:r>
+            <a:r>
+              <a:rPr lang="ko-KR" altLang="en-US" dirty="0" err="1">
                 <a:solidFill>
                   <a:schemeClr val="accent5"/>
                 </a:solidFill>
@@ -11380,7 +10873,7 @@
           <a:p>
             <a:pPr algn="l"/>
             <a:r>
-              <a:rPr lang="en-US" altLang="ko-KR" sz="2400" dirty="0" smtClean="0">
+              <a:rPr lang="en-US" altLang="ko-KR" sz="2400" dirty="0">
                 <a:latin typeface="배달의민족 주아" pitchFamily="18" charset="-127"/>
                 <a:ea typeface="배달의민족 주아" pitchFamily="18" charset="-127"/>
               </a:rPr>
@@ -11390,25 +10883,11 @@
           <a:p>
             <a:pPr algn="l"/>
             <a:r>
-              <a:rPr lang="en-US" altLang="ko-KR" sz="2400" dirty="0" smtClean="0">
-                <a:latin typeface="배달의민족 주아" pitchFamily="18" charset="-127"/>
-                <a:ea typeface="배달의민족 주아" pitchFamily="18" charset="-127"/>
-              </a:rPr>
-              <a:t>	&lt;p&gt;</a:t>
-            </a:r>
-            <a:r>
-              <a:rPr lang="ko-KR" altLang="en-US" sz="2400" dirty="0" err="1" smtClean="0">
-                <a:latin typeface="배달의민족 주아" pitchFamily="18" charset="-127"/>
-                <a:ea typeface="배달의민족 주아" pitchFamily="18" charset="-127"/>
-              </a:rPr>
-              <a:t>선택하지마요</a:t>
-            </a:r>
-            <a:r>
-              <a:rPr lang="en-US" altLang="ko-KR" sz="2400" dirty="0" smtClean="0">
-                <a:latin typeface="배달의민족 주아" pitchFamily="18" charset="-127"/>
-                <a:ea typeface="배달의민족 주아" pitchFamily="18" charset="-127"/>
-              </a:rPr>
-              <a:t>&lt;/p&gt;</a:t>
+              <a:rPr lang="en-US" altLang="ko-KR" sz="2400" dirty="0">
+                <a:latin typeface="배달의민족 주아" pitchFamily="18" charset="-127"/>
+                <a:ea typeface="배달의민족 주아" pitchFamily="18" charset="-127"/>
+              </a:rPr>
+              <a:t>	&lt;p&gt;Do not pick this&lt;/p&gt;</a:t>
             </a:r>
           </a:p>
           <a:p>
@@ -11418,17 +10897,10 @@
                 <a:latin typeface="배달의민족 주아" pitchFamily="18" charset="-127"/>
                 <a:ea typeface="배달의민족 주아" pitchFamily="18" charset="-127"/>
               </a:rPr>
-              <a:t>	</a:t>
-            </a:r>
-            <a:r>
-              <a:rPr lang="en-US" altLang="ko-KR" sz="2400" dirty="0" smtClean="0">
-                <a:latin typeface="배달의민족 주아" pitchFamily="18" charset="-127"/>
-                <a:ea typeface="배달의민족 주아" pitchFamily="18" charset="-127"/>
-              </a:rPr>
-              <a:t>&lt;p </a:t>
-            </a:r>
-            <a:r>
-              <a:rPr lang="en-US" altLang="ko-KR" sz="2400" dirty="0" smtClean="0">
+              <a:t>	&lt;p </a:t>
+            </a:r>
+            <a:r>
+              <a:rPr lang="en-US" altLang="ko-KR" sz="2400" dirty="0">
                 <a:solidFill>
                   <a:schemeClr val="accent5"/>
                 </a:solidFill>
@@ -11438,42 +10910,21 @@
               <a:t>class=“”large”” </a:t>
             </a:r>
             <a:r>
-              <a:rPr lang="en-US" altLang="ko-KR" sz="2400" dirty="0" smtClean="0">
-                <a:latin typeface="배달의민족 주아" pitchFamily="18" charset="-127"/>
-                <a:ea typeface="배달의민족 주아" pitchFamily="18" charset="-127"/>
-              </a:rPr>
-              <a:t>&gt;</a:t>
-            </a:r>
-            <a:r>
-              <a:rPr lang="ko-KR" altLang="en-US" sz="2400" dirty="0" smtClean="0">
-                <a:latin typeface="배달의민족 주아" pitchFamily="18" charset="-127"/>
-                <a:ea typeface="배달의민족 주아" pitchFamily="18" charset="-127"/>
-              </a:rPr>
-              <a:t>나를 뽑아주세요</a:t>
-            </a:r>
-            <a:r>
-              <a:rPr lang="en-US" altLang="ko-KR" sz="2400" dirty="0" smtClean="0">
-                <a:latin typeface="배달의민족 주아" pitchFamily="18" charset="-127"/>
-                <a:ea typeface="배달의민족 주아" pitchFamily="18" charset="-127"/>
-              </a:rPr>
-              <a:t>&lt;/p&gt;</a:t>
+              <a:rPr lang="en-US" altLang="ko-KR" sz="2400" dirty="0">
+                <a:latin typeface="배달의민족 주아" pitchFamily="18" charset="-127"/>
+                <a:ea typeface="배달의민족 주아" pitchFamily="18" charset="-127"/>
+              </a:rPr>
+              <a:t>&gt;Pick this&lt;/p&gt;</a:t>
             </a:r>
           </a:p>
           <a:p>
             <a:pPr algn="l"/>
             <a:r>
-              <a:rPr lang="en-US" altLang="ko-KR" sz="2400" dirty="0" smtClean="0">
-                <a:latin typeface="배달의민족 주아" pitchFamily="18" charset="-127"/>
-                <a:ea typeface="배달의민족 주아" pitchFamily="18" charset="-127"/>
-              </a:rPr>
-              <a:t>	</a:t>
-            </a:r>
-            <a:r>
               <a:rPr lang="en-US" altLang="ko-KR" sz="2400" dirty="0">
                 <a:latin typeface="배달의민족 주아" pitchFamily="18" charset="-127"/>
                 <a:ea typeface="배달의민족 주아" pitchFamily="18" charset="-127"/>
               </a:rPr>
-              <a:t>&lt;p </a:t>
+              <a:t>	&lt;p </a:t>
             </a:r>
             <a:r>
               <a:rPr lang="en-US" altLang="ko-KR" sz="2400" dirty="0">
@@ -11483,48 +10934,20 @@
                 <a:latin typeface="배달의민족 주아" pitchFamily="18" charset="-127"/>
                 <a:ea typeface="배달의민족 주아" pitchFamily="18" charset="-127"/>
               </a:rPr>
-              <a:t>class=“”large</a:t>
-            </a:r>
-            <a:r>
-              <a:rPr lang="en-US" altLang="ko-KR" sz="2400" dirty="0" smtClean="0">
-                <a:solidFill>
-                  <a:schemeClr val="accent5"/>
-                </a:solidFill>
-                <a:latin typeface="배달의민족 주아" pitchFamily="18" charset="-127"/>
-                <a:ea typeface="배달의민족 주아" pitchFamily="18" charset="-127"/>
-              </a:rPr>
-              <a:t>”” </a:t>
-            </a:r>
-            <a:r>
-              <a:rPr lang="en-US" altLang="ko-KR" sz="2400" dirty="0" smtClean="0">
-                <a:latin typeface="배달의민족 주아" pitchFamily="18" charset="-127"/>
-                <a:ea typeface="배달의민족 주아" pitchFamily="18" charset="-127"/>
-              </a:rPr>
-              <a:t>&gt;</a:t>
-            </a:r>
-            <a:r>
-              <a:rPr lang="ko-KR" altLang="en-US" sz="2400" dirty="0" smtClean="0">
-                <a:latin typeface="배달의민족 주아" pitchFamily="18" charset="-127"/>
-                <a:ea typeface="배달의민족 주아" pitchFamily="18" charset="-127"/>
-              </a:rPr>
-              <a:t>나도 뽑아주세요</a:t>
-            </a:r>
-            <a:r>
-              <a:rPr lang="en-US" altLang="ko-KR" sz="2400" dirty="0" smtClean="0">
-                <a:latin typeface="배달의민족 주아" pitchFamily="18" charset="-127"/>
-                <a:ea typeface="배달의민족 주아" pitchFamily="18" charset="-127"/>
-              </a:rPr>
-              <a:t>&lt;/p&gt;</a:t>
-            </a:r>
-            <a:endParaRPr lang="en-US" altLang="ko-KR" sz="2400" dirty="0">
-              <a:latin typeface="배달의민족 주아" pitchFamily="18" charset="-127"/>
-              <a:ea typeface="배달의민족 주아" pitchFamily="18" charset="-127"/>
-            </a:endParaRPr>
+              <a:t>class=“”large”” </a:t>
+            </a:r>
+            <a:r>
+              <a:rPr lang="en-US" altLang="ko-KR" sz="2400" dirty="0">
+                <a:latin typeface="배달의민족 주아" pitchFamily="18" charset="-127"/>
+                <a:ea typeface="배달의민족 주아" pitchFamily="18" charset="-127"/>
+              </a:rPr>
+              <a:t>&gt;Pick this&lt;/p&gt;</a:t>
+            </a:r>
           </a:p>
           <a:p>
             <a:pPr algn="l"/>
             <a:r>
-              <a:rPr lang="en-US" altLang="ko-KR" sz="2400" dirty="0" smtClean="0">
+              <a:rPr lang="en-US" altLang="ko-KR" sz="2400" dirty="0">
                 <a:latin typeface="배달의민족 주아" pitchFamily="18" charset="-127"/>
                 <a:ea typeface="배달의민족 주아" pitchFamily="18" charset="-127"/>
               </a:rPr>
